--- a/questionare.pptx
+++ b/questionare.pptx
@@ -132,6 +132,990 @@
 </p1510:revInfo>
 </file>
 
+<file path=ppt/charts/chart1.xml><?xml version="1.0" encoding="utf-8"?>
+<c:chartSpace xmlns:c="http://schemas.openxmlformats.org/drawingml/2006/chart" xmlns:a="http://schemas.openxmlformats.org/drawingml/2006/main" xmlns:r="http://schemas.openxmlformats.org/officeDocument/2006/relationships" xmlns:c16r2="http://schemas.microsoft.com/office/drawing/2015/06/chart">
+  <c:date1904 val="0"/>
+  <c:lang val="tr-TR"/>
+  <c:roundedCorners val="0"/>
+  <mc:AlternateContent xmlns:mc="http://schemas.openxmlformats.org/markup-compatibility/2006">
+    <mc:Choice xmlns:c14="http://schemas.microsoft.com/office/drawing/2007/8/2/chart" Requires="c14">
+      <c14:style val="102"/>
+    </mc:Choice>
+    <mc:Fallback>
+      <c:style val="2"/>
+    </mc:Fallback>
+  </mc:AlternateContent>
+  <c:chart>
+    <c:autoTitleDeleted val="1"/>
+    <c:plotArea>
+      <c:layout>
+        <c:manualLayout>
+          <c:layoutTarget val="inner"/>
+          <c:xMode val="edge"/>
+          <c:yMode val="edge"/>
+          <c:x val="1.1688912223288134E-3"/>
+          <c:y val="6.7849679876351099E-2"/>
+          <c:w val="0.97918232058845212"/>
+          <c:h val="0.96671180011294944"/>
+        </c:manualLayout>
+      </c:layout>
+      <c:doughnutChart>
+        <c:varyColors val="1"/>
+        <c:ser>
+          <c:idx val="0"/>
+          <c:order val="0"/>
+          <c:dPt>
+            <c:idx val="0"/>
+            <c:bubble3D val="0"/>
+            <c:spPr>
+              <a:solidFill>
+                <a:schemeClr val="accent1"/>
+              </a:solidFill>
+              <a:ln w="19050">
+                <a:solidFill>
+                  <a:schemeClr val="lt1"/>
+                </a:solidFill>
+              </a:ln>
+              <a:effectLst/>
+            </c:spPr>
+            <c:extLst>
+              <c:ext xmlns:c16="http://schemas.microsoft.com/office/drawing/2014/chart" uri="{C3380CC4-5D6E-409C-BE32-E72D297353CC}">
+                <c16:uniqueId val="{00000001-9EAE-4580-A045-0FDD7AB7F4E3}"/>
+              </c:ext>
+            </c:extLst>
+          </c:dPt>
+          <c:dPt>
+            <c:idx val="1"/>
+            <c:bubble3D val="0"/>
+            <c:spPr>
+              <a:solidFill>
+                <a:schemeClr val="accent2"/>
+              </a:solidFill>
+              <a:ln w="19050">
+                <a:solidFill>
+                  <a:schemeClr val="lt1"/>
+                </a:solidFill>
+              </a:ln>
+              <a:effectLst/>
+            </c:spPr>
+            <c:extLst>
+              <c:ext xmlns:c16="http://schemas.microsoft.com/office/drawing/2014/chart" uri="{C3380CC4-5D6E-409C-BE32-E72D297353CC}">
+                <c16:uniqueId val="{00000003-9EAE-4580-A045-0FDD7AB7F4E3}"/>
+              </c:ext>
+            </c:extLst>
+          </c:dPt>
+          <c:dPt>
+            <c:idx val="2"/>
+            <c:bubble3D val="0"/>
+            <c:spPr>
+              <a:solidFill>
+                <a:schemeClr val="accent3"/>
+              </a:solidFill>
+              <a:ln w="19050">
+                <a:solidFill>
+                  <a:schemeClr val="lt1"/>
+                </a:solidFill>
+              </a:ln>
+              <a:effectLst/>
+            </c:spPr>
+            <c:extLst>
+              <c:ext xmlns:c16="http://schemas.microsoft.com/office/drawing/2014/chart" uri="{C3380CC4-5D6E-409C-BE32-E72D297353CC}">
+                <c16:uniqueId val="{00000005-9EAE-4580-A045-0FDD7AB7F4E3}"/>
+              </c:ext>
+            </c:extLst>
+          </c:dPt>
+          <c:dPt>
+            <c:idx val="3"/>
+            <c:bubble3D val="0"/>
+            <c:spPr>
+              <a:solidFill>
+                <a:schemeClr val="accent4"/>
+              </a:solidFill>
+              <a:ln w="19050">
+                <a:solidFill>
+                  <a:schemeClr val="lt1"/>
+                </a:solidFill>
+              </a:ln>
+              <a:effectLst/>
+            </c:spPr>
+            <c:extLst>
+              <c:ext xmlns:c16="http://schemas.microsoft.com/office/drawing/2014/chart" uri="{C3380CC4-5D6E-409C-BE32-E72D297353CC}">
+                <c16:uniqueId val="{00000007-9EAE-4580-A045-0FDD7AB7F4E3}"/>
+              </c:ext>
+            </c:extLst>
+          </c:dPt>
+          <c:dPt>
+            <c:idx val="4"/>
+            <c:bubble3D val="0"/>
+            <c:spPr>
+              <a:solidFill>
+                <a:schemeClr val="accent5"/>
+              </a:solidFill>
+              <a:ln w="19050">
+                <a:solidFill>
+                  <a:schemeClr val="lt1"/>
+                </a:solidFill>
+              </a:ln>
+              <a:effectLst/>
+            </c:spPr>
+            <c:extLst>
+              <c:ext xmlns:c16="http://schemas.microsoft.com/office/drawing/2014/chart" uri="{C3380CC4-5D6E-409C-BE32-E72D297353CC}">
+                <c16:uniqueId val="{00000009-9EAE-4580-A045-0FDD7AB7F4E3}"/>
+              </c:ext>
+            </c:extLst>
+          </c:dPt>
+          <c:dPt>
+            <c:idx val="5"/>
+            <c:bubble3D val="0"/>
+            <c:spPr>
+              <a:solidFill>
+                <a:schemeClr val="accent6"/>
+              </a:solidFill>
+              <a:ln w="19050">
+                <a:solidFill>
+                  <a:schemeClr val="lt1"/>
+                </a:solidFill>
+              </a:ln>
+              <a:effectLst/>
+            </c:spPr>
+            <c:extLst>
+              <c:ext xmlns:c16="http://schemas.microsoft.com/office/drawing/2014/chart" uri="{C3380CC4-5D6E-409C-BE32-E72D297353CC}">
+                <c16:uniqueId val="{0000000B-9EAE-4580-A045-0FDD7AB7F4E3}"/>
+              </c:ext>
+            </c:extLst>
+          </c:dPt>
+          <c:dPt>
+            <c:idx val="6"/>
+            <c:bubble3D val="0"/>
+            <c:spPr>
+              <a:solidFill>
+                <a:schemeClr val="tx2"/>
+              </a:solidFill>
+              <a:ln w="19050">
+                <a:solidFill>
+                  <a:schemeClr val="lt1"/>
+                </a:solidFill>
+              </a:ln>
+              <a:effectLst/>
+            </c:spPr>
+            <c:extLst>
+              <c:ext xmlns:c16="http://schemas.microsoft.com/office/drawing/2014/chart" uri="{C3380CC4-5D6E-409C-BE32-E72D297353CC}">
+                <c16:uniqueId val="{0000000D-9EAE-4580-A045-0FDD7AB7F4E3}"/>
+              </c:ext>
+            </c:extLst>
+          </c:dPt>
+          <c:dPt>
+            <c:idx val="7"/>
+            <c:bubble3D val="0"/>
+            <c:spPr>
+              <a:solidFill>
+                <a:schemeClr val="accent6">
+                  <a:lumMod val="25000"/>
+                  <a:lumOff val="75000"/>
+                </a:schemeClr>
+              </a:solidFill>
+              <a:ln w="19050">
+                <a:solidFill>
+                  <a:schemeClr val="lt1"/>
+                </a:solidFill>
+              </a:ln>
+              <a:effectLst/>
+            </c:spPr>
+            <c:extLst>
+              <c:ext xmlns:c16="http://schemas.microsoft.com/office/drawing/2014/chart" uri="{C3380CC4-5D6E-409C-BE32-E72D297353CC}">
+                <c16:uniqueId val="{0000000F-9EAE-4580-A045-0FDD7AB7F4E3}"/>
+              </c:ext>
+            </c:extLst>
+          </c:dPt>
+          <c:dPt>
+            <c:idx val="8"/>
+            <c:bubble3D val="0"/>
+            <c:spPr>
+              <a:solidFill>
+                <a:schemeClr val="accent3">
+                  <a:lumMod val="60000"/>
+                </a:schemeClr>
+              </a:solidFill>
+              <a:ln w="19050">
+                <a:solidFill>
+                  <a:schemeClr val="lt1"/>
+                </a:solidFill>
+              </a:ln>
+              <a:effectLst/>
+            </c:spPr>
+            <c:extLst>
+              <c:ext xmlns:c16="http://schemas.microsoft.com/office/drawing/2014/chart" uri="{C3380CC4-5D6E-409C-BE32-E72D297353CC}">
+                <c16:uniqueId val="{00000011-9EAE-4580-A045-0FDD7AB7F4E3}"/>
+              </c:ext>
+            </c:extLst>
+          </c:dPt>
+          <c:dPt>
+            <c:idx val="9"/>
+            <c:bubble3D val="0"/>
+            <c:spPr>
+              <a:solidFill>
+                <a:schemeClr val="accent4">
+                  <a:lumMod val="60000"/>
+                </a:schemeClr>
+              </a:solidFill>
+              <a:ln w="19050">
+                <a:solidFill>
+                  <a:schemeClr val="lt1"/>
+                </a:solidFill>
+              </a:ln>
+              <a:effectLst/>
+            </c:spPr>
+            <c:extLst>
+              <c:ext xmlns:c16="http://schemas.microsoft.com/office/drawing/2014/chart" uri="{C3380CC4-5D6E-409C-BE32-E72D297353CC}">
+                <c16:uniqueId val="{00000013-9EAE-4580-A045-0FDD7AB7F4E3}"/>
+              </c:ext>
+            </c:extLst>
+          </c:dPt>
+          <c:dLbls>
+            <c:spPr>
+              <a:noFill/>
+              <a:ln>
+                <a:noFill/>
+              </a:ln>
+              <a:effectLst/>
+            </c:spPr>
+            <c:txPr>
+              <a:bodyPr rot="0" spcFirstLastPara="1" vertOverflow="ellipsis" vert="horz" wrap="square" lIns="38100" tIns="19050" rIns="38100" bIns="19050" anchor="ctr" anchorCtr="1">
+                <a:spAutoFit/>
+              </a:bodyPr>
+              <a:lstStyle/>
+              <a:p>
+                <a:pPr>
+                  <a:defRPr sz="900" b="0" i="0" u="none" strike="noStrike" kern="1200" baseline="0">
+                    <a:solidFill>
+                      <a:schemeClr val="bg2"/>
+                    </a:solidFill>
+                    <a:latin typeface="+mn-lt"/>
+                    <a:ea typeface="+mn-ea"/>
+                    <a:cs typeface="+mn-cs"/>
+                  </a:defRPr>
+                </a:pPr>
+                <a:endParaRPr lang="tr-TR"/>
+              </a:p>
+            </c:txPr>
+            <c:showLegendKey val="0"/>
+            <c:showVal val="0"/>
+            <c:showCatName val="0"/>
+            <c:showSerName val="0"/>
+            <c:showPercent val="1"/>
+            <c:showBubbleSize val="0"/>
+            <c:showLeaderLines val="1"/>
+            <c:leaderLines>
+              <c:spPr>
+                <a:ln w="9525" cap="flat" cmpd="sng" algn="ctr">
+                  <a:solidFill>
+                    <a:schemeClr val="tx1">
+                      <a:lumMod val="35000"/>
+                      <a:lumOff val="65000"/>
+                    </a:schemeClr>
+                  </a:solidFill>
+                  <a:round/>
+                </a:ln>
+                <a:effectLst/>
+              </c:spPr>
+            </c:leaderLines>
+            <c:extLst>
+              <c:ext xmlns:c15="http://schemas.microsoft.com/office/drawing/2012/chart" uri="{CE6537A1-D6FC-4f65-9D91-7224C49458BB}"/>
+            </c:extLst>
+          </c:dLbls>
+          <c:cat>
+            <c:strRef>
+              <c:f>'[Value Calculator_Financials LIVE v9.xlsm]Value Analysis'!$C$46:$C$54</c:f>
+              <c:strCache>
+                <c:ptCount val="9"/>
+                <c:pt idx="0">
+                  <c:v>Raising Purchase Orders</c:v>
+                </c:pt>
+                <c:pt idx="1">
+                  <c:v>Purchase Order approvals</c:v>
+                </c:pt>
+                <c:pt idx="2">
+                  <c:v>Coding invoice processes</c:v>
+                </c:pt>
+                <c:pt idx="3">
+                  <c:v>Management of supplier and purchase invoices</c:v>
+                </c:pt>
+                <c:pt idx="4">
+                  <c:v>Managing Spend leakage </c:v>
+                </c:pt>
+                <c:pt idx="5">
+                  <c:v>Finance query management &amp; reporting</c:v>
+                </c:pt>
+                <c:pt idx="6">
+                  <c:v>Debt collection administration processes</c:v>
+                </c:pt>
+                <c:pt idx="7">
+                  <c:v>Customer Invoicing &amp; Finance Workflow</c:v>
+                </c:pt>
+                <c:pt idx="8">
+                  <c:v>Online expense management</c:v>
+                </c:pt>
+              </c:strCache>
+            </c:strRef>
+          </c:cat>
+          <c:val>
+            <c:numRef>
+              <c:f>'[Value Calculator_Financials LIVE v9.xlsm]Value Analysis'!$L$45:$L$54</c:f>
+              <c:numCache>
+                <c:formatCode>"£"#,##0</c:formatCode>
+                <c:ptCount val="10"/>
+                <c:pt idx="0">
+                  <c:v>58750</c:v>
+                </c:pt>
+                <c:pt idx="1">
+                  <c:v>1023555.5555555555</c:v>
+                </c:pt>
+                <c:pt idx="2">
+                  <c:v>767666.66666666663</c:v>
+                </c:pt>
+                <c:pt idx="3">
+                  <c:v>266550.92592592596</c:v>
+                </c:pt>
+                <c:pt idx="4">
+                  <c:v>246293.05555555553</c:v>
+                </c:pt>
+                <c:pt idx="5">
+                  <c:v>16156.25</c:v>
+                </c:pt>
+                <c:pt idx="6">
+                  <c:v>226205.77777777778</c:v>
+                </c:pt>
+                <c:pt idx="7">
+                  <c:v>189153.06666666668</c:v>
+                </c:pt>
+                <c:pt idx="8">
+                  <c:v>13306.222222222221</c:v>
+                </c:pt>
+                <c:pt idx="9">
+                  <c:v>388219.99999999988</c:v>
+                </c:pt>
+              </c:numCache>
+            </c:numRef>
+          </c:val>
+          <c:extLst>
+            <c:ext xmlns:c16="http://schemas.microsoft.com/office/drawing/2014/chart" uri="{C3380CC4-5D6E-409C-BE32-E72D297353CC}">
+              <c16:uniqueId val="{00000014-9EAE-4580-A045-0FDD7AB7F4E3}"/>
+            </c:ext>
+          </c:extLst>
+        </c:ser>
+        <c:dLbls>
+          <c:showLegendKey val="0"/>
+          <c:showVal val="0"/>
+          <c:showCatName val="0"/>
+          <c:showSerName val="0"/>
+          <c:showPercent val="1"/>
+          <c:showBubbleSize val="0"/>
+          <c:showLeaderLines val="1"/>
+        </c:dLbls>
+        <c:firstSliceAng val="0"/>
+        <c:holeSize val="75"/>
+      </c:doughnutChart>
+      <c:spPr>
+        <a:noFill/>
+        <a:ln>
+          <a:noFill/>
+        </a:ln>
+        <a:effectLst/>
+      </c:spPr>
+    </c:plotArea>
+    <c:plotVisOnly val="1"/>
+    <c:dispBlanksAs val="gap"/>
+    <c:extLst>
+      <c:ext xmlns:c16r3="http://schemas.microsoft.com/office/drawing/2017/03/chart" uri="{56B9EC1D-385E-4148-901F-78D8002777C0}">
+        <c16r3:dataDisplayOptions16>
+          <c16r3:dispNaAsBlank val="1"/>
+        </c16r3:dataDisplayOptions16>
+      </c:ext>
+    </c:extLst>
+    <c:showDLblsOverMax val="0"/>
+  </c:chart>
+  <c:spPr>
+    <a:noFill/>
+    <a:ln>
+      <a:noFill/>
+    </a:ln>
+    <a:effectLst/>
+  </c:spPr>
+  <c:txPr>
+    <a:bodyPr/>
+    <a:lstStyle/>
+    <a:p>
+      <a:pPr>
+        <a:defRPr/>
+      </a:pPr>
+      <a:endParaRPr lang="tr-TR"/>
+    </a:p>
+  </c:txPr>
+  <c:externalData r:id="rId3">
+    <c:autoUpdate val="0"/>
+  </c:externalData>
+</c:chartSpace>
+</file>
+
+<file path=ppt/charts/colors1.xml><?xml version="1.0" encoding="utf-8"?>
+<cs:colorStyle xmlns:cs="http://schemas.microsoft.com/office/drawing/2012/chartStyle" xmlns:a="http://schemas.openxmlformats.org/drawingml/2006/main" meth="cycle" id="10">
+  <a:schemeClr val="accent1"/>
+  <a:schemeClr val="accent2"/>
+  <a:schemeClr val="accent3"/>
+  <a:schemeClr val="accent4"/>
+  <a:schemeClr val="accent5"/>
+  <a:schemeClr val="accent6"/>
+  <cs:variation/>
+  <cs:variation>
+    <a:lumMod val="60000"/>
+  </cs:variation>
+  <cs:variation>
+    <a:lumMod val="80000"/>
+    <a:lumOff val="20000"/>
+  </cs:variation>
+  <cs:variation>
+    <a:lumMod val="80000"/>
+  </cs:variation>
+  <cs:variation>
+    <a:lumMod val="60000"/>
+    <a:lumOff val="40000"/>
+  </cs:variation>
+  <cs:variation>
+    <a:lumMod val="50000"/>
+  </cs:variation>
+  <cs:variation>
+    <a:lumMod val="70000"/>
+    <a:lumOff val="30000"/>
+  </cs:variation>
+  <cs:variation>
+    <a:lumMod val="70000"/>
+  </cs:variation>
+  <cs:variation>
+    <a:lumMod val="50000"/>
+    <a:lumOff val="50000"/>
+  </cs:variation>
+</cs:colorStyle>
+</file>
+
+<file path=ppt/charts/style1.xml><?xml version="1.0" encoding="utf-8"?>
+<cs:chartStyle xmlns:cs="http://schemas.microsoft.com/office/drawing/2012/chartStyle" xmlns:a="http://schemas.openxmlformats.org/drawingml/2006/main" id="251">
+  <cs:axisTitle>
+    <cs:lnRef idx="0"/>
+    <cs:fillRef idx="0"/>
+    <cs:effectRef idx="0"/>
+    <cs:fontRef idx="minor">
+      <a:schemeClr val="tx1">
+        <a:lumMod val="65000"/>
+        <a:lumOff val="35000"/>
+      </a:schemeClr>
+    </cs:fontRef>
+    <cs:defRPr sz="1000" kern="1200"/>
+  </cs:axisTitle>
+  <cs:categoryAxis>
+    <cs:lnRef idx="0"/>
+    <cs:fillRef idx="0"/>
+    <cs:effectRef idx="0"/>
+    <cs:fontRef idx="minor">
+      <a:schemeClr val="tx1">
+        <a:lumMod val="65000"/>
+        <a:lumOff val="35000"/>
+      </a:schemeClr>
+    </cs:fontRef>
+    <cs:spPr>
+      <a:ln w="9525" cap="flat" cmpd="sng" algn="ctr">
+        <a:solidFill>
+          <a:schemeClr val="tx1">
+            <a:lumMod val="15000"/>
+            <a:lumOff val="85000"/>
+          </a:schemeClr>
+        </a:solidFill>
+        <a:round/>
+      </a:ln>
+    </cs:spPr>
+    <cs:defRPr sz="900" kern="1200"/>
+  </cs:categoryAxis>
+  <cs:chartArea mods="allowNoFillOverride allowNoLineOverride">
+    <cs:lnRef idx="0"/>
+    <cs:fillRef idx="0"/>
+    <cs:effectRef idx="0"/>
+    <cs:fontRef idx="minor">
+      <a:schemeClr val="tx1"/>
+    </cs:fontRef>
+    <cs:spPr>
+      <a:solidFill>
+        <a:schemeClr val="bg1"/>
+      </a:solidFill>
+      <a:ln w="9525" cap="flat" cmpd="sng" algn="ctr">
+        <a:solidFill>
+          <a:schemeClr val="tx1">
+            <a:lumMod val="15000"/>
+            <a:lumOff val="85000"/>
+          </a:schemeClr>
+        </a:solidFill>
+        <a:round/>
+      </a:ln>
+    </cs:spPr>
+    <cs:defRPr sz="900" kern="1200"/>
+  </cs:chartArea>
+  <cs:dataLabel>
+    <cs:lnRef idx="0"/>
+    <cs:fillRef idx="0"/>
+    <cs:effectRef idx="0"/>
+    <cs:fontRef idx="minor">
+      <a:schemeClr val="tx1">
+        <a:lumMod val="75000"/>
+        <a:lumOff val="25000"/>
+      </a:schemeClr>
+    </cs:fontRef>
+    <cs:defRPr sz="900" kern="1200"/>
+  </cs:dataLabel>
+  <cs:dataLabelCallout>
+    <cs:lnRef idx="0"/>
+    <cs:fillRef idx="0"/>
+    <cs:effectRef idx="0"/>
+    <cs:fontRef idx="minor">
+      <a:schemeClr val="dk1">
+        <a:lumMod val="65000"/>
+        <a:lumOff val="35000"/>
+      </a:schemeClr>
+    </cs:fontRef>
+    <cs:spPr>
+      <a:solidFill>
+        <a:schemeClr val="lt1"/>
+      </a:solidFill>
+      <a:ln>
+        <a:solidFill>
+          <a:schemeClr val="dk1">
+            <a:lumMod val="25000"/>
+            <a:lumOff val="75000"/>
+          </a:schemeClr>
+        </a:solidFill>
+      </a:ln>
+    </cs:spPr>
+    <cs:defRPr sz="900" kern="1200"/>
+    <cs:bodyPr rot="0" spcFirstLastPara="1" vertOverflow="clip" horzOverflow="clip" vert="horz" wrap="square" lIns="36576" tIns="18288" rIns="36576" bIns="18288" anchor="ctr" anchorCtr="1">
+      <a:spAutoFit/>
+    </cs:bodyPr>
+  </cs:dataLabelCallout>
+  <cs:dataPoint>
+    <cs:lnRef idx="0"/>
+    <cs:fillRef idx="1">
+      <cs:styleClr val="auto"/>
+    </cs:fillRef>
+    <cs:effectRef idx="0"/>
+    <cs:fontRef idx="minor">
+      <a:schemeClr val="tx1"/>
+    </cs:fontRef>
+    <cs:spPr>
+      <a:ln w="19050">
+        <a:solidFill>
+          <a:schemeClr val="lt1"/>
+        </a:solidFill>
+      </a:ln>
+    </cs:spPr>
+  </cs:dataPoint>
+  <cs:dataPoint3D>
+    <cs:lnRef idx="0"/>
+    <cs:fillRef idx="1">
+      <cs:styleClr val="auto"/>
+    </cs:fillRef>
+    <cs:effectRef idx="0"/>
+    <cs:fontRef idx="minor">
+      <a:schemeClr val="tx1"/>
+    </cs:fontRef>
+    <cs:spPr>
+      <a:ln w="25400">
+        <a:solidFill>
+          <a:schemeClr val="lt1"/>
+        </a:solidFill>
+      </a:ln>
+    </cs:spPr>
+  </cs:dataPoint3D>
+  <cs:dataPointLine>
+    <cs:lnRef idx="0">
+      <cs:styleClr val="auto"/>
+    </cs:lnRef>
+    <cs:fillRef idx="0"/>
+    <cs:effectRef idx="0"/>
+    <cs:fontRef idx="minor">
+      <a:schemeClr val="tx1"/>
+    </cs:fontRef>
+    <cs:spPr>
+      <a:ln w="28575" cap="rnd">
+        <a:solidFill>
+          <a:schemeClr val="phClr"/>
+        </a:solidFill>
+        <a:round/>
+      </a:ln>
+    </cs:spPr>
+  </cs:dataPointLine>
+  <cs:dataPointMarker>
+    <cs:lnRef idx="0">
+      <cs:styleClr val="auto"/>
+    </cs:lnRef>
+    <cs:fillRef idx="1">
+      <cs:styleClr val="auto"/>
+    </cs:fillRef>
+    <cs:effectRef idx="0"/>
+    <cs:fontRef idx="minor">
+      <a:schemeClr val="tx1"/>
+    </cs:fontRef>
+    <cs:spPr>
+      <a:ln w="9525">
+        <a:solidFill>
+          <a:schemeClr val="phClr"/>
+        </a:solidFill>
+      </a:ln>
+    </cs:spPr>
+  </cs:dataPointMarker>
+  <cs:dataPointMarkerLayout symbol="circle" size="5"/>
+  <cs:dataPointWireframe>
+    <cs:lnRef idx="0">
+      <cs:styleClr val="auto"/>
+    </cs:lnRef>
+    <cs:fillRef idx="0"/>
+    <cs:effectRef idx="0"/>
+    <cs:fontRef idx="minor">
+      <a:schemeClr val="tx1"/>
+    </cs:fontRef>
+    <cs:spPr>
+      <a:ln w="9525" cap="rnd">
+        <a:solidFill>
+          <a:schemeClr val="phClr"/>
+        </a:solidFill>
+        <a:round/>
+      </a:ln>
+    </cs:spPr>
+  </cs:dataPointWireframe>
+  <cs:dataTable>
+    <cs:lnRef idx="0"/>
+    <cs:fillRef idx="0"/>
+    <cs:effectRef idx="0"/>
+    <cs:fontRef idx="minor">
+      <a:schemeClr val="tx1">
+        <a:lumMod val="65000"/>
+        <a:lumOff val="35000"/>
+      </a:schemeClr>
+    </cs:fontRef>
+    <cs:spPr>
+      <a:noFill/>
+      <a:ln w="9525" cap="flat" cmpd="sng" algn="ctr">
+        <a:solidFill>
+          <a:schemeClr val="tx1">
+            <a:lumMod val="15000"/>
+            <a:lumOff val="85000"/>
+          </a:schemeClr>
+        </a:solidFill>
+        <a:round/>
+      </a:ln>
+    </cs:spPr>
+    <cs:defRPr sz="900" kern="1200"/>
+  </cs:dataTable>
+  <cs:downBar>
+    <cs:lnRef idx="0"/>
+    <cs:fillRef idx="0"/>
+    <cs:effectRef idx="0"/>
+    <cs:fontRef idx="minor">
+      <a:schemeClr val="tx1"/>
+    </cs:fontRef>
+    <cs:spPr>
+      <a:solidFill>
+        <a:schemeClr val="dk1">
+          <a:lumMod val="75000"/>
+          <a:lumOff val="25000"/>
+        </a:schemeClr>
+      </a:solidFill>
+      <a:ln w="9525" cap="flat" cmpd="sng" algn="ctr">
+        <a:solidFill>
+          <a:schemeClr val="tx1">
+            <a:lumMod val="65000"/>
+            <a:lumOff val="35000"/>
+          </a:schemeClr>
+        </a:solidFill>
+        <a:round/>
+      </a:ln>
+    </cs:spPr>
+  </cs:downBar>
+  <cs:dropLine>
+    <cs:lnRef idx="0"/>
+    <cs:fillRef idx="0"/>
+    <cs:effectRef idx="0"/>
+    <cs:fontRef idx="minor">
+      <a:schemeClr val="tx1"/>
+    </cs:fontRef>
+    <cs:spPr>
+      <a:ln w="9525" cap="flat" cmpd="sng" algn="ctr">
+        <a:solidFill>
+          <a:schemeClr val="tx1">
+            <a:lumMod val="35000"/>
+            <a:lumOff val="65000"/>
+          </a:schemeClr>
+        </a:solidFill>
+        <a:round/>
+      </a:ln>
+    </cs:spPr>
+  </cs:dropLine>
+  <cs:errorBar>
+    <cs:lnRef idx="0"/>
+    <cs:fillRef idx="0"/>
+    <cs:effectRef idx="0"/>
+    <cs:fontRef idx="minor">
+      <a:schemeClr val="tx1"/>
+    </cs:fontRef>
+    <cs:spPr>
+      <a:ln w="9525" cap="flat" cmpd="sng" algn="ctr">
+        <a:solidFill>
+          <a:schemeClr val="tx1">
+            <a:lumMod val="65000"/>
+            <a:lumOff val="35000"/>
+          </a:schemeClr>
+        </a:solidFill>
+        <a:round/>
+      </a:ln>
+    </cs:spPr>
+  </cs:errorBar>
+  <cs:floor>
+    <cs:lnRef idx="0"/>
+    <cs:fillRef idx="0"/>
+    <cs:effectRef idx="0"/>
+    <cs:fontRef idx="minor">
+      <a:schemeClr val="tx1"/>
+    </cs:fontRef>
+    <cs:spPr>
+      <a:noFill/>
+      <a:ln>
+        <a:noFill/>
+      </a:ln>
+    </cs:spPr>
+  </cs:floor>
+  <cs:gridlineMajor>
+    <cs:lnRef idx="0"/>
+    <cs:fillRef idx="0"/>
+    <cs:effectRef idx="0"/>
+    <cs:fontRef idx="minor">
+      <a:schemeClr val="tx1"/>
+    </cs:fontRef>
+    <cs:spPr>
+      <a:ln w="9525" cap="flat" cmpd="sng" algn="ctr">
+        <a:solidFill>
+          <a:schemeClr val="tx1">
+            <a:lumMod val="15000"/>
+            <a:lumOff val="85000"/>
+          </a:schemeClr>
+        </a:solidFill>
+        <a:round/>
+      </a:ln>
+    </cs:spPr>
+  </cs:gridlineMajor>
+  <cs:gridlineMinor>
+    <cs:lnRef idx="0"/>
+    <cs:fillRef idx="0"/>
+    <cs:effectRef idx="0"/>
+    <cs:fontRef idx="minor">
+      <a:schemeClr val="tx1"/>
+    </cs:fontRef>
+    <cs:spPr>
+      <a:ln w="9525" cap="flat" cmpd="sng" algn="ctr">
+        <a:solidFill>
+          <a:schemeClr val="tx1">
+            <a:lumMod val="5000"/>
+            <a:lumOff val="95000"/>
+          </a:schemeClr>
+        </a:solidFill>
+        <a:round/>
+      </a:ln>
+    </cs:spPr>
+  </cs:gridlineMinor>
+  <cs:hiLoLine>
+    <cs:lnRef idx="0"/>
+    <cs:fillRef idx="0"/>
+    <cs:effectRef idx="0"/>
+    <cs:fontRef idx="minor">
+      <a:schemeClr val="tx1"/>
+    </cs:fontRef>
+    <cs:spPr>
+      <a:ln w="9525" cap="flat" cmpd="sng" algn="ctr">
+        <a:solidFill>
+          <a:schemeClr val="tx1">
+            <a:lumMod val="50000"/>
+            <a:lumOff val="50000"/>
+          </a:schemeClr>
+        </a:solidFill>
+        <a:round/>
+      </a:ln>
+    </cs:spPr>
+  </cs:hiLoLine>
+  <cs:leaderLine>
+    <cs:lnRef idx="0"/>
+    <cs:fillRef idx="0"/>
+    <cs:effectRef idx="0"/>
+    <cs:fontRef idx="minor">
+      <a:schemeClr val="tx1"/>
+    </cs:fontRef>
+    <cs:spPr>
+      <a:ln w="9525" cap="flat" cmpd="sng" algn="ctr">
+        <a:solidFill>
+          <a:schemeClr val="tx1">
+            <a:lumMod val="35000"/>
+            <a:lumOff val="65000"/>
+          </a:schemeClr>
+        </a:solidFill>
+        <a:round/>
+      </a:ln>
+    </cs:spPr>
+  </cs:leaderLine>
+  <cs:legend>
+    <cs:lnRef idx="0"/>
+    <cs:fillRef idx="0"/>
+    <cs:effectRef idx="0"/>
+    <cs:fontRef idx="minor">
+      <a:schemeClr val="tx1">
+        <a:lumMod val="65000"/>
+        <a:lumOff val="35000"/>
+      </a:schemeClr>
+    </cs:fontRef>
+    <cs:defRPr sz="900" kern="1200"/>
+  </cs:legend>
+  <cs:plotArea mods="allowNoFillOverride allowNoLineOverride">
+    <cs:lnRef idx="0"/>
+    <cs:fillRef idx="0"/>
+    <cs:effectRef idx="0"/>
+    <cs:fontRef idx="minor">
+      <a:schemeClr val="tx1"/>
+    </cs:fontRef>
+  </cs:plotArea>
+  <cs:plotArea3D mods="allowNoFillOverride allowNoLineOverride">
+    <cs:lnRef idx="0"/>
+    <cs:fillRef idx="0"/>
+    <cs:effectRef idx="0"/>
+    <cs:fontRef idx="minor">
+      <a:schemeClr val="tx1"/>
+    </cs:fontRef>
+  </cs:plotArea3D>
+  <cs:seriesAxis>
+    <cs:lnRef idx="0"/>
+    <cs:fillRef idx="0"/>
+    <cs:effectRef idx="0"/>
+    <cs:fontRef idx="minor">
+      <a:schemeClr val="tx1">
+        <a:lumMod val="65000"/>
+        <a:lumOff val="35000"/>
+      </a:schemeClr>
+    </cs:fontRef>
+    <cs:defRPr sz="900" kern="1200"/>
+  </cs:seriesAxis>
+  <cs:seriesLine>
+    <cs:lnRef idx="0"/>
+    <cs:fillRef idx="0"/>
+    <cs:effectRef idx="0"/>
+    <cs:fontRef idx="minor">
+      <a:schemeClr val="tx1"/>
+    </cs:fontRef>
+    <cs:spPr>
+      <a:ln w="9525" cap="flat" cmpd="sng" algn="ctr">
+        <a:solidFill>
+          <a:schemeClr val="tx1">
+            <a:lumMod val="35000"/>
+            <a:lumOff val="65000"/>
+          </a:schemeClr>
+        </a:solidFill>
+        <a:round/>
+      </a:ln>
+    </cs:spPr>
+  </cs:seriesLine>
+  <cs:title>
+    <cs:lnRef idx="0"/>
+    <cs:fillRef idx="0"/>
+    <cs:effectRef idx="0"/>
+    <cs:fontRef idx="minor">
+      <a:schemeClr val="tx1">
+        <a:lumMod val="65000"/>
+        <a:lumOff val="35000"/>
+      </a:schemeClr>
+    </cs:fontRef>
+    <cs:defRPr sz="1400" b="0" kern="1200" spc="0" baseline="0"/>
+  </cs:title>
+  <cs:trendline>
+    <cs:lnRef idx="0">
+      <cs:styleClr val="auto"/>
+    </cs:lnRef>
+    <cs:fillRef idx="0"/>
+    <cs:effectRef idx="0"/>
+    <cs:fontRef idx="minor">
+      <a:schemeClr val="tx1"/>
+    </cs:fontRef>
+    <cs:spPr>
+      <a:ln w="19050" cap="rnd">
+        <a:solidFill>
+          <a:schemeClr val="phClr"/>
+        </a:solidFill>
+        <a:prstDash val="sysDot"/>
+      </a:ln>
+    </cs:spPr>
+  </cs:trendline>
+  <cs:trendlineLabel>
+    <cs:lnRef idx="0"/>
+    <cs:fillRef idx="0"/>
+    <cs:effectRef idx="0"/>
+    <cs:fontRef idx="minor">
+      <a:schemeClr val="tx1">
+        <a:lumMod val="65000"/>
+        <a:lumOff val="35000"/>
+      </a:schemeClr>
+    </cs:fontRef>
+    <cs:defRPr sz="900" kern="1200"/>
+  </cs:trendlineLabel>
+  <cs:upBar>
+    <cs:lnRef idx="0"/>
+    <cs:fillRef idx="0"/>
+    <cs:effectRef idx="0"/>
+    <cs:fontRef idx="minor">
+      <a:schemeClr val="tx1"/>
+    </cs:fontRef>
+    <cs:spPr>
+      <a:solidFill>
+        <a:schemeClr val="lt1"/>
+      </a:solidFill>
+      <a:ln w="9525" cap="flat" cmpd="sng" algn="ctr">
+        <a:solidFill>
+          <a:schemeClr val="tx1">
+            <a:lumMod val="65000"/>
+            <a:lumOff val="35000"/>
+          </a:schemeClr>
+        </a:solidFill>
+        <a:round/>
+      </a:ln>
+    </cs:spPr>
+  </cs:upBar>
+  <cs:valueAxis>
+    <cs:lnRef idx="0"/>
+    <cs:fillRef idx="0"/>
+    <cs:effectRef idx="0"/>
+    <cs:fontRef idx="minor">
+      <a:schemeClr val="tx1">
+        <a:lumMod val="65000"/>
+        <a:lumOff val="35000"/>
+      </a:schemeClr>
+    </cs:fontRef>
+    <cs:defRPr sz="900" kern="1200"/>
+  </cs:valueAxis>
+  <cs:wall>
+    <cs:lnRef idx="0"/>
+    <cs:fillRef idx="0"/>
+    <cs:effectRef idx="0"/>
+    <cs:fontRef idx="minor">
+      <a:schemeClr val="tx1"/>
+    </cs:fontRef>
+    <cs:spPr>
+      <a:noFill/>
+      <a:ln>
+        <a:noFill/>
+      </a:ln>
+    </cs:spPr>
+  </cs:wall>
+</cs:chartStyle>
+</file>
+
 <file path=ppt/handoutMasters/handoutMaster1.xml><?xml version="1.0" encoding="utf-8"?>
 <p:handoutMaster xmlns:a="http://schemas.openxmlformats.org/drawingml/2006/main" xmlns:r="http://schemas.openxmlformats.org/officeDocument/2006/relationships" xmlns:p="http://schemas.openxmlformats.org/presentationml/2006/main">
   <p:cSld>
@@ -226,7 +1210,7 @@
           <a:p>
             <a:fld id="{22EE6207-6821-4DAB-B818-E4F4F6AB12F5}" type="datetimeFigureOut">
               <a:rPr lang="en-GB" smtClean="0"/>
-              <a:t>01/10/2024</a:t>
+              <a:t>02/10/2024</a:t>
             </a:fld>
             <a:endParaRPr lang="en-GB"/>
           </a:p>
@@ -419,7 +1403,7 @@
           <a:p>
             <a:fld id="{5B936EE0-4F6D-274D-8902-95CDFEF84C8C}" type="datetimeFigureOut">
               <a:rPr lang="en-US" smtClean="0"/>
-              <a:t>10/1/2024</a:t>
+              <a:t>10/2/2024</a:t>
             </a:fld>
             <a:endParaRPr lang="en-US"/>
           </a:p>
@@ -1059,7 +2043,7 @@
           <a:p>
             <a:fld id="{98FAEBFC-AF3F-6E47-9766-48C2D7B36252}" type="datetime1">
               <a:rPr lang="en-GB" smtClean="0"/>
-              <a:t>01/10/2024</a:t>
+              <a:t>02/10/2024</a:t>
             </a:fld>
             <a:endParaRPr lang="en-GB"/>
           </a:p>
@@ -1374,7 +2358,7 @@
           <a:p>
             <a:fld id="{C7EFF3D0-6BED-D444-BEB4-872DDA21BA8D}" type="datetime1">
               <a:rPr lang="en-GB" smtClean="0"/>
-              <a:t>01/10/2024</a:t>
+              <a:t>02/10/2024</a:t>
             </a:fld>
             <a:endParaRPr lang="en-US"/>
           </a:p>
@@ -2492,7 +3476,7 @@
           <a:p>
             <a:fld id="{C7EFF3D0-6BED-D444-BEB4-872DDA21BA8D}" type="datetime1">
               <a:rPr lang="en-GB" smtClean="0"/>
-              <a:t>01/10/2024</a:t>
+              <a:t>02/10/2024</a:t>
             </a:fld>
             <a:endParaRPr lang="en-US"/>
           </a:p>
@@ -2959,7 +3943,7 @@
           <a:p>
             <a:fld id="{C7EFF3D0-6BED-D444-BEB4-872DDA21BA8D}" type="datetime1">
               <a:rPr lang="en-GB" smtClean="0"/>
-              <a:t>01/10/2024</a:t>
+              <a:t>02/10/2024</a:t>
             </a:fld>
             <a:endParaRPr lang="en-US"/>
           </a:p>
@@ -3610,7 +4594,7 @@
           <a:p>
             <a:fld id="{C7EFF3D0-6BED-D444-BEB4-872DDA21BA8D}" type="datetime1">
               <a:rPr lang="en-GB" smtClean="0"/>
-              <a:t>01/10/2024</a:t>
+              <a:t>02/10/2024</a:t>
             </a:fld>
             <a:endParaRPr lang="en-US"/>
           </a:p>
@@ -4021,7 +5005,7 @@
           <a:p>
             <a:fld id="{C7EFF3D0-6BED-D444-BEB4-872DDA21BA8D}" type="datetime1">
               <a:rPr lang="en-GB" smtClean="0"/>
-              <a:t>01/10/2024</a:t>
+              <a:t>02/10/2024</a:t>
             </a:fld>
             <a:endParaRPr lang="en-US"/>
           </a:p>
@@ -4522,7 +5506,7 @@
           <a:p>
             <a:fld id="{C7EFF3D0-6BED-D444-BEB4-872DDA21BA8D}" type="datetime1">
               <a:rPr lang="en-GB" smtClean="0"/>
-              <a:t>01/10/2024</a:t>
+              <a:t>02/10/2024</a:t>
             </a:fld>
             <a:endParaRPr lang="en-US"/>
           </a:p>
@@ -5252,7 +6236,7 @@
           <a:p>
             <a:fld id="{C7EFF3D0-6BED-D444-BEB4-872DDA21BA8D}" type="datetime1">
               <a:rPr lang="en-GB" smtClean="0"/>
-              <a:t>01/10/2024</a:t>
+              <a:t>02/10/2024</a:t>
             </a:fld>
             <a:endParaRPr lang="en-US"/>
           </a:p>
@@ -6078,7 +7062,7 @@
           <a:p>
             <a:fld id="{C7EFF3D0-6BED-D444-BEB4-872DDA21BA8D}" type="datetime1">
               <a:rPr lang="en-GB" smtClean="0"/>
-              <a:t>01/10/2024</a:t>
+              <a:t>02/10/2024</a:t>
             </a:fld>
             <a:endParaRPr lang="en-US"/>
           </a:p>
@@ -8101,7 +9085,7 @@
           <a:p>
             <a:fld id="{C7EFF3D0-6BED-D444-BEB4-872DDA21BA8D}" type="datetime1">
               <a:rPr lang="en-GB" smtClean="0"/>
-              <a:t>01/10/2024</a:t>
+              <a:t>02/10/2024</a:t>
             </a:fld>
             <a:endParaRPr lang="en-US"/>
           </a:p>
@@ -8727,7 +9711,7 @@
           <a:p>
             <a:fld id="{C7EFF3D0-6BED-D444-BEB4-872DDA21BA8D}" type="datetime1">
               <a:rPr lang="en-GB" smtClean="0"/>
-              <a:t>01/10/2024</a:t>
+              <a:t>02/10/2024</a:t>
             </a:fld>
             <a:endParaRPr lang="en-US"/>
           </a:p>
@@ -9700,7 +10684,7 @@
           <a:p>
             <a:fld id="{98FAEBFC-AF3F-6E47-9766-48C2D7B36252}" type="datetime1">
               <a:rPr lang="en-GB" smtClean="0"/>
-              <a:t>01/10/2024</a:t>
+              <a:t>02/10/2024</a:t>
             </a:fld>
             <a:endParaRPr lang="en-GB"/>
           </a:p>
@@ -10419,7 +11403,7 @@
           <a:p>
             <a:fld id="{C7EFF3D0-6BED-D444-BEB4-872DDA21BA8D}" type="datetime1">
               <a:rPr lang="en-GB" smtClean="0"/>
-              <a:t>01/10/2024</a:t>
+              <a:t>02/10/2024</a:t>
             </a:fld>
             <a:endParaRPr lang="en-US"/>
           </a:p>
@@ -11239,7 +12223,7 @@
           <a:p>
             <a:fld id="{C7EFF3D0-6BED-D444-BEB4-872DDA21BA8D}" type="datetime1">
               <a:rPr lang="en-GB" smtClean="0"/>
-              <a:t>01/10/2024</a:t>
+              <a:t>02/10/2024</a:t>
             </a:fld>
             <a:endParaRPr lang="en-US"/>
           </a:p>
@@ -12038,7 +13022,7 @@
           <a:p>
             <a:fld id="{C7EFF3D0-6BED-D444-BEB4-872DDA21BA8D}" type="datetime1">
               <a:rPr lang="en-GB" smtClean="0"/>
-              <a:t>01/10/2024</a:t>
+              <a:t>02/10/2024</a:t>
             </a:fld>
             <a:endParaRPr lang="en-US"/>
           </a:p>
@@ -12805,7 +13789,7 @@
           <a:p>
             <a:fld id="{C7EFF3D0-6BED-D444-BEB4-872DDA21BA8D}" type="datetime1">
               <a:rPr lang="en-GB" smtClean="0"/>
-              <a:t>01/10/2024</a:t>
+              <a:t>02/10/2024</a:t>
             </a:fld>
             <a:endParaRPr lang="en-US"/>
           </a:p>
@@ -13372,7 +14356,7 @@
           <a:p>
             <a:fld id="{C7EFF3D0-6BED-D444-BEB4-872DDA21BA8D}" type="datetime1">
               <a:rPr lang="en-GB" smtClean="0"/>
-              <a:t>01/10/2024</a:t>
+              <a:t>02/10/2024</a:t>
             </a:fld>
             <a:endParaRPr lang="en-US"/>
           </a:p>
@@ -13936,7 +14920,7 @@
           <a:p>
             <a:fld id="{C7EFF3D0-6BED-D444-BEB4-872DDA21BA8D}" type="datetime1">
               <a:rPr lang="en-GB" smtClean="0"/>
-              <a:t>01/10/2024</a:t>
+              <a:t>02/10/2024</a:t>
             </a:fld>
             <a:endParaRPr lang="en-US"/>
           </a:p>
@@ -14547,7 +15531,7 @@
           <a:p>
             <a:fld id="{C7EFF3D0-6BED-D444-BEB4-872DDA21BA8D}" type="datetime1">
               <a:rPr lang="en-GB" smtClean="0"/>
-              <a:t>01/10/2024</a:t>
+              <a:t>02/10/2024</a:t>
             </a:fld>
             <a:endParaRPr lang="en-US"/>
           </a:p>
@@ -15283,7 +16267,7 @@
           <a:p>
             <a:fld id="{C7EFF3D0-6BED-D444-BEB4-872DDA21BA8D}" type="datetime1">
               <a:rPr lang="en-GB" smtClean="0"/>
-              <a:t>01/10/2024</a:t>
+              <a:t>02/10/2024</a:t>
             </a:fld>
             <a:endParaRPr lang="en-US"/>
           </a:p>
@@ -15654,7 +16638,7 @@
           <a:p>
             <a:fld id="{C7EFF3D0-6BED-D444-BEB4-872DDA21BA8D}" type="datetime1">
               <a:rPr lang="en-GB" smtClean="0"/>
-              <a:t>01/10/2024</a:t>
+              <a:t>02/10/2024</a:t>
             </a:fld>
             <a:endParaRPr lang="en-US"/>
           </a:p>
@@ -16054,7 +17038,7 @@
           <a:p>
             <a:fld id="{C7EFF3D0-6BED-D444-BEB4-872DDA21BA8D}" type="datetime1">
               <a:rPr lang="en-GB" smtClean="0"/>
-              <a:t>01/10/2024</a:t>
+              <a:t>02/10/2024</a:t>
             </a:fld>
             <a:endParaRPr lang="en-US"/>
           </a:p>
@@ -17052,7 +18036,7 @@
           <a:p>
             <a:fld id="{98FAEBFC-AF3F-6E47-9766-48C2D7B36252}" type="datetime1">
               <a:rPr lang="en-GB" smtClean="0"/>
-              <a:t>01/10/2024</a:t>
+              <a:t>02/10/2024</a:t>
             </a:fld>
             <a:endParaRPr lang="en-GB"/>
           </a:p>
@@ -17606,7 +18590,7 @@
           <a:p>
             <a:fld id="{C7EFF3D0-6BED-D444-BEB4-872DDA21BA8D}" type="datetime1">
               <a:rPr lang="en-GB" smtClean="0"/>
-              <a:t>01/10/2024</a:t>
+              <a:t>02/10/2024</a:t>
             </a:fld>
             <a:endParaRPr lang="en-US"/>
           </a:p>
@@ -18348,7 +19332,7 @@
           <a:p>
             <a:fld id="{C7EFF3D0-6BED-D444-BEB4-872DDA21BA8D}" type="datetime1">
               <a:rPr lang="en-GB" smtClean="0"/>
-              <a:t>01/10/2024</a:t>
+              <a:t>02/10/2024</a:t>
             </a:fld>
             <a:endParaRPr lang="en-US"/>
           </a:p>
@@ -19291,7 +20275,7 @@
           <a:p>
             <a:fld id="{C7EFF3D0-6BED-D444-BEB4-872DDA21BA8D}" type="datetime1">
               <a:rPr lang="en-GB" smtClean="0"/>
-              <a:t>01/10/2024</a:t>
+              <a:t>02/10/2024</a:t>
             </a:fld>
             <a:endParaRPr lang="en-US"/>
           </a:p>
@@ -19847,7 +20831,7 @@
           <a:p>
             <a:fld id="{C7EFF3D0-6BED-D444-BEB4-872DDA21BA8D}" type="datetime1">
               <a:rPr lang="en-GB" smtClean="0"/>
-              <a:t>01/10/2024</a:t>
+              <a:t>02/10/2024</a:t>
             </a:fld>
             <a:endParaRPr lang="en-US"/>
           </a:p>
@@ -20397,7 +21381,7 @@
           <a:p>
             <a:fld id="{C7EFF3D0-6BED-D444-BEB4-872DDA21BA8D}" type="datetime1">
               <a:rPr lang="en-GB" smtClean="0"/>
-              <a:t>01/10/2024</a:t>
+              <a:t>02/10/2024</a:t>
             </a:fld>
             <a:endParaRPr lang="en-US"/>
           </a:p>
@@ -21182,7 +22166,7 @@
           <a:p>
             <a:fld id="{C7EFF3D0-6BED-D444-BEB4-872DDA21BA8D}" type="datetime1">
               <a:rPr lang="en-GB" smtClean="0"/>
-              <a:t>01/10/2024</a:t>
+              <a:t>02/10/2024</a:t>
             </a:fld>
             <a:endParaRPr lang="en-US"/>
           </a:p>
@@ -21946,7 +22930,7 @@
           <a:p>
             <a:fld id="{C7EFF3D0-6BED-D444-BEB4-872DDA21BA8D}" type="datetime1">
               <a:rPr lang="en-GB" smtClean="0"/>
-              <a:t>01/10/2024</a:t>
+              <a:t>02/10/2024</a:t>
             </a:fld>
             <a:endParaRPr lang="en-US"/>
           </a:p>
@@ -22662,7 +23646,7 @@
           <a:p>
             <a:fld id="{C7EFF3D0-6BED-D444-BEB4-872DDA21BA8D}" type="datetime1">
               <a:rPr lang="en-GB" smtClean="0"/>
-              <a:t>01/10/2024</a:t>
+              <a:t>02/10/2024</a:t>
             </a:fld>
             <a:endParaRPr lang="en-US"/>
           </a:p>
@@ -23061,7 +24045,7 @@
           <a:p>
             <a:fld id="{C7EFF3D0-6BED-D444-BEB4-872DDA21BA8D}" type="datetime1">
               <a:rPr lang="en-GB" smtClean="0"/>
-              <a:t>01/10/2024</a:t>
+              <a:t>02/10/2024</a:t>
             </a:fld>
             <a:endParaRPr lang="en-US"/>
           </a:p>
@@ -23373,7 +24357,7 @@
           <a:p>
             <a:fld id="{C7EFF3D0-6BED-D444-BEB4-872DDA21BA8D}" type="datetime1">
               <a:rPr lang="en-GB" smtClean="0"/>
-              <a:t>01/10/2024</a:t>
+              <a:t>02/10/2024</a:t>
             </a:fld>
             <a:endParaRPr lang="en-US"/>
           </a:p>
@@ -23843,7 +24827,7 @@
           <a:p>
             <a:fld id="{D3ECCBB8-735C-914B-8E67-7852CBBDF7EA}" type="datetime1">
               <a:rPr lang="en-GB" smtClean="0"/>
-              <a:t>01/10/2024</a:t>
+              <a:t>02/10/2024</a:t>
             </a:fld>
             <a:endParaRPr lang="en-GB"/>
           </a:p>
@@ -24529,7 +25513,7 @@
           <a:p>
             <a:fld id="{C7EFF3D0-6BED-D444-BEB4-872DDA21BA8D}" type="datetime1">
               <a:rPr lang="en-GB" smtClean="0"/>
-              <a:t>01/10/2024</a:t>
+              <a:t>02/10/2024</a:t>
             </a:fld>
             <a:endParaRPr lang="en-US"/>
           </a:p>
@@ -24802,7 +25786,7 @@
           <a:p>
             <a:fld id="{C7EFF3D0-6BED-D444-BEB4-872DDA21BA8D}" type="datetime1">
               <a:rPr lang="en-GB" smtClean="0"/>
-              <a:t>01/10/2024</a:t>
+              <a:t>02/10/2024</a:t>
             </a:fld>
             <a:endParaRPr lang="en-US"/>
           </a:p>
@@ -25067,7 +26051,7 @@
           <a:p>
             <a:fld id="{C7EFF3D0-6BED-D444-BEB4-872DDA21BA8D}" type="datetime1">
               <a:rPr lang="en-GB" smtClean="0"/>
-              <a:t>01/10/2024</a:t>
+              <a:t>02/10/2024</a:t>
             </a:fld>
             <a:endParaRPr lang="en-US"/>
           </a:p>
@@ -25459,7 +26443,7 @@
           <a:p>
             <a:fld id="{C7EFF3D0-6BED-D444-BEB4-872DDA21BA8D}" type="datetime1">
               <a:rPr lang="en-GB" smtClean="0"/>
-              <a:t>01/10/2024</a:t>
+              <a:t>02/10/2024</a:t>
             </a:fld>
             <a:endParaRPr lang="en-US"/>
           </a:p>
@@ -25851,7 +26835,7 @@
           <a:p>
             <a:fld id="{C7EFF3D0-6BED-D444-BEB4-872DDA21BA8D}" type="datetime1">
               <a:rPr lang="en-GB" smtClean="0"/>
-              <a:t>01/10/2024</a:t>
+              <a:t>02/10/2024</a:t>
             </a:fld>
             <a:endParaRPr lang="en-US"/>
           </a:p>
@@ -26732,7 +27716,7 @@
           <a:p>
             <a:fld id="{C7EFF3D0-6BED-D444-BEB4-872DDA21BA8D}" type="datetime1">
               <a:rPr lang="en-GB" smtClean="0"/>
-              <a:t>01/10/2024</a:t>
+              <a:t>02/10/2024</a:t>
             </a:fld>
             <a:endParaRPr lang="en-US"/>
           </a:p>
@@ -26893,7 +27877,7 @@
           <a:p>
             <a:fld id="{C7EFF3D0-6BED-D444-BEB4-872DDA21BA8D}" type="datetime1">
               <a:rPr lang="en-GB" smtClean="0"/>
-              <a:t>01/10/2024</a:t>
+              <a:t>02/10/2024</a:t>
             </a:fld>
             <a:endParaRPr lang="en-US"/>
           </a:p>
@@ -27650,7 +28634,7 @@
           <a:p>
             <a:fld id="{C7EFF3D0-6BED-D444-BEB4-872DDA21BA8D}" type="datetime1">
               <a:rPr lang="en-GB" smtClean="0"/>
-              <a:t>01/10/2024</a:t>
+              <a:t>02/10/2024</a:t>
             </a:fld>
             <a:endParaRPr lang="en-US"/>
           </a:p>
@@ -27936,7 +28920,7 @@
           <a:p>
             <a:fld id="{C7EFF3D0-6BED-D444-BEB4-872DDA21BA8D}" type="datetime1">
               <a:rPr lang="en-GB" smtClean="0"/>
-              <a:t>01/10/2024</a:t>
+              <a:t>02/10/2024</a:t>
             </a:fld>
             <a:endParaRPr lang="en-US"/>
           </a:p>
@@ -28702,7 +29686,7 @@
           <a:p>
             <a:fld id="{C7EFF3D0-6BED-D444-BEB4-872DDA21BA8D}" type="datetime1">
               <a:rPr lang="en-GB" smtClean="0"/>
-              <a:t>01/10/2024</a:t>
+              <a:t>02/10/2024</a:t>
             </a:fld>
             <a:endParaRPr lang="en-US"/>
           </a:p>
@@ -29625,7 +30609,7 @@
           <a:p>
             <a:fld id="{D3ECCBB8-735C-914B-8E67-7852CBBDF7EA}" type="datetime1">
               <a:rPr lang="en-GB" smtClean="0"/>
-              <a:t>01/10/2024</a:t>
+              <a:t>02/10/2024</a:t>
             </a:fld>
             <a:endParaRPr lang="en-GB"/>
           </a:p>
@@ -30563,7 +31547,7 @@
           <a:p>
             <a:fld id="{D3ECCBB8-735C-914B-8E67-7852CBBDF7EA}" type="datetime1">
               <a:rPr lang="en-GB" smtClean="0"/>
-              <a:t>01/10/2024</a:t>
+              <a:t>02/10/2024</a:t>
             </a:fld>
             <a:endParaRPr lang="en-GB"/>
           </a:p>
@@ -31509,7 +32493,7 @@
           <a:p>
             <a:fld id="{D3ECCBB8-735C-914B-8E67-7852CBBDF7EA}" type="datetime1">
               <a:rPr lang="en-GB" smtClean="0"/>
-              <a:t>01/10/2024</a:t>
+              <a:t>02/10/2024</a:t>
             </a:fld>
             <a:endParaRPr lang="en-GB"/>
           </a:p>
@@ -32220,7 +33204,7 @@
           <a:p>
             <a:fld id="{C7EFF3D0-6BED-D444-BEB4-872DDA21BA8D}" type="datetime1">
               <a:rPr lang="en-GB" smtClean="0"/>
-              <a:t>01/10/2024</a:t>
+              <a:t>02/10/2024</a:t>
             </a:fld>
             <a:endParaRPr lang="en-US"/>
           </a:p>
@@ -34224,7 +35208,7 @@
           <a:p>
             <a:fld id="{C7EFF3D0-6BED-D444-BEB4-872DDA21BA8D}" type="datetime1">
               <a:rPr lang="en-GB" smtClean="0"/>
-              <a:t>01/10/2024</a:t>
+              <a:t>02/10/2024</a:t>
             </a:fld>
             <a:endParaRPr lang="en-US"/>
           </a:p>
@@ -37329,7 +38313,7 @@
           <a:p>
             <a:fld id="{D63005AE-A14B-7B48-9AF5-01E333747121}" type="datetime1">
               <a:rPr lang="en-GB" smtClean="0"/>
-              <a:t>01/10/2024</a:t>
+              <a:t>02/10/2024</a:t>
             </a:fld>
             <a:endParaRPr lang="en-GB"/>
           </a:p>
@@ -38222,36 +39206,6 @@
           </a:p>
         </p:txBody>
       </p:sp>
-      <p:pic>
-        <p:nvPicPr>
-          <p:cNvPr id="8" name="Picture 7">
-            <a:extLst>
-              <a:ext uri="{FF2B5EF4-FFF2-40B4-BE49-F238E27FC236}">
-                <a16:creationId xmlns:a16="http://schemas.microsoft.com/office/drawing/2014/main" id="{E491F85E-4629-7112-8F54-892C433E1FAA}"/>
-              </a:ext>
-            </a:extLst>
-          </p:cNvPr>
-          <p:cNvPicPr>
-            <a:picLocks noChangeAspect="1"/>
-          </p:cNvPicPr>
-          <p:nvPr/>
-        </p:nvPicPr>
-        <p:blipFill>
-          <a:blip r:embed="rId3"/>
-          <a:stretch>
-            <a:fillRect/>
-          </a:stretch>
-        </p:blipFill>
-        <p:spPr>
-          <a:xfrm>
-            <a:off x="631422" y="1300075"/>
-            <a:ext cx="4329303" cy="4734121"/>
-          </a:xfrm>
-          <a:prstGeom prst="rect">
-            <a:avLst/>
-          </a:prstGeom>
-        </p:spPr>
-      </p:pic>
       <p:sp>
         <p:nvSpPr>
           <p:cNvPr id="4" name="Text Placeholder 3">
@@ -40005,6 +40959,36 @@
           </a:graphicData>
         </a:graphic>
       </p:graphicFrame>
+      <p:graphicFrame>
+        <p:nvGraphicFramePr>
+          <p:cNvPr id="5" name="Chart 9">
+            <a:extLst>
+              <a:ext uri="{FF2B5EF4-FFF2-40B4-BE49-F238E27FC236}">
+                <a16:creationId xmlns:a16="http://schemas.microsoft.com/office/drawing/2014/main" id="{FB50570E-AF88-E023-0153-C29D4EC41048}"/>
+              </a:ext>
+            </a:extLst>
+          </p:cNvPr>
+          <p:cNvGraphicFramePr>
+            <a:graphicFrameLocks/>
+          </p:cNvGraphicFramePr>
+          <p:nvPr>
+            <p:extLst>
+              <p:ext uri="{D42A27DB-BD31-4B8C-83A1-F6EECF244321}">
+                <p14:modId xmlns:p14="http://schemas.microsoft.com/office/powerpoint/2010/main" val="1911974469"/>
+              </p:ext>
+            </p:extLst>
+          </p:nvPr>
+        </p:nvGraphicFramePr>
+        <p:xfrm>
+          <a:off x="695325" y="865136"/>
+          <a:ext cx="5015009" cy="5540203"/>
+        </p:xfrm>
+        <a:graphic>
+          <a:graphicData uri="http://schemas.openxmlformats.org/drawingml/2006/chart">
+            <c:chart xmlns:c="http://schemas.openxmlformats.org/drawingml/2006/chart" xmlns:r="http://schemas.openxmlformats.org/officeDocument/2006/relationships" r:id="rId3"/>
+          </a:graphicData>
+        </a:graphic>
+      </p:graphicFrame>
     </p:spTree>
     <p:extLst>
       <p:ext uri="{BB962C8B-B14F-4D97-AF65-F5344CB8AC3E}">
@@ -42419,15 +43403,6 @@
 </file>
 
 <file path=customXml/item2.xml><?xml version="1.0" encoding="utf-8"?>
-<?mso-contentType ?>
-<FormTemplates xmlns="http://schemas.microsoft.com/sharepoint/v3/contenttype/forms">
-  <Display>DocumentLibraryForm</Display>
-  <Edit>DocumentLibraryForm</Edit>
-  <New>DocumentLibraryForm</New>
-</FormTemplates>
-</file>
-
-<file path=customXml/item3.xml><?xml version="1.0" encoding="utf-8"?>
 <ct:contentTypeSchema xmlns:ct="http://schemas.microsoft.com/office/2006/metadata/contentType" xmlns:ma="http://schemas.microsoft.com/office/2006/metadata/properties/metaAttributes" ct:_="" ma:_="" ma:contentTypeName="Document" ma:contentTypeID="0x010100FC2ADAF580B8A648AEA7FF4A5F3D65E6" ma:contentTypeVersion="11" ma:contentTypeDescription="Create a new document." ma:contentTypeScope="" ma:versionID="f2db5c34f6348a370055c14b94ddc919">
   <xsd:schema xmlns:xsd="http://www.w3.org/2001/XMLSchema" xmlns:xs="http://www.w3.org/2001/XMLSchema" xmlns:p="http://schemas.microsoft.com/office/2006/metadata/properties" xmlns:ns2="8a969d1d-647f-4e4c-97f9-a5143e71e435" xmlns:ns3="eb37a4e0-bf89-419d-8b31-963a97458fb1" targetNamespace="http://schemas.microsoft.com/office/2006/metadata/properties" ma:root="true" ma:fieldsID="42bedbc2e246c6b2e71d78ed3d4618fc" ns2:_="" ns3:_="">
     <xsd:import namespace="8a969d1d-647f-4e4c-97f9-a5143e71e435"/>
@@ -42622,6 +43597,15 @@
 </ct:contentTypeSchema>
 </file>
 
+<file path=customXml/item3.xml><?xml version="1.0" encoding="utf-8"?>
+<?mso-contentType ?>
+<FormTemplates xmlns="http://schemas.microsoft.com/sharepoint/v3/contenttype/forms">
+  <Display>DocumentLibraryForm</Display>
+  <Edit>DocumentLibraryForm</Edit>
+  <New>DocumentLibraryForm</New>
+</FormTemplates>
+</file>
+
 <file path=customXml/itemProps1.xml><?xml version="1.0" encoding="utf-8"?>
 <ds:datastoreItem xmlns:ds="http://schemas.openxmlformats.org/officeDocument/2006/customXml" ds:itemID="{8140E5F8-1399-4596-AA73-4BD79D26AFFD}">
   <ds:schemaRefs>
@@ -42641,14 +43625,6 @@
 </file>
 
 <file path=customXml/itemProps2.xml><?xml version="1.0" encoding="utf-8"?>
-<ds:datastoreItem xmlns:ds="http://schemas.openxmlformats.org/officeDocument/2006/customXml" ds:itemID="{953B4D23-82FF-4812-9F4E-BB600331C634}">
-  <ds:schemaRefs>
-    <ds:schemaRef ds:uri="http://schemas.microsoft.com/sharepoint/v3/contenttype/forms"/>
-  </ds:schemaRefs>
-</ds:datastoreItem>
-</file>
-
-<file path=customXml/itemProps3.xml><?xml version="1.0" encoding="utf-8"?>
 <ds:datastoreItem xmlns:ds="http://schemas.openxmlformats.org/officeDocument/2006/customXml" ds:itemID="{7DE18AF2-C1F0-4DCB-B624-E24984FCEF8F}">
   <ds:schemaRefs>
     <ds:schemaRef ds:uri="http://schemas.microsoft.com/office/2006/metadata/contentType"/>
@@ -42667,6 +43643,14 @@
 </ds:datastoreItem>
 </file>
 
+<file path=customXml/itemProps3.xml><?xml version="1.0" encoding="utf-8"?>
+<ds:datastoreItem xmlns:ds="http://schemas.openxmlformats.org/officeDocument/2006/customXml" ds:itemID="{953B4D23-82FF-4812-9F4E-BB600331C634}">
+  <ds:schemaRefs>
+    <ds:schemaRef ds:uri="http://schemas.microsoft.com/sharepoint/v3/contenttype/forms"/>
+  </ds:schemaRefs>
+</ds:datastoreItem>
+</file>
+
 <file path=docMetadata/LabelInfo.xml><?xml version="1.0" encoding="utf-8"?>
 <clbl:labelList xmlns:clbl="http://schemas.microsoft.com/office/2020/mipLabelMetadata">
   <clbl:label id="{2b5a89e7-01bf-42ed-9da1-669d82eec17a}" enabled="0" method="" siteId="{2b5a89e7-01bf-42ed-9da1-669d82eec17a}" removed="1"/>

--- a/questionare.pptx
+++ b/questionare.pptx
@@ -39490,7 +39490,7 @@
         </p:nvSpPr>
         <p:spPr>
           <a:xfrm>
-            <a:off x="5666451" y="4676775"/>
+            <a:off x="5688393" y="5714314"/>
             <a:ext cx="5306349" cy="388773"/>
           </a:xfrm>
           <a:prstGeom prst="rect">
@@ -39764,14 +39764,14 @@
           <p:nvPr>
             <p:extLst>
               <p:ext uri="{D42A27DB-BD31-4B8C-83A1-F6EECF244321}">
-                <p14:modId xmlns:p14="http://schemas.microsoft.com/office/powerpoint/2010/main" val="827765968"/>
+                <p14:modId xmlns:p14="http://schemas.microsoft.com/office/powerpoint/2010/main" val="2087785352"/>
               </p:ext>
             </p:extLst>
           </p:nvPr>
         </p:nvGraphicFramePr>
         <p:xfrm>
           <a:off x="5540721" y="1863269"/>
-          <a:ext cx="5432079" cy="2686050"/>
+          <a:ext cx="5432079" cy="2701290"/>
         </p:xfrm>
         <a:graphic>
           <a:graphicData uri="http://schemas.openxmlformats.org/drawingml/2006/table">
@@ -39977,7 +39977,7 @@
                     <a:p>
                       <a:pPr algn="l" fontAlgn="ctr"/>
                       <a:r>
-                        <a:rPr lang="en-GB" sz="900" b="0" i="0" u="none" strike="noStrike">
+                        <a:rPr lang="en-US" sz="900" b="0" i="0" u="none" strike="noStrike" dirty="0">
                           <a:solidFill>
                             <a:schemeClr val="tx1">
                               <a:lumMod val="50000"/>
@@ -39987,8 +39987,18 @@
                           <a:effectLst/>
                           <a:latin typeface="Open Sans" panose="020B0606030504020204" pitchFamily="34" charset="0"/>
                         </a:rPr>
-                        <a:t>Contract Information Management</a:t>
+                        <a:t>Current Annual IT Finance System Costs</a:t>
                       </a:r>
+                      <a:endParaRPr lang="en-GB" sz="900" b="0" i="0" u="none" strike="noStrike" dirty="0">
+                        <a:solidFill>
+                          <a:schemeClr val="tx1">
+                            <a:lumMod val="50000"/>
+                            <a:lumOff val="50000"/>
+                          </a:schemeClr>
+                        </a:solidFill>
+                        <a:effectLst/>
+                        <a:latin typeface="Open Sans" panose="020B0606030504020204" pitchFamily="34" charset="0"/>
+                      </a:endParaRPr>
                     </a:p>
                   </a:txBody>
                   <a:tcPr marL="9525" marR="9525" marT="9525" marB="0" anchor="ctr">
@@ -40022,7 +40032,7 @@
                     <a:p>
                       <a:pPr algn="l" fontAlgn="ctr"/>
                       <a:r>
-                        <a:rPr lang="en-GB" sz="900" b="0" i="0" u="none" strike="noStrike">
+                        <a:rPr lang="en-GB" sz="900" b="0" i="0" u="none" strike="noStrike" dirty="0">
                           <a:solidFill>
                             <a:schemeClr val="tx1">
                               <a:lumMod val="50000"/>
@@ -40032,7 +40042,33 @@
                           <a:effectLst/>
                           <a:latin typeface="Open Sans" panose="020B0606030504020204" pitchFamily="34" charset="0"/>
                         </a:rPr>
-                        <a:t> £                          126,747 </a:t>
+                        <a:t> £                          </a:t>
+                      </a:r>
+                      <a:r>
+                        <a:rPr lang="tr-TR" sz="900" b="0" i="0" u="none" strike="noStrike" dirty="0" err="1">
+                          <a:solidFill>
+                            <a:schemeClr val="tx1">
+                              <a:lumMod val="50000"/>
+                              <a:lumOff val="50000"/>
+                            </a:schemeClr>
+                          </a:solidFill>
+                          <a:effectLst/>
+                          <a:latin typeface="Open Sans" panose="020B0606030504020204" pitchFamily="34" charset="0"/>
+                        </a:rPr>
+                        <a:t>baitval</a:t>
+                      </a:r>
+                      <a:r>
+                        <a:rPr lang="en-GB" sz="900" b="0" i="0" u="none" strike="noStrike" dirty="0">
+                          <a:solidFill>
+                            <a:schemeClr val="tx1">
+                              <a:lumMod val="50000"/>
+                              <a:lumOff val="50000"/>
+                            </a:schemeClr>
+                          </a:solidFill>
+                          <a:effectLst/>
+                          <a:latin typeface="Open Sans" panose="020B0606030504020204" pitchFamily="34" charset="0"/>
+                        </a:rPr>
+                        <a:t> </a:t>
                       </a:r>
                     </a:p>
                   </a:txBody>
@@ -40116,7 +40152,7 @@
                     <a:p>
                       <a:pPr algn="l" fontAlgn="ctr"/>
                       <a:r>
-                        <a:rPr lang="en-GB" sz="900" b="0" i="0" u="none" strike="noStrike" dirty="0">
+                        <a:rPr lang="en-US" sz="900" b="0" i="0" u="none" strike="noStrike" dirty="0">
                           <a:solidFill>
                             <a:schemeClr val="tx1">
                               <a:lumMod val="50000"/>
@@ -40126,8 +40162,18 @@
                           <a:effectLst/>
                           <a:latin typeface="Open Sans" panose="020B0606030504020204" pitchFamily="34" charset="0"/>
                         </a:rPr>
-                        <a:t>Contract Financial Management</a:t>
+                        <a:t>Raising Purchase Orders (mins per order)</a:t>
                       </a:r>
+                      <a:endParaRPr lang="en-GB" sz="900" b="0" i="0" u="none" strike="noStrike" dirty="0">
+                        <a:solidFill>
+                          <a:schemeClr val="tx1">
+                            <a:lumMod val="50000"/>
+                            <a:lumOff val="50000"/>
+                          </a:schemeClr>
+                        </a:solidFill>
+                        <a:effectLst/>
+                        <a:latin typeface="Open Sans" panose="020B0606030504020204" pitchFamily="34" charset="0"/>
+                      </a:endParaRPr>
                     </a:p>
                   </a:txBody>
                   <a:tcPr marL="9525" marR="9525" marT="9525" marB="0" anchor="ctr">
@@ -40155,7 +40201,7 @@
                     <a:p>
                       <a:pPr algn="l" fontAlgn="ctr"/>
                       <a:r>
-                        <a:rPr lang="en-GB" sz="900" b="0" i="0" u="none" strike="noStrike">
+                        <a:rPr lang="en-GB" sz="900" b="0" i="0" u="none" strike="noStrike" dirty="0">
                           <a:solidFill>
                             <a:schemeClr val="tx1">
                               <a:lumMod val="50000"/>
@@ -40165,7 +40211,33 @@
                           <a:effectLst/>
                           <a:latin typeface="Open Sans" panose="020B0606030504020204" pitchFamily="34" charset="0"/>
                         </a:rPr>
-                        <a:t> £                               4,700 </a:t>
+                        <a:t> £                               </a:t>
+                      </a:r>
+                      <a:r>
+                        <a:rPr lang="tr-TR" sz="900" b="0" i="0" u="none" strike="noStrike" dirty="0" err="1">
+                          <a:solidFill>
+                            <a:schemeClr val="tx1">
+                              <a:lumMod val="50000"/>
+                              <a:lumOff val="50000"/>
+                            </a:schemeClr>
+                          </a:solidFill>
+                          <a:effectLst/>
+                          <a:latin typeface="Open Sans" panose="020B0606030504020204" pitchFamily="34" charset="0"/>
+                        </a:rPr>
+                        <a:t>barpoval</a:t>
+                      </a:r>
+                      <a:r>
+                        <a:rPr lang="en-GB" sz="900" b="0" i="0" u="none" strike="noStrike" dirty="0">
+                          <a:solidFill>
+                            <a:schemeClr val="tx1">
+                              <a:lumMod val="50000"/>
+                              <a:lumOff val="50000"/>
+                            </a:schemeClr>
+                          </a:solidFill>
+                          <a:effectLst/>
+                          <a:latin typeface="Open Sans" panose="020B0606030504020204" pitchFamily="34" charset="0"/>
+                        </a:rPr>
+                        <a:t> </a:t>
                       </a:r>
                     </a:p>
                   </a:txBody>
@@ -40243,7 +40315,7 @@
                     <a:p>
                       <a:pPr algn="l" fontAlgn="ctr"/>
                       <a:r>
-                        <a:rPr lang="en-GB" sz="900" b="0" i="0" u="none" strike="noStrike" dirty="0">
+                        <a:rPr lang="en-US" sz="900" b="0" i="0" u="none" strike="noStrike" dirty="0">
                           <a:solidFill>
                             <a:schemeClr val="tx1">
                               <a:lumMod val="50000"/>
@@ -40253,8 +40325,18 @@
                           <a:effectLst/>
                           <a:latin typeface="Open Sans" panose="020B0606030504020204" pitchFamily="34" charset="0"/>
                         </a:rPr>
-                        <a:t>Contract Renewal Management </a:t>
+                        <a:t>Purchase Order approvals (mins per approval)</a:t>
                       </a:r>
+                      <a:endParaRPr lang="en-GB" sz="900" b="0" i="0" u="none" strike="noStrike" dirty="0">
+                        <a:solidFill>
+                          <a:schemeClr val="tx1">
+                            <a:lumMod val="50000"/>
+                            <a:lumOff val="50000"/>
+                          </a:schemeClr>
+                        </a:solidFill>
+                        <a:effectLst/>
+                        <a:latin typeface="Open Sans" panose="020B0606030504020204" pitchFamily="34" charset="0"/>
+                      </a:endParaRPr>
                     </a:p>
                   </a:txBody>
                   <a:tcPr marL="9525" marR="9525" marT="9525" marB="0" anchor="ctr">
@@ -40282,7 +40364,7 @@
                     <a:p>
                       <a:pPr algn="l" fontAlgn="ctr"/>
                       <a:r>
-                        <a:rPr lang="en-GB" sz="900" b="0" i="0" u="none" strike="noStrike">
+                        <a:rPr lang="en-GB" sz="900" b="0" i="0" u="none" strike="noStrike" dirty="0">
                           <a:solidFill>
                             <a:schemeClr val="tx1">
                               <a:lumMod val="50000"/>
@@ -40292,7 +40374,33 @@
                           <a:effectLst/>
                           <a:latin typeface="Open Sans" panose="020B0606030504020204" pitchFamily="34" charset="0"/>
                         </a:rPr>
-                        <a:t> £                               3,500 </a:t>
+                        <a:t> £                               </a:t>
+                      </a:r>
+                      <a:r>
+                        <a:rPr lang="tr-TR" sz="900" b="0" i="0" u="none" strike="noStrike" dirty="0" err="1">
+                          <a:solidFill>
+                            <a:schemeClr val="tx1">
+                              <a:lumMod val="50000"/>
+                              <a:lumOff val="50000"/>
+                            </a:schemeClr>
+                          </a:solidFill>
+                          <a:effectLst/>
+                          <a:latin typeface="Open Sans" panose="020B0606030504020204" pitchFamily="34" charset="0"/>
+                        </a:rPr>
+                        <a:t>bapoaval</a:t>
+                      </a:r>
+                      <a:r>
+                        <a:rPr lang="en-GB" sz="900" b="0" i="0" u="none" strike="noStrike" dirty="0">
+                          <a:solidFill>
+                            <a:schemeClr val="tx1">
+                              <a:lumMod val="50000"/>
+                              <a:lumOff val="50000"/>
+                            </a:schemeClr>
+                          </a:solidFill>
+                          <a:effectLst/>
+                          <a:latin typeface="Open Sans" panose="020B0606030504020204" pitchFamily="34" charset="0"/>
+                        </a:rPr>
+                        <a:t> </a:t>
                       </a:r>
                     </a:p>
                   </a:txBody>
@@ -40380,7 +40488,7 @@
                           <a:effectLst/>
                           <a:latin typeface="Open Sans" panose="020B0606030504020204" pitchFamily="34" charset="0"/>
                         </a:rPr>
-                        <a:t>Contract Milestone &amp; Key Date Management</a:t>
+                        <a:t>Coding invoice processes</a:t>
                       </a:r>
                     </a:p>
                   </a:txBody>
@@ -40409,7 +40517,7 @@
                     <a:p>
                       <a:pPr algn="l" fontAlgn="ctr"/>
                       <a:r>
-                        <a:rPr lang="en-GB" sz="900" b="0" i="0" u="none" strike="noStrike">
+                        <a:rPr lang="en-GB" sz="900" b="0" i="0" u="none" strike="noStrike" dirty="0">
                           <a:solidFill>
                             <a:schemeClr val="tx1">
                               <a:lumMod val="50000"/>
@@ -40419,7 +40527,33 @@
                           <a:effectLst/>
                           <a:latin typeface="Open Sans" panose="020B0606030504020204" pitchFamily="34" charset="0"/>
                         </a:rPr>
-                        <a:t> £                               2,200 </a:t>
+                        <a:t> £                               </a:t>
+                      </a:r>
+                      <a:r>
+                        <a:rPr lang="tr-TR" sz="900" b="0" i="0" u="none" strike="noStrike" dirty="0" err="1">
+                          <a:solidFill>
+                            <a:schemeClr val="tx1">
+                              <a:lumMod val="50000"/>
+                              <a:lumOff val="50000"/>
+                            </a:schemeClr>
+                          </a:solidFill>
+                          <a:effectLst/>
+                          <a:latin typeface="Open Sans" panose="020B0606030504020204" pitchFamily="34" charset="0"/>
+                        </a:rPr>
+                        <a:t>bacipval</a:t>
+                      </a:r>
+                      <a:r>
+                        <a:rPr lang="en-GB" sz="900" b="0" i="0" u="none" strike="noStrike" dirty="0">
+                          <a:solidFill>
+                            <a:schemeClr val="tx1">
+                              <a:lumMod val="50000"/>
+                              <a:lumOff val="50000"/>
+                            </a:schemeClr>
+                          </a:solidFill>
+                          <a:effectLst/>
+                          <a:latin typeface="Open Sans" panose="020B0606030504020204" pitchFamily="34" charset="0"/>
+                        </a:rPr>
+                        <a:t> </a:t>
                       </a:r>
                     </a:p>
                   </a:txBody>
@@ -40497,7 +40631,7 @@
                     <a:p>
                       <a:pPr algn="l" fontAlgn="ctr"/>
                       <a:r>
-                        <a:rPr lang="en-GB" sz="900" b="0" i="0" u="none" strike="noStrike" dirty="0">
+                        <a:rPr lang="en-US" sz="900" b="0" i="0" u="none" strike="noStrike" dirty="0">
                           <a:solidFill>
                             <a:schemeClr val="tx1">
                               <a:lumMod val="50000"/>
@@ -40507,8 +40641,18 @@
                           <a:effectLst/>
                           <a:latin typeface="Open Sans" panose="020B0606030504020204" pitchFamily="34" charset="0"/>
                         </a:rPr>
-                        <a:t>Supplier Information Management</a:t>
+                        <a:t>Management of supplier and purchase invoices</a:t>
                       </a:r>
+                      <a:endParaRPr lang="en-GB" sz="900" b="0" i="0" u="none" strike="noStrike" dirty="0">
+                        <a:solidFill>
+                          <a:schemeClr val="tx1">
+                            <a:lumMod val="50000"/>
+                            <a:lumOff val="50000"/>
+                          </a:schemeClr>
+                        </a:solidFill>
+                        <a:effectLst/>
+                        <a:latin typeface="Open Sans" panose="020B0606030504020204" pitchFamily="34" charset="0"/>
+                      </a:endParaRPr>
                     </a:p>
                   </a:txBody>
                   <a:tcPr marL="9525" marR="9525" marT="9525" marB="0" anchor="ctr">
@@ -40536,7 +40680,7 @@
                     <a:p>
                       <a:pPr algn="l" fontAlgn="ctr"/>
                       <a:r>
-                        <a:rPr lang="en-GB" sz="900" b="0" i="0" u="none" strike="noStrike">
+                        <a:rPr lang="en-GB" sz="900" b="0" i="0" u="none" strike="noStrike" dirty="0">
                           <a:solidFill>
                             <a:schemeClr val="tx1">
                               <a:lumMod val="50000"/>
@@ -40546,7 +40690,33 @@
                           <a:effectLst/>
                           <a:latin typeface="Open Sans" panose="020B0606030504020204" pitchFamily="34" charset="0"/>
                         </a:rPr>
-                        <a:t> £                            26,678 </a:t>
+                        <a:t> £                            </a:t>
+                      </a:r>
+                      <a:r>
+                        <a:rPr lang="tr-TR" sz="900" b="0" i="0" u="none" strike="noStrike" dirty="0" err="1">
+                          <a:solidFill>
+                            <a:schemeClr val="tx1">
+                              <a:lumMod val="50000"/>
+                              <a:lumOff val="50000"/>
+                            </a:schemeClr>
+                          </a:solidFill>
+                          <a:effectLst/>
+                          <a:latin typeface="Open Sans" panose="020B0606030504020204" pitchFamily="34" charset="0"/>
+                        </a:rPr>
+                        <a:t>bamspival</a:t>
+                      </a:r>
+                      <a:r>
+                        <a:rPr lang="en-GB" sz="900" b="0" i="0" u="none" strike="noStrike" dirty="0">
+                          <a:solidFill>
+                            <a:schemeClr val="tx1">
+                              <a:lumMod val="50000"/>
+                              <a:lumOff val="50000"/>
+                            </a:schemeClr>
+                          </a:solidFill>
+                          <a:effectLst/>
+                          <a:latin typeface="Open Sans" panose="020B0606030504020204" pitchFamily="34" charset="0"/>
+                        </a:rPr>
+                        <a:t> </a:t>
                       </a:r>
                     </a:p>
                   </a:txBody>
@@ -40624,7 +40794,7 @@
                     <a:p>
                       <a:pPr algn="l" fontAlgn="ctr"/>
                       <a:r>
-                        <a:rPr lang="en-GB" sz="900" b="0" i="0" u="none" strike="noStrike" dirty="0">
+                        <a:rPr lang="en-US" sz="900" b="0" i="0" u="none" strike="noStrike" dirty="0">
                           <a:solidFill>
                             <a:schemeClr val="tx1">
                               <a:lumMod val="50000"/>
@@ -40634,8 +40804,18 @@
                           <a:effectLst/>
                           <a:latin typeface="Open Sans" panose="020B0606030504020204" pitchFamily="34" charset="0"/>
                         </a:rPr>
-                        <a:t>Supplier Risk Management</a:t>
+                        <a:t>Managing Maverick spend &amp; Spend leakage</a:t>
                       </a:r>
+                      <a:endParaRPr lang="en-GB" sz="900" b="0" i="0" u="none" strike="noStrike" dirty="0">
+                        <a:solidFill>
+                          <a:schemeClr val="tx1">
+                            <a:lumMod val="50000"/>
+                            <a:lumOff val="50000"/>
+                          </a:schemeClr>
+                        </a:solidFill>
+                        <a:effectLst/>
+                        <a:latin typeface="Open Sans" panose="020B0606030504020204" pitchFamily="34" charset="0"/>
+                      </a:endParaRPr>
                     </a:p>
                   </a:txBody>
                   <a:tcPr marL="9525" marR="9525" marT="9525" marB="0" anchor="ctr">
@@ -40673,7 +40853,33 @@
                           <a:effectLst/>
                           <a:latin typeface="Open Sans" panose="020B0606030504020204" pitchFamily="34" charset="0"/>
                         </a:rPr>
-                        <a:t> £                               1,200 </a:t>
+                        <a:t> £                               </a:t>
+                      </a:r>
+                      <a:r>
+                        <a:rPr lang="tr-TR" sz="900" b="0" i="0" u="none" strike="noStrike" dirty="0" err="1">
+                          <a:solidFill>
+                            <a:schemeClr val="tx1">
+                              <a:lumMod val="50000"/>
+                              <a:lumOff val="50000"/>
+                            </a:schemeClr>
+                          </a:solidFill>
+                          <a:effectLst/>
+                          <a:latin typeface="Open Sans" panose="020B0606030504020204" pitchFamily="34" charset="0"/>
+                        </a:rPr>
+                        <a:t>bamslval</a:t>
+                      </a:r>
+                      <a:r>
+                        <a:rPr lang="en-GB" sz="900" b="0" i="0" u="none" strike="noStrike" dirty="0">
+                          <a:solidFill>
+                            <a:schemeClr val="tx1">
+                              <a:lumMod val="50000"/>
+                              <a:lumOff val="50000"/>
+                            </a:schemeClr>
+                          </a:solidFill>
+                          <a:effectLst/>
+                          <a:latin typeface="Open Sans" panose="020B0606030504020204" pitchFamily="34" charset="0"/>
+                        </a:rPr>
+                        <a:t> </a:t>
                       </a:r>
                     </a:p>
                   </a:txBody>
@@ -40751,7 +40957,7 @@
                     <a:p>
                       <a:pPr algn="l" fontAlgn="ctr"/>
                       <a:r>
-                        <a:rPr lang="en-GB" sz="900" b="0" i="0" u="none" strike="noStrike" dirty="0">
+                        <a:rPr lang="en-US" sz="900" b="0" i="0" u="none" strike="noStrike" dirty="0">
                           <a:solidFill>
                             <a:schemeClr val="tx1">
                               <a:lumMod val="50000"/>
@@ -40761,8 +40967,18 @@
                           <a:effectLst/>
                           <a:latin typeface="Open Sans" panose="020B0606030504020204" pitchFamily="34" charset="0"/>
                         </a:rPr>
-                        <a:t>Supplier Performance Management </a:t>
+                        <a:t>Finance query management and dashboard reporting</a:t>
                       </a:r>
+                      <a:endParaRPr lang="en-GB" sz="900" b="0" i="0" u="none" strike="noStrike" dirty="0">
+                        <a:solidFill>
+                          <a:schemeClr val="tx1">
+                            <a:lumMod val="50000"/>
+                            <a:lumOff val="50000"/>
+                          </a:schemeClr>
+                        </a:solidFill>
+                        <a:effectLst/>
+                        <a:latin typeface="Open Sans" panose="020B0606030504020204" pitchFamily="34" charset="0"/>
+                      </a:endParaRPr>
                     </a:p>
                   </a:txBody>
                   <a:tcPr marL="9525" marR="9525" marT="9525" marB="0" anchor="ctr">
@@ -40800,7 +41016,33 @@
                           <a:effectLst/>
                           <a:latin typeface="Open Sans" panose="020B0606030504020204" pitchFamily="34" charset="0"/>
                         </a:rPr>
-                        <a:t> £                               2,831 </a:t>
+                        <a:t> £                               </a:t>
+                      </a:r>
+                      <a:r>
+                        <a:rPr lang="tr-TR" sz="900" b="0" i="0" u="none" strike="noStrike" dirty="0" err="1">
+                          <a:solidFill>
+                            <a:schemeClr val="tx1">
+                              <a:lumMod val="50000"/>
+                              <a:lumOff val="50000"/>
+                            </a:schemeClr>
+                          </a:solidFill>
+                          <a:effectLst/>
+                          <a:latin typeface="Open Sans" panose="020B0606030504020204" pitchFamily="34" charset="0"/>
+                        </a:rPr>
+                        <a:t>bafqmrval</a:t>
+                      </a:r>
+                      <a:r>
+                        <a:rPr lang="en-GB" sz="900" b="0" i="0" u="none" strike="noStrike" dirty="0">
+                          <a:solidFill>
+                            <a:schemeClr val="tx1">
+                              <a:lumMod val="50000"/>
+                              <a:lumOff val="50000"/>
+                            </a:schemeClr>
+                          </a:solidFill>
+                          <a:effectLst/>
+                          <a:latin typeface="Open Sans" panose="020B0606030504020204" pitchFamily="34" charset="0"/>
+                        </a:rPr>
+                        <a:t> </a:t>
                       </a:r>
                     </a:p>
                   </a:txBody>
@@ -40884,7 +41126,7 @@
                     <a:p>
                       <a:pPr algn="l" fontAlgn="b"/>
                       <a:r>
-                        <a:rPr lang="en-GB" sz="900" b="1" i="0" u="none" strike="noStrike">
+                        <a:rPr lang="en-GB" sz="900" b="1" i="0" u="none" strike="noStrike" dirty="0">
                           <a:solidFill>
                             <a:srgbClr val="FFFFFF"/>
                           </a:solidFill>
@@ -40986,6 +41228,678 @@
         <a:graphic>
           <a:graphicData uri="http://schemas.openxmlformats.org/drawingml/2006/chart">
             <c:chart xmlns:c="http://schemas.openxmlformats.org/drawingml/2006/chart" xmlns:r="http://schemas.openxmlformats.org/officeDocument/2006/relationships" r:id="rId3"/>
+          </a:graphicData>
+        </a:graphic>
+      </p:graphicFrame>
+      <p:graphicFrame>
+        <p:nvGraphicFramePr>
+          <p:cNvPr id="6" name="Tablo 5">
+            <a:extLst>
+              <a:ext uri="{FF2B5EF4-FFF2-40B4-BE49-F238E27FC236}">
+                <a16:creationId xmlns:a16="http://schemas.microsoft.com/office/drawing/2014/main" id="{C9D598EE-58CB-7607-62F7-C936FB02B566}"/>
+              </a:ext>
+            </a:extLst>
+          </p:cNvPr>
+          <p:cNvGraphicFramePr>
+            <a:graphicFrameLocks noGrp="1"/>
+          </p:cNvGraphicFramePr>
+          <p:nvPr>
+            <p:extLst>
+              <p:ext uri="{D42A27DB-BD31-4B8C-83A1-F6EECF244321}">
+                <p14:modId xmlns:p14="http://schemas.microsoft.com/office/powerpoint/2010/main" val="210195272"/>
+              </p:ext>
+            </p:extLst>
+          </p:nvPr>
+        </p:nvGraphicFramePr>
+        <p:xfrm>
+          <a:off x="5774237" y="4273094"/>
+          <a:ext cx="5198302" cy="283845"/>
+        </p:xfrm>
+        <a:graphic>
+          <a:graphicData uri="http://schemas.openxmlformats.org/drawingml/2006/table">
+            <a:tbl>
+              <a:tblPr/>
+              <a:tblGrid>
+                <a:gridCol w="3808625">
+                  <a:extLst>
+                    <a:ext uri="{9D8B030D-6E8A-4147-A177-3AD203B41FA5}">
+                      <a16:colId xmlns:a16="http://schemas.microsoft.com/office/drawing/2014/main" val="2592253735"/>
+                    </a:ext>
+                  </a:extLst>
+                </a:gridCol>
+                <a:gridCol w="1389677">
+                  <a:extLst>
+                    <a:ext uri="{9D8B030D-6E8A-4147-A177-3AD203B41FA5}">
+                      <a16:colId xmlns:a16="http://schemas.microsoft.com/office/drawing/2014/main" val="197434489"/>
+                    </a:ext>
+                  </a:extLst>
+                </a:gridCol>
+              </a:tblGrid>
+              <a:tr h="276225">
+                <a:tc>
+                  <a:txBody>
+                    <a:bodyPr/>
+                    <a:lstStyle/>
+                    <a:p>
+                      <a:pPr algn="l" fontAlgn="ctr"/>
+                      <a:r>
+                        <a:rPr lang="en-US" sz="900" b="0" i="0" u="none" strike="noStrike" dirty="0">
+                          <a:solidFill>
+                            <a:schemeClr val="tx1">
+                              <a:lumMod val="50000"/>
+                              <a:lumOff val="50000"/>
+                            </a:schemeClr>
+                          </a:solidFill>
+                          <a:effectLst/>
+                          <a:latin typeface="Open Sans" panose="020B0606030504020204" pitchFamily="34" charset="0"/>
+                        </a:rPr>
+                        <a:t>Debt collection administration processes</a:t>
+                      </a:r>
+                      <a:endParaRPr lang="en-GB" sz="900" b="0" i="0" u="none" strike="noStrike" dirty="0">
+                        <a:solidFill>
+                          <a:schemeClr val="tx1">
+                            <a:lumMod val="50000"/>
+                            <a:lumOff val="50000"/>
+                          </a:schemeClr>
+                        </a:solidFill>
+                        <a:effectLst/>
+                        <a:latin typeface="Open Sans" panose="020B0606030504020204" pitchFamily="34" charset="0"/>
+                      </a:endParaRPr>
+                    </a:p>
+                  </a:txBody>
+                  <a:tcPr marL="9525" marR="9525" marT="9525" marB="0" anchor="ctr">
+                    <a:lnL>
+                      <a:noFill/>
+                    </a:lnL>
+                    <a:lnR>
+                      <a:noFill/>
+                    </a:lnR>
+                    <a:lnT>
+                      <a:noFill/>
+                    </a:lnT>
+                    <a:lnB>
+                      <a:noFill/>
+                    </a:lnB>
+                    <a:solidFill>
+                      <a:srgbClr val="FFFFFF"/>
+                    </a:solidFill>
+                  </a:tcPr>
+                </a:tc>
+                <a:tc>
+                  <a:txBody>
+                    <a:bodyPr/>
+                    <a:lstStyle/>
+                    <a:p>
+                      <a:pPr algn="l" fontAlgn="ctr"/>
+                      <a:r>
+                        <a:rPr lang="en-GB" sz="900" b="0" i="0" u="none" strike="noStrike" dirty="0">
+                          <a:solidFill>
+                            <a:schemeClr val="tx1">
+                              <a:lumMod val="50000"/>
+                              <a:lumOff val="50000"/>
+                            </a:schemeClr>
+                          </a:solidFill>
+                          <a:effectLst/>
+                          <a:latin typeface="Open Sans" panose="020B0606030504020204" pitchFamily="34" charset="0"/>
+                        </a:rPr>
+                        <a:t> £                               </a:t>
+                      </a:r>
+                      <a:r>
+                        <a:rPr lang="tr-TR" sz="900" b="0" i="0" u="none" strike="noStrike" dirty="0" err="1">
+                          <a:solidFill>
+                            <a:schemeClr val="tx1">
+                              <a:lumMod val="50000"/>
+                              <a:lumOff val="50000"/>
+                            </a:schemeClr>
+                          </a:solidFill>
+                          <a:effectLst/>
+                          <a:latin typeface="Open Sans" panose="020B0606030504020204" pitchFamily="34" charset="0"/>
+                        </a:rPr>
+                        <a:t>badcapval</a:t>
+                      </a:r>
+                      <a:r>
+                        <a:rPr lang="en-GB" sz="900" b="0" i="0" u="none" strike="noStrike" dirty="0">
+                          <a:solidFill>
+                            <a:schemeClr val="tx1">
+                              <a:lumMod val="50000"/>
+                              <a:lumOff val="50000"/>
+                            </a:schemeClr>
+                          </a:solidFill>
+                          <a:effectLst/>
+                          <a:latin typeface="Open Sans" panose="020B0606030504020204" pitchFamily="34" charset="0"/>
+                        </a:rPr>
+                        <a:t> </a:t>
+                      </a:r>
+                    </a:p>
+                  </a:txBody>
+                  <a:tcPr marL="9525" marR="9525" marT="9525" marB="0" anchor="ctr">
+                    <a:lnL>
+                      <a:noFill/>
+                    </a:lnL>
+                    <a:lnR w="6350" cap="flat" cmpd="sng" algn="ctr">
+                      <a:solidFill>
+                        <a:srgbClr val="FFFFFF"/>
+                      </a:solidFill>
+                      <a:prstDash val="solid"/>
+                      <a:round/>
+                      <a:headEnd type="none" w="med" len="med"/>
+                      <a:tailEnd type="none" w="med" len="med"/>
+                    </a:lnR>
+                    <a:lnT>
+                      <a:noFill/>
+                    </a:lnT>
+                    <a:lnB>
+                      <a:noFill/>
+                    </a:lnB>
+                    <a:solidFill>
+                      <a:srgbClr val="FFFFFF"/>
+                    </a:solidFill>
+                  </a:tcPr>
+                </a:tc>
+                <a:extLst>
+                  <a:ext uri="{0D108BD9-81ED-4DB2-BD59-A6C34878D82A}">
+                    <a16:rowId xmlns:a16="http://schemas.microsoft.com/office/drawing/2014/main" val="2362085087"/>
+                  </a:ext>
+                </a:extLst>
+              </a:tr>
+            </a:tbl>
+          </a:graphicData>
+        </a:graphic>
+      </p:graphicFrame>
+      <p:graphicFrame>
+        <p:nvGraphicFramePr>
+          <p:cNvPr id="8" name="Tablo 7">
+            <a:extLst>
+              <a:ext uri="{FF2B5EF4-FFF2-40B4-BE49-F238E27FC236}">
+                <a16:creationId xmlns:a16="http://schemas.microsoft.com/office/drawing/2014/main" id="{26766E92-F7C6-C878-BB33-1F460F48A3B1}"/>
+              </a:ext>
+            </a:extLst>
+          </p:cNvPr>
+          <p:cNvGraphicFramePr>
+            <a:graphicFrameLocks noGrp="1"/>
+          </p:cNvGraphicFramePr>
+          <p:nvPr>
+            <p:extLst>
+              <p:ext uri="{D42A27DB-BD31-4B8C-83A1-F6EECF244321}">
+                <p14:modId xmlns:p14="http://schemas.microsoft.com/office/powerpoint/2010/main" val="2090668107"/>
+              </p:ext>
+            </p:extLst>
+          </p:nvPr>
+        </p:nvGraphicFramePr>
+        <p:xfrm>
+          <a:off x="5753387" y="5101769"/>
+          <a:ext cx="5198302" cy="283845"/>
+        </p:xfrm>
+        <a:graphic>
+          <a:graphicData uri="http://schemas.openxmlformats.org/drawingml/2006/table">
+            <a:tbl>
+              <a:tblPr/>
+              <a:tblGrid>
+                <a:gridCol w="3808625">
+                  <a:extLst>
+                    <a:ext uri="{9D8B030D-6E8A-4147-A177-3AD203B41FA5}">
+                      <a16:colId xmlns:a16="http://schemas.microsoft.com/office/drawing/2014/main" val="420140688"/>
+                    </a:ext>
+                  </a:extLst>
+                </a:gridCol>
+                <a:gridCol w="1389677">
+                  <a:extLst>
+                    <a:ext uri="{9D8B030D-6E8A-4147-A177-3AD203B41FA5}">
+                      <a16:colId xmlns:a16="http://schemas.microsoft.com/office/drawing/2014/main" val="3216919844"/>
+                    </a:ext>
+                  </a:extLst>
+                </a:gridCol>
+              </a:tblGrid>
+              <a:tr h="276225">
+                <a:tc>
+                  <a:txBody>
+                    <a:bodyPr/>
+                    <a:lstStyle/>
+                    <a:p>
+                      <a:pPr algn="l" fontAlgn="b"/>
+                      <a:r>
+                        <a:rPr lang="en-GB" sz="900" b="1" i="0" u="none" strike="noStrike" dirty="0">
+                          <a:solidFill>
+                            <a:srgbClr val="FFFFFF"/>
+                          </a:solidFill>
+                          <a:effectLst/>
+                          <a:latin typeface="Open Sans" panose="020B0606030504020204" pitchFamily="34" charset="0"/>
+                        </a:rPr>
+                        <a:t>Total savings </a:t>
+                      </a:r>
+                    </a:p>
+                  </a:txBody>
+                  <a:tcPr marL="9525" marR="9525" marT="9525" marB="0" anchor="b">
+                    <a:lnL>
+                      <a:noFill/>
+                    </a:lnL>
+                    <a:lnR>
+                      <a:noFill/>
+                    </a:lnR>
+                    <a:lnT>
+                      <a:noFill/>
+                    </a:lnT>
+                    <a:lnB>
+                      <a:noFill/>
+                    </a:lnB>
+                    <a:solidFill>
+                      <a:srgbClr val="808080"/>
+                    </a:solidFill>
+                  </a:tcPr>
+                </a:tc>
+                <a:tc>
+                  <a:txBody>
+                    <a:bodyPr/>
+                    <a:lstStyle/>
+                    <a:p>
+                      <a:pPr algn="l" fontAlgn="b"/>
+                      <a:r>
+                        <a:rPr lang="en-GB" sz="900" b="1" i="0" u="none" strike="noStrike" dirty="0">
+                          <a:solidFill>
+                            <a:srgbClr val="FFFFFF"/>
+                          </a:solidFill>
+                          <a:effectLst/>
+                          <a:latin typeface="Open Sans" panose="020B0606030504020204" pitchFamily="34" charset="0"/>
+                        </a:rPr>
+                        <a:t> £                          </a:t>
+                      </a:r>
+                      <a:r>
+                        <a:rPr lang="tr-TR" sz="900" b="1" i="0" u="none" strike="noStrike" dirty="0" err="1">
+                          <a:solidFill>
+                            <a:srgbClr val="FFFFFF"/>
+                          </a:solidFill>
+                          <a:effectLst/>
+                          <a:latin typeface="Open Sans" panose="020B0606030504020204" pitchFamily="34" charset="0"/>
+                        </a:rPr>
+                        <a:t>batotalval</a:t>
+                      </a:r>
+                      <a:r>
+                        <a:rPr lang="en-GB" sz="900" b="1" i="0" u="none" strike="noStrike" dirty="0">
+                          <a:solidFill>
+                            <a:srgbClr val="FFFFFF"/>
+                          </a:solidFill>
+                          <a:effectLst/>
+                          <a:latin typeface="Open Sans" panose="020B0606030504020204" pitchFamily="34" charset="0"/>
+                        </a:rPr>
+                        <a:t> </a:t>
+                      </a:r>
+                    </a:p>
+                  </a:txBody>
+                  <a:tcPr marL="9525" marR="9525" marT="9525" marB="0" anchor="b">
+                    <a:lnL>
+                      <a:noFill/>
+                    </a:lnL>
+                    <a:lnR>
+                      <a:noFill/>
+                    </a:lnR>
+                    <a:lnT>
+                      <a:noFill/>
+                    </a:lnT>
+                    <a:lnB>
+                      <a:noFill/>
+                    </a:lnB>
+                    <a:solidFill>
+                      <a:srgbClr val="808080"/>
+                    </a:solidFill>
+                  </a:tcPr>
+                </a:tc>
+                <a:extLst>
+                  <a:ext uri="{0D108BD9-81ED-4DB2-BD59-A6C34878D82A}">
+                    <a16:rowId xmlns:a16="http://schemas.microsoft.com/office/drawing/2014/main" val="2604050553"/>
+                  </a:ext>
+                </a:extLst>
+              </a:tr>
+            </a:tbl>
+          </a:graphicData>
+        </a:graphic>
+      </p:graphicFrame>
+      <p:graphicFrame>
+        <p:nvGraphicFramePr>
+          <p:cNvPr id="11" name="Tablo 10">
+            <a:extLst>
+              <a:ext uri="{FF2B5EF4-FFF2-40B4-BE49-F238E27FC236}">
+                <a16:creationId xmlns:a16="http://schemas.microsoft.com/office/drawing/2014/main" id="{871875D4-B9CC-B032-101D-4927FB2A75AD}"/>
+              </a:ext>
+            </a:extLst>
+          </p:cNvPr>
+          <p:cNvGraphicFramePr>
+            <a:graphicFrameLocks noGrp="1"/>
+          </p:cNvGraphicFramePr>
+          <p:nvPr>
+            <p:extLst>
+              <p:ext uri="{D42A27DB-BD31-4B8C-83A1-F6EECF244321}">
+                <p14:modId xmlns:p14="http://schemas.microsoft.com/office/powerpoint/2010/main" val="3135067412"/>
+              </p:ext>
+            </p:extLst>
+          </p:nvPr>
+        </p:nvGraphicFramePr>
+        <p:xfrm>
+          <a:off x="5774237" y="4549319"/>
+          <a:ext cx="5198302" cy="283845"/>
+        </p:xfrm>
+        <a:graphic>
+          <a:graphicData uri="http://schemas.openxmlformats.org/drawingml/2006/table">
+            <a:tbl>
+              <a:tblPr/>
+              <a:tblGrid>
+                <a:gridCol w="3808625">
+                  <a:extLst>
+                    <a:ext uri="{9D8B030D-6E8A-4147-A177-3AD203B41FA5}">
+                      <a16:colId xmlns:a16="http://schemas.microsoft.com/office/drawing/2014/main" val="2592253735"/>
+                    </a:ext>
+                  </a:extLst>
+                </a:gridCol>
+                <a:gridCol w="1389677">
+                  <a:extLst>
+                    <a:ext uri="{9D8B030D-6E8A-4147-A177-3AD203B41FA5}">
+                      <a16:colId xmlns:a16="http://schemas.microsoft.com/office/drawing/2014/main" val="197434489"/>
+                    </a:ext>
+                  </a:extLst>
+                </a:gridCol>
+              </a:tblGrid>
+              <a:tr h="276225">
+                <a:tc>
+                  <a:txBody>
+                    <a:bodyPr/>
+                    <a:lstStyle/>
+                    <a:p>
+                      <a:pPr algn="l" fontAlgn="ctr"/>
+                      <a:r>
+                        <a:rPr lang="en-US" sz="900" b="0" i="0" u="none" strike="noStrike" dirty="0">
+                          <a:solidFill>
+                            <a:schemeClr val="tx1">
+                              <a:lumMod val="50000"/>
+                              <a:lumOff val="50000"/>
+                            </a:schemeClr>
+                          </a:solidFill>
+                          <a:effectLst/>
+                          <a:latin typeface="Open Sans" panose="020B0606030504020204" pitchFamily="34" charset="0"/>
+                        </a:rPr>
+                        <a:t>Customer Invoicing &amp; Finance Workflow Management</a:t>
+                      </a:r>
+                      <a:endParaRPr lang="en-GB" sz="900" b="0" i="0" u="none" strike="noStrike" dirty="0">
+                        <a:solidFill>
+                          <a:schemeClr val="tx1">
+                            <a:lumMod val="50000"/>
+                            <a:lumOff val="50000"/>
+                          </a:schemeClr>
+                        </a:solidFill>
+                        <a:effectLst/>
+                        <a:latin typeface="Open Sans" panose="020B0606030504020204" pitchFamily="34" charset="0"/>
+                      </a:endParaRPr>
+                    </a:p>
+                  </a:txBody>
+                  <a:tcPr marL="9525" marR="9525" marT="9525" marB="0" anchor="ctr">
+                    <a:lnL>
+                      <a:noFill/>
+                    </a:lnL>
+                    <a:lnR>
+                      <a:noFill/>
+                    </a:lnR>
+                    <a:lnT>
+                      <a:noFill/>
+                    </a:lnT>
+                    <a:lnB>
+                      <a:noFill/>
+                    </a:lnB>
+                    <a:solidFill>
+                      <a:srgbClr val="FFFFFF"/>
+                    </a:solidFill>
+                  </a:tcPr>
+                </a:tc>
+                <a:tc>
+                  <a:txBody>
+                    <a:bodyPr/>
+                    <a:lstStyle/>
+                    <a:p>
+                      <a:pPr algn="l" fontAlgn="ctr"/>
+                      <a:r>
+                        <a:rPr lang="en-GB" sz="900" b="0" i="0" u="none" strike="noStrike" dirty="0">
+                          <a:solidFill>
+                            <a:schemeClr val="tx1">
+                              <a:lumMod val="50000"/>
+                              <a:lumOff val="50000"/>
+                            </a:schemeClr>
+                          </a:solidFill>
+                          <a:effectLst/>
+                          <a:latin typeface="Open Sans" panose="020B0606030504020204" pitchFamily="34" charset="0"/>
+                        </a:rPr>
+                        <a:t> £                               </a:t>
+                      </a:r>
+                      <a:r>
+                        <a:rPr lang="tr-TR" sz="900" b="0" i="0" u="none" strike="noStrike" dirty="0" err="1">
+                          <a:solidFill>
+                            <a:schemeClr val="tx1">
+                              <a:lumMod val="50000"/>
+                              <a:lumOff val="50000"/>
+                            </a:schemeClr>
+                          </a:solidFill>
+                          <a:effectLst/>
+                          <a:latin typeface="Open Sans" panose="020B0606030504020204" pitchFamily="34" charset="0"/>
+                        </a:rPr>
+                        <a:t>bacifwval</a:t>
+                      </a:r>
+                      <a:r>
+                        <a:rPr lang="en-GB" sz="900" b="0" i="0" u="none" strike="noStrike" dirty="0">
+                          <a:solidFill>
+                            <a:schemeClr val="tx1">
+                              <a:lumMod val="50000"/>
+                              <a:lumOff val="50000"/>
+                            </a:schemeClr>
+                          </a:solidFill>
+                          <a:effectLst/>
+                          <a:latin typeface="Open Sans" panose="020B0606030504020204" pitchFamily="34" charset="0"/>
+                        </a:rPr>
+                        <a:t> </a:t>
+                      </a:r>
+                    </a:p>
+                  </a:txBody>
+                  <a:tcPr marL="9525" marR="9525" marT="9525" marB="0" anchor="ctr">
+                    <a:lnL>
+                      <a:noFill/>
+                    </a:lnL>
+                    <a:lnR w="6350" cap="flat" cmpd="sng" algn="ctr">
+                      <a:solidFill>
+                        <a:srgbClr val="FFFFFF"/>
+                      </a:solidFill>
+                      <a:prstDash val="solid"/>
+                      <a:round/>
+                      <a:headEnd type="none" w="med" len="med"/>
+                      <a:tailEnd type="none" w="med" len="med"/>
+                    </a:lnR>
+                    <a:lnT>
+                      <a:noFill/>
+                    </a:lnT>
+                    <a:lnB>
+                      <a:noFill/>
+                    </a:lnB>
+                    <a:solidFill>
+                      <a:srgbClr val="FFFFFF"/>
+                    </a:solidFill>
+                  </a:tcPr>
+                </a:tc>
+                <a:extLst>
+                  <a:ext uri="{0D108BD9-81ED-4DB2-BD59-A6C34878D82A}">
+                    <a16:rowId xmlns:a16="http://schemas.microsoft.com/office/drawing/2014/main" val="2362085087"/>
+                  </a:ext>
+                </a:extLst>
+              </a:tr>
+            </a:tbl>
+          </a:graphicData>
+        </a:graphic>
+      </p:graphicFrame>
+      <p:graphicFrame>
+        <p:nvGraphicFramePr>
+          <p:cNvPr id="12" name="Tablo 11">
+            <a:extLst>
+              <a:ext uri="{FF2B5EF4-FFF2-40B4-BE49-F238E27FC236}">
+                <a16:creationId xmlns:a16="http://schemas.microsoft.com/office/drawing/2014/main" id="{A1248756-6E5E-1A3F-7508-F5407220293C}"/>
+              </a:ext>
+            </a:extLst>
+          </p:cNvPr>
+          <p:cNvGraphicFramePr>
+            <a:graphicFrameLocks noGrp="1"/>
+          </p:cNvGraphicFramePr>
+          <p:nvPr>
+            <p:extLst>
+              <p:ext uri="{D42A27DB-BD31-4B8C-83A1-F6EECF244321}">
+                <p14:modId xmlns:p14="http://schemas.microsoft.com/office/powerpoint/2010/main" val="2697103828"/>
+              </p:ext>
+            </p:extLst>
+          </p:nvPr>
+        </p:nvGraphicFramePr>
+        <p:xfrm>
+          <a:off x="5774237" y="4825544"/>
+          <a:ext cx="5198302" cy="283845"/>
+        </p:xfrm>
+        <a:graphic>
+          <a:graphicData uri="http://schemas.openxmlformats.org/drawingml/2006/table">
+            <a:tbl>
+              <a:tblPr/>
+              <a:tblGrid>
+                <a:gridCol w="3808625">
+                  <a:extLst>
+                    <a:ext uri="{9D8B030D-6E8A-4147-A177-3AD203B41FA5}">
+                      <a16:colId xmlns:a16="http://schemas.microsoft.com/office/drawing/2014/main" val="2592253735"/>
+                    </a:ext>
+                  </a:extLst>
+                </a:gridCol>
+                <a:gridCol w="1389677">
+                  <a:extLst>
+                    <a:ext uri="{9D8B030D-6E8A-4147-A177-3AD203B41FA5}">
+                      <a16:colId xmlns:a16="http://schemas.microsoft.com/office/drawing/2014/main" val="197434489"/>
+                    </a:ext>
+                  </a:extLst>
+                </a:gridCol>
+              </a:tblGrid>
+              <a:tr h="276225">
+                <a:tc>
+                  <a:txBody>
+                    <a:bodyPr/>
+                    <a:lstStyle/>
+                    <a:p>
+                      <a:pPr algn="l" fontAlgn="ctr"/>
+                      <a:r>
+                        <a:rPr lang="en-US" sz="900" b="0" i="0" u="none" strike="noStrike" dirty="0">
+                          <a:solidFill>
+                            <a:schemeClr val="tx1">
+                              <a:lumMod val="50000"/>
+                              <a:lumOff val="50000"/>
+                            </a:schemeClr>
+                          </a:solidFill>
+                          <a:effectLst/>
+                          <a:latin typeface="Open Sans" panose="020B0606030504020204" pitchFamily="34" charset="0"/>
+                        </a:rPr>
+                        <a:t>Online expense management</a:t>
+                      </a:r>
+                      <a:endParaRPr lang="en-GB" sz="900" b="0" i="0" u="none" strike="noStrike" dirty="0">
+                        <a:solidFill>
+                          <a:schemeClr val="tx1">
+                            <a:lumMod val="50000"/>
+                            <a:lumOff val="50000"/>
+                          </a:schemeClr>
+                        </a:solidFill>
+                        <a:effectLst/>
+                        <a:latin typeface="Open Sans" panose="020B0606030504020204" pitchFamily="34" charset="0"/>
+                      </a:endParaRPr>
+                    </a:p>
+                  </a:txBody>
+                  <a:tcPr marL="9525" marR="9525" marT="9525" marB="0" anchor="ctr">
+                    <a:lnL>
+                      <a:noFill/>
+                    </a:lnL>
+                    <a:lnR>
+                      <a:noFill/>
+                    </a:lnR>
+                    <a:lnT>
+                      <a:noFill/>
+                    </a:lnT>
+                    <a:lnB>
+                      <a:noFill/>
+                    </a:lnB>
+                    <a:solidFill>
+                      <a:srgbClr val="FFFFFF"/>
+                    </a:solidFill>
+                  </a:tcPr>
+                </a:tc>
+                <a:tc>
+                  <a:txBody>
+                    <a:bodyPr/>
+                    <a:lstStyle/>
+                    <a:p>
+                      <a:pPr algn="l" fontAlgn="ctr"/>
+                      <a:r>
+                        <a:rPr lang="en-GB" sz="900" b="0" i="0" u="none" strike="noStrike" dirty="0">
+                          <a:solidFill>
+                            <a:schemeClr val="tx1">
+                              <a:lumMod val="50000"/>
+                              <a:lumOff val="50000"/>
+                            </a:schemeClr>
+                          </a:solidFill>
+                          <a:effectLst/>
+                          <a:latin typeface="Open Sans" panose="020B0606030504020204" pitchFamily="34" charset="0"/>
+                        </a:rPr>
+                        <a:t> £                               </a:t>
+                      </a:r>
+                      <a:r>
+                        <a:rPr lang="tr-TR" sz="900" b="0" i="0" u="none" strike="noStrike" dirty="0" err="1">
+                          <a:solidFill>
+                            <a:schemeClr val="tx1">
+                              <a:lumMod val="50000"/>
+                              <a:lumOff val="50000"/>
+                            </a:schemeClr>
+                          </a:solidFill>
+                          <a:effectLst/>
+                          <a:latin typeface="Open Sans" panose="020B0606030504020204" pitchFamily="34" charset="0"/>
+                        </a:rPr>
+                        <a:t>baoemval</a:t>
+                      </a:r>
+                      <a:r>
+                        <a:rPr lang="en-GB" sz="900" b="0" i="0" u="none" strike="noStrike" dirty="0">
+                          <a:solidFill>
+                            <a:schemeClr val="tx1">
+                              <a:lumMod val="50000"/>
+                              <a:lumOff val="50000"/>
+                            </a:schemeClr>
+                          </a:solidFill>
+                          <a:effectLst/>
+                          <a:latin typeface="Open Sans" panose="020B0606030504020204" pitchFamily="34" charset="0"/>
+                        </a:rPr>
+                        <a:t> </a:t>
+                      </a:r>
+                    </a:p>
+                  </a:txBody>
+                  <a:tcPr marL="9525" marR="9525" marT="9525" marB="0" anchor="ctr">
+                    <a:lnL>
+                      <a:noFill/>
+                    </a:lnL>
+                    <a:lnR w="6350" cap="flat" cmpd="sng" algn="ctr">
+                      <a:solidFill>
+                        <a:srgbClr val="FFFFFF"/>
+                      </a:solidFill>
+                      <a:prstDash val="solid"/>
+                      <a:round/>
+                      <a:headEnd type="none" w="med" len="med"/>
+                      <a:tailEnd type="none" w="med" len="med"/>
+                    </a:lnR>
+                    <a:lnT>
+                      <a:noFill/>
+                    </a:lnT>
+                    <a:lnB>
+                      <a:noFill/>
+                    </a:lnB>
+                    <a:solidFill>
+                      <a:srgbClr val="FFFFFF"/>
+                    </a:solidFill>
+                  </a:tcPr>
+                </a:tc>
+                <a:extLst>
+                  <a:ext uri="{0D108BD9-81ED-4DB2-BD59-A6C34878D82A}">
+                    <a16:rowId xmlns:a16="http://schemas.microsoft.com/office/drawing/2014/main" val="2362085087"/>
+                  </a:ext>
+                </a:extLst>
+              </a:tr>
+            </a:tbl>
           </a:graphicData>
         </a:graphic>
       </p:graphicFrame>
@@ -43403,6 +44317,15 @@
 </file>
 
 <file path=customXml/item2.xml><?xml version="1.0" encoding="utf-8"?>
+<?mso-contentType ?>
+<FormTemplates xmlns="http://schemas.microsoft.com/sharepoint/v3/contenttype/forms">
+  <Display>DocumentLibraryForm</Display>
+  <Edit>DocumentLibraryForm</Edit>
+  <New>DocumentLibraryForm</New>
+</FormTemplates>
+</file>
+
+<file path=customXml/item3.xml><?xml version="1.0" encoding="utf-8"?>
 <ct:contentTypeSchema xmlns:ct="http://schemas.microsoft.com/office/2006/metadata/contentType" xmlns:ma="http://schemas.microsoft.com/office/2006/metadata/properties/metaAttributes" ct:_="" ma:_="" ma:contentTypeName="Document" ma:contentTypeID="0x010100FC2ADAF580B8A648AEA7FF4A5F3D65E6" ma:contentTypeVersion="11" ma:contentTypeDescription="Create a new document." ma:contentTypeScope="" ma:versionID="f2db5c34f6348a370055c14b94ddc919">
   <xsd:schema xmlns:xsd="http://www.w3.org/2001/XMLSchema" xmlns:xs="http://www.w3.org/2001/XMLSchema" xmlns:p="http://schemas.microsoft.com/office/2006/metadata/properties" xmlns:ns2="8a969d1d-647f-4e4c-97f9-a5143e71e435" xmlns:ns3="eb37a4e0-bf89-419d-8b31-963a97458fb1" targetNamespace="http://schemas.microsoft.com/office/2006/metadata/properties" ma:root="true" ma:fieldsID="42bedbc2e246c6b2e71d78ed3d4618fc" ns2:_="" ns3:_="">
     <xsd:import namespace="8a969d1d-647f-4e4c-97f9-a5143e71e435"/>
@@ -43597,15 +44520,6 @@
 </ct:contentTypeSchema>
 </file>
 
-<file path=customXml/item3.xml><?xml version="1.0" encoding="utf-8"?>
-<?mso-contentType ?>
-<FormTemplates xmlns="http://schemas.microsoft.com/sharepoint/v3/contenttype/forms">
-  <Display>DocumentLibraryForm</Display>
-  <Edit>DocumentLibraryForm</Edit>
-  <New>DocumentLibraryForm</New>
-</FormTemplates>
-</file>
-
 <file path=customXml/itemProps1.xml><?xml version="1.0" encoding="utf-8"?>
 <ds:datastoreItem xmlns:ds="http://schemas.openxmlformats.org/officeDocument/2006/customXml" ds:itemID="{8140E5F8-1399-4596-AA73-4BD79D26AFFD}">
   <ds:schemaRefs>
@@ -43625,6 +44539,14 @@
 </file>
 
 <file path=customXml/itemProps2.xml><?xml version="1.0" encoding="utf-8"?>
+<ds:datastoreItem xmlns:ds="http://schemas.openxmlformats.org/officeDocument/2006/customXml" ds:itemID="{953B4D23-82FF-4812-9F4E-BB600331C634}">
+  <ds:schemaRefs>
+    <ds:schemaRef ds:uri="http://schemas.microsoft.com/sharepoint/v3/contenttype/forms"/>
+  </ds:schemaRefs>
+</ds:datastoreItem>
+</file>
+
+<file path=customXml/itemProps3.xml><?xml version="1.0" encoding="utf-8"?>
 <ds:datastoreItem xmlns:ds="http://schemas.openxmlformats.org/officeDocument/2006/customXml" ds:itemID="{7DE18AF2-C1F0-4DCB-B624-E24984FCEF8F}">
   <ds:schemaRefs>
     <ds:schemaRef ds:uri="http://schemas.microsoft.com/office/2006/metadata/contentType"/>
@@ -43643,14 +44565,6 @@
 </ds:datastoreItem>
 </file>
 
-<file path=customXml/itemProps3.xml><?xml version="1.0" encoding="utf-8"?>
-<ds:datastoreItem xmlns:ds="http://schemas.openxmlformats.org/officeDocument/2006/customXml" ds:itemID="{953B4D23-82FF-4812-9F4E-BB600331C634}">
-  <ds:schemaRefs>
-    <ds:schemaRef ds:uri="http://schemas.microsoft.com/sharepoint/v3/contenttype/forms"/>
-  </ds:schemaRefs>
-</ds:datastoreItem>
-</file>
-
 <file path=docMetadata/LabelInfo.xml><?xml version="1.0" encoding="utf-8"?>
 <clbl:labelList xmlns:clbl="http://schemas.microsoft.com/office/2020/mipLabelMetadata">
   <clbl:label id="{2b5a89e7-01bf-42ed-9da1-669d82eec17a}" enabled="0" method="" siteId="{2b5a89e7-01bf-42ed-9da1-669d82eec17a}" removed="1"/>

--- a/questionare.pptx
+++ b/questionare.pptx
@@ -39490,7 +39490,7 @@
         </p:nvSpPr>
         <p:spPr>
           <a:xfrm>
-            <a:off x="5688393" y="5714314"/>
+            <a:off x="5644144" y="5269489"/>
             <a:ext cx="5306349" cy="388773"/>
           </a:xfrm>
           <a:prstGeom prst="rect">
@@ -39751,1458 +39751,6 @@
       </p:sp>
       <p:graphicFrame>
         <p:nvGraphicFramePr>
-          <p:cNvPr id="9" name="Table 8">
-            <a:extLst>
-              <a:ext uri="{FF2B5EF4-FFF2-40B4-BE49-F238E27FC236}">
-                <a16:creationId xmlns:a16="http://schemas.microsoft.com/office/drawing/2014/main" id="{7101EFFB-DA35-1096-B009-F4E0B674ADF2}"/>
-              </a:ext>
-            </a:extLst>
-          </p:cNvPr>
-          <p:cNvGraphicFramePr>
-            <a:graphicFrameLocks noGrp="1"/>
-          </p:cNvGraphicFramePr>
-          <p:nvPr>
-            <p:extLst>
-              <p:ext uri="{D42A27DB-BD31-4B8C-83A1-F6EECF244321}">
-                <p14:modId xmlns:p14="http://schemas.microsoft.com/office/powerpoint/2010/main" val="2087785352"/>
-              </p:ext>
-            </p:extLst>
-          </p:nvPr>
-        </p:nvGraphicFramePr>
-        <p:xfrm>
-          <a:off x="5540721" y="1863269"/>
-          <a:ext cx="5432079" cy="2701290"/>
-        </p:xfrm>
-        <a:graphic>
-          <a:graphicData uri="http://schemas.openxmlformats.org/drawingml/2006/table">
-            <a:tbl>
-              <a:tblPr/>
-              <a:tblGrid>
-                <a:gridCol w="233777">
-                  <a:extLst>
-                    <a:ext uri="{9D8B030D-6E8A-4147-A177-3AD203B41FA5}">
-                      <a16:colId xmlns:a16="http://schemas.microsoft.com/office/drawing/2014/main" val="2922780886"/>
-                    </a:ext>
-                  </a:extLst>
-                </a:gridCol>
-                <a:gridCol w="3808625">
-                  <a:extLst>
-                    <a:ext uri="{9D8B030D-6E8A-4147-A177-3AD203B41FA5}">
-                      <a16:colId xmlns:a16="http://schemas.microsoft.com/office/drawing/2014/main" val="1927228598"/>
-                    </a:ext>
-                  </a:extLst>
-                </a:gridCol>
-                <a:gridCol w="1389677">
-                  <a:extLst>
-                    <a:ext uri="{9D8B030D-6E8A-4147-A177-3AD203B41FA5}">
-                      <a16:colId xmlns:a16="http://schemas.microsoft.com/office/drawing/2014/main" val="3619726202"/>
-                    </a:ext>
-                  </a:extLst>
-                </a:gridCol>
-              </a:tblGrid>
-              <a:tr h="333375">
-                <a:tc>
-                  <a:txBody>
-                    <a:bodyPr/>
-                    <a:lstStyle/>
-                    <a:p>
-                      <a:pPr algn="l" fontAlgn="b"/>
-                      <a:r>
-                        <a:rPr lang="en-GB" sz="900" b="0" i="0" u="none" strike="noStrike" dirty="0">
-                          <a:solidFill>
-                            <a:srgbClr val="595959"/>
-                          </a:solidFill>
-                          <a:effectLst/>
-                          <a:latin typeface="Open Sans" panose="020B0606030504020204" pitchFamily="34" charset="0"/>
-                        </a:rPr>
-                        <a:t> </a:t>
-                      </a:r>
-                    </a:p>
-                  </a:txBody>
-                  <a:tcPr marL="9525" marR="9525" marT="9525" marB="0" anchor="b">
-                    <a:lnL>
-                      <a:noFill/>
-                    </a:lnL>
-                    <a:lnR>
-                      <a:noFill/>
-                    </a:lnR>
-                    <a:lnT>
-                      <a:noFill/>
-                    </a:lnT>
-                    <a:lnB>
-                      <a:noFill/>
-                    </a:lnB>
-                    <a:solidFill>
-                      <a:srgbClr val="FFFFFF"/>
-                    </a:solidFill>
-                  </a:tcPr>
-                </a:tc>
-                <a:tc>
-                  <a:txBody>
-                    <a:bodyPr/>
-                    <a:lstStyle/>
-                    <a:p>
-                      <a:pPr algn="l" fontAlgn="ctr"/>
-                      <a:r>
-                        <a:rPr lang="en-GB" sz="900" b="1" i="0" u="none" strike="noStrike" dirty="0">
-                          <a:solidFill>
-                            <a:schemeClr val="tx1">
-                              <a:lumMod val="50000"/>
-                              <a:lumOff val="50000"/>
-                            </a:schemeClr>
-                          </a:solidFill>
-                          <a:effectLst/>
-                          <a:latin typeface="Open Sans" panose="020B0606030504020204" pitchFamily="34" charset="0"/>
-                        </a:rPr>
-                        <a:t>Benefit Area</a:t>
-                      </a:r>
-                    </a:p>
-                  </a:txBody>
-                  <a:tcPr marL="9525" marR="9525" marT="9525" marB="0" anchor="ctr">
-                    <a:lnL>
-                      <a:noFill/>
-                    </a:lnL>
-                    <a:lnR>
-                      <a:noFill/>
-                    </a:lnR>
-                    <a:lnT>
-                      <a:noFill/>
-                    </a:lnT>
-                    <a:lnB w="6350" cap="flat" cmpd="sng" algn="ctr">
-                      <a:solidFill>
-                        <a:srgbClr val="000000"/>
-                      </a:solidFill>
-                      <a:prstDash val="solid"/>
-                      <a:round/>
-                      <a:headEnd type="none" w="med" len="med"/>
-                      <a:tailEnd type="none" w="med" len="med"/>
-                    </a:lnB>
-                    <a:solidFill>
-                      <a:srgbClr val="FFFFFF"/>
-                    </a:solidFill>
-                  </a:tcPr>
-                </a:tc>
-                <a:tc>
-                  <a:txBody>
-                    <a:bodyPr/>
-                    <a:lstStyle/>
-                    <a:p>
-                      <a:pPr algn="l" fontAlgn="ctr"/>
-                      <a:r>
-                        <a:rPr lang="en-GB" sz="900" b="1" i="0" u="none" strike="noStrike">
-                          <a:solidFill>
-                            <a:schemeClr val="tx1">
-                              <a:lumMod val="50000"/>
-                              <a:lumOff val="50000"/>
-                            </a:schemeClr>
-                          </a:solidFill>
-                          <a:effectLst/>
-                          <a:latin typeface="Open Sans" panose="020B0606030504020204" pitchFamily="34" charset="0"/>
-                        </a:rPr>
-                        <a:t>Value (£)</a:t>
-                      </a:r>
-                    </a:p>
-                  </a:txBody>
-                  <a:tcPr marL="9525" marR="9525" marT="9525" marB="0" anchor="ctr">
-                    <a:lnL>
-                      <a:noFill/>
-                    </a:lnL>
-                    <a:lnR>
-                      <a:noFill/>
-                    </a:lnR>
-                    <a:lnT>
-                      <a:noFill/>
-                    </a:lnT>
-                    <a:lnB w="6350" cap="flat" cmpd="sng" algn="ctr">
-                      <a:solidFill>
-                        <a:srgbClr val="000000"/>
-                      </a:solidFill>
-                      <a:prstDash val="solid"/>
-                      <a:round/>
-                      <a:headEnd type="none" w="med" len="med"/>
-                      <a:tailEnd type="none" w="med" len="med"/>
-                    </a:lnB>
-                    <a:solidFill>
-                      <a:srgbClr val="FFFFFF"/>
-                    </a:solidFill>
-                  </a:tcPr>
-                </a:tc>
-                <a:extLst>
-                  <a:ext uri="{0D108BD9-81ED-4DB2-BD59-A6C34878D82A}">
-                    <a16:rowId xmlns:a16="http://schemas.microsoft.com/office/drawing/2014/main" val="1057835525"/>
-                  </a:ext>
-                </a:extLst>
-              </a:tr>
-              <a:tr h="304800">
-                <a:tc>
-                  <a:txBody>
-                    <a:bodyPr/>
-                    <a:lstStyle/>
-                    <a:p>
-                      <a:pPr algn="l" fontAlgn="b"/>
-                      <a:r>
-                        <a:rPr lang="en-GB" sz="900" b="0" i="0" u="none" strike="noStrike" dirty="0">
-                          <a:solidFill>
-                            <a:srgbClr val="595959"/>
-                          </a:solidFill>
-                          <a:effectLst/>
-                          <a:latin typeface="Open Sans" panose="020B0606030504020204" pitchFamily="34" charset="0"/>
-                        </a:rPr>
-                        <a:t> </a:t>
-                      </a:r>
-                    </a:p>
-                  </a:txBody>
-                  <a:tcPr marL="9525" marR="9525" marT="9525" marB="0" anchor="b">
-                    <a:lnL>
-                      <a:noFill/>
-                    </a:lnL>
-                    <a:lnR>
-                      <a:noFill/>
-                    </a:lnR>
-                    <a:lnT>
-                      <a:noFill/>
-                    </a:lnT>
-                    <a:lnB>
-                      <a:noFill/>
-                    </a:lnB>
-                    <a:solidFill>
-                      <a:srgbClr val="FFFFFF"/>
-                    </a:solidFill>
-                  </a:tcPr>
-                </a:tc>
-                <a:tc>
-                  <a:txBody>
-                    <a:bodyPr/>
-                    <a:lstStyle/>
-                    <a:p>
-                      <a:pPr algn="l" fontAlgn="ctr"/>
-                      <a:r>
-                        <a:rPr lang="en-US" sz="900" b="0" i="0" u="none" strike="noStrike" dirty="0">
-                          <a:solidFill>
-                            <a:schemeClr val="tx1">
-                              <a:lumMod val="50000"/>
-                              <a:lumOff val="50000"/>
-                            </a:schemeClr>
-                          </a:solidFill>
-                          <a:effectLst/>
-                          <a:latin typeface="Open Sans" panose="020B0606030504020204" pitchFamily="34" charset="0"/>
-                        </a:rPr>
-                        <a:t>Current Annual IT Finance System Costs</a:t>
-                      </a:r>
-                      <a:endParaRPr lang="en-GB" sz="900" b="0" i="0" u="none" strike="noStrike" dirty="0">
-                        <a:solidFill>
-                          <a:schemeClr val="tx1">
-                            <a:lumMod val="50000"/>
-                            <a:lumOff val="50000"/>
-                          </a:schemeClr>
-                        </a:solidFill>
-                        <a:effectLst/>
-                        <a:latin typeface="Open Sans" panose="020B0606030504020204" pitchFamily="34" charset="0"/>
-                      </a:endParaRPr>
-                    </a:p>
-                  </a:txBody>
-                  <a:tcPr marL="9525" marR="9525" marT="9525" marB="0" anchor="ctr">
-                    <a:lnL>
-                      <a:noFill/>
-                    </a:lnL>
-                    <a:lnR>
-                      <a:noFill/>
-                    </a:lnR>
-                    <a:lnT w="6350" cap="flat" cmpd="sng" algn="ctr">
-                      <a:solidFill>
-                        <a:srgbClr val="000000"/>
-                      </a:solidFill>
-                      <a:prstDash val="solid"/>
-                      <a:round/>
-                      <a:headEnd type="none" w="med" len="med"/>
-                      <a:tailEnd type="none" w="med" len="med"/>
-                    </a:lnT>
-                    <a:lnB>
-                      <a:noFill/>
-                    </a:lnB>
-                    <a:solidFill>
-                      <a:srgbClr val="FFFFFF"/>
-                    </a:solidFill>
-                  </a:tcPr>
-                </a:tc>
-                <a:tc>
-                  <a:txBody>
-                    <a:bodyPr/>
-                    <a:lstStyle/>
-                    <a:p>
-                      <a:pPr algn="l" fontAlgn="ctr"/>
-                      <a:r>
-                        <a:rPr lang="en-GB" sz="900" b="0" i="0" u="none" strike="noStrike" dirty="0">
-                          <a:solidFill>
-                            <a:schemeClr val="tx1">
-                              <a:lumMod val="50000"/>
-                              <a:lumOff val="50000"/>
-                            </a:schemeClr>
-                          </a:solidFill>
-                          <a:effectLst/>
-                          <a:latin typeface="Open Sans" panose="020B0606030504020204" pitchFamily="34" charset="0"/>
-                        </a:rPr>
-                        <a:t> £                          </a:t>
-                      </a:r>
-                      <a:r>
-                        <a:rPr lang="tr-TR" sz="900" b="0" i="0" u="none" strike="noStrike" dirty="0" err="1">
-                          <a:solidFill>
-                            <a:schemeClr val="tx1">
-                              <a:lumMod val="50000"/>
-                              <a:lumOff val="50000"/>
-                            </a:schemeClr>
-                          </a:solidFill>
-                          <a:effectLst/>
-                          <a:latin typeface="Open Sans" panose="020B0606030504020204" pitchFamily="34" charset="0"/>
-                        </a:rPr>
-                        <a:t>baitval</a:t>
-                      </a:r>
-                      <a:r>
-                        <a:rPr lang="en-GB" sz="900" b="0" i="0" u="none" strike="noStrike" dirty="0">
-                          <a:solidFill>
-                            <a:schemeClr val="tx1">
-                              <a:lumMod val="50000"/>
-                              <a:lumOff val="50000"/>
-                            </a:schemeClr>
-                          </a:solidFill>
-                          <a:effectLst/>
-                          <a:latin typeface="Open Sans" panose="020B0606030504020204" pitchFamily="34" charset="0"/>
-                        </a:rPr>
-                        <a:t> </a:t>
-                      </a:r>
-                    </a:p>
-                  </a:txBody>
-                  <a:tcPr marL="9525" marR="9525" marT="9525" marB="0" anchor="ctr">
-                    <a:lnL>
-                      <a:noFill/>
-                    </a:lnL>
-                    <a:lnR w="6350" cap="flat" cmpd="sng" algn="ctr">
-                      <a:solidFill>
-                        <a:srgbClr val="FFFFFF"/>
-                      </a:solidFill>
-                      <a:prstDash val="solid"/>
-                      <a:round/>
-                      <a:headEnd type="none" w="med" len="med"/>
-                      <a:tailEnd type="none" w="med" len="med"/>
-                    </a:lnR>
-                    <a:lnT w="6350" cap="flat" cmpd="sng" algn="ctr">
-                      <a:solidFill>
-                        <a:srgbClr val="000000"/>
-                      </a:solidFill>
-                      <a:prstDash val="solid"/>
-                      <a:round/>
-                      <a:headEnd type="none" w="med" len="med"/>
-                      <a:tailEnd type="none" w="med" len="med"/>
-                    </a:lnT>
-                    <a:lnB>
-                      <a:noFill/>
-                    </a:lnB>
-                    <a:solidFill>
-                      <a:srgbClr val="FFFFFF"/>
-                    </a:solidFill>
-                  </a:tcPr>
-                </a:tc>
-                <a:extLst>
-                  <a:ext uri="{0D108BD9-81ED-4DB2-BD59-A6C34878D82A}">
-                    <a16:rowId xmlns:a16="http://schemas.microsoft.com/office/drawing/2014/main" val="2885995435"/>
-                  </a:ext>
-                </a:extLst>
-              </a:tr>
-              <a:tr h="304800">
-                <a:tc>
-                  <a:txBody>
-                    <a:bodyPr/>
-                    <a:lstStyle/>
-                    <a:p>
-                      <a:pPr algn="l" fontAlgn="b"/>
-                      <a:r>
-                        <a:rPr lang="en-GB" sz="900" b="0" i="0" u="none" strike="noStrike">
-                          <a:solidFill>
-                            <a:srgbClr val="595959"/>
-                          </a:solidFill>
-                          <a:effectLst/>
-                          <a:latin typeface="Open Sans" panose="020B0606030504020204" pitchFamily="34" charset="0"/>
-                        </a:rPr>
-                        <a:t> </a:t>
-                      </a:r>
-                    </a:p>
-                  </a:txBody>
-                  <a:tcPr marL="9525" marR="9525" marT="9525" marB="0" anchor="b">
-                    <a:lnL>
-                      <a:noFill/>
-                    </a:lnL>
-                    <a:lnR>
-                      <a:noFill/>
-                    </a:lnR>
-                    <a:lnT>
-                      <a:noFill/>
-                    </a:lnT>
-                    <a:lnB>
-                      <a:noFill/>
-                    </a:lnB>
-                    <a:solidFill>
-                      <a:srgbClr val="FFFFFF"/>
-                    </a:solidFill>
-                  </a:tcPr>
-                </a:tc>
-                <a:tc>
-                  <a:txBody>
-                    <a:bodyPr/>
-                    <a:lstStyle/>
-                    <a:p>
-                      <a:pPr algn="l" fontAlgn="ctr"/>
-                      <a:r>
-                        <a:rPr lang="en-US" sz="900" b="0" i="0" u="none" strike="noStrike" dirty="0">
-                          <a:solidFill>
-                            <a:schemeClr val="tx1">
-                              <a:lumMod val="50000"/>
-                              <a:lumOff val="50000"/>
-                            </a:schemeClr>
-                          </a:solidFill>
-                          <a:effectLst/>
-                          <a:latin typeface="Open Sans" panose="020B0606030504020204" pitchFamily="34" charset="0"/>
-                        </a:rPr>
-                        <a:t>Raising Purchase Orders (mins per order)</a:t>
-                      </a:r>
-                      <a:endParaRPr lang="en-GB" sz="900" b="0" i="0" u="none" strike="noStrike" dirty="0">
-                        <a:solidFill>
-                          <a:schemeClr val="tx1">
-                            <a:lumMod val="50000"/>
-                            <a:lumOff val="50000"/>
-                          </a:schemeClr>
-                        </a:solidFill>
-                        <a:effectLst/>
-                        <a:latin typeface="Open Sans" panose="020B0606030504020204" pitchFamily="34" charset="0"/>
-                      </a:endParaRPr>
-                    </a:p>
-                  </a:txBody>
-                  <a:tcPr marL="9525" marR="9525" marT="9525" marB="0" anchor="ctr">
-                    <a:lnL>
-                      <a:noFill/>
-                    </a:lnL>
-                    <a:lnR>
-                      <a:noFill/>
-                    </a:lnR>
-                    <a:lnT>
-                      <a:noFill/>
-                    </a:lnT>
-                    <a:lnB>
-                      <a:noFill/>
-                    </a:lnB>
-                    <a:solidFill>
-                      <a:srgbClr val="FFFFFF"/>
-                    </a:solidFill>
-                  </a:tcPr>
-                </a:tc>
-                <a:tc>
-                  <a:txBody>
-                    <a:bodyPr/>
-                    <a:lstStyle/>
-                    <a:p>
-                      <a:pPr algn="l" fontAlgn="ctr"/>
-                      <a:r>
-                        <a:rPr lang="en-GB" sz="900" b="0" i="0" u="none" strike="noStrike" dirty="0">
-                          <a:solidFill>
-                            <a:schemeClr val="tx1">
-                              <a:lumMod val="50000"/>
-                              <a:lumOff val="50000"/>
-                            </a:schemeClr>
-                          </a:solidFill>
-                          <a:effectLst/>
-                          <a:latin typeface="Open Sans" panose="020B0606030504020204" pitchFamily="34" charset="0"/>
-                        </a:rPr>
-                        <a:t> £                               </a:t>
-                      </a:r>
-                      <a:r>
-                        <a:rPr lang="tr-TR" sz="900" b="0" i="0" u="none" strike="noStrike" dirty="0" err="1">
-                          <a:solidFill>
-                            <a:schemeClr val="tx1">
-                              <a:lumMod val="50000"/>
-                              <a:lumOff val="50000"/>
-                            </a:schemeClr>
-                          </a:solidFill>
-                          <a:effectLst/>
-                          <a:latin typeface="Open Sans" panose="020B0606030504020204" pitchFamily="34" charset="0"/>
-                        </a:rPr>
-                        <a:t>barpoval</a:t>
-                      </a:r>
-                      <a:r>
-                        <a:rPr lang="en-GB" sz="900" b="0" i="0" u="none" strike="noStrike" dirty="0">
-                          <a:solidFill>
-                            <a:schemeClr val="tx1">
-                              <a:lumMod val="50000"/>
-                              <a:lumOff val="50000"/>
-                            </a:schemeClr>
-                          </a:solidFill>
-                          <a:effectLst/>
-                          <a:latin typeface="Open Sans" panose="020B0606030504020204" pitchFamily="34" charset="0"/>
-                        </a:rPr>
-                        <a:t> </a:t>
-                      </a:r>
-                    </a:p>
-                  </a:txBody>
-                  <a:tcPr marL="9525" marR="9525" marT="9525" marB="0" anchor="ctr">
-                    <a:lnL>
-                      <a:noFill/>
-                    </a:lnL>
-                    <a:lnR w="6350" cap="flat" cmpd="sng" algn="ctr">
-                      <a:solidFill>
-                        <a:srgbClr val="FFFFFF"/>
-                      </a:solidFill>
-                      <a:prstDash val="solid"/>
-                      <a:round/>
-                      <a:headEnd type="none" w="med" len="med"/>
-                      <a:tailEnd type="none" w="med" len="med"/>
-                    </a:lnR>
-                    <a:lnT>
-                      <a:noFill/>
-                    </a:lnT>
-                    <a:lnB>
-                      <a:noFill/>
-                    </a:lnB>
-                    <a:solidFill>
-                      <a:srgbClr val="FFFFFF"/>
-                    </a:solidFill>
-                  </a:tcPr>
-                </a:tc>
-                <a:extLst>
-                  <a:ext uri="{0D108BD9-81ED-4DB2-BD59-A6C34878D82A}">
-                    <a16:rowId xmlns:a16="http://schemas.microsoft.com/office/drawing/2014/main" val="504087726"/>
-                  </a:ext>
-                </a:extLst>
-              </a:tr>
-              <a:tr h="304800">
-                <a:tc>
-                  <a:txBody>
-                    <a:bodyPr/>
-                    <a:lstStyle/>
-                    <a:p>
-                      <a:pPr algn="l" fontAlgn="b"/>
-                      <a:r>
-                        <a:rPr lang="en-GB" sz="900" b="0" i="0" u="none" strike="noStrike" dirty="0">
-                          <a:solidFill>
-                            <a:srgbClr val="595959"/>
-                          </a:solidFill>
-                          <a:effectLst/>
-                          <a:latin typeface="Open Sans" panose="020B0606030504020204" pitchFamily="34" charset="0"/>
-                        </a:rPr>
-                        <a:t> </a:t>
-                      </a:r>
-                    </a:p>
-                  </a:txBody>
-                  <a:tcPr marL="9525" marR="9525" marT="9525" marB="0" anchor="b">
-                    <a:lnL>
-                      <a:noFill/>
-                    </a:lnL>
-                    <a:lnR>
-                      <a:noFill/>
-                    </a:lnR>
-                    <a:lnT>
-                      <a:noFill/>
-                    </a:lnT>
-                    <a:lnB>
-                      <a:noFill/>
-                    </a:lnB>
-                    <a:solidFill>
-                      <a:srgbClr val="FFFFFF"/>
-                    </a:solidFill>
-                  </a:tcPr>
-                </a:tc>
-                <a:tc>
-                  <a:txBody>
-                    <a:bodyPr/>
-                    <a:lstStyle/>
-                    <a:p>
-                      <a:pPr algn="l" fontAlgn="ctr"/>
-                      <a:r>
-                        <a:rPr lang="en-US" sz="900" b="0" i="0" u="none" strike="noStrike" dirty="0">
-                          <a:solidFill>
-                            <a:schemeClr val="tx1">
-                              <a:lumMod val="50000"/>
-                              <a:lumOff val="50000"/>
-                            </a:schemeClr>
-                          </a:solidFill>
-                          <a:effectLst/>
-                          <a:latin typeface="Open Sans" panose="020B0606030504020204" pitchFamily="34" charset="0"/>
-                        </a:rPr>
-                        <a:t>Purchase Order approvals (mins per approval)</a:t>
-                      </a:r>
-                      <a:endParaRPr lang="en-GB" sz="900" b="0" i="0" u="none" strike="noStrike" dirty="0">
-                        <a:solidFill>
-                          <a:schemeClr val="tx1">
-                            <a:lumMod val="50000"/>
-                            <a:lumOff val="50000"/>
-                          </a:schemeClr>
-                        </a:solidFill>
-                        <a:effectLst/>
-                        <a:latin typeface="Open Sans" panose="020B0606030504020204" pitchFamily="34" charset="0"/>
-                      </a:endParaRPr>
-                    </a:p>
-                  </a:txBody>
-                  <a:tcPr marL="9525" marR="9525" marT="9525" marB="0" anchor="ctr">
-                    <a:lnL>
-                      <a:noFill/>
-                    </a:lnL>
-                    <a:lnR>
-                      <a:noFill/>
-                    </a:lnR>
-                    <a:lnT>
-                      <a:noFill/>
-                    </a:lnT>
-                    <a:lnB>
-                      <a:noFill/>
-                    </a:lnB>
-                    <a:solidFill>
-                      <a:srgbClr val="FFFFFF"/>
-                    </a:solidFill>
-                  </a:tcPr>
-                </a:tc>
-                <a:tc>
-                  <a:txBody>
-                    <a:bodyPr/>
-                    <a:lstStyle/>
-                    <a:p>
-                      <a:pPr algn="l" fontAlgn="ctr"/>
-                      <a:r>
-                        <a:rPr lang="en-GB" sz="900" b="0" i="0" u="none" strike="noStrike" dirty="0">
-                          <a:solidFill>
-                            <a:schemeClr val="tx1">
-                              <a:lumMod val="50000"/>
-                              <a:lumOff val="50000"/>
-                            </a:schemeClr>
-                          </a:solidFill>
-                          <a:effectLst/>
-                          <a:latin typeface="Open Sans" panose="020B0606030504020204" pitchFamily="34" charset="0"/>
-                        </a:rPr>
-                        <a:t> £                               </a:t>
-                      </a:r>
-                      <a:r>
-                        <a:rPr lang="tr-TR" sz="900" b="0" i="0" u="none" strike="noStrike" dirty="0" err="1">
-                          <a:solidFill>
-                            <a:schemeClr val="tx1">
-                              <a:lumMod val="50000"/>
-                              <a:lumOff val="50000"/>
-                            </a:schemeClr>
-                          </a:solidFill>
-                          <a:effectLst/>
-                          <a:latin typeface="Open Sans" panose="020B0606030504020204" pitchFamily="34" charset="0"/>
-                        </a:rPr>
-                        <a:t>bapoaval</a:t>
-                      </a:r>
-                      <a:r>
-                        <a:rPr lang="en-GB" sz="900" b="0" i="0" u="none" strike="noStrike" dirty="0">
-                          <a:solidFill>
-                            <a:schemeClr val="tx1">
-                              <a:lumMod val="50000"/>
-                              <a:lumOff val="50000"/>
-                            </a:schemeClr>
-                          </a:solidFill>
-                          <a:effectLst/>
-                          <a:latin typeface="Open Sans" panose="020B0606030504020204" pitchFamily="34" charset="0"/>
-                        </a:rPr>
-                        <a:t> </a:t>
-                      </a:r>
-                    </a:p>
-                  </a:txBody>
-                  <a:tcPr marL="9525" marR="9525" marT="9525" marB="0" anchor="ctr">
-                    <a:lnL>
-                      <a:noFill/>
-                    </a:lnL>
-                    <a:lnR w="6350" cap="flat" cmpd="sng" algn="ctr">
-                      <a:solidFill>
-                        <a:srgbClr val="FFFFFF"/>
-                      </a:solidFill>
-                      <a:prstDash val="solid"/>
-                      <a:round/>
-                      <a:headEnd type="none" w="med" len="med"/>
-                      <a:tailEnd type="none" w="med" len="med"/>
-                    </a:lnR>
-                    <a:lnT>
-                      <a:noFill/>
-                    </a:lnT>
-                    <a:lnB>
-                      <a:noFill/>
-                    </a:lnB>
-                    <a:solidFill>
-                      <a:srgbClr val="FFFFFF"/>
-                    </a:solidFill>
-                  </a:tcPr>
-                </a:tc>
-                <a:extLst>
-                  <a:ext uri="{0D108BD9-81ED-4DB2-BD59-A6C34878D82A}">
-                    <a16:rowId xmlns:a16="http://schemas.microsoft.com/office/drawing/2014/main" val="2686330980"/>
-                  </a:ext>
-                </a:extLst>
-              </a:tr>
-              <a:tr h="304800">
-                <a:tc>
-                  <a:txBody>
-                    <a:bodyPr/>
-                    <a:lstStyle/>
-                    <a:p>
-                      <a:pPr algn="l" fontAlgn="b"/>
-                      <a:r>
-                        <a:rPr lang="en-GB" sz="900" b="0" i="0" u="none" strike="noStrike">
-                          <a:solidFill>
-                            <a:srgbClr val="595959"/>
-                          </a:solidFill>
-                          <a:effectLst/>
-                          <a:latin typeface="Open Sans" panose="020B0606030504020204" pitchFamily="34" charset="0"/>
-                        </a:rPr>
-                        <a:t> </a:t>
-                      </a:r>
-                    </a:p>
-                  </a:txBody>
-                  <a:tcPr marL="9525" marR="9525" marT="9525" marB="0" anchor="b">
-                    <a:lnL>
-                      <a:noFill/>
-                    </a:lnL>
-                    <a:lnR>
-                      <a:noFill/>
-                    </a:lnR>
-                    <a:lnT>
-                      <a:noFill/>
-                    </a:lnT>
-                    <a:lnB>
-                      <a:noFill/>
-                    </a:lnB>
-                    <a:solidFill>
-                      <a:srgbClr val="FFFFFF"/>
-                    </a:solidFill>
-                  </a:tcPr>
-                </a:tc>
-                <a:tc>
-                  <a:txBody>
-                    <a:bodyPr/>
-                    <a:lstStyle/>
-                    <a:p>
-                      <a:pPr algn="l" fontAlgn="ctr"/>
-                      <a:r>
-                        <a:rPr lang="en-GB" sz="900" b="0" i="0" u="none" strike="noStrike" dirty="0">
-                          <a:solidFill>
-                            <a:schemeClr val="tx1">
-                              <a:lumMod val="50000"/>
-                              <a:lumOff val="50000"/>
-                            </a:schemeClr>
-                          </a:solidFill>
-                          <a:effectLst/>
-                          <a:latin typeface="Open Sans" panose="020B0606030504020204" pitchFamily="34" charset="0"/>
-                        </a:rPr>
-                        <a:t>Coding invoice processes</a:t>
-                      </a:r>
-                    </a:p>
-                  </a:txBody>
-                  <a:tcPr marL="9525" marR="9525" marT="9525" marB="0" anchor="ctr">
-                    <a:lnL>
-                      <a:noFill/>
-                    </a:lnL>
-                    <a:lnR>
-                      <a:noFill/>
-                    </a:lnR>
-                    <a:lnT>
-                      <a:noFill/>
-                    </a:lnT>
-                    <a:lnB>
-                      <a:noFill/>
-                    </a:lnB>
-                    <a:solidFill>
-                      <a:srgbClr val="FFFFFF"/>
-                    </a:solidFill>
-                  </a:tcPr>
-                </a:tc>
-                <a:tc>
-                  <a:txBody>
-                    <a:bodyPr/>
-                    <a:lstStyle/>
-                    <a:p>
-                      <a:pPr algn="l" fontAlgn="ctr"/>
-                      <a:r>
-                        <a:rPr lang="en-GB" sz="900" b="0" i="0" u="none" strike="noStrike" dirty="0">
-                          <a:solidFill>
-                            <a:schemeClr val="tx1">
-                              <a:lumMod val="50000"/>
-                              <a:lumOff val="50000"/>
-                            </a:schemeClr>
-                          </a:solidFill>
-                          <a:effectLst/>
-                          <a:latin typeface="Open Sans" panose="020B0606030504020204" pitchFamily="34" charset="0"/>
-                        </a:rPr>
-                        <a:t> £                               </a:t>
-                      </a:r>
-                      <a:r>
-                        <a:rPr lang="tr-TR" sz="900" b="0" i="0" u="none" strike="noStrike" dirty="0" err="1">
-                          <a:solidFill>
-                            <a:schemeClr val="tx1">
-                              <a:lumMod val="50000"/>
-                              <a:lumOff val="50000"/>
-                            </a:schemeClr>
-                          </a:solidFill>
-                          <a:effectLst/>
-                          <a:latin typeface="Open Sans" panose="020B0606030504020204" pitchFamily="34" charset="0"/>
-                        </a:rPr>
-                        <a:t>bacipval</a:t>
-                      </a:r>
-                      <a:r>
-                        <a:rPr lang="en-GB" sz="900" b="0" i="0" u="none" strike="noStrike" dirty="0">
-                          <a:solidFill>
-                            <a:schemeClr val="tx1">
-                              <a:lumMod val="50000"/>
-                              <a:lumOff val="50000"/>
-                            </a:schemeClr>
-                          </a:solidFill>
-                          <a:effectLst/>
-                          <a:latin typeface="Open Sans" panose="020B0606030504020204" pitchFamily="34" charset="0"/>
-                        </a:rPr>
-                        <a:t> </a:t>
-                      </a:r>
-                    </a:p>
-                  </a:txBody>
-                  <a:tcPr marL="9525" marR="9525" marT="9525" marB="0" anchor="ctr">
-                    <a:lnL>
-                      <a:noFill/>
-                    </a:lnL>
-                    <a:lnR w="6350" cap="flat" cmpd="sng" algn="ctr">
-                      <a:solidFill>
-                        <a:srgbClr val="FFFFFF"/>
-                      </a:solidFill>
-                      <a:prstDash val="solid"/>
-                      <a:round/>
-                      <a:headEnd type="none" w="med" len="med"/>
-                      <a:tailEnd type="none" w="med" len="med"/>
-                    </a:lnR>
-                    <a:lnT>
-                      <a:noFill/>
-                    </a:lnT>
-                    <a:lnB>
-                      <a:noFill/>
-                    </a:lnB>
-                    <a:solidFill>
-                      <a:srgbClr val="FFFFFF"/>
-                    </a:solidFill>
-                  </a:tcPr>
-                </a:tc>
-                <a:extLst>
-                  <a:ext uri="{0D108BD9-81ED-4DB2-BD59-A6C34878D82A}">
-                    <a16:rowId xmlns:a16="http://schemas.microsoft.com/office/drawing/2014/main" val="3635540525"/>
-                  </a:ext>
-                </a:extLst>
-              </a:tr>
-              <a:tr h="304800">
-                <a:tc>
-                  <a:txBody>
-                    <a:bodyPr/>
-                    <a:lstStyle/>
-                    <a:p>
-                      <a:pPr algn="l" fontAlgn="b"/>
-                      <a:r>
-                        <a:rPr lang="en-GB" sz="900" b="0" i="0" u="none" strike="noStrike">
-                          <a:solidFill>
-                            <a:srgbClr val="595959"/>
-                          </a:solidFill>
-                          <a:effectLst/>
-                          <a:latin typeface="Open Sans" panose="020B0606030504020204" pitchFamily="34" charset="0"/>
-                        </a:rPr>
-                        <a:t> </a:t>
-                      </a:r>
-                    </a:p>
-                  </a:txBody>
-                  <a:tcPr marL="9525" marR="9525" marT="9525" marB="0" anchor="b">
-                    <a:lnL>
-                      <a:noFill/>
-                    </a:lnL>
-                    <a:lnR>
-                      <a:noFill/>
-                    </a:lnR>
-                    <a:lnT>
-                      <a:noFill/>
-                    </a:lnT>
-                    <a:lnB>
-                      <a:noFill/>
-                    </a:lnB>
-                    <a:solidFill>
-                      <a:srgbClr val="FFFFFF"/>
-                    </a:solidFill>
-                  </a:tcPr>
-                </a:tc>
-                <a:tc>
-                  <a:txBody>
-                    <a:bodyPr/>
-                    <a:lstStyle/>
-                    <a:p>
-                      <a:pPr algn="l" fontAlgn="ctr"/>
-                      <a:r>
-                        <a:rPr lang="en-US" sz="900" b="0" i="0" u="none" strike="noStrike" dirty="0">
-                          <a:solidFill>
-                            <a:schemeClr val="tx1">
-                              <a:lumMod val="50000"/>
-                              <a:lumOff val="50000"/>
-                            </a:schemeClr>
-                          </a:solidFill>
-                          <a:effectLst/>
-                          <a:latin typeface="Open Sans" panose="020B0606030504020204" pitchFamily="34" charset="0"/>
-                        </a:rPr>
-                        <a:t>Management of supplier and purchase invoices</a:t>
-                      </a:r>
-                      <a:endParaRPr lang="en-GB" sz="900" b="0" i="0" u="none" strike="noStrike" dirty="0">
-                        <a:solidFill>
-                          <a:schemeClr val="tx1">
-                            <a:lumMod val="50000"/>
-                            <a:lumOff val="50000"/>
-                          </a:schemeClr>
-                        </a:solidFill>
-                        <a:effectLst/>
-                        <a:latin typeface="Open Sans" panose="020B0606030504020204" pitchFamily="34" charset="0"/>
-                      </a:endParaRPr>
-                    </a:p>
-                  </a:txBody>
-                  <a:tcPr marL="9525" marR="9525" marT="9525" marB="0" anchor="ctr">
-                    <a:lnL>
-                      <a:noFill/>
-                    </a:lnL>
-                    <a:lnR>
-                      <a:noFill/>
-                    </a:lnR>
-                    <a:lnT>
-                      <a:noFill/>
-                    </a:lnT>
-                    <a:lnB>
-                      <a:noFill/>
-                    </a:lnB>
-                    <a:solidFill>
-                      <a:srgbClr val="FFFFFF"/>
-                    </a:solidFill>
-                  </a:tcPr>
-                </a:tc>
-                <a:tc>
-                  <a:txBody>
-                    <a:bodyPr/>
-                    <a:lstStyle/>
-                    <a:p>
-                      <a:pPr algn="l" fontAlgn="ctr"/>
-                      <a:r>
-                        <a:rPr lang="en-GB" sz="900" b="0" i="0" u="none" strike="noStrike" dirty="0">
-                          <a:solidFill>
-                            <a:schemeClr val="tx1">
-                              <a:lumMod val="50000"/>
-                              <a:lumOff val="50000"/>
-                            </a:schemeClr>
-                          </a:solidFill>
-                          <a:effectLst/>
-                          <a:latin typeface="Open Sans" panose="020B0606030504020204" pitchFamily="34" charset="0"/>
-                        </a:rPr>
-                        <a:t> £                            </a:t>
-                      </a:r>
-                      <a:r>
-                        <a:rPr lang="tr-TR" sz="900" b="0" i="0" u="none" strike="noStrike" dirty="0" err="1">
-                          <a:solidFill>
-                            <a:schemeClr val="tx1">
-                              <a:lumMod val="50000"/>
-                              <a:lumOff val="50000"/>
-                            </a:schemeClr>
-                          </a:solidFill>
-                          <a:effectLst/>
-                          <a:latin typeface="Open Sans" panose="020B0606030504020204" pitchFamily="34" charset="0"/>
-                        </a:rPr>
-                        <a:t>bamspival</a:t>
-                      </a:r>
-                      <a:r>
-                        <a:rPr lang="en-GB" sz="900" b="0" i="0" u="none" strike="noStrike" dirty="0">
-                          <a:solidFill>
-                            <a:schemeClr val="tx1">
-                              <a:lumMod val="50000"/>
-                              <a:lumOff val="50000"/>
-                            </a:schemeClr>
-                          </a:solidFill>
-                          <a:effectLst/>
-                          <a:latin typeface="Open Sans" panose="020B0606030504020204" pitchFamily="34" charset="0"/>
-                        </a:rPr>
-                        <a:t> </a:t>
-                      </a:r>
-                    </a:p>
-                  </a:txBody>
-                  <a:tcPr marL="9525" marR="9525" marT="9525" marB="0" anchor="ctr">
-                    <a:lnL>
-                      <a:noFill/>
-                    </a:lnL>
-                    <a:lnR w="6350" cap="flat" cmpd="sng" algn="ctr">
-                      <a:solidFill>
-                        <a:srgbClr val="FFFFFF"/>
-                      </a:solidFill>
-                      <a:prstDash val="solid"/>
-                      <a:round/>
-                      <a:headEnd type="none" w="med" len="med"/>
-                      <a:tailEnd type="none" w="med" len="med"/>
-                    </a:lnR>
-                    <a:lnT>
-                      <a:noFill/>
-                    </a:lnT>
-                    <a:lnB>
-                      <a:noFill/>
-                    </a:lnB>
-                    <a:solidFill>
-                      <a:srgbClr val="FFFFFF"/>
-                    </a:solidFill>
-                  </a:tcPr>
-                </a:tc>
-                <a:extLst>
-                  <a:ext uri="{0D108BD9-81ED-4DB2-BD59-A6C34878D82A}">
-                    <a16:rowId xmlns:a16="http://schemas.microsoft.com/office/drawing/2014/main" val="177070943"/>
-                  </a:ext>
-                </a:extLst>
-              </a:tr>
-              <a:tr h="276225">
-                <a:tc>
-                  <a:txBody>
-                    <a:bodyPr/>
-                    <a:lstStyle/>
-                    <a:p>
-                      <a:pPr algn="l" fontAlgn="b"/>
-                      <a:r>
-                        <a:rPr lang="en-GB" sz="900" b="0" i="0" u="none" strike="noStrike" dirty="0">
-                          <a:solidFill>
-                            <a:srgbClr val="595959"/>
-                          </a:solidFill>
-                          <a:effectLst/>
-                          <a:latin typeface="Open Sans" panose="020B0606030504020204" pitchFamily="34" charset="0"/>
-                        </a:rPr>
-                        <a:t> </a:t>
-                      </a:r>
-                    </a:p>
-                  </a:txBody>
-                  <a:tcPr marL="9525" marR="9525" marT="9525" marB="0" anchor="b">
-                    <a:lnL>
-                      <a:noFill/>
-                    </a:lnL>
-                    <a:lnR>
-                      <a:noFill/>
-                    </a:lnR>
-                    <a:lnT>
-                      <a:noFill/>
-                    </a:lnT>
-                    <a:lnB>
-                      <a:noFill/>
-                    </a:lnB>
-                    <a:solidFill>
-                      <a:srgbClr val="FFFFFF"/>
-                    </a:solidFill>
-                  </a:tcPr>
-                </a:tc>
-                <a:tc>
-                  <a:txBody>
-                    <a:bodyPr/>
-                    <a:lstStyle/>
-                    <a:p>
-                      <a:pPr algn="l" fontAlgn="ctr"/>
-                      <a:r>
-                        <a:rPr lang="en-US" sz="900" b="0" i="0" u="none" strike="noStrike" dirty="0">
-                          <a:solidFill>
-                            <a:schemeClr val="tx1">
-                              <a:lumMod val="50000"/>
-                              <a:lumOff val="50000"/>
-                            </a:schemeClr>
-                          </a:solidFill>
-                          <a:effectLst/>
-                          <a:latin typeface="Open Sans" panose="020B0606030504020204" pitchFamily="34" charset="0"/>
-                        </a:rPr>
-                        <a:t>Managing Maverick spend &amp; Spend leakage</a:t>
-                      </a:r>
-                      <a:endParaRPr lang="en-GB" sz="900" b="0" i="0" u="none" strike="noStrike" dirty="0">
-                        <a:solidFill>
-                          <a:schemeClr val="tx1">
-                            <a:lumMod val="50000"/>
-                            <a:lumOff val="50000"/>
-                          </a:schemeClr>
-                        </a:solidFill>
-                        <a:effectLst/>
-                        <a:latin typeface="Open Sans" panose="020B0606030504020204" pitchFamily="34" charset="0"/>
-                      </a:endParaRPr>
-                    </a:p>
-                  </a:txBody>
-                  <a:tcPr marL="9525" marR="9525" marT="9525" marB="0" anchor="ctr">
-                    <a:lnL>
-                      <a:noFill/>
-                    </a:lnL>
-                    <a:lnR>
-                      <a:noFill/>
-                    </a:lnR>
-                    <a:lnT>
-                      <a:noFill/>
-                    </a:lnT>
-                    <a:lnB>
-                      <a:noFill/>
-                    </a:lnB>
-                    <a:solidFill>
-                      <a:srgbClr val="FFFFFF"/>
-                    </a:solidFill>
-                  </a:tcPr>
-                </a:tc>
-                <a:tc>
-                  <a:txBody>
-                    <a:bodyPr/>
-                    <a:lstStyle/>
-                    <a:p>
-                      <a:pPr algn="l" fontAlgn="ctr"/>
-                      <a:r>
-                        <a:rPr lang="en-GB" sz="900" b="0" i="0" u="none" strike="noStrike" dirty="0">
-                          <a:solidFill>
-                            <a:schemeClr val="tx1">
-                              <a:lumMod val="50000"/>
-                              <a:lumOff val="50000"/>
-                            </a:schemeClr>
-                          </a:solidFill>
-                          <a:effectLst/>
-                          <a:latin typeface="Open Sans" panose="020B0606030504020204" pitchFamily="34" charset="0"/>
-                        </a:rPr>
-                        <a:t> £                               </a:t>
-                      </a:r>
-                      <a:r>
-                        <a:rPr lang="tr-TR" sz="900" b="0" i="0" u="none" strike="noStrike" dirty="0" err="1">
-                          <a:solidFill>
-                            <a:schemeClr val="tx1">
-                              <a:lumMod val="50000"/>
-                              <a:lumOff val="50000"/>
-                            </a:schemeClr>
-                          </a:solidFill>
-                          <a:effectLst/>
-                          <a:latin typeface="Open Sans" panose="020B0606030504020204" pitchFamily="34" charset="0"/>
-                        </a:rPr>
-                        <a:t>bamslval</a:t>
-                      </a:r>
-                      <a:r>
-                        <a:rPr lang="en-GB" sz="900" b="0" i="0" u="none" strike="noStrike" dirty="0">
-                          <a:solidFill>
-                            <a:schemeClr val="tx1">
-                              <a:lumMod val="50000"/>
-                              <a:lumOff val="50000"/>
-                            </a:schemeClr>
-                          </a:solidFill>
-                          <a:effectLst/>
-                          <a:latin typeface="Open Sans" panose="020B0606030504020204" pitchFamily="34" charset="0"/>
-                        </a:rPr>
-                        <a:t> </a:t>
-                      </a:r>
-                    </a:p>
-                  </a:txBody>
-                  <a:tcPr marL="9525" marR="9525" marT="9525" marB="0" anchor="ctr">
-                    <a:lnL>
-                      <a:noFill/>
-                    </a:lnL>
-                    <a:lnR w="6350" cap="flat" cmpd="sng" algn="ctr">
-                      <a:solidFill>
-                        <a:srgbClr val="FFFFFF"/>
-                      </a:solidFill>
-                      <a:prstDash val="solid"/>
-                      <a:round/>
-                      <a:headEnd type="none" w="med" len="med"/>
-                      <a:tailEnd type="none" w="med" len="med"/>
-                    </a:lnR>
-                    <a:lnT>
-                      <a:noFill/>
-                    </a:lnT>
-                    <a:lnB>
-                      <a:noFill/>
-                    </a:lnB>
-                    <a:solidFill>
-                      <a:srgbClr val="FFFFFF"/>
-                    </a:solidFill>
-                  </a:tcPr>
-                </a:tc>
-                <a:extLst>
-                  <a:ext uri="{0D108BD9-81ED-4DB2-BD59-A6C34878D82A}">
-                    <a16:rowId xmlns:a16="http://schemas.microsoft.com/office/drawing/2014/main" val="3099478492"/>
-                  </a:ext>
-                </a:extLst>
-              </a:tr>
-              <a:tr h="276225">
-                <a:tc>
-                  <a:txBody>
-                    <a:bodyPr/>
-                    <a:lstStyle/>
-                    <a:p>
-                      <a:pPr algn="l" fontAlgn="b"/>
-                      <a:r>
-                        <a:rPr lang="en-GB" sz="900" b="0" i="0" u="none" strike="noStrike" dirty="0">
-                          <a:solidFill>
-                            <a:srgbClr val="595959"/>
-                          </a:solidFill>
-                          <a:effectLst/>
-                          <a:latin typeface="Open Sans" panose="020B0606030504020204" pitchFamily="34" charset="0"/>
-                        </a:rPr>
-                        <a:t> </a:t>
-                      </a:r>
-                    </a:p>
-                  </a:txBody>
-                  <a:tcPr marL="9525" marR="9525" marT="9525" marB="0" anchor="b">
-                    <a:lnL>
-                      <a:noFill/>
-                    </a:lnL>
-                    <a:lnR>
-                      <a:noFill/>
-                    </a:lnR>
-                    <a:lnT>
-                      <a:noFill/>
-                    </a:lnT>
-                    <a:lnB>
-                      <a:noFill/>
-                    </a:lnB>
-                    <a:solidFill>
-                      <a:srgbClr val="FFFFFF"/>
-                    </a:solidFill>
-                  </a:tcPr>
-                </a:tc>
-                <a:tc>
-                  <a:txBody>
-                    <a:bodyPr/>
-                    <a:lstStyle/>
-                    <a:p>
-                      <a:pPr algn="l" fontAlgn="ctr"/>
-                      <a:r>
-                        <a:rPr lang="en-US" sz="900" b="0" i="0" u="none" strike="noStrike" dirty="0">
-                          <a:solidFill>
-                            <a:schemeClr val="tx1">
-                              <a:lumMod val="50000"/>
-                              <a:lumOff val="50000"/>
-                            </a:schemeClr>
-                          </a:solidFill>
-                          <a:effectLst/>
-                          <a:latin typeface="Open Sans" panose="020B0606030504020204" pitchFamily="34" charset="0"/>
-                        </a:rPr>
-                        <a:t>Finance query management and dashboard reporting</a:t>
-                      </a:r>
-                      <a:endParaRPr lang="en-GB" sz="900" b="0" i="0" u="none" strike="noStrike" dirty="0">
-                        <a:solidFill>
-                          <a:schemeClr val="tx1">
-                            <a:lumMod val="50000"/>
-                            <a:lumOff val="50000"/>
-                          </a:schemeClr>
-                        </a:solidFill>
-                        <a:effectLst/>
-                        <a:latin typeface="Open Sans" panose="020B0606030504020204" pitchFamily="34" charset="0"/>
-                      </a:endParaRPr>
-                    </a:p>
-                  </a:txBody>
-                  <a:tcPr marL="9525" marR="9525" marT="9525" marB="0" anchor="ctr">
-                    <a:lnL>
-                      <a:noFill/>
-                    </a:lnL>
-                    <a:lnR>
-                      <a:noFill/>
-                    </a:lnR>
-                    <a:lnT>
-                      <a:noFill/>
-                    </a:lnT>
-                    <a:lnB>
-                      <a:noFill/>
-                    </a:lnB>
-                    <a:solidFill>
-                      <a:srgbClr val="FFFFFF"/>
-                    </a:solidFill>
-                  </a:tcPr>
-                </a:tc>
-                <a:tc>
-                  <a:txBody>
-                    <a:bodyPr/>
-                    <a:lstStyle/>
-                    <a:p>
-                      <a:pPr algn="l" fontAlgn="ctr"/>
-                      <a:r>
-                        <a:rPr lang="en-GB" sz="900" b="0" i="0" u="none" strike="noStrike" dirty="0">
-                          <a:solidFill>
-                            <a:schemeClr val="tx1">
-                              <a:lumMod val="50000"/>
-                              <a:lumOff val="50000"/>
-                            </a:schemeClr>
-                          </a:solidFill>
-                          <a:effectLst/>
-                          <a:latin typeface="Open Sans" panose="020B0606030504020204" pitchFamily="34" charset="0"/>
-                        </a:rPr>
-                        <a:t> £                               </a:t>
-                      </a:r>
-                      <a:r>
-                        <a:rPr lang="tr-TR" sz="900" b="0" i="0" u="none" strike="noStrike" dirty="0" err="1">
-                          <a:solidFill>
-                            <a:schemeClr val="tx1">
-                              <a:lumMod val="50000"/>
-                              <a:lumOff val="50000"/>
-                            </a:schemeClr>
-                          </a:solidFill>
-                          <a:effectLst/>
-                          <a:latin typeface="Open Sans" panose="020B0606030504020204" pitchFamily="34" charset="0"/>
-                        </a:rPr>
-                        <a:t>bafqmrval</a:t>
-                      </a:r>
-                      <a:r>
-                        <a:rPr lang="en-GB" sz="900" b="0" i="0" u="none" strike="noStrike" dirty="0">
-                          <a:solidFill>
-                            <a:schemeClr val="tx1">
-                              <a:lumMod val="50000"/>
-                              <a:lumOff val="50000"/>
-                            </a:schemeClr>
-                          </a:solidFill>
-                          <a:effectLst/>
-                          <a:latin typeface="Open Sans" panose="020B0606030504020204" pitchFamily="34" charset="0"/>
-                        </a:rPr>
-                        <a:t> </a:t>
-                      </a:r>
-                    </a:p>
-                  </a:txBody>
-                  <a:tcPr marL="9525" marR="9525" marT="9525" marB="0" anchor="ctr">
-                    <a:lnL>
-                      <a:noFill/>
-                    </a:lnL>
-                    <a:lnR w="6350" cap="flat" cmpd="sng" algn="ctr">
-                      <a:solidFill>
-                        <a:srgbClr val="FFFFFF"/>
-                      </a:solidFill>
-                      <a:prstDash val="solid"/>
-                      <a:round/>
-                      <a:headEnd type="none" w="med" len="med"/>
-                      <a:tailEnd type="none" w="med" len="med"/>
-                    </a:lnR>
-                    <a:lnT>
-                      <a:noFill/>
-                    </a:lnT>
-                    <a:lnB>
-                      <a:noFill/>
-                    </a:lnB>
-                    <a:solidFill>
-                      <a:srgbClr val="FFFFFF"/>
-                    </a:solidFill>
-                  </a:tcPr>
-                </a:tc>
-                <a:extLst>
-                  <a:ext uri="{0D108BD9-81ED-4DB2-BD59-A6C34878D82A}">
-                    <a16:rowId xmlns:a16="http://schemas.microsoft.com/office/drawing/2014/main" val="198184451"/>
-                  </a:ext>
-                </a:extLst>
-              </a:tr>
-              <a:tr h="276225">
-                <a:tc>
-                  <a:txBody>
-                    <a:bodyPr/>
-                    <a:lstStyle/>
-                    <a:p>
-                      <a:pPr algn="l" fontAlgn="b"/>
-                      <a:r>
-                        <a:rPr lang="en-GB" sz="900" b="0" i="0" u="none" strike="noStrike" dirty="0">
-                          <a:solidFill>
-                            <a:srgbClr val="FFFFFF"/>
-                          </a:solidFill>
-                          <a:effectLst/>
-                          <a:latin typeface="Open Sans" panose="020B0606030504020204" pitchFamily="34" charset="0"/>
-                        </a:rPr>
-                        <a:t> </a:t>
-                      </a:r>
-                    </a:p>
-                  </a:txBody>
-                  <a:tcPr marL="9525" marR="9525" marT="9525" marB="0" anchor="b">
-                    <a:lnL w="6350" cap="flat" cmpd="sng" algn="ctr">
-                      <a:solidFill>
-                        <a:srgbClr val="FFFFFF"/>
-                      </a:solidFill>
-                      <a:prstDash val="solid"/>
-                      <a:round/>
-                      <a:headEnd type="none" w="med" len="med"/>
-                      <a:tailEnd type="none" w="med" len="med"/>
-                    </a:lnL>
-                    <a:lnR>
-                      <a:noFill/>
-                    </a:lnR>
-                    <a:lnT>
-                      <a:noFill/>
-                    </a:lnT>
-                    <a:lnB>
-                      <a:noFill/>
-                    </a:lnB>
-                    <a:solidFill>
-                      <a:srgbClr val="FFFFFF"/>
-                    </a:solidFill>
-                  </a:tcPr>
-                </a:tc>
-                <a:tc>
-                  <a:txBody>
-                    <a:bodyPr/>
-                    <a:lstStyle/>
-                    <a:p>
-                      <a:pPr algn="l" fontAlgn="b"/>
-                      <a:r>
-                        <a:rPr lang="en-GB" sz="900" b="1" i="0" u="none" strike="noStrike" dirty="0">
-                          <a:solidFill>
-                            <a:srgbClr val="FFFFFF"/>
-                          </a:solidFill>
-                          <a:effectLst/>
-                          <a:latin typeface="Open Sans" panose="020B0606030504020204" pitchFamily="34" charset="0"/>
-                        </a:rPr>
-                        <a:t>Total savings </a:t>
-                      </a:r>
-                    </a:p>
-                  </a:txBody>
-                  <a:tcPr marL="9525" marR="9525" marT="9525" marB="0" anchor="b">
-                    <a:lnL>
-                      <a:noFill/>
-                    </a:lnL>
-                    <a:lnR>
-                      <a:noFill/>
-                    </a:lnR>
-                    <a:lnT>
-                      <a:noFill/>
-                    </a:lnT>
-                    <a:lnB>
-                      <a:noFill/>
-                    </a:lnB>
-                    <a:solidFill>
-                      <a:srgbClr val="808080"/>
-                    </a:solidFill>
-                  </a:tcPr>
-                </a:tc>
-                <a:tc>
-                  <a:txBody>
-                    <a:bodyPr/>
-                    <a:lstStyle/>
-                    <a:p>
-                      <a:pPr algn="l" fontAlgn="b"/>
-                      <a:r>
-                        <a:rPr lang="en-GB" sz="900" b="1" i="0" u="none" strike="noStrike" dirty="0">
-                          <a:solidFill>
-                            <a:srgbClr val="FFFFFF"/>
-                          </a:solidFill>
-                          <a:effectLst/>
-                          <a:latin typeface="Open Sans" panose="020B0606030504020204" pitchFamily="34" charset="0"/>
-                        </a:rPr>
-                        <a:t> £                          167,856 </a:t>
-                      </a:r>
-                    </a:p>
-                  </a:txBody>
-                  <a:tcPr marL="9525" marR="9525" marT="9525" marB="0" anchor="b">
-                    <a:lnL>
-                      <a:noFill/>
-                    </a:lnL>
-                    <a:lnR>
-                      <a:noFill/>
-                    </a:lnR>
-                    <a:lnT>
-                      <a:noFill/>
-                    </a:lnT>
-                    <a:lnB>
-                      <a:noFill/>
-                    </a:lnB>
-                    <a:solidFill>
-                      <a:srgbClr val="808080"/>
-                    </a:solidFill>
-                  </a:tcPr>
-                </a:tc>
-                <a:extLst>
-                  <a:ext uri="{0D108BD9-81ED-4DB2-BD59-A6C34878D82A}">
-                    <a16:rowId xmlns:a16="http://schemas.microsoft.com/office/drawing/2014/main" val="311533142"/>
-                  </a:ext>
-                </a:extLst>
-              </a:tr>
-            </a:tbl>
-          </a:graphicData>
-        </a:graphic>
-      </p:graphicFrame>
-      <p:graphicFrame>
-        <p:nvGraphicFramePr>
           <p:cNvPr id="5" name="Chart 9">
             <a:extLst>
               <a:ext uri="{FF2B5EF4-FFF2-40B4-BE49-F238E27FC236}">
@@ -41231,678 +39779,2137 @@
           </a:graphicData>
         </a:graphic>
       </p:graphicFrame>
-      <p:graphicFrame>
-        <p:nvGraphicFramePr>
-          <p:cNvPr id="6" name="Tablo 5">
-            <a:extLst>
-              <a:ext uri="{FF2B5EF4-FFF2-40B4-BE49-F238E27FC236}">
-                <a16:creationId xmlns:a16="http://schemas.microsoft.com/office/drawing/2014/main" id="{C9D598EE-58CB-7607-62F7-C936FB02B566}"/>
-              </a:ext>
-            </a:extLst>
-          </p:cNvPr>
-          <p:cNvGraphicFramePr>
-            <a:graphicFrameLocks noGrp="1"/>
-          </p:cNvGraphicFramePr>
-          <p:nvPr>
-            <p:extLst>
-              <p:ext uri="{D42A27DB-BD31-4B8C-83A1-F6EECF244321}">
-                <p14:modId xmlns:p14="http://schemas.microsoft.com/office/powerpoint/2010/main" val="210195272"/>
-              </p:ext>
-            </p:extLst>
-          </p:nvPr>
-        </p:nvGraphicFramePr>
-        <p:xfrm>
-          <a:off x="5774237" y="4273094"/>
-          <a:ext cx="5198302" cy="283845"/>
-        </p:xfrm>
-        <a:graphic>
-          <a:graphicData uri="http://schemas.openxmlformats.org/drawingml/2006/table">
-            <a:tbl>
-              <a:tblPr/>
-              <a:tblGrid>
-                <a:gridCol w="3808625">
-                  <a:extLst>
-                    <a:ext uri="{9D8B030D-6E8A-4147-A177-3AD203B41FA5}">
-                      <a16:colId xmlns:a16="http://schemas.microsoft.com/office/drawing/2014/main" val="2592253735"/>
-                    </a:ext>
-                  </a:extLst>
-                </a:gridCol>
-                <a:gridCol w="1389677">
-                  <a:extLst>
-                    <a:ext uri="{9D8B030D-6E8A-4147-A177-3AD203B41FA5}">
-                      <a16:colId xmlns:a16="http://schemas.microsoft.com/office/drawing/2014/main" val="197434489"/>
-                    </a:ext>
-                  </a:extLst>
-                </a:gridCol>
-              </a:tblGrid>
-              <a:tr h="276225">
-                <a:tc>
-                  <a:txBody>
-                    <a:bodyPr/>
-                    <a:lstStyle/>
-                    <a:p>
-                      <a:pPr algn="l" fontAlgn="ctr"/>
-                      <a:r>
-                        <a:rPr lang="en-US" sz="900" b="0" i="0" u="none" strike="noStrike" dirty="0">
-                          <a:solidFill>
-                            <a:schemeClr val="tx1">
-                              <a:lumMod val="50000"/>
-                              <a:lumOff val="50000"/>
-                            </a:schemeClr>
-                          </a:solidFill>
-                          <a:effectLst/>
-                          <a:latin typeface="Open Sans" panose="020B0606030504020204" pitchFamily="34" charset="0"/>
-                        </a:rPr>
-                        <a:t>Debt collection administration processes</a:t>
-                      </a:r>
-                      <a:endParaRPr lang="en-GB" sz="900" b="0" i="0" u="none" strike="noStrike" dirty="0">
-                        <a:solidFill>
-                          <a:schemeClr val="tx1">
-                            <a:lumMod val="50000"/>
-                            <a:lumOff val="50000"/>
-                          </a:schemeClr>
-                        </a:solidFill>
-                        <a:effectLst/>
-                        <a:latin typeface="Open Sans" panose="020B0606030504020204" pitchFamily="34" charset="0"/>
-                      </a:endParaRPr>
-                    </a:p>
-                  </a:txBody>
-                  <a:tcPr marL="9525" marR="9525" marT="9525" marB="0" anchor="ctr">
-                    <a:lnL>
-                      <a:noFill/>
-                    </a:lnL>
-                    <a:lnR>
-                      <a:noFill/>
-                    </a:lnR>
-                    <a:lnT>
-                      <a:noFill/>
-                    </a:lnT>
-                    <a:lnB>
-                      <a:noFill/>
-                    </a:lnB>
-                    <a:solidFill>
-                      <a:srgbClr val="FFFFFF"/>
-                    </a:solidFill>
-                  </a:tcPr>
-                </a:tc>
-                <a:tc>
-                  <a:txBody>
-                    <a:bodyPr/>
-                    <a:lstStyle/>
-                    <a:p>
-                      <a:pPr algn="l" fontAlgn="ctr"/>
-                      <a:r>
-                        <a:rPr lang="en-GB" sz="900" b="0" i="0" u="none" strike="noStrike" dirty="0">
-                          <a:solidFill>
-                            <a:schemeClr val="tx1">
-                              <a:lumMod val="50000"/>
-                              <a:lumOff val="50000"/>
-                            </a:schemeClr>
-                          </a:solidFill>
-                          <a:effectLst/>
-                          <a:latin typeface="Open Sans" panose="020B0606030504020204" pitchFamily="34" charset="0"/>
-                        </a:rPr>
-                        <a:t> £                               </a:t>
-                      </a:r>
-                      <a:r>
-                        <a:rPr lang="tr-TR" sz="900" b="0" i="0" u="none" strike="noStrike" dirty="0" err="1">
-                          <a:solidFill>
-                            <a:schemeClr val="tx1">
-                              <a:lumMod val="50000"/>
-                              <a:lumOff val="50000"/>
-                            </a:schemeClr>
-                          </a:solidFill>
-                          <a:effectLst/>
-                          <a:latin typeface="Open Sans" panose="020B0606030504020204" pitchFamily="34" charset="0"/>
-                        </a:rPr>
-                        <a:t>badcapval</a:t>
-                      </a:r>
-                      <a:r>
-                        <a:rPr lang="en-GB" sz="900" b="0" i="0" u="none" strike="noStrike" dirty="0">
-                          <a:solidFill>
-                            <a:schemeClr val="tx1">
-                              <a:lumMod val="50000"/>
-                              <a:lumOff val="50000"/>
-                            </a:schemeClr>
-                          </a:solidFill>
-                          <a:effectLst/>
-                          <a:latin typeface="Open Sans" panose="020B0606030504020204" pitchFamily="34" charset="0"/>
-                        </a:rPr>
-                        <a:t> </a:t>
-                      </a:r>
-                    </a:p>
-                  </a:txBody>
-                  <a:tcPr marL="9525" marR="9525" marT="9525" marB="0" anchor="ctr">
-                    <a:lnL>
-                      <a:noFill/>
-                    </a:lnL>
-                    <a:lnR w="6350" cap="flat" cmpd="sng" algn="ctr">
-                      <a:solidFill>
-                        <a:srgbClr val="FFFFFF"/>
-                      </a:solidFill>
-                      <a:prstDash val="solid"/>
-                      <a:round/>
-                      <a:headEnd type="none" w="med" len="med"/>
-                      <a:tailEnd type="none" w="med" len="med"/>
-                    </a:lnR>
-                    <a:lnT>
-                      <a:noFill/>
-                    </a:lnT>
-                    <a:lnB>
-                      <a:noFill/>
-                    </a:lnB>
-                    <a:solidFill>
-                      <a:srgbClr val="FFFFFF"/>
-                    </a:solidFill>
-                  </a:tcPr>
-                </a:tc>
-                <a:extLst>
-                  <a:ext uri="{0D108BD9-81ED-4DB2-BD59-A6C34878D82A}">
-                    <a16:rowId xmlns:a16="http://schemas.microsoft.com/office/drawing/2014/main" val="2362085087"/>
-                  </a:ext>
-                </a:extLst>
-              </a:tr>
-            </a:tbl>
-          </a:graphicData>
-        </a:graphic>
-      </p:graphicFrame>
-      <p:graphicFrame>
-        <p:nvGraphicFramePr>
-          <p:cNvPr id="8" name="Tablo 7">
-            <a:extLst>
-              <a:ext uri="{FF2B5EF4-FFF2-40B4-BE49-F238E27FC236}">
-                <a16:creationId xmlns:a16="http://schemas.microsoft.com/office/drawing/2014/main" id="{26766E92-F7C6-C878-BB33-1F460F48A3B1}"/>
-              </a:ext>
-            </a:extLst>
-          </p:cNvPr>
-          <p:cNvGraphicFramePr>
-            <a:graphicFrameLocks noGrp="1"/>
-          </p:cNvGraphicFramePr>
-          <p:nvPr>
-            <p:extLst>
-              <p:ext uri="{D42A27DB-BD31-4B8C-83A1-F6EECF244321}">
-                <p14:modId xmlns:p14="http://schemas.microsoft.com/office/powerpoint/2010/main" val="2090668107"/>
-              </p:ext>
-            </p:extLst>
-          </p:nvPr>
-        </p:nvGraphicFramePr>
-        <p:xfrm>
-          <a:off x="5753387" y="5101769"/>
-          <a:ext cx="5198302" cy="283845"/>
-        </p:xfrm>
-        <a:graphic>
-          <a:graphicData uri="http://schemas.openxmlformats.org/drawingml/2006/table">
-            <a:tbl>
-              <a:tblPr/>
-              <a:tblGrid>
-                <a:gridCol w="3808625">
-                  <a:extLst>
-                    <a:ext uri="{9D8B030D-6E8A-4147-A177-3AD203B41FA5}">
-                      <a16:colId xmlns:a16="http://schemas.microsoft.com/office/drawing/2014/main" val="420140688"/>
-                    </a:ext>
-                  </a:extLst>
-                </a:gridCol>
-                <a:gridCol w="1389677">
-                  <a:extLst>
-                    <a:ext uri="{9D8B030D-6E8A-4147-A177-3AD203B41FA5}">
-                      <a16:colId xmlns:a16="http://schemas.microsoft.com/office/drawing/2014/main" val="3216919844"/>
-                    </a:ext>
-                  </a:extLst>
-                </a:gridCol>
-              </a:tblGrid>
-              <a:tr h="276225">
-                <a:tc>
-                  <a:txBody>
-                    <a:bodyPr/>
-                    <a:lstStyle/>
-                    <a:p>
-                      <a:pPr algn="l" fontAlgn="b"/>
-                      <a:r>
-                        <a:rPr lang="en-GB" sz="900" b="1" i="0" u="none" strike="noStrike" dirty="0">
-                          <a:solidFill>
-                            <a:srgbClr val="FFFFFF"/>
-                          </a:solidFill>
-                          <a:effectLst/>
-                          <a:latin typeface="Open Sans" panose="020B0606030504020204" pitchFamily="34" charset="0"/>
-                        </a:rPr>
-                        <a:t>Total savings </a:t>
-                      </a:r>
-                    </a:p>
-                  </a:txBody>
-                  <a:tcPr marL="9525" marR="9525" marT="9525" marB="0" anchor="b">
-                    <a:lnL>
-                      <a:noFill/>
-                    </a:lnL>
-                    <a:lnR>
-                      <a:noFill/>
-                    </a:lnR>
-                    <a:lnT>
-                      <a:noFill/>
-                    </a:lnT>
-                    <a:lnB>
-                      <a:noFill/>
-                    </a:lnB>
-                    <a:solidFill>
-                      <a:srgbClr val="808080"/>
-                    </a:solidFill>
-                  </a:tcPr>
-                </a:tc>
-                <a:tc>
-                  <a:txBody>
-                    <a:bodyPr/>
-                    <a:lstStyle/>
-                    <a:p>
-                      <a:pPr algn="l" fontAlgn="b"/>
-                      <a:r>
-                        <a:rPr lang="en-GB" sz="900" b="1" i="0" u="none" strike="noStrike" dirty="0">
-                          <a:solidFill>
-                            <a:srgbClr val="FFFFFF"/>
-                          </a:solidFill>
-                          <a:effectLst/>
-                          <a:latin typeface="Open Sans" panose="020B0606030504020204" pitchFamily="34" charset="0"/>
-                        </a:rPr>
-                        <a:t> £                          </a:t>
-                      </a:r>
-                      <a:r>
-                        <a:rPr lang="tr-TR" sz="900" b="1" i="0" u="none" strike="noStrike" dirty="0" err="1">
-                          <a:solidFill>
-                            <a:srgbClr val="FFFFFF"/>
-                          </a:solidFill>
-                          <a:effectLst/>
-                          <a:latin typeface="Open Sans" panose="020B0606030504020204" pitchFamily="34" charset="0"/>
-                        </a:rPr>
-                        <a:t>batotalval</a:t>
-                      </a:r>
-                      <a:r>
-                        <a:rPr lang="en-GB" sz="900" b="1" i="0" u="none" strike="noStrike" dirty="0">
-                          <a:solidFill>
-                            <a:srgbClr val="FFFFFF"/>
-                          </a:solidFill>
-                          <a:effectLst/>
-                          <a:latin typeface="Open Sans" panose="020B0606030504020204" pitchFamily="34" charset="0"/>
-                        </a:rPr>
-                        <a:t> </a:t>
-                      </a:r>
-                    </a:p>
-                  </a:txBody>
-                  <a:tcPr marL="9525" marR="9525" marT="9525" marB="0" anchor="b">
-                    <a:lnL>
-                      <a:noFill/>
-                    </a:lnL>
-                    <a:lnR>
-                      <a:noFill/>
-                    </a:lnR>
-                    <a:lnT>
-                      <a:noFill/>
-                    </a:lnT>
-                    <a:lnB>
-                      <a:noFill/>
-                    </a:lnB>
-                    <a:solidFill>
-                      <a:srgbClr val="808080"/>
-                    </a:solidFill>
-                  </a:tcPr>
-                </a:tc>
-                <a:extLst>
-                  <a:ext uri="{0D108BD9-81ED-4DB2-BD59-A6C34878D82A}">
-                    <a16:rowId xmlns:a16="http://schemas.microsoft.com/office/drawing/2014/main" val="2604050553"/>
-                  </a:ext>
-                </a:extLst>
-              </a:tr>
-            </a:tbl>
-          </a:graphicData>
-        </a:graphic>
-      </p:graphicFrame>
-      <p:graphicFrame>
-        <p:nvGraphicFramePr>
-          <p:cNvPr id="11" name="Tablo 10">
-            <a:extLst>
-              <a:ext uri="{FF2B5EF4-FFF2-40B4-BE49-F238E27FC236}">
-                <a16:creationId xmlns:a16="http://schemas.microsoft.com/office/drawing/2014/main" id="{871875D4-B9CC-B032-101D-4927FB2A75AD}"/>
-              </a:ext>
-            </a:extLst>
-          </p:cNvPr>
-          <p:cNvGraphicFramePr>
-            <a:graphicFrameLocks noGrp="1"/>
-          </p:cNvGraphicFramePr>
-          <p:nvPr>
-            <p:extLst>
-              <p:ext uri="{D42A27DB-BD31-4B8C-83A1-F6EECF244321}">
-                <p14:modId xmlns:p14="http://schemas.microsoft.com/office/powerpoint/2010/main" val="3135067412"/>
-              </p:ext>
-            </p:extLst>
-          </p:nvPr>
-        </p:nvGraphicFramePr>
-        <p:xfrm>
-          <a:off x="5774237" y="4549319"/>
-          <a:ext cx="5198302" cy="283845"/>
-        </p:xfrm>
-        <a:graphic>
-          <a:graphicData uri="http://schemas.openxmlformats.org/drawingml/2006/table">
-            <a:tbl>
-              <a:tblPr/>
-              <a:tblGrid>
-                <a:gridCol w="3808625">
-                  <a:extLst>
-                    <a:ext uri="{9D8B030D-6E8A-4147-A177-3AD203B41FA5}">
-                      <a16:colId xmlns:a16="http://schemas.microsoft.com/office/drawing/2014/main" val="2592253735"/>
-                    </a:ext>
-                  </a:extLst>
-                </a:gridCol>
-                <a:gridCol w="1389677">
-                  <a:extLst>
-                    <a:ext uri="{9D8B030D-6E8A-4147-A177-3AD203B41FA5}">
-                      <a16:colId xmlns:a16="http://schemas.microsoft.com/office/drawing/2014/main" val="197434489"/>
-                    </a:ext>
-                  </a:extLst>
-                </a:gridCol>
-              </a:tblGrid>
-              <a:tr h="276225">
-                <a:tc>
-                  <a:txBody>
-                    <a:bodyPr/>
-                    <a:lstStyle/>
-                    <a:p>
-                      <a:pPr algn="l" fontAlgn="ctr"/>
-                      <a:r>
-                        <a:rPr lang="en-US" sz="900" b="0" i="0" u="none" strike="noStrike" dirty="0">
-                          <a:solidFill>
-                            <a:schemeClr val="tx1">
-                              <a:lumMod val="50000"/>
-                              <a:lumOff val="50000"/>
-                            </a:schemeClr>
-                          </a:solidFill>
-                          <a:effectLst/>
-                          <a:latin typeface="Open Sans" panose="020B0606030504020204" pitchFamily="34" charset="0"/>
-                        </a:rPr>
-                        <a:t>Customer Invoicing &amp; Finance Workflow Management</a:t>
-                      </a:r>
-                      <a:endParaRPr lang="en-GB" sz="900" b="0" i="0" u="none" strike="noStrike" dirty="0">
-                        <a:solidFill>
-                          <a:schemeClr val="tx1">
-                            <a:lumMod val="50000"/>
-                            <a:lumOff val="50000"/>
-                          </a:schemeClr>
-                        </a:solidFill>
-                        <a:effectLst/>
-                        <a:latin typeface="Open Sans" panose="020B0606030504020204" pitchFamily="34" charset="0"/>
-                      </a:endParaRPr>
-                    </a:p>
-                  </a:txBody>
-                  <a:tcPr marL="9525" marR="9525" marT="9525" marB="0" anchor="ctr">
-                    <a:lnL>
-                      <a:noFill/>
-                    </a:lnL>
-                    <a:lnR>
-                      <a:noFill/>
-                    </a:lnR>
-                    <a:lnT>
-                      <a:noFill/>
-                    </a:lnT>
-                    <a:lnB>
-                      <a:noFill/>
-                    </a:lnB>
-                    <a:solidFill>
-                      <a:srgbClr val="FFFFFF"/>
-                    </a:solidFill>
-                  </a:tcPr>
-                </a:tc>
-                <a:tc>
-                  <a:txBody>
-                    <a:bodyPr/>
-                    <a:lstStyle/>
-                    <a:p>
-                      <a:pPr algn="l" fontAlgn="ctr"/>
-                      <a:r>
-                        <a:rPr lang="en-GB" sz="900" b="0" i="0" u="none" strike="noStrike" dirty="0">
-                          <a:solidFill>
-                            <a:schemeClr val="tx1">
-                              <a:lumMod val="50000"/>
-                              <a:lumOff val="50000"/>
-                            </a:schemeClr>
-                          </a:solidFill>
-                          <a:effectLst/>
-                          <a:latin typeface="Open Sans" panose="020B0606030504020204" pitchFamily="34" charset="0"/>
-                        </a:rPr>
-                        <a:t> £                               </a:t>
-                      </a:r>
-                      <a:r>
-                        <a:rPr lang="tr-TR" sz="900" b="0" i="0" u="none" strike="noStrike" dirty="0" err="1">
-                          <a:solidFill>
-                            <a:schemeClr val="tx1">
-                              <a:lumMod val="50000"/>
-                              <a:lumOff val="50000"/>
-                            </a:schemeClr>
-                          </a:solidFill>
-                          <a:effectLst/>
-                          <a:latin typeface="Open Sans" panose="020B0606030504020204" pitchFamily="34" charset="0"/>
-                        </a:rPr>
-                        <a:t>bacifwval</a:t>
-                      </a:r>
-                      <a:r>
-                        <a:rPr lang="en-GB" sz="900" b="0" i="0" u="none" strike="noStrike" dirty="0">
-                          <a:solidFill>
-                            <a:schemeClr val="tx1">
-                              <a:lumMod val="50000"/>
-                              <a:lumOff val="50000"/>
-                            </a:schemeClr>
-                          </a:solidFill>
-                          <a:effectLst/>
-                          <a:latin typeface="Open Sans" panose="020B0606030504020204" pitchFamily="34" charset="0"/>
-                        </a:rPr>
-                        <a:t> </a:t>
-                      </a:r>
-                    </a:p>
-                  </a:txBody>
-                  <a:tcPr marL="9525" marR="9525" marT="9525" marB="0" anchor="ctr">
-                    <a:lnL>
-                      <a:noFill/>
-                    </a:lnL>
-                    <a:lnR w="6350" cap="flat" cmpd="sng" algn="ctr">
-                      <a:solidFill>
-                        <a:srgbClr val="FFFFFF"/>
-                      </a:solidFill>
-                      <a:prstDash val="solid"/>
-                      <a:round/>
-                      <a:headEnd type="none" w="med" len="med"/>
-                      <a:tailEnd type="none" w="med" len="med"/>
-                    </a:lnR>
-                    <a:lnT>
-                      <a:noFill/>
-                    </a:lnT>
-                    <a:lnB>
-                      <a:noFill/>
-                    </a:lnB>
-                    <a:solidFill>
-                      <a:srgbClr val="FFFFFF"/>
-                    </a:solidFill>
-                  </a:tcPr>
-                </a:tc>
-                <a:extLst>
-                  <a:ext uri="{0D108BD9-81ED-4DB2-BD59-A6C34878D82A}">
-                    <a16:rowId xmlns:a16="http://schemas.microsoft.com/office/drawing/2014/main" val="2362085087"/>
-                  </a:ext>
-                </a:extLst>
-              </a:tr>
-            </a:tbl>
-          </a:graphicData>
-        </a:graphic>
-      </p:graphicFrame>
-      <p:graphicFrame>
-        <p:nvGraphicFramePr>
-          <p:cNvPr id="12" name="Tablo 11">
-            <a:extLst>
-              <a:ext uri="{FF2B5EF4-FFF2-40B4-BE49-F238E27FC236}">
-                <a16:creationId xmlns:a16="http://schemas.microsoft.com/office/drawing/2014/main" id="{A1248756-6E5E-1A3F-7508-F5407220293C}"/>
-              </a:ext>
-            </a:extLst>
-          </p:cNvPr>
-          <p:cNvGraphicFramePr>
-            <a:graphicFrameLocks noGrp="1"/>
-          </p:cNvGraphicFramePr>
-          <p:nvPr>
-            <p:extLst>
-              <p:ext uri="{D42A27DB-BD31-4B8C-83A1-F6EECF244321}">
-                <p14:modId xmlns:p14="http://schemas.microsoft.com/office/powerpoint/2010/main" val="2697103828"/>
-              </p:ext>
-            </p:extLst>
-          </p:nvPr>
-        </p:nvGraphicFramePr>
-        <p:xfrm>
-          <a:off x="5774237" y="4825544"/>
-          <a:ext cx="5198302" cy="283845"/>
-        </p:xfrm>
-        <a:graphic>
-          <a:graphicData uri="http://schemas.openxmlformats.org/drawingml/2006/table">
-            <a:tbl>
-              <a:tblPr/>
-              <a:tblGrid>
-                <a:gridCol w="3808625">
-                  <a:extLst>
-                    <a:ext uri="{9D8B030D-6E8A-4147-A177-3AD203B41FA5}">
-                      <a16:colId xmlns:a16="http://schemas.microsoft.com/office/drawing/2014/main" val="2592253735"/>
-                    </a:ext>
-                  </a:extLst>
-                </a:gridCol>
-                <a:gridCol w="1389677">
-                  <a:extLst>
-                    <a:ext uri="{9D8B030D-6E8A-4147-A177-3AD203B41FA5}">
-                      <a16:colId xmlns:a16="http://schemas.microsoft.com/office/drawing/2014/main" val="197434489"/>
-                    </a:ext>
-                  </a:extLst>
-                </a:gridCol>
-              </a:tblGrid>
-              <a:tr h="276225">
-                <a:tc>
-                  <a:txBody>
-                    <a:bodyPr/>
-                    <a:lstStyle/>
-                    <a:p>
-                      <a:pPr algn="l" fontAlgn="ctr"/>
-                      <a:r>
-                        <a:rPr lang="en-US" sz="900" b="0" i="0" u="none" strike="noStrike" dirty="0">
-                          <a:solidFill>
-                            <a:schemeClr val="tx1">
-                              <a:lumMod val="50000"/>
-                              <a:lumOff val="50000"/>
-                            </a:schemeClr>
-                          </a:solidFill>
-                          <a:effectLst/>
-                          <a:latin typeface="Open Sans" panose="020B0606030504020204" pitchFamily="34" charset="0"/>
-                        </a:rPr>
-                        <a:t>Online expense management</a:t>
-                      </a:r>
-                      <a:endParaRPr lang="en-GB" sz="900" b="0" i="0" u="none" strike="noStrike" dirty="0">
-                        <a:solidFill>
-                          <a:schemeClr val="tx1">
-                            <a:lumMod val="50000"/>
-                            <a:lumOff val="50000"/>
-                          </a:schemeClr>
-                        </a:solidFill>
-                        <a:effectLst/>
-                        <a:latin typeface="Open Sans" panose="020B0606030504020204" pitchFamily="34" charset="0"/>
-                      </a:endParaRPr>
-                    </a:p>
-                  </a:txBody>
-                  <a:tcPr marL="9525" marR="9525" marT="9525" marB="0" anchor="ctr">
-                    <a:lnL>
-                      <a:noFill/>
-                    </a:lnL>
-                    <a:lnR>
-                      <a:noFill/>
-                    </a:lnR>
-                    <a:lnT>
-                      <a:noFill/>
-                    </a:lnT>
-                    <a:lnB>
-                      <a:noFill/>
-                    </a:lnB>
-                    <a:solidFill>
-                      <a:srgbClr val="FFFFFF"/>
-                    </a:solidFill>
-                  </a:tcPr>
-                </a:tc>
-                <a:tc>
-                  <a:txBody>
-                    <a:bodyPr/>
-                    <a:lstStyle/>
-                    <a:p>
-                      <a:pPr algn="l" fontAlgn="ctr"/>
-                      <a:r>
-                        <a:rPr lang="en-GB" sz="900" b="0" i="0" u="none" strike="noStrike" dirty="0">
-                          <a:solidFill>
-                            <a:schemeClr val="tx1">
-                              <a:lumMod val="50000"/>
-                              <a:lumOff val="50000"/>
-                            </a:schemeClr>
-                          </a:solidFill>
-                          <a:effectLst/>
-                          <a:latin typeface="Open Sans" panose="020B0606030504020204" pitchFamily="34" charset="0"/>
-                        </a:rPr>
-                        <a:t> £                               </a:t>
-                      </a:r>
-                      <a:r>
-                        <a:rPr lang="tr-TR" sz="900" b="0" i="0" u="none" strike="noStrike" dirty="0" err="1">
-                          <a:solidFill>
-                            <a:schemeClr val="tx1">
-                              <a:lumMod val="50000"/>
-                              <a:lumOff val="50000"/>
-                            </a:schemeClr>
-                          </a:solidFill>
-                          <a:effectLst/>
-                          <a:latin typeface="Open Sans" panose="020B0606030504020204" pitchFamily="34" charset="0"/>
-                        </a:rPr>
-                        <a:t>baoemval</a:t>
-                      </a:r>
-                      <a:r>
-                        <a:rPr lang="en-GB" sz="900" b="0" i="0" u="none" strike="noStrike" dirty="0">
-                          <a:solidFill>
-                            <a:schemeClr val="tx1">
-                              <a:lumMod val="50000"/>
-                              <a:lumOff val="50000"/>
-                            </a:schemeClr>
-                          </a:solidFill>
-                          <a:effectLst/>
-                          <a:latin typeface="Open Sans" panose="020B0606030504020204" pitchFamily="34" charset="0"/>
-                        </a:rPr>
-                        <a:t> </a:t>
-                      </a:r>
-                    </a:p>
-                  </a:txBody>
-                  <a:tcPr marL="9525" marR="9525" marT="9525" marB="0" anchor="ctr">
-                    <a:lnL>
-                      <a:noFill/>
-                    </a:lnL>
-                    <a:lnR w="6350" cap="flat" cmpd="sng" algn="ctr">
-                      <a:solidFill>
-                        <a:srgbClr val="FFFFFF"/>
-                      </a:solidFill>
-                      <a:prstDash val="solid"/>
-                      <a:round/>
-                      <a:headEnd type="none" w="med" len="med"/>
-                      <a:tailEnd type="none" w="med" len="med"/>
-                    </a:lnR>
-                    <a:lnT>
-                      <a:noFill/>
-                    </a:lnT>
-                    <a:lnB>
-                      <a:noFill/>
-                    </a:lnB>
-                    <a:solidFill>
-                      <a:srgbClr val="FFFFFF"/>
-                    </a:solidFill>
-                  </a:tcPr>
-                </a:tc>
-                <a:extLst>
-                  <a:ext uri="{0D108BD9-81ED-4DB2-BD59-A6C34878D82A}">
-                    <a16:rowId xmlns:a16="http://schemas.microsoft.com/office/drawing/2014/main" val="2362085087"/>
-                  </a:ext>
-                </a:extLst>
-              </a:tr>
-            </a:tbl>
-          </a:graphicData>
-        </a:graphic>
-      </p:graphicFrame>
+      <p:sp>
+        <p:nvSpPr>
+          <p:cNvPr id="13" name="Metin kutusu 12">
+            <a:extLst>
+              <a:ext uri="{FF2B5EF4-FFF2-40B4-BE49-F238E27FC236}">
+                <a16:creationId xmlns:a16="http://schemas.microsoft.com/office/drawing/2014/main" id="{7E49F770-C5FE-4307-A74A-382DEAB6FC1F}"/>
+              </a:ext>
+            </a:extLst>
+          </p:cNvPr>
+          <p:cNvSpPr txBox="1"/>
+          <p:nvPr/>
+        </p:nvSpPr>
+        <p:spPr>
+          <a:xfrm>
+            <a:off x="5688393" y="1494325"/>
+            <a:ext cx="1682427" cy="230832"/>
+          </a:xfrm>
+          <a:prstGeom prst="rect">
+            <a:avLst/>
+          </a:prstGeom>
+          <a:noFill/>
+        </p:spPr>
+        <p:txBody>
+          <a:bodyPr wrap="square">
+            <a:spAutoFit/>
+          </a:bodyPr>
+          <a:lstStyle/>
+          <a:p>
+            <a:pPr algn="l" fontAlgn="ctr"/>
+            <a:r>
+              <a:rPr lang="en-GB" sz="900" b="1" i="0" u="none" strike="noStrike" dirty="0">
+                <a:solidFill>
+                  <a:schemeClr val="tx1">
+                    <a:lumMod val="50000"/>
+                    <a:lumOff val="50000"/>
+                  </a:schemeClr>
+                </a:solidFill>
+                <a:effectLst/>
+                <a:latin typeface="Open Sans" panose="020B0606030504020204" pitchFamily="34" charset="0"/>
+              </a:rPr>
+              <a:t>Benefit Area</a:t>
+            </a:r>
+          </a:p>
+        </p:txBody>
+      </p:sp>
+      <p:sp>
+        <p:nvSpPr>
+          <p:cNvPr id="15" name="Metin kutusu 14">
+            <a:extLst>
+              <a:ext uri="{FF2B5EF4-FFF2-40B4-BE49-F238E27FC236}">
+                <a16:creationId xmlns:a16="http://schemas.microsoft.com/office/drawing/2014/main" id="{00CFACE6-9038-2F5E-E5F3-319DC1053568}"/>
+              </a:ext>
+            </a:extLst>
+          </p:cNvPr>
+          <p:cNvSpPr txBox="1"/>
+          <p:nvPr/>
+        </p:nvSpPr>
+        <p:spPr>
+          <a:xfrm>
+            <a:off x="9484507" y="1498744"/>
+            <a:ext cx="726293" cy="230832"/>
+          </a:xfrm>
+          <a:prstGeom prst="rect">
+            <a:avLst/>
+          </a:prstGeom>
+          <a:noFill/>
+        </p:spPr>
+        <p:txBody>
+          <a:bodyPr wrap="square">
+            <a:spAutoFit/>
+          </a:bodyPr>
+          <a:lstStyle/>
+          <a:p>
+            <a:pPr algn="l" fontAlgn="ctr"/>
+            <a:r>
+              <a:rPr lang="en-GB" sz="900" b="1" i="0" u="none" strike="noStrike" dirty="0">
+                <a:solidFill>
+                  <a:schemeClr val="tx1">
+                    <a:lumMod val="50000"/>
+                    <a:lumOff val="50000"/>
+                  </a:schemeClr>
+                </a:solidFill>
+                <a:effectLst/>
+                <a:latin typeface="Open Sans" panose="020B0606030504020204" pitchFamily="34" charset="0"/>
+              </a:rPr>
+              <a:t>Value (£)</a:t>
+            </a:r>
+          </a:p>
+        </p:txBody>
+      </p:sp>
+      <p:grpSp>
+        <p:nvGrpSpPr>
+          <p:cNvPr id="22" name="Grup 21">
+            <a:extLst>
+              <a:ext uri="{FF2B5EF4-FFF2-40B4-BE49-F238E27FC236}">
+                <a16:creationId xmlns:a16="http://schemas.microsoft.com/office/drawing/2014/main" id="{7FE0A8C1-BBC5-1F75-BC9F-92AF0DA98B6E}"/>
+              </a:ext>
+            </a:extLst>
+          </p:cNvPr>
+          <p:cNvGrpSpPr/>
+          <p:nvPr/>
+        </p:nvGrpSpPr>
+        <p:grpSpPr>
+          <a:xfrm>
+            <a:off x="5680323" y="1889663"/>
+            <a:ext cx="5271366" cy="156508"/>
+            <a:chOff x="5701173" y="1914766"/>
+            <a:chExt cx="5271366" cy="254507"/>
+          </a:xfrm>
+        </p:grpSpPr>
+        <p:sp>
+          <p:nvSpPr>
+            <p:cNvPr id="17" name="Metin kutusu 16">
+              <a:extLst>
+                <a:ext uri="{FF2B5EF4-FFF2-40B4-BE49-F238E27FC236}">
+                  <a16:creationId xmlns:a16="http://schemas.microsoft.com/office/drawing/2014/main" id="{855EEF47-553A-CC11-E81C-C6CB1F7F3A00}"/>
+                </a:ext>
+              </a:extLst>
+            </p:cNvPr>
+            <p:cNvSpPr txBox="1"/>
+            <p:nvPr/>
+          </p:nvSpPr>
+          <p:spPr>
+            <a:xfrm>
+              <a:off x="5701173" y="1938441"/>
+              <a:ext cx="2640393" cy="230832"/>
+            </a:xfrm>
+            <a:prstGeom prst="rect">
+              <a:avLst/>
+            </a:prstGeom>
+            <a:noFill/>
+          </p:spPr>
+          <p:txBody>
+            <a:bodyPr wrap="square">
+              <a:spAutoFit/>
+            </a:bodyPr>
+            <a:lstStyle/>
+            <a:p>
+              <a:pPr algn="l" fontAlgn="ctr"/>
+              <a:r>
+                <a:rPr lang="en-US" sz="900" b="0" i="0" u="none" strike="noStrike" dirty="0">
+                  <a:solidFill>
+                    <a:schemeClr val="tx1">
+                      <a:lumMod val="50000"/>
+                      <a:lumOff val="50000"/>
+                    </a:schemeClr>
+                  </a:solidFill>
+                  <a:effectLst/>
+                  <a:latin typeface="Open Sans" panose="020B0606030504020204" pitchFamily="34" charset="0"/>
+                </a:rPr>
+                <a:t>Current Annual IT Finance System Costs</a:t>
+              </a:r>
+              <a:endParaRPr lang="en-GB" sz="900" b="0" i="0" u="none" strike="noStrike" dirty="0">
+                <a:solidFill>
+                  <a:schemeClr val="tx1">
+                    <a:lumMod val="50000"/>
+                    <a:lumOff val="50000"/>
+                  </a:schemeClr>
+                </a:solidFill>
+                <a:effectLst/>
+                <a:latin typeface="Open Sans" panose="020B0606030504020204" pitchFamily="34" charset="0"/>
+              </a:endParaRPr>
+            </a:p>
+          </p:txBody>
+        </p:sp>
+        <p:sp>
+          <p:nvSpPr>
+            <p:cNvPr id="18" name="Metin kutusu 17">
+              <a:extLst>
+                <a:ext uri="{FF2B5EF4-FFF2-40B4-BE49-F238E27FC236}">
+                  <a16:creationId xmlns:a16="http://schemas.microsoft.com/office/drawing/2014/main" id="{BE929621-4358-3F94-8700-8E7481D07224}"/>
+                </a:ext>
+              </a:extLst>
+            </p:cNvPr>
+            <p:cNvSpPr txBox="1"/>
+            <p:nvPr/>
+          </p:nvSpPr>
+          <p:spPr>
+            <a:xfrm>
+              <a:off x="9484507" y="1914766"/>
+              <a:ext cx="303387" cy="230832"/>
+            </a:xfrm>
+            <a:prstGeom prst="rect">
+              <a:avLst/>
+            </a:prstGeom>
+            <a:noFill/>
+          </p:spPr>
+          <p:txBody>
+            <a:bodyPr wrap="square">
+              <a:spAutoFit/>
+            </a:bodyPr>
+            <a:lstStyle/>
+            <a:p>
+              <a:pPr algn="l" fontAlgn="ctr"/>
+              <a:r>
+                <a:rPr lang="tr-TR" sz="900" dirty="0">
+                  <a:solidFill>
+                    <a:schemeClr val="tx1">
+                      <a:lumMod val="50000"/>
+                      <a:lumOff val="50000"/>
+                    </a:schemeClr>
+                  </a:solidFill>
+                  <a:latin typeface="Open Sans" panose="020B0606030504020204" pitchFamily="34" charset="0"/>
+                </a:rPr>
+                <a:t>£</a:t>
+              </a:r>
+              <a:endParaRPr lang="en-GB" sz="900" b="0" i="0" u="none" strike="noStrike" dirty="0">
+                <a:solidFill>
+                  <a:schemeClr val="tx1">
+                    <a:lumMod val="50000"/>
+                    <a:lumOff val="50000"/>
+                  </a:schemeClr>
+                </a:solidFill>
+                <a:effectLst/>
+                <a:latin typeface="Open Sans" panose="020B0606030504020204" pitchFamily="34" charset="0"/>
+              </a:endParaRPr>
+            </a:p>
+          </p:txBody>
+        </p:sp>
+        <p:sp>
+          <p:nvSpPr>
+            <p:cNvPr id="19" name="Metin kutusu 18">
+              <a:extLst>
+                <a:ext uri="{FF2B5EF4-FFF2-40B4-BE49-F238E27FC236}">
+                  <a16:creationId xmlns:a16="http://schemas.microsoft.com/office/drawing/2014/main" id="{37A302A4-77AF-5606-E03D-FD0C1A743D8C}"/>
+                </a:ext>
+              </a:extLst>
+            </p:cNvPr>
+            <p:cNvSpPr txBox="1"/>
+            <p:nvPr/>
+          </p:nvSpPr>
+          <p:spPr>
+            <a:xfrm>
+              <a:off x="10108153" y="1914766"/>
+              <a:ext cx="864386" cy="230832"/>
+            </a:xfrm>
+            <a:prstGeom prst="rect">
+              <a:avLst/>
+            </a:prstGeom>
+            <a:noFill/>
+          </p:spPr>
+          <p:txBody>
+            <a:bodyPr wrap="square">
+              <a:spAutoFit/>
+            </a:bodyPr>
+            <a:lstStyle/>
+            <a:p>
+              <a:pPr algn="r" fontAlgn="ctr"/>
+              <a:r>
+                <a:rPr lang="tr-TR" sz="900" b="0" i="0" u="none" strike="noStrike" dirty="0" err="1">
+                  <a:solidFill>
+                    <a:schemeClr val="tx1">
+                      <a:lumMod val="50000"/>
+                      <a:lumOff val="50000"/>
+                    </a:schemeClr>
+                  </a:solidFill>
+                  <a:effectLst/>
+                  <a:latin typeface="Open Sans" panose="020B0606030504020204" pitchFamily="34" charset="0"/>
+                </a:rPr>
+                <a:t>baitval</a:t>
+              </a:r>
+              <a:endParaRPr lang="en-GB" sz="900" b="0" i="0" u="none" strike="noStrike" dirty="0">
+                <a:solidFill>
+                  <a:schemeClr val="tx1">
+                    <a:lumMod val="50000"/>
+                    <a:lumOff val="50000"/>
+                  </a:schemeClr>
+                </a:solidFill>
+                <a:effectLst/>
+                <a:latin typeface="Open Sans" panose="020B0606030504020204" pitchFamily="34" charset="0"/>
+              </a:endParaRPr>
+            </a:p>
+          </p:txBody>
+        </p:sp>
+      </p:grpSp>
+      <p:cxnSp>
+        <p:nvCxnSpPr>
+          <p:cNvPr id="21" name="Düz Bağlayıcı 20">
+            <a:extLst>
+              <a:ext uri="{FF2B5EF4-FFF2-40B4-BE49-F238E27FC236}">
+                <a16:creationId xmlns:a16="http://schemas.microsoft.com/office/drawing/2014/main" id="{4205F598-9FF7-3C36-6692-974FFFC2B178}"/>
+              </a:ext>
+            </a:extLst>
+          </p:cNvPr>
+          <p:cNvCxnSpPr/>
+          <p:nvPr/>
+        </p:nvCxnSpPr>
+        <p:spPr>
+          <a:xfrm>
+            <a:off x="5774237" y="1804416"/>
+            <a:ext cx="5117817" cy="0"/>
+          </a:xfrm>
+          <a:prstGeom prst="line">
+            <a:avLst/>
+          </a:prstGeom>
+        </p:spPr>
+        <p:style>
+          <a:lnRef idx="1">
+            <a:schemeClr val="dk1"/>
+          </a:lnRef>
+          <a:fillRef idx="0">
+            <a:schemeClr val="dk1"/>
+          </a:fillRef>
+          <a:effectRef idx="0">
+            <a:schemeClr val="dk1"/>
+          </a:effectRef>
+          <a:fontRef idx="minor">
+            <a:schemeClr val="tx1"/>
+          </a:fontRef>
+        </p:style>
+      </p:cxnSp>
+      <p:grpSp>
+        <p:nvGrpSpPr>
+          <p:cNvPr id="23" name="Grup 22">
+            <a:extLst>
+              <a:ext uri="{FF2B5EF4-FFF2-40B4-BE49-F238E27FC236}">
+                <a16:creationId xmlns:a16="http://schemas.microsoft.com/office/drawing/2014/main" id="{842911BF-6E36-BC65-FE3E-DF5705133110}"/>
+              </a:ext>
+            </a:extLst>
+          </p:cNvPr>
+          <p:cNvGrpSpPr/>
+          <p:nvPr/>
+        </p:nvGrpSpPr>
+        <p:grpSpPr>
+          <a:xfrm>
+            <a:off x="5679127" y="2165737"/>
+            <a:ext cx="5271366" cy="251144"/>
+            <a:chOff x="5701173" y="1914766"/>
+            <a:chExt cx="5271366" cy="292730"/>
+          </a:xfrm>
+        </p:grpSpPr>
+        <p:sp>
+          <p:nvSpPr>
+            <p:cNvPr id="24" name="Metin kutusu 23">
+              <a:extLst>
+                <a:ext uri="{FF2B5EF4-FFF2-40B4-BE49-F238E27FC236}">
+                  <a16:creationId xmlns:a16="http://schemas.microsoft.com/office/drawing/2014/main" id="{D3FD39D2-3711-9B60-EF4B-82D7602DA27F}"/>
+                </a:ext>
+              </a:extLst>
+            </p:cNvPr>
+            <p:cNvSpPr txBox="1"/>
+            <p:nvPr/>
+          </p:nvSpPr>
+          <p:spPr>
+            <a:xfrm>
+              <a:off x="5701173" y="1938441"/>
+              <a:ext cx="2640393" cy="269055"/>
+            </a:xfrm>
+            <a:prstGeom prst="rect">
+              <a:avLst/>
+            </a:prstGeom>
+            <a:noFill/>
+          </p:spPr>
+          <p:txBody>
+            <a:bodyPr wrap="square">
+              <a:spAutoFit/>
+            </a:bodyPr>
+            <a:lstStyle/>
+            <a:p>
+              <a:pPr algn="l" fontAlgn="ctr"/>
+              <a:r>
+                <a:rPr lang="en-US" sz="900" b="0" i="0" u="none" strike="noStrike" dirty="0">
+                  <a:solidFill>
+                    <a:schemeClr val="tx1">
+                      <a:lumMod val="50000"/>
+                      <a:lumOff val="50000"/>
+                    </a:schemeClr>
+                  </a:solidFill>
+                  <a:effectLst/>
+                  <a:latin typeface="Open Sans" panose="020B0606030504020204" pitchFamily="34" charset="0"/>
+                </a:rPr>
+                <a:t>Raising Purchase Orders (mins per order)</a:t>
+              </a:r>
+              <a:endParaRPr lang="en-GB" sz="900" b="0" i="0" u="none" strike="noStrike" dirty="0">
+                <a:solidFill>
+                  <a:schemeClr val="tx1">
+                    <a:lumMod val="50000"/>
+                    <a:lumOff val="50000"/>
+                  </a:schemeClr>
+                </a:solidFill>
+                <a:effectLst/>
+                <a:latin typeface="Open Sans" panose="020B0606030504020204" pitchFamily="34" charset="0"/>
+              </a:endParaRPr>
+            </a:p>
+          </p:txBody>
+        </p:sp>
+        <p:sp>
+          <p:nvSpPr>
+            <p:cNvPr id="25" name="Metin kutusu 24">
+              <a:extLst>
+                <a:ext uri="{FF2B5EF4-FFF2-40B4-BE49-F238E27FC236}">
+                  <a16:creationId xmlns:a16="http://schemas.microsoft.com/office/drawing/2014/main" id="{CC73CF5D-F1B2-3530-FAB7-6ADE2140D940}"/>
+                </a:ext>
+              </a:extLst>
+            </p:cNvPr>
+            <p:cNvSpPr txBox="1"/>
+            <p:nvPr/>
+          </p:nvSpPr>
+          <p:spPr>
+            <a:xfrm>
+              <a:off x="9484507" y="1914766"/>
+              <a:ext cx="303387" cy="230832"/>
+            </a:xfrm>
+            <a:prstGeom prst="rect">
+              <a:avLst/>
+            </a:prstGeom>
+            <a:noFill/>
+          </p:spPr>
+          <p:txBody>
+            <a:bodyPr wrap="square">
+              <a:spAutoFit/>
+            </a:bodyPr>
+            <a:lstStyle/>
+            <a:p>
+              <a:pPr algn="l" fontAlgn="ctr"/>
+              <a:r>
+                <a:rPr lang="tr-TR" sz="900" dirty="0">
+                  <a:solidFill>
+                    <a:schemeClr val="tx1">
+                      <a:lumMod val="50000"/>
+                      <a:lumOff val="50000"/>
+                    </a:schemeClr>
+                  </a:solidFill>
+                  <a:latin typeface="Open Sans" panose="020B0606030504020204" pitchFamily="34" charset="0"/>
+                </a:rPr>
+                <a:t>£</a:t>
+              </a:r>
+              <a:endParaRPr lang="en-GB" sz="900" b="0" i="0" u="none" strike="noStrike" dirty="0">
+                <a:solidFill>
+                  <a:schemeClr val="tx1">
+                    <a:lumMod val="50000"/>
+                    <a:lumOff val="50000"/>
+                  </a:schemeClr>
+                </a:solidFill>
+                <a:effectLst/>
+                <a:latin typeface="Open Sans" panose="020B0606030504020204" pitchFamily="34" charset="0"/>
+              </a:endParaRPr>
+            </a:p>
+          </p:txBody>
+        </p:sp>
+        <p:sp>
+          <p:nvSpPr>
+            <p:cNvPr id="26" name="Metin kutusu 25">
+              <a:extLst>
+                <a:ext uri="{FF2B5EF4-FFF2-40B4-BE49-F238E27FC236}">
+                  <a16:creationId xmlns:a16="http://schemas.microsoft.com/office/drawing/2014/main" id="{748EAD38-0AAB-01F7-1658-8A86A62158C5}"/>
+                </a:ext>
+              </a:extLst>
+            </p:cNvPr>
+            <p:cNvSpPr txBox="1"/>
+            <p:nvPr/>
+          </p:nvSpPr>
+          <p:spPr>
+            <a:xfrm>
+              <a:off x="10108153" y="1914766"/>
+              <a:ext cx="864386" cy="269055"/>
+            </a:xfrm>
+            <a:prstGeom prst="rect">
+              <a:avLst/>
+            </a:prstGeom>
+            <a:noFill/>
+          </p:spPr>
+          <p:txBody>
+            <a:bodyPr wrap="square">
+              <a:spAutoFit/>
+            </a:bodyPr>
+            <a:lstStyle/>
+            <a:p>
+              <a:pPr algn="r" fontAlgn="ctr"/>
+              <a:r>
+                <a:rPr lang="tr-TR" sz="900" b="0" i="0" u="none" strike="noStrike" dirty="0" err="1">
+                  <a:solidFill>
+                    <a:schemeClr val="tx1">
+                      <a:lumMod val="50000"/>
+                      <a:lumOff val="50000"/>
+                    </a:schemeClr>
+                  </a:solidFill>
+                  <a:effectLst/>
+                  <a:latin typeface="Open Sans" panose="020B0606030504020204" pitchFamily="34" charset="0"/>
+                </a:rPr>
+                <a:t>barpoval</a:t>
+              </a:r>
+              <a:endParaRPr lang="en-GB" sz="900" b="0" i="0" u="none" strike="noStrike" dirty="0">
+                <a:solidFill>
+                  <a:schemeClr val="tx1">
+                    <a:lumMod val="50000"/>
+                    <a:lumOff val="50000"/>
+                  </a:schemeClr>
+                </a:solidFill>
+                <a:effectLst/>
+                <a:latin typeface="Open Sans" panose="020B0606030504020204" pitchFamily="34" charset="0"/>
+              </a:endParaRPr>
+            </a:p>
+          </p:txBody>
+        </p:sp>
+      </p:grpSp>
+      <p:grpSp>
+        <p:nvGrpSpPr>
+          <p:cNvPr id="27" name="Grup 26">
+            <a:extLst>
+              <a:ext uri="{FF2B5EF4-FFF2-40B4-BE49-F238E27FC236}">
+                <a16:creationId xmlns:a16="http://schemas.microsoft.com/office/drawing/2014/main" id="{D2DB1CAD-083C-8674-7A70-0E04C4125020}"/>
+              </a:ext>
+            </a:extLst>
+          </p:cNvPr>
+          <p:cNvGrpSpPr/>
+          <p:nvPr/>
+        </p:nvGrpSpPr>
+        <p:grpSpPr>
+          <a:xfrm>
+            <a:off x="5679127" y="2416802"/>
+            <a:ext cx="5271366" cy="250029"/>
+            <a:chOff x="5701173" y="1914766"/>
+            <a:chExt cx="5271366" cy="308357"/>
+          </a:xfrm>
+        </p:grpSpPr>
+        <p:sp>
+          <p:nvSpPr>
+            <p:cNvPr id="28" name="Metin kutusu 27">
+              <a:extLst>
+                <a:ext uri="{FF2B5EF4-FFF2-40B4-BE49-F238E27FC236}">
+                  <a16:creationId xmlns:a16="http://schemas.microsoft.com/office/drawing/2014/main" id="{7A2CFEDB-27BC-C038-C6D8-D0EB8015F81F}"/>
+                </a:ext>
+              </a:extLst>
+            </p:cNvPr>
+            <p:cNvSpPr txBox="1"/>
+            <p:nvPr/>
+          </p:nvSpPr>
+          <p:spPr>
+            <a:xfrm>
+              <a:off x="5701173" y="1938441"/>
+              <a:ext cx="2640393" cy="284682"/>
+            </a:xfrm>
+            <a:prstGeom prst="rect">
+              <a:avLst/>
+            </a:prstGeom>
+            <a:noFill/>
+          </p:spPr>
+          <p:txBody>
+            <a:bodyPr wrap="square">
+              <a:spAutoFit/>
+            </a:bodyPr>
+            <a:lstStyle/>
+            <a:p>
+              <a:pPr algn="l" fontAlgn="ctr"/>
+              <a:r>
+                <a:rPr lang="en-US" sz="900" b="0" i="0" u="none" strike="noStrike" dirty="0">
+                  <a:solidFill>
+                    <a:schemeClr val="tx1">
+                      <a:lumMod val="50000"/>
+                      <a:lumOff val="50000"/>
+                    </a:schemeClr>
+                  </a:solidFill>
+                  <a:effectLst/>
+                  <a:latin typeface="Open Sans" panose="020B0606030504020204" pitchFamily="34" charset="0"/>
+                </a:rPr>
+                <a:t>Purchase Order approvals (mins per approval)</a:t>
+              </a:r>
+              <a:endParaRPr lang="en-GB" sz="900" b="0" i="0" u="none" strike="noStrike" dirty="0">
+                <a:solidFill>
+                  <a:schemeClr val="tx1">
+                    <a:lumMod val="50000"/>
+                    <a:lumOff val="50000"/>
+                  </a:schemeClr>
+                </a:solidFill>
+                <a:effectLst/>
+                <a:latin typeface="Open Sans" panose="020B0606030504020204" pitchFamily="34" charset="0"/>
+              </a:endParaRPr>
+            </a:p>
+          </p:txBody>
+        </p:sp>
+        <p:sp>
+          <p:nvSpPr>
+            <p:cNvPr id="29" name="Metin kutusu 28">
+              <a:extLst>
+                <a:ext uri="{FF2B5EF4-FFF2-40B4-BE49-F238E27FC236}">
+                  <a16:creationId xmlns:a16="http://schemas.microsoft.com/office/drawing/2014/main" id="{259A3551-4066-214B-1E78-F49B63B14E1F}"/>
+                </a:ext>
+              </a:extLst>
+            </p:cNvPr>
+            <p:cNvSpPr txBox="1"/>
+            <p:nvPr/>
+          </p:nvSpPr>
+          <p:spPr>
+            <a:xfrm>
+              <a:off x="9484507" y="1914766"/>
+              <a:ext cx="303387" cy="230832"/>
+            </a:xfrm>
+            <a:prstGeom prst="rect">
+              <a:avLst/>
+            </a:prstGeom>
+            <a:noFill/>
+          </p:spPr>
+          <p:txBody>
+            <a:bodyPr wrap="square">
+              <a:spAutoFit/>
+            </a:bodyPr>
+            <a:lstStyle/>
+            <a:p>
+              <a:pPr algn="l" fontAlgn="ctr"/>
+              <a:r>
+                <a:rPr lang="tr-TR" sz="900" dirty="0">
+                  <a:solidFill>
+                    <a:schemeClr val="tx1">
+                      <a:lumMod val="50000"/>
+                      <a:lumOff val="50000"/>
+                    </a:schemeClr>
+                  </a:solidFill>
+                  <a:latin typeface="Open Sans" panose="020B0606030504020204" pitchFamily="34" charset="0"/>
+                </a:rPr>
+                <a:t>£</a:t>
+              </a:r>
+              <a:endParaRPr lang="en-GB" sz="900" b="0" i="0" u="none" strike="noStrike" dirty="0">
+                <a:solidFill>
+                  <a:schemeClr val="tx1">
+                    <a:lumMod val="50000"/>
+                    <a:lumOff val="50000"/>
+                  </a:schemeClr>
+                </a:solidFill>
+                <a:effectLst/>
+                <a:latin typeface="Open Sans" panose="020B0606030504020204" pitchFamily="34" charset="0"/>
+              </a:endParaRPr>
+            </a:p>
+          </p:txBody>
+        </p:sp>
+        <p:sp>
+          <p:nvSpPr>
+            <p:cNvPr id="30" name="Metin kutusu 29">
+              <a:extLst>
+                <a:ext uri="{FF2B5EF4-FFF2-40B4-BE49-F238E27FC236}">
+                  <a16:creationId xmlns:a16="http://schemas.microsoft.com/office/drawing/2014/main" id="{2838C1A8-3A30-21DE-6AE4-B62D7FD24073}"/>
+                </a:ext>
+              </a:extLst>
+            </p:cNvPr>
+            <p:cNvSpPr txBox="1"/>
+            <p:nvPr/>
+          </p:nvSpPr>
+          <p:spPr>
+            <a:xfrm>
+              <a:off x="10108153" y="1914766"/>
+              <a:ext cx="864386" cy="269055"/>
+            </a:xfrm>
+            <a:prstGeom prst="rect">
+              <a:avLst/>
+            </a:prstGeom>
+            <a:noFill/>
+          </p:spPr>
+          <p:txBody>
+            <a:bodyPr wrap="square">
+              <a:spAutoFit/>
+            </a:bodyPr>
+            <a:lstStyle/>
+            <a:p>
+              <a:pPr algn="r" fontAlgn="ctr"/>
+              <a:r>
+                <a:rPr lang="tr-TR" sz="900" b="0" i="0" u="none" strike="noStrike" dirty="0" err="1">
+                  <a:solidFill>
+                    <a:schemeClr val="tx1">
+                      <a:lumMod val="50000"/>
+                      <a:lumOff val="50000"/>
+                    </a:schemeClr>
+                  </a:solidFill>
+                  <a:effectLst/>
+                  <a:latin typeface="Open Sans" panose="020B0606030504020204" pitchFamily="34" charset="0"/>
+                </a:rPr>
+                <a:t>barpoval</a:t>
+              </a:r>
+              <a:endParaRPr lang="en-GB" sz="900" b="0" i="0" u="none" strike="noStrike" dirty="0">
+                <a:solidFill>
+                  <a:schemeClr val="tx1">
+                    <a:lumMod val="50000"/>
+                    <a:lumOff val="50000"/>
+                  </a:schemeClr>
+                </a:solidFill>
+                <a:effectLst/>
+                <a:latin typeface="Open Sans" panose="020B0606030504020204" pitchFamily="34" charset="0"/>
+              </a:endParaRPr>
+            </a:p>
+          </p:txBody>
+        </p:sp>
+      </p:grpSp>
+      <p:grpSp>
+        <p:nvGrpSpPr>
+          <p:cNvPr id="31" name="Grup 30">
+            <a:extLst>
+              <a:ext uri="{FF2B5EF4-FFF2-40B4-BE49-F238E27FC236}">
+                <a16:creationId xmlns:a16="http://schemas.microsoft.com/office/drawing/2014/main" id="{939C3981-7EA9-2A10-29FA-C7C9260ECFEE}"/>
+              </a:ext>
+            </a:extLst>
+          </p:cNvPr>
+          <p:cNvGrpSpPr/>
+          <p:nvPr/>
+        </p:nvGrpSpPr>
+        <p:grpSpPr>
+          <a:xfrm>
+            <a:off x="5679127" y="2683183"/>
+            <a:ext cx="5271366" cy="250029"/>
+            <a:chOff x="5701173" y="1914766"/>
+            <a:chExt cx="5271366" cy="308357"/>
+          </a:xfrm>
+        </p:grpSpPr>
+        <p:sp>
+          <p:nvSpPr>
+            <p:cNvPr id="32" name="Metin kutusu 31">
+              <a:extLst>
+                <a:ext uri="{FF2B5EF4-FFF2-40B4-BE49-F238E27FC236}">
+                  <a16:creationId xmlns:a16="http://schemas.microsoft.com/office/drawing/2014/main" id="{E06D8D81-C122-77E8-A96F-086D0ACC2C38}"/>
+                </a:ext>
+              </a:extLst>
+            </p:cNvPr>
+            <p:cNvSpPr txBox="1"/>
+            <p:nvPr/>
+          </p:nvSpPr>
+          <p:spPr>
+            <a:xfrm>
+              <a:off x="5701173" y="1938441"/>
+              <a:ext cx="2640393" cy="284682"/>
+            </a:xfrm>
+            <a:prstGeom prst="rect">
+              <a:avLst/>
+            </a:prstGeom>
+            <a:noFill/>
+          </p:spPr>
+          <p:txBody>
+            <a:bodyPr wrap="square">
+              <a:spAutoFit/>
+            </a:bodyPr>
+            <a:lstStyle/>
+            <a:p>
+              <a:pPr algn="l" fontAlgn="ctr"/>
+              <a:r>
+                <a:rPr lang="en-US" sz="900" b="0" i="0" u="none" strike="noStrike" dirty="0">
+                  <a:solidFill>
+                    <a:schemeClr val="tx1">
+                      <a:lumMod val="50000"/>
+                      <a:lumOff val="50000"/>
+                    </a:schemeClr>
+                  </a:solidFill>
+                  <a:effectLst/>
+                  <a:latin typeface="Open Sans" panose="020B0606030504020204" pitchFamily="34" charset="0"/>
+                </a:rPr>
+                <a:t>Debt collection administration processes</a:t>
+              </a:r>
+              <a:endParaRPr lang="en-GB" sz="900" b="0" i="0" u="none" strike="noStrike" dirty="0">
+                <a:solidFill>
+                  <a:schemeClr val="tx1">
+                    <a:lumMod val="50000"/>
+                    <a:lumOff val="50000"/>
+                  </a:schemeClr>
+                </a:solidFill>
+                <a:effectLst/>
+                <a:latin typeface="Open Sans" panose="020B0606030504020204" pitchFamily="34" charset="0"/>
+              </a:endParaRPr>
+            </a:p>
+          </p:txBody>
+        </p:sp>
+        <p:sp>
+          <p:nvSpPr>
+            <p:cNvPr id="33" name="Metin kutusu 32">
+              <a:extLst>
+                <a:ext uri="{FF2B5EF4-FFF2-40B4-BE49-F238E27FC236}">
+                  <a16:creationId xmlns:a16="http://schemas.microsoft.com/office/drawing/2014/main" id="{FB9EB249-152F-3557-CD58-149002E4A12A}"/>
+                </a:ext>
+              </a:extLst>
+            </p:cNvPr>
+            <p:cNvSpPr txBox="1"/>
+            <p:nvPr/>
+          </p:nvSpPr>
+          <p:spPr>
+            <a:xfrm>
+              <a:off x="9484507" y="1914766"/>
+              <a:ext cx="303387" cy="230832"/>
+            </a:xfrm>
+            <a:prstGeom prst="rect">
+              <a:avLst/>
+            </a:prstGeom>
+            <a:noFill/>
+          </p:spPr>
+          <p:txBody>
+            <a:bodyPr wrap="square">
+              <a:spAutoFit/>
+            </a:bodyPr>
+            <a:lstStyle/>
+            <a:p>
+              <a:pPr algn="l" fontAlgn="ctr"/>
+              <a:r>
+                <a:rPr lang="tr-TR" sz="900" dirty="0">
+                  <a:solidFill>
+                    <a:schemeClr val="tx1">
+                      <a:lumMod val="50000"/>
+                      <a:lumOff val="50000"/>
+                    </a:schemeClr>
+                  </a:solidFill>
+                  <a:latin typeface="Open Sans" panose="020B0606030504020204" pitchFamily="34" charset="0"/>
+                </a:rPr>
+                <a:t>£</a:t>
+              </a:r>
+              <a:endParaRPr lang="en-GB" sz="900" b="0" i="0" u="none" strike="noStrike" dirty="0">
+                <a:solidFill>
+                  <a:schemeClr val="tx1">
+                    <a:lumMod val="50000"/>
+                    <a:lumOff val="50000"/>
+                  </a:schemeClr>
+                </a:solidFill>
+                <a:effectLst/>
+                <a:latin typeface="Open Sans" panose="020B0606030504020204" pitchFamily="34" charset="0"/>
+              </a:endParaRPr>
+            </a:p>
+          </p:txBody>
+        </p:sp>
+        <p:sp>
+          <p:nvSpPr>
+            <p:cNvPr id="34" name="Metin kutusu 33">
+              <a:extLst>
+                <a:ext uri="{FF2B5EF4-FFF2-40B4-BE49-F238E27FC236}">
+                  <a16:creationId xmlns:a16="http://schemas.microsoft.com/office/drawing/2014/main" id="{091757F5-4E10-05C5-4A09-D3E2B9648E09}"/>
+                </a:ext>
+              </a:extLst>
+            </p:cNvPr>
+            <p:cNvSpPr txBox="1"/>
+            <p:nvPr/>
+          </p:nvSpPr>
+          <p:spPr>
+            <a:xfrm>
+              <a:off x="10108153" y="1914766"/>
+              <a:ext cx="864386" cy="284682"/>
+            </a:xfrm>
+            <a:prstGeom prst="rect">
+              <a:avLst/>
+            </a:prstGeom>
+            <a:noFill/>
+          </p:spPr>
+          <p:txBody>
+            <a:bodyPr wrap="square">
+              <a:spAutoFit/>
+            </a:bodyPr>
+            <a:lstStyle/>
+            <a:p>
+              <a:pPr algn="r" fontAlgn="ctr"/>
+              <a:r>
+                <a:rPr lang="tr-TR" sz="900" b="0" i="0" u="none" strike="noStrike" dirty="0" err="1">
+                  <a:solidFill>
+                    <a:schemeClr val="tx1">
+                      <a:lumMod val="50000"/>
+                      <a:lumOff val="50000"/>
+                    </a:schemeClr>
+                  </a:solidFill>
+                  <a:effectLst/>
+                  <a:latin typeface="Open Sans" panose="020B0606030504020204" pitchFamily="34" charset="0"/>
+                </a:rPr>
+                <a:t>badcapval</a:t>
+              </a:r>
+              <a:endParaRPr lang="en-GB" sz="900" b="0" i="0" u="none" strike="noStrike" dirty="0">
+                <a:solidFill>
+                  <a:schemeClr val="tx1">
+                    <a:lumMod val="50000"/>
+                    <a:lumOff val="50000"/>
+                  </a:schemeClr>
+                </a:solidFill>
+                <a:effectLst/>
+                <a:latin typeface="Open Sans" panose="020B0606030504020204" pitchFamily="34" charset="0"/>
+              </a:endParaRPr>
+            </a:p>
+          </p:txBody>
+        </p:sp>
+      </p:grpSp>
+      <p:grpSp>
+        <p:nvGrpSpPr>
+          <p:cNvPr id="35" name="Grup 34">
+            <a:extLst>
+              <a:ext uri="{FF2B5EF4-FFF2-40B4-BE49-F238E27FC236}">
+                <a16:creationId xmlns:a16="http://schemas.microsoft.com/office/drawing/2014/main" id="{9A0899DE-06FB-76CF-360F-37DC7E5811C6}"/>
+              </a:ext>
+            </a:extLst>
+          </p:cNvPr>
+          <p:cNvGrpSpPr/>
+          <p:nvPr/>
+        </p:nvGrpSpPr>
+        <p:grpSpPr>
+          <a:xfrm>
+            <a:off x="5679127" y="2969695"/>
+            <a:ext cx="5271366" cy="250029"/>
+            <a:chOff x="5701173" y="1914766"/>
+            <a:chExt cx="5271366" cy="308357"/>
+          </a:xfrm>
+        </p:grpSpPr>
+        <p:sp>
+          <p:nvSpPr>
+            <p:cNvPr id="36" name="Metin kutusu 35">
+              <a:extLst>
+                <a:ext uri="{FF2B5EF4-FFF2-40B4-BE49-F238E27FC236}">
+                  <a16:creationId xmlns:a16="http://schemas.microsoft.com/office/drawing/2014/main" id="{EE3C296E-C262-6622-EC3E-78D9B0F2A714}"/>
+                </a:ext>
+              </a:extLst>
+            </p:cNvPr>
+            <p:cNvSpPr txBox="1"/>
+            <p:nvPr/>
+          </p:nvSpPr>
+          <p:spPr>
+            <a:xfrm>
+              <a:off x="5701173" y="1938441"/>
+              <a:ext cx="2640393" cy="284682"/>
+            </a:xfrm>
+            <a:prstGeom prst="rect">
+              <a:avLst/>
+            </a:prstGeom>
+            <a:noFill/>
+          </p:spPr>
+          <p:txBody>
+            <a:bodyPr wrap="square">
+              <a:spAutoFit/>
+            </a:bodyPr>
+            <a:lstStyle/>
+            <a:p>
+              <a:pPr algn="l" fontAlgn="ctr"/>
+              <a:r>
+                <a:rPr lang="en-GB" sz="900" b="0" i="0" u="none" strike="noStrike" dirty="0">
+                  <a:solidFill>
+                    <a:schemeClr val="tx1">
+                      <a:lumMod val="50000"/>
+                      <a:lumOff val="50000"/>
+                    </a:schemeClr>
+                  </a:solidFill>
+                  <a:effectLst/>
+                  <a:latin typeface="Open Sans" panose="020B0606030504020204" pitchFamily="34" charset="0"/>
+                </a:rPr>
+                <a:t>Coding invoice processes</a:t>
+              </a:r>
+            </a:p>
+          </p:txBody>
+        </p:sp>
+        <p:sp>
+          <p:nvSpPr>
+            <p:cNvPr id="37" name="Metin kutusu 36">
+              <a:extLst>
+                <a:ext uri="{FF2B5EF4-FFF2-40B4-BE49-F238E27FC236}">
+                  <a16:creationId xmlns:a16="http://schemas.microsoft.com/office/drawing/2014/main" id="{72F52F61-F7E6-C490-8C0A-A6DC5C2F3F31}"/>
+                </a:ext>
+              </a:extLst>
+            </p:cNvPr>
+            <p:cNvSpPr txBox="1"/>
+            <p:nvPr/>
+          </p:nvSpPr>
+          <p:spPr>
+            <a:xfrm>
+              <a:off x="9484507" y="1914766"/>
+              <a:ext cx="303387" cy="230832"/>
+            </a:xfrm>
+            <a:prstGeom prst="rect">
+              <a:avLst/>
+            </a:prstGeom>
+            <a:noFill/>
+          </p:spPr>
+          <p:txBody>
+            <a:bodyPr wrap="square">
+              <a:spAutoFit/>
+            </a:bodyPr>
+            <a:lstStyle/>
+            <a:p>
+              <a:pPr algn="l" fontAlgn="ctr"/>
+              <a:r>
+                <a:rPr lang="tr-TR" sz="900" dirty="0">
+                  <a:solidFill>
+                    <a:schemeClr val="tx1">
+                      <a:lumMod val="50000"/>
+                      <a:lumOff val="50000"/>
+                    </a:schemeClr>
+                  </a:solidFill>
+                  <a:latin typeface="Open Sans" panose="020B0606030504020204" pitchFamily="34" charset="0"/>
+                </a:rPr>
+                <a:t>£</a:t>
+              </a:r>
+              <a:endParaRPr lang="en-GB" sz="900" b="0" i="0" u="none" strike="noStrike" dirty="0">
+                <a:solidFill>
+                  <a:schemeClr val="tx1">
+                    <a:lumMod val="50000"/>
+                    <a:lumOff val="50000"/>
+                  </a:schemeClr>
+                </a:solidFill>
+                <a:effectLst/>
+                <a:latin typeface="Open Sans" panose="020B0606030504020204" pitchFamily="34" charset="0"/>
+              </a:endParaRPr>
+            </a:p>
+          </p:txBody>
+        </p:sp>
+        <p:sp>
+          <p:nvSpPr>
+            <p:cNvPr id="38" name="Metin kutusu 37">
+              <a:extLst>
+                <a:ext uri="{FF2B5EF4-FFF2-40B4-BE49-F238E27FC236}">
+                  <a16:creationId xmlns:a16="http://schemas.microsoft.com/office/drawing/2014/main" id="{7A622BD3-94E4-6827-7FE0-34EDDC9894C7}"/>
+                </a:ext>
+              </a:extLst>
+            </p:cNvPr>
+            <p:cNvSpPr txBox="1"/>
+            <p:nvPr/>
+          </p:nvSpPr>
+          <p:spPr>
+            <a:xfrm>
+              <a:off x="10108153" y="1914766"/>
+              <a:ext cx="864386" cy="284682"/>
+            </a:xfrm>
+            <a:prstGeom prst="rect">
+              <a:avLst/>
+            </a:prstGeom>
+            <a:noFill/>
+          </p:spPr>
+          <p:txBody>
+            <a:bodyPr wrap="square">
+              <a:spAutoFit/>
+            </a:bodyPr>
+            <a:lstStyle/>
+            <a:p>
+              <a:pPr algn="r" fontAlgn="ctr"/>
+              <a:r>
+                <a:rPr lang="tr-TR" sz="900" b="0" i="0" u="none" strike="noStrike" dirty="0" err="1">
+                  <a:solidFill>
+                    <a:schemeClr val="tx1">
+                      <a:lumMod val="50000"/>
+                      <a:lumOff val="50000"/>
+                    </a:schemeClr>
+                  </a:solidFill>
+                  <a:effectLst/>
+                  <a:latin typeface="Open Sans" panose="020B0606030504020204" pitchFamily="34" charset="0"/>
+                </a:rPr>
+                <a:t>bacipval</a:t>
+              </a:r>
+              <a:endParaRPr lang="en-GB" sz="900" b="0" i="0" u="none" strike="noStrike" dirty="0">
+                <a:solidFill>
+                  <a:schemeClr val="tx1">
+                    <a:lumMod val="50000"/>
+                    <a:lumOff val="50000"/>
+                  </a:schemeClr>
+                </a:solidFill>
+                <a:effectLst/>
+                <a:latin typeface="Open Sans" panose="020B0606030504020204" pitchFamily="34" charset="0"/>
+              </a:endParaRPr>
+            </a:p>
+          </p:txBody>
+        </p:sp>
+      </p:grpSp>
+      <p:grpSp>
+        <p:nvGrpSpPr>
+          <p:cNvPr id="39" name="Grup 38">
+            <a:extLst>
+              <a:ext uri="{FF2B5EF4-FFF2-40B4-BE49-F238E27FC236}">
+                <a16:creationId xmlns:a16="http://schemas.microsoft.com/office/drawing/2014/main" id="{94CC793B-0232-FE58-9020-35EF8D4D5B4E}"/>
+              </a:ext>
+            </a:extLst>
+          </p:cNvPr>
+          <p:cNvGrpSpPr/>
+          <p:nvPr/>
+        </p:nvGrpSpPr>
+        <p:grpSpPr>
+          <a:xfrm>
+            <a:off x="5688393" y="3200931"/>
+            <a:ext cx="5271366" cy="250029"/>
+            <a:chOff x="5701173" y="1914766"/>
+            <a:chExt cx="5271366" cy="308357"/>
+          </a:xfrm>
+        </p:grpSpPr>
+        <p:sp>
+          <p:nvSpPr>
+            <p:cNvPr id="40" name="Metin kutusu 39">
+              <a:extLst>
+                <a:ext uri="{FF2B5EF4-FFF2-40B4-BE49-F238E27FC236}">
+                  <a16:creationId xmlns:a16="http://schemas.microsoft.com/office/drawing/2014/main" id="{419D0A69-B84D-92EF-38DD-0F797AF46B8D}"/>
+                </a:ext>
+              </a:extLst>
+            </p:cNvPr>
+            <p:cNvSpPr txBox="1"/>
+            <p:nvPr/>
+          </p:nvSpPr>
+          <p:spPr>
+            <a:xfrm>
+              <a:off x="5701173" y="1938441"/>
+              <a:ext cx="3286937" cy="284682"/>
+            </a:xfrm>
+            <a:prstGeom prst="rect">
+              <a:avLst/>
+            </a:prstGeom>
+            <a:noFill/>
+          </p:spPr>
+          <p:txBody>
+            <a:bodyPr wrap="square">
+              <a:spAutoFit/>
+            </a:bodyPr>
+            <a:lstStyle/>
+            <a:p>
+              <a:pPr algn="l" fontAlgn="ctr"/>
+              <a:r>
+                <a:rPr lang="en-US" sz="900" b="0" i="0" u="none" strike="noStrike" dirty="0">
+                  <a:solidFill>
+                    <a:schemeClr val="tx1">
+                      <a:lumMod val="50000"/>
+                      <a:lumOff val="50000"/>
+                    </a:schemeClr>
+                  </a:solidFill>
+                  <a:effectLst/>
+                  <a:latin typeface="Open Sans" panose="020B0606030504020204" pitchFamily="34" charset="0"/>
+                </a:rPr>
+                <a:t>Management of supplier and purchase invoices</a:t>
+              </a:r>
+              <a:endParaRPr lang="en-GB" sz="900" b="0" i="0" u="none" strike="noStrike" dirty="0">
+                <a:solidFill>
+                  <a:schemeClr val="tx1">
+                    <a:lumMod val="50000"/>
+                    <a:lumOff val="50000"/>
+                  </a:schemeClr>
+                </a:solidFill>
+                <a:effectLst/>
+                <a:latin typeface="Open Sans" panose="020B0606030504020204" pitchFamily="34" charset="0"/>
+              </a:endParaRPr>
+            </a:p>
+          </p:txBody>
+        </p:sp>
+        <p:sp>
+          <p:nvSpPr>
+            <p:cNvPr id="41" name="Metin kutusu 40">
+              <a:extLst>
+                <a:ext uri="{FF2B5EF4-FFF2-40B4-BE49-F238E27FC236}">
+                  <a16:creationId xmlns:a16="http://schemas.microsoft.com/office/drawing/2014/main" id="{65AD5845-A688-FDCC-B87A-2396DE93E704}"/>
+                </a:ext>
+              </a:extLst>
+            </p:cNvPr>
+            <p:cNvSpPr txBox="1"/>
+            <p:nvPr/>
+          </p:nvSpPr>
+          <p:spPr>
+            <a:xfrm>
+              <a:off x="9475240" y="1945996"/>
+              <a:ext cx="303387" cy="230831"/>
+            </a:xfrm>
+            <a:prstGeom prst="rect">
+              <a:avLst/>
+            </a:prstGeom>
+            <a:noFill/>
+          </p:spPr>
+          <p:txBody>
+            <a:bodyPr wrap="square">
+              <a:spAutoFit/>
+            </a:bodyPr>
+            <a:lstStyle/>
+            <a:p>
+              <a:pPr algn="l" fontAlgn="ctr"/>
+              <a:r>
+                <a:rPr lang="tr-TR" sz="900" dirty="0">
+                  <a:solidFill>
+                    <a:schemeClr val="tx1">
+                      <a:lumMod val="50000"/>
+                      <a:lumOff val="50000"/>
+                    </a:schemeClr>
+                  </a:solidFill>
+                  <a:latin typeface="Open Sans" panose="020B0606030504020204" pitchFamily="34" charset="0"/>
+                </a:rPr>
+                <a:t>£</a:t>
+              </a:r>
+              <a:endParaRPr lang="en-GB" sz="900" b="0" i="0" u="none" strike="noStrike" dirty="0">
+                <a:solidFill>
+                  <a:schemeClr val="tx1">
+                    <a:lumMod val="50000"/>
+                    <a:lumOff val="50000"/>
+                  </a:schemeClr>
+                </a:solidFill>
+                <a:effectLst/>
+                <a:latin typeface="Open Sans" panose="020B0606030504020204" pitchFamily="34" charset="0"/>
+              </a:endParaRPr>
+            </a:p>
+          </p:txBody>
+        </p:sp>
+        <p:sp>
+          <p:nvSpPr>
+            <p:cNvPr id="42" name="Metin kutusu 41">
+              <a:extLst>
+                <a:ext uri="{FF2B5EF4-FFF2-40B4-BE49-F238E27FC236}">
+                  <a16:creationId xmlns:a16="http://schemas.microsoft.com/office/drawing/2014/main" id="{6C1E892E-C9CC-32F4-92E4-59F25C88C161}"/>
+                </a:ext>
+              </a:extLst>
+            </p:cNvPr>
+            <p:cNvSpPr txBox="1"/>
+            <p:nvPr/>
+          </p:nvSpPr>
+          <p:spPr>
+            <a:xfrm>
+              <a:off x="10108153" y="1914766"/>
+              <a:ext cx="864386" cy="284682"/>
+            </a:xfrm>
+            <a:prstGeom prst="rect">
+              <a:avLst/>
+            </a:prstGeom>
+            <a:noFill/>
+          </p:spPr>
+          <p:txBody>
+            <a:bodyPr wrap="square">
+              <a:spAutoFit/>
+            </a:bodyPr>
+            <a:lstStyle/>
+            <a:p>
+              <a:pPr algn="r" fontAlgn="ctr"/>
+              <a:r>
+                <a:rPr lang="tr-TR" sz="900" b="0" i="0" u="none" strike="noStrike" dirty="0" err="1">
+                  <a:solidFill>
+                    <a:schemeClr val="tx1">
+                      <a:lumMod val="50000"/>
+                      <a:lumOff val="50000"/>
+                    </a:schemeClr>
+                  </a:solidFill>
+                  <a:effectLst/>
+                  <a:latin typeface="Open Sans" panose="020B0606030504020204" pitchFamily="34" charset="0"/>
+                </a:rPr>
+                <a:t>bamspival</a:t>
+              </a:r>
+              <a:endParaRPr lang="en-GB" sz="900" b="0" i="0" u="none" strike="noStrike" dirty="0">
+                <a:solidFill>
+                  <a:schemeClr val="tx1">
+                    <a:lumMod val="50000"/>
+                    <a:lumOff val="50000"/>
+                  </a:schemeClr>
+                </a:solidFill>
+                <a:effectLst/>
+                <a:latin typeface="Open Sans" panose="020B0606030504020204" pitchFamily="34" charset="0"/>
+              </a:endParaRPr>
+            </a:p>
+          </p:txBody>
+        </p:sp>
+      </p:grpSp>
+      <p:grpSp>
+        <p:nvGrpSpPr>
+          <p:cNvPr id="43" name="Grup 42">
+            <a:extLst>
+              <a:ext uri="{FF2B5EF4-FFF2-40B4-BE49-F238E27FC236}">
+                <a16:creationId xmlns:a16="http://schemas.microsoft.com/office/drawing/2014/main" id="{6FD2F1FE-7881-0B74-97FA-248E9A0B770E}"/>
+              </a:ext>
+            </a:extLst>
+          </p:cNvPr>
+          <p:cNvGrpSpPr/>
+          <p:nvPr/>
+        </p:nvGrpSpPr>
+        <p:grpSpPr>
+          <a:xfrm>
+            <a:off x="5679127" y="3500298"/>
+            <a:ext cx="5271366" cy="250029"/>
+            <a:chOff x="5701173" y="1914766"/>
+            <a:chExt cx="5271366" cy="308357"/>
+          </a:xfrm>
+        </p:grpSpPr>
+        <p:sp>
+          <p:nvSpPr>
+            <p:cNvPr id="44" name="Metin kutusu 43">
+              <a:extLst>
+                <a:ext uri="{FF2B5EF4-FFF2-40B4-BE49-F238E27FC236}">
+                  <a16:creationId xmlns:a16="http://schemas.microsoft.com/office/drawing/2014/main" id="{C8360E85-776C-E808-36A4-7A6A9470D7C7}"/>
+                </a:ext>
+              </a:extLst>
+            </p:cNvPr>
+            <p:cNvSpPr txBox="1"/>
+            <p:nvPr/>
+          </p:nvSpPr>
+          <p:spPr>
+            <a:xfrm>
+              <a:off x="5701173" y="1938441"/>
+              <a:ext cx="2640393" cy="284682"/>
+            </a:xfrm>
+            <a:prstGeom prst="rect">
+              <a:avLst/>
+            </a:prstGeom>
+            <a:noFill/>
+          </p:spPr>
+          <p:txBody>
+            <a:bodyPr wrap="square">
+              <a:spAutoFit/>
+            </a:bodyPr>
+            <a:lstStyle/>
+            <a:p>
+              <a:pPr algn="l" fontAlgn="ctr"/>
+              <a:r>
+                <a:rPr lang="en-US" sz="900" b="0" i="0" u="none" strike="noStrike" dirty="0">
+                  <a:solidFill>
+                    <a:schemeClr val="tx1">
+                      <a:lumMod val="50000"/>
+                      <a:lumOff val="50000"/>
+                    </a:schemeClr>
+                  </a:solidFill>
+                  <a:effectLst/>
+                  <a:latin typeface="Open Sans" panose="020B0606030504020204" pitchFamily="34" charset="0"/>
+                </a:rPr>
+                <a:t>Managing Maverick spend &amp; Spend leakage</a:t>
+              </a:r>
+              <a:endParaRPr lang="en-GB" sz="900" b="0" i="0" u="none" strike="noStrike" dirty="0">
+                <a:solidFill>
+                  <a:schemeClr val="tx1">
+                    <a:lumMod val="50000"/>
+                    <a:lumOff val="50000"/>
+                  </a:schemeClr>
+                </a:solidFill>
+                <a:effectLst/>
+                <a:latin typeface="Open Sans" panose="020B0606030504020204" pitchFamily="34" charset="0"/>
+              </a:endParaRPr>
+            </a:p>
+          </p:txBody>
+        </p:sp>
+        <p:sp>
+          <p:nvSpPr>
+            <p:cNvPr id="45" name="Metin kutusu 44">
+              <a:extLst>
+                <a:ext uri="{FF2B5EF4-FFF2-40B4-BE49-F238E27FC236}">
+                  <a16:creationId xmlns:a16="http://schemas.microsoft.com/office/drawing/2014/main" id="{59C7A798-6C53-8147-A6CE-08FCB9119E7D}"/>
+                </a:ext>
+              </a:extLst>
+            </p:cNvPr>
+            <p:cNvSpPr txBox="1"/>
+            <p:nvPr/>
+          </p:nvSpPr>
+          <p:spPr>
+            <a:xfrm>
+              <a:off x="9484507" y="1914766"/>
+              <a:ext cx="303387" cy="230832"/>
+            </a:xfrm>
+            <a:prstGeom prst="rect">
+              <a:avLst/>
+            </a:prstGeom>
+            <a:noFill/>
+          </p:spPr>
+          <p:txBody>
+            <a:bodyPr wrap="square">
+              <a:spAutoFit/>
+            </a:bodyPr>
+            <a:lstStyle/>
+            <a:p>
+              <a:pPr algn="l" fontAlgn="ctr"/>
+              <a:r>
+                <a:rPr lang="tr-TR" sz="900" dirty="0">
+                  <a:solidFill>
+                    <a:schemeClr val="tx1">
+                      <a:lumMod val="50000"/>
+                      <a:lumOff val="50000"/>
+                    </a:schemeClr>
+                  </a:solidFill>
+                  <a:latin typeface="Open Sans" panose="020B0606030504020204" pitchFamily="34" charset="0"/>
+                </a:rPr>
+                <a:t>£</a:t>
+              </a:r>
+              <a:endParaRPr lang="en-GB" sz="900" b="0" i="0" u="none" strike="noStrike" dirty="0">
+                <a:solidFill>
+                  <a:schemeClr val="tx1">
+                    <a:lumMod val="50000"/>
+                    <a:lumOff val="50000"/>
+                  </a:schemeClr>
+                </a:solidFill>
+                <a:effectLst/>
+                <a:latin typeface="Open Sans" panose="020B0606030504020204" pitchFamily="34" charset="0"/>
+              </a:endParaRPr>
+            </a:p>
+          </p:txBody>
+        </p:sp>
+        <p:sp>
+          <p:nvSpPr>
+            <p:cNvPr id="46" name="Metin kutusu 45">
+              <a:extLst>
+                <a:ext uri="{FF2B5EF4-FFF2-40B4-BE49-F238E27FC236}">
+                  <a16:creationId xmlns:a16="http://schemas.microsoft.com/office/drawing/2014/main" id="{474A5092-8869-93EC-DD24-4BFCC3A0C00F}"/>
+                </a:ext>
+              </a:extLst>
+            </p:cNvPr>
+            <p:cNvSpPr txBox="1"/>
+            <p:nvPr/>
+          </p:nvSpPr>
+          <p:spPr>
+            <a:xfrm>
+              <a:off x="10108153" y="1914766"/>
+              <a:ext cx="864386" cy="284682"/>
+            </a:xfrm>
+            <a:prstGeom prst="rect">
+              <a:avLst/>
+            </a:prstGeom>
+            <a:noFill/>
+          </p:spPr>
+          <p:txBody>
+            <a:bodyPr wrap="square">
+              <a:spAutoFit/>
+            </a:bodyPr>
+            <a:lstStyle/>
+            <a:p>
+              <a:pPr algn="r" fontAlgn="ctr"/>
+              <a:r>
+                <a:rPr lang="tr-TR" sz="900" b="0" i="0" u="none" strike="noStrike" dirty="0" err="1">
+                  <a:solidFill>
+                    <a:schemeClr val="tx1">
+                      <a:lumMod val="50000"/>
+                      <a:lumOff val="50000"/>
+                    </a:schemeClr>
+                  </a:solidFill>
+                  <a:effectLst/>
+                  <a:latin typeface="Open Sans" panose="020B0606030504020204" pitchFamily="34" charset="0"/>
+                </a:rPr>
+                <a:t>bamslval</a:t>
+              </a:r>
+              <a:endParaRPr lang="en-GB" sz="900" b="0" i="0" u="none" strike="noStrike" dirty="0">
+                <a:solidFill>
+                  <a:schemeClr val="tx1">
+                    <a:lumMod val="50000"/>
+                    <a:lumOff val="50000"/>
+                  </a:schemeClr>
+                </a:solidFill>
+                <a:effectLst/>
+                <a:latin typeface="Open Sans" panose="020B0606030504020204" pitchFamily="34" charset="0"/>
+              </a:endParaRPr>
+            </a:p>
+          </p:txBody>
+        </p:sp>
+      </p:grpSp>
+      <p:grpSp>
+        <p:nvGrpSpPr>
+          <p:cNvPr id="47" name="Grup 46">
+            <a:extLst>
+              <a:ext uri="{FF2B5EF4-FFF2-40B4-BE49-F238E27FC236}">
+                <a16:creationId xmlns:a16="http://schemas.microsoft.com/office/drawing/2014/main" id="{6A719522-AD90-BF75-C1C9-1C62EF3DBEC5}"/>
+              </a:ext>
+            </a:extLst>
+          </p:cNvPr>
+          <p:cNvGrpSpPr/>
+          <p:nvPr/>
+        </p:nvGrpSpPr>
+        <p:grpSpPr>
+          <a:xfrm>
+            <a:off x="5683837" y="3792452"/>
+            <a:ext cx="5271366" cy="250029"/>
+            <a:chOff x="5701173" y="1914766"/>
+            <a:chExt cx="5271366" cy="308357"/>
+          </a:xfrm>
+        </p:grpSpPr>
+        <p:sp>
+          <p:nvSpPr>
+            <p:cNvPr id="48" name="Metin kutusu 47">
+              <a:extLst>
+                <a:ext uri="{FF2B5EF4-FFF2-40B4-BE49-F238E27FC236}">
+                  <a16:creationId xmlns:a16="http://schemas.microsoft.com/office/drawing/2014/main" id="{852B04C2-CDC0-455E-06BF-21E1C8CE239C}"/>
+                </a:ext>
+              </a:extLst>
+            </p:cNvPr>
+            <p:cNvSpPr txBox="1"/>
+            <p:nvPr/>
+          </p:nvSpPr>
+          <p:spPr>
+            <a:xfrm>
+              <a:off x="5701173" y="1938441"/>
+              <a:ext cx="3247244" cy="284682"/>
+            </a:xfrm>
+            <a:prstGeom prst="rect">
+              <a:avLst/>
+            </a:prstGeom>
+            <a:noFill/>
+          </p:spPr>
+          <p:txBody>
+            <a:bodyPr wrap="square">
+              <a:spAutoFit/>
+            </a:bodyPr>
+            <a:lstStyle/>
+            <a:p>
+              <a:pPr algn="l" fontAlgn="ctr"/>
+              <a:r>
+                <a:rPr lang="en-US" sz="900" b="0" i="0" u="none" strike="noStrike" dirty="0">
+                  <a:solidFill>
+                    <a:schemeClr val="tx1">
+                      <a:lumMod val="50000"/>
+                      <a:lumOff val="50000"/>
+                    </a:schemeClr>
+                  </a:solidFill>
+                  <a:effectLst/>
+                  <a:latin typeface="Open Sans" panose="020B0606030504020204" pitchFamily="34" charset="0"/>
+                </a:rPr>
+                <a:t>Finance query management and dashboard reporting</a:t>
+              </a:r>
+              <a:endParaRPr lang="en-GB" sz="900" b="0" i="0" u="none" strike="noStrike" dirty="0">
+                <a:solidFill>
+                  <a:schemeClr val="tx1">
+                    <a:lumMod val="50000"/>
+                    <a:lumOff val="50000"/>
+                  </a:schemeClr>
+                </a:solidFill>
+                <a:effectLst/>
+                <a:latin typeface="Open Sans" panose="020B0606030504020204" pitchFamily="34" charset="0"/>
+              </a:endParaRPr>
+            </a:p>
+          </p:txBody>
+        </p:sp>
+        <p:sp>
+          <p:nvSpPr>
+            <p:cNvPr id="49" name="Metin kutusu 48">
+              <a:extLst>
+                <a:ext uri="{FF2B5EF4-FFF2-40B4-BE49-F238E27FC236}">
+                  <a16:creationId xmlns:a16="http://schemas.microsoft.com/office/drawing/2014/main" id="{08A3E5F6-581C-4C46-BE5E-A08FECFB94D2}"/>
+                </a:ext>
+              </a:extLst>
+            </p:cNvPr>
+            <p:cNvSpPr txBox="1"/>
+            <p:nvPr/>
+          </p:nvSpPr>
+          <p:spPr>
+            <a:xfrm>
+              <a:off x="9484507" y="1914766"/>
+              <a:ext cx="303387" cy="230832"/>
+            </a:xfrm>
+            <a:prstGeom prst="rect">
+              <a:avLst/>
+            </a:prstGeom>
+            <a:noFill/>
+          </p:spPr>
+          <p:txBody>
+            <a:bodyPr wrap="square">
+              <a:spAutoFit/>
+            </a:bodyPr>
+            <a:lstStyle/>
+            <a:p>
+              <a:pPr algn="l" fontAlgn="ctr"/>
+              <a:r>
+                <a:rPr lang="tr-TR" sz="900" dirty="0">
+                  <a:solidFill>
+                    <a:schemeClr val="tx1">
+                      <a:lumMod val="50000"/>
+                      <a:lumOff val="50000"/>
+                    </a:schemeClr>
+                  </a:solidFill>
+                  <a:latin typeface="Open Sans" panose="020B0606030504020204" pitchFamily="34" charset="0"/>
+                </a:rPr>
+                <a:t>£</a:t>
+              </a:r>
+              <a:endParaRPr lang="en-GB" sz="900" b="0" i="0" u="none" strike="noStrike" dirty="0">
+                <a:solidFill>
+                  <a:schemeClr val="tx1">
+                    <a:lumMod val="50000"/>
+                    <a:lumOff val="50000"/>
+                  </a:schemeClr>
+                </a:solidFill>
+                <a:effectLst/>
+                <a:latin typeface="Open Sans" panose="020B0606030504020204" pitchFamily="34" charset="0"/>
+              </a:endParaRPr>
+            </a:p>
+          </p:txBody>
+        </p:sp>
+        <p:sp>
+          <p:nvSpPr>
+            <p:cNvPr id="50" name="Metin kutusu 49">
+              <a:extLst>
+                <a:ext uri="{FF2B5EF4-FFF2-40B4-BE49-F238E27FC236}">
+                  <a16:creationId xmlns:a16="http://schemas.microsoft.com/office/drawing/2014/main" id="{ED085782-ED66-93D6-78BB-F52AC0ABFAD4}"/>
+                </a:ext>
+              </a:extLst>
+            </p:cNvPr>
+            <p:cNvSpPr txBox="1"/>
+            <p:nvPr/>
+          </p:nvSpPr>
+          <p:spPr>
+            <a:xfrm>
+              <a:off x="10108153" y="1914766"/>
+              <a:ext cx="864386" cy="284682"/>
+            </a:xfrm>
+            <a:prstGeom prst="rect">
+              <a:avLst/>
+            </a:prstGeom>
+            <a:noFill/>
+          </p:spPr>
+          <p:txBody>
+            <a:bodyPr wrap="square">
+              <a:spAutoFit/>
+            </a:bodyPr>
+            <a:lstStyle/>
+            <a:p>
+              <a:pPr algn="r" fontAlgn="ctr"/>
+              <a:r>
+                <a:rPr lang="tr-TR" sz="900" b="0" i="0" u="none" strike="noStrike" dirty="0" err="1">
+                  <a:solidFill>
+                    <a:schemeClr val="tx1">
+                      <a:lumMod val="50000"/>
+                      <a:lumOff val="50000"/>
+                    </a:schemeClr>
+                  </a:solidFill>
+                  <a:effectLst/>
+                  <a:latin typeface="Open Sans" panose="020B0606030504020204" pitchFamily="34" charset="0"/>
+                </a:rPr>
+                <a:t>bafqmrval</a:t>
+              </a:r>
+              <a:endParaRPr lang="en-GB" sz="900" b="0" i="0" u="none" strike="noStrike" dirty="0">
+                <a:solidFill>
+                  <a:schemeClr val="tx1">
+                    <a:lumMod val="50000"/>
+                    <a:lumOff val="50000"/>
+                  </a:schemeClr>
+                </a:solidFill>
+                <a:effectLst/>
+                <a:latin typeface="Open Sans" panose="020B0606030504020204" pitchFamily="34" charset="0"/>
+              </a:endParaRPr>
+            </a:p>
+          </p:txBody>
+        </p:sp>
+      </p:grpSp>
+      <p:grpSp>
+        <p:nvGrpSpPr>
+          <p:cNvPr id="51" name="Grup 50">
+            <a:extLst>
+              <a:ext uri="{FF2B5EF4-FFF2-40B4-BE49-F238E27FC236}">
+                <a16:creationId xmlns:a16="http://schemas.microsoft.com/office/drawing/2014/main" id="{D34ED8E2-45B2-1439-F823-82AC34B7C522}"/>
+              </a:ext>
+            </a:extLst>
+          </p:cNvPr>
+          <p:cNvGrpSpPr/>
+          <p:nvPr/>
+        </p:nvGrpSpPr>
+        <p:grpSpPr>
+          <a:xfrm>
+            <a:off x="5688393" y="4085526"/>
+            <a:ext cx="5271366" cy="250029"/>
+            <a:chOff x="5701173" y="1914766"/>
+            <a:chExt cx="5271366" cy="308357"/>
+          </a:xfrm>
+        </p:grpSpPr>
+        <p:sp>
+          <p:nvSpPr>
+            <p:cNvPr id="52" name="Metin kutusu 51">
+              <a:extLst>
+                <a:ext uri="{FF2B5EF4-FFF2-40B4-BE49-F238E27FC236}">
+                  <a16:creationId xmlns:a16="http://schemas.microsoft.com/office/drawing/2014/main" id="{8B049180-7160-16B0-6417-5004520CC62E}"/>
+                </a:ext>
+              </a:extLst>
+            </p:cNvPr>
+            <p:cNvSpPr txBox="1"/>
+            <p:nvPr/>
+          </p:nvSpPr>
+          <p:spPr>
+            <a:xfrm>
+              <a:off x="5701173" y="1938441"/>
+              <a:ext cx="3286937" cy="284682"/>
+            </a:xfrm>
+            <a:prstGeom prst="rect">
+              <a:avLst/>
+            </a:prstGeom>
+            <a:noFill/>
+          </p:spPr>
+          <p:txBody>
+            <a:bodyPr wrap="square">
+              <a:spAutoFit/>
+            </a:bodyPr>
+            <a:lstStyle/>
+            <a:p>
+              <a:pPr algn="l" fontAlgn="ctr"/>
+              <a:r>
+                <a:rPr lang="en-US" sz="900" b="0" i="0" u="none" strike="noStrike" dirty="0">
+                  <a:solidFill>
+                    <a:schemeClr val="tx1">
+                      <a:lumMod val="50000"/>
+                      <a:lumOff val="50000"/>
+                    </a:schemeClr>
+                  </a:solidFill>
+                  <a:effectLst/>
+                  <a:latin typeface="Open Sans" panose="020B0606030504020204" pitchFamily="34" charset="0"/>
+                </a:rPr>
+                <a:t>Customer Invoicing &amp; Finance Workflow Management</a:t>
+              </a:r>
+              <a:endParaRPr lang="en-GB" sz="900" b="0" i="0" u="none" strike="noStrike" dirty="0">
+                <a:solidFill>
+                  <a:schemeClr val="tx1">
+                    <a:lumMod val="50000"/>
+                    <a:lumOff val="50000"/>
+                  </a:schemeClr>
+                </a:solidFill>
+                <a:effectLst/>
+                <a:latin typeface="Open Sans" panose="020B0606030504020204" pitchFamily="34" charset="0"/>
+              </a:endParaRPr>
+            </a:p>
+          </p:txBody>
+        </p:sp>
+        <p:sp>
+          <p:nvSpPr>
+            <p:cNvPr id="53" name="Metin kutusu 52">
+              <a:extLst>
+                <a:ext uri="{FF2B5EF4-FFF2-40B4-BE49-F238E27FC236}">
+                  <a16:creationId xmlns:a16="http://schemas.microsoft.com/office/drawing/2014/main" id="{9A953650-A3D7-CF96-09C8-7B62B5ECA5D3}"/>
+                </a:ext>
+              </a:extLst>
+            </p:cNvPr>
+            <p:cNvSpPr txBox="1"/>
+            <p:nvPr/>
+          </p:nvSpPr>
+          <p:spPr>
+            <a:xfrm>
+              <a:off x="9484507" y="1914766"/>
+              <a:ext cx="303387" cy="230832"/>
+            </a:xfrm>
+            <a:prstGeom prst="rect">
+              <a:avLst/>
+            </a:prstGeom>
+            <a:noFill/>
+          </p:spPr>
+          <p:txBody>
+            <a:bodyPr wrap="square">
+              <a:spAutoFit/>
+            </a:bodyPr>
+            <a:lstStyle/>
+            <a:p>
+              <a:pPr algn="l" fontAlgn="ctr"/>
+              <a:r>
+                <a:rPr lang="tr-TR" sz="900" dirty="0">
+                  <a:solidFill>
+                    <a:schemeClr val="tx1">
+                      <a:lumMod val="50000"/>
+                      <a:lumOff val="50000"/>
+                    </a:schemeClr>
+                  </a:solidFill>
+                  <a:latin typeface="Open Sans" panose="020B0606030504020204" pitchFamily="34" charset="0"/>
+                </a:rPr>
+                <a:t>£</a:t>
+              </a:r>
+              <a:endParaRPr lang="en-GB" sz="900" b="0" i="0" u="none" strike="noStrike" dirty="0">
+                <a:solidFill>
+                  <a:schemeClr val="tx1">
+                    <a:lumMod val="50000"/>
+                    <a:lumOff val="50000"/>
+                  </a:schemeClr>
+                </a:solidFill>
+                <a:effectLst/>
+                <a:latin typeface="Open Sans" panose="020B0606030504020204" pitchFamily="34" charset="0"/>
+              </a:endParaRPr>
+            </a:p>
+          </p:txBody>
+        </p:sp>
+        <p:sp>
+          <p:nvSpPr>
+            <p:cNvPr id="54" name="Metin kutusu 53">
+              <a:extLst>
+                <a:ext uri="{FF2B5EF4-FFF2-40B4-BE49-F238E27FC236}">
+                  <a16:creationId xmlns:a16="http://schemas.microsoft.com/office/drawing/2014/main" id="{FD07C46B-B553-DE2B-C970-EB0CF772BC51}"/>
+                </a:ext>
+              </a:extLst>
+            </p:cNvPr>
+            <p:cNvSpPr txBox="1"/>
+            <p:nvPr/>
+          </p:nvSpPr>
+          <p:spPr>
+            <a:xfrm>
+              <a:off x="10108153" y="1914766"/>
+              <a:ext cx="864386" cy="284682"/>
+            </a:xfrm>
+            <a:prstGeom prst="rect">
+              <a:avLst/>
+            </a:prstGeom>
+            <a:noFill/>
+          </p:spPr>
+          <p:txBody>
+            <a:bodyPr wrap="square">
+              <a:spAutoFit/>
+            </a:bodyPr>
+            <a:lstStyle/>
+            <a:p>
+              <a:pPr algn="r" fontAlgn="ctr"/>
+              <a:r>
+                <a:rPr lang="tr-TR" sz="900" b="0" i="0" u="none" strike="noStrike" dirty="0" err="1">
+                  <a:solidFill>
+                    <a:schemeClr val="tx1">
+                      <a:lumMod val="50000"/>
+                      <a:lumOff val="50000"/>
+                    </a:schemeClr>
+                  </a:solidFill>
+                  <a:effectLst/>
+                  <a:latin typeface="Open Sans" panose="020B0606030504020204" pitchFamily="34" charset="0"/>
+                </a:rPr>
+                <a:t>bacifwval</a:t>
+              </a:r>
+              <a:endParaRPr lang="en-GB" sz="900" b="0" i="0" u="none" strike="noStrike" dirty="0">
+                <a:solidFill>
+                  <a:schemeClr val="tx1">
+                    <a:lumMod val="50000"/>
+                    <a:lumOff val="50000"/>
+                  </a:schemeClr>
+                </a:solidFill>
+                <a:effectLst/>
+                <a:latin typeface="Open Sans" panose="020B0606030504020204" pitchFamily="34" charset="0"/>
+              </a:endParaRPr>
+            </a:p>
+          </p:txBody>
+        </p:sp>
+      </p:grpSp>
+      <p:grpSp>
+        <p:nvGrpSpPr>
+          <p:cNvPr id="55" name="Grup 54">
+            <a:extLst>
+              <a:ext uri="{FF2B5EF4-FFF2-40B4-BE49-F238E27FC236}">
+                <a16:creationId xmlns:a16="http://schemas.microsoft.com/office/drawing/2014/main" id="{8D95D601-07B3-0EC9-6EC6-D22088B1E122}"/>
+              </a:ext>
+            </a:extLst>
+          </p:cNvPr>
+          <p:cNvGrpSpPr/>
+          <p:nvPr/>
+        </p:nvGrpSpPr>
+        <p:grpSpPr>
+          <a:xfrm>
+            <a:off x="5688393" y="4408742"/>
+            <a:ext cx="5271366" cy="250029"/>
+            <a:chOff x="5701173" y="1914766"/>
+            <a:chExt cx="5271366" cy="308357"/>
+          </a:xfrm>
+        </p:grpSpPr>
+        <p:sp>
+          <p:nvSpPr>
+            <p:cNvPr id="56" name="Metin kutusu 55">
+              <a:extLst>
+                <a:ext uri="{FF2B5EF4-FFF2-40B4-BE49-F238E27FC236}">
+                  <a16:creationId xmlns:a16="http://schemas.microsoft.com/office/drawing/2014/main" id="{BD3A61AD-E71E-C55E-2EB1-3559BB61974A}"/>
+                </a:ext>
+              </a:extLst>
+            </p:cNvPr>
+            <p:cNvSpPr txBox="1"/>
+            <p:nvPr/>
+          </p:nvSpPr>
+          <p:spPr>
+            <a:xfrm>
+              <a:off x="5701173" y="1938441"/>
+              <a:ext cx="2640393" cy="284682"/>
+            </a:xfrm>
+            <a:prstGeom prst="rect">
+              <a:avLst/>
+            </a:prstGeom>
+            <a:noFill/>
+          </p:spPr>
+          <p:txBody>
+            <a:bodyPr wrap="square">
+              <a:spAutoFit/>
+            </a:bodyPr>
+            <a:lstStyle/>
+            <a:p>
+              <a:pPr algn="l" fontAlgn="ctr"/>
+              <a:r>
+                <a:rPr lang="en-US" sz="900" b="0" i="0" u="none" strike="noStrike" dirty="0">
+                  <a:solidFill>
+                    <a:schemeClr val="tx1">
+                      <a:lumMod val="50000"/>
+                      <a:lumOff val="50000"/>
+                    </a:schemeClr>
+                  </a:solidFill>
+                  <a:effectLst/>
+                  <a:latin typeface="Open Sans" panose="020B0606030504020204" pitchFamily="34" charset="0"/>
+                </a:rPr>
+                <a:t>Online expense management</a:t>
+              </a:r>
+              <a:endParaRPr lang="en-GB" sz="900" b="0" i="0" u="none" strike="noStrike" dirty="0">
+                <a:solidFill>
+                  <a:schemeClr val="tx1">
+                    <a:lumMod val="50000"/>
+                    <a:lumOff val="50000"/>
+                  </a:schemeClr>
+                </a:solidFill>
+                <a:effectLst/>
+                <a:latin typeface="Open Sans" panose="020B0606030504020204" pitchFamily="34" charset="0"/>
+              </a:endParaRPr>
+            </a:p>
+          </p:txBody>
+        </p:sp>
+        <p:sp>
+          <p:nvSpPr>
+            <p:cNvPr id="57" name="Metin kutusu 56">
+              <a:extLst>
+                <a:ext uri="{FF2B5EF4-FFF2-40B4-BE49-F238E27FC236}">
+                  <a16:creationId xmlns:a16="http://schemas.microsoft.com/office/drawing/2014/main" id="{B02004CD-42A1-2337-DDBE-2868A46015D5}"/>
+                </a:ext>
+              </a:extLst>
+            </p:cNvPr>
+            <p:cNvSpPr txBox="1"/>
+            <p:nvPr/>
+          </p:nvSpPr>
+          <p:spPr>
+            <a:xfrm>
+              <a:off x="9484507" y="1914766"/>
+              <a:ext cx="303387" cy="230832"/>
+            </a:xfrm>
+            <a:prstGeom prst="rect">
+              <a:avLst/>
+            </a:prstGeom>
+            <a:noFill/>
+          </p:spPr>
+          <p:txBody>
+            <a:bodyPr wrap="square">
+              <a:spAutoFit/>
+            </a:bodyPr>
+            <a:lstStyle/>
+            <a:p>
+              <a:pPr algn="l" fontAlgn="ctr"/>
+              <a:r>
+                <a:rPr lang="tr-TR" sz="900" dirty="0">
+                  <a:solidFill>
+                    <a:schemeClr val="tx1">
+                      <a:lumMod val="50000"/>
+                      <a:lumOff val="50000"/>
+                    </a:schemeClr>
+                  </a:solidFill>
+                  <a:latin typeface="Open Sans" panose="020B0606030504020204" pitchFamily="34" charset="0"/>
+                </a:rPr>
+                <a:t>£</a:t>
+              </a:r>
+              <a:endParaRPr lang="en-GB" sz="900" b="0" i="0" u="none" strike="noStrike" dirty="0">
+                <a:solidFill>
+                  <a:schemeClr val="tx1">
+                    <a:lumMod val="50000"/>
+                    <a:lumOff val="50000"/>
+                  </a:schemeClr>
+                </a:solidFill>
+                <a:effectLst/>
+                <a:latin typeface="Open Sans" panose="020B0606030504020204" pitchFamily="34" charset="0"/>
+              </a:endParaRPr>
+            </a:p>
+          </p:txBody>
+        </p:sp>
+        <p:sp>
+          <p:nvSpPr>
+            <p:cNvPr id="58" name="Metin kutusu 57">
+              <a:extLst>
+                <a:ext uri="{FF2B5EF4-FFF2-40B4-BE49-F238E27FC236}">
+                  <a16:creationId xmlns:a16="http://schemas.microsoft.com/office/drawing/2014/main" id="{1C80BC6A-E273-413B-DD8B-C85CA127D1BF}"/>
+                </a:ext>
+              </a:extLst>
+            </p:cNvPr>
+            <p:cNvSpPr txBox="1"/>
+            <p:nvPr/>
+          </p:nvSpPr>
+          <p:spPr>
+            <a:xfrm>
+              <a:off x="10108153" y="1914766"/>
+              <a:ext cx="864386" cy="284682"/>
+            </a:xfrm>
+            <a:prstGeom prst="rect">
+              <a:avLst/>
+            </a:prstGeom>
+            <a:noFill/>
+          </p:spPr>
+          <p:txBody>
+            <a:bodyPr wrap="square">
+              <a:spAutoFit/>
+            </a:bodyPr>
+            <a:lstStyle/>
+            <a:p>
+              <a:pPr algn="r" fontAlgn="ctr"/>
+              <a:r>
+                <a:rPr lang="tr-TR" sz="900" b="0" i="0" u="none" strike="noStrike" dirty="0" err="1">
+                  <a:solidFill>
+                    <a:schemeClr val="tx1">
+                      <a:lumMod val="50000"/>
+                      <a:lumOff val="50000"/>
+                    </a:schemeClr>
+                  </a:solidFill>
+                  <a:effectLst/>
+                  <a:latin typeface="Open Sans" panose="020B0606030504020204" pitchFamily="34" charset="0"/>
+                </a:rPr>
+                <a:t>baoemval</a:t>
+              </a:r>
+              <a:endParaRPr lang="en-GB" sz="900" b="0" i="0" u="none" strike="noStrike" dirty="0">
+                <a:solidFill>
+                  <a:schemeClr val="tx1">
+                    <a:lumMod val="50000"/>
+                    <a:lumOff val="50000"/>
+                  </a:schemeClr>
+                </a:solidFill>
+                <a:effectLst/>
+                <a:latin typeface="Open Sans" panose="020B0606030504020204" pitchFamily="34" charset="0"/>
+              </a:endParaRPr>
+            </a:p>
+          </p:txBody>
+        </p:sp>
+      </p:grpSp>
+      <p:grpSp>
+        <p:nvGrpSpPr>
+          <p:cNvPr id="59" name="Grup 58">
+            <a:extLst>
+              <a:ext uri="{FF2B5EF4-FFF2-40B4-BE49-F238E27FC236}">
+                <a16:creationId xmlns:a16="http://schemas.microsoft.com/office/drawing/2014/main" id="{DE8A4626-68AA-EE0F-1455-B5D6686BE65C}"/>
+              </a:ext>
+            </a:extLst>
+          </p:cNvPr>
+          <p:cNvGrpSpPr/>
+          <p:nvPr/>
+        </p:nvGrpSpPr>
+        <p:grpSpPr>
+          <a:xfrm>
+            <a:off x="5680323" y="4789766"/>
+            <a:ext cx="5270170" cy="234813"/>
+            <a:chOff x="5701173" y="1964474"/>
+            <a:chExt cx="5270170" cy="190740"/>
+          </a:xfrm>
+          <a:solidFill>
+            <a:srgbClr val="848182"/>
+          </a:solidFill>
+        </p:grpSpPr>
+        <p:sp>
+          <p:nvSpPr>
+            <p:cNvPr id="60" name="Metin kutusu 59">
+              <a:extLst>
+                <a:ext uri="{FF2B5EF4-FFF2-40B4-BE49-F238E27FC236}">
+                  <a16:creationId xmlns:a16="http://schemas.microsoft.com/office/drawing/2014/main" id="{1D88BE7C-44FC-0C73-964B-79ABE7935CDB}"/>
+                </a:ext>
+              </a:extLst>
+            </p:cNvPr>
+            <p:cNvSpPr txBox="1"/>
+            <p:nvPr/>
+          </p:nvSpPr>
+          <p:spPr>
+            <a:xfrm>
+              <a:off x="5701173" y="1964474"/>
+              <a:ext cx="3826387" cy="187507"/>
+            </a:xfrm>
+            <a:prstGeom prst="rect">
+              <a:avLst/>
+            </a:prstGeom>
+            <a:grpFill/>
+          </p:spPr>
+          <p:txBody>
+            <a:bodyPr wrap="square" anchor="ctr">
+              <a:spAutoFit/>
+            </a:bodyPr>
+            <a:lstStyle/>
+            <a:p>
+              <a:pPr algn="l" fontAlgn="b"/>
+              <a:r>
+                <a:rPr lang="en-GB" sz="900" b="1" i="0" u="none" strike="noStrike" dirty="0">
+                  <a:solidFill>
+                    <a:srgbClr val="FFFFFF"/>
+                  </a:solidFill>
+                  <a:effectLst/>
+                  <a:latin typeface="Open Sans" panose="020B0606030504020204" pitchFamily="34" charset="0"/>
+                </a:rPr>
+                <a:t>Total savings </a:t>
+              </a:r>
+            </a:p>
+          </p:txBody>
+        </p:sp>
+        <p:sp>
+          <p:nvSpPr>
+            <p:cNvPr id="61" name="Metin kutusu 60">
+              <a:extLst>
+                <a:ext uri="{FF2B5EF4-FFF2-40B4-BE49-F238E27FC236}">
+                  <a16:creationId xmlns:a16="http://schemas.microsoft.com/office/drawing/2014/main" id="{DB43CCC2-ABBB-25A4-4B03-4BC918C4CADF}"/>
+                </a:ext>
+              </a:extLst>
+            </p:cNvPr>
+            <p:cNvSpPr txBox="1"/>
+            <p:nvPr/>
+          </p:nvSpPr>
+          <p:spPr>
+            <a:xfrm>
+              <a:off x="9516901" y="1964643"/>
+              <a:ext cx="303387" cy="187507"/>
+            </a:xfrm>
+            <a:prstGeom prst="rect">
+              <a:avLst/>
+            </a:prstGeom>
+            <a:grpFill/>
+          </p:spPr>
+          <p:txBody>
+            <a:bodyPr wrap="square" anchor="ctr">
+              <a:spAutoFit/>
+            </a:bodyPr>
+            <a:lstStyle/>
+            <a:p>
+              <a:pPr algn="l" fontAlgn="ctr"/>
+              <a:r>
+                <a:rPr lang="tr-TR" sz="900" b="1" dirty="0">
+                  <a:solidFill>
+                    <a:srgbClr val="FFFFFF"/>
+                  </a:solidFill>
+                  <a:latin typeface="Open Sans" panose="020B0606030504020204" pitchFamily="34" charset="0"/>
+                </a:rPr>
+                <a:t>£</a:t>
+              </a:r>
+              <a:endParaRPr lang="en-GB" sz="900" b="1" dirty="0">
+                <a:solidFill>
+                  <a:srgbClr val="FFFFFF"/>
+                </a:solidFill>
+                <a:latin typeface="Open Sans" panose="020B0606030504020204" pitchFamily="34" charset="0"/>
+              </a:endParaRPr>
+            </a:p>
+          </p:txBody>
+        </p:sp>
+        <p:sp>
+          <p:nvSpPr>
+            <p:cNvPr id="62" name="Metin kutusu 61">
+              <a:extLst>
+                <a:ext uri="{FF2B5EF4-FFF2-40B4-BE49-F238E27FC236}">
+                  <a16:creationId xmlns:a16="http://schemas.microsoft.com/office/drawing/2014/main" id="{C4B2F824-4A99-AA23-50E9-BEAF733977A5}"/>
+                </a:ext>
+              </a:extLst>
+            </p:cNvPr>
+            <p:cNvSpPr txBox="1"/>
+            <p:nvPr/>
+          </p:nvSpPr>
+          <p:spPr>
+            <a:xfrm>
+              <a:off x="9802122" y="1967708"/>
+              <a:ext cx="1169221" cy="187506"/>
+            </a:xfrm>
+            <a:prstGeom prst="rect">
+              <a:avLst/>
+            </a:prstGeom>
+            <a:grpFill/>
+          </p:spPr>
+          <p:txBody>
+            <a:bodyPr wrap="square" anchor="ctr">
+              <a:spAutoFit/>
+            </a:bodyPr>
+            <a:lstStyle/>
+            <a:p>
+              <a:pPr algn="r" fontAlgn="ctr"/>
+              <a:r>
+                <a:rPr lang="tr-TR" sz="900" b="1" i="0" u="none" strike="noStrike" dirty="0" err="1">
+                  <a:solidFill>
+                    <a:srgbClr val="FFFFFF"/>
+                  </a:solidFill>
+                  <a:effectLst/>
+                  <a:latin typeface="Open Sans" panose="020B0606030504020204" pitchFamily="34" charset="0"/>
+                </a:rPr>
+                <a:t>batotalval</a:t>
+              </a:r>
+              <a:endParaRPr lang="en-GB" sz="900" b="0" i="0" u="none" strike="noStrike" dirty="0">
+                <a:solidFill>
+                  <a:schemeClr val="tx1">
+                    <a:lumMod val="50000"/>
+                    <a:lumOff val="50000"/>
+                  </a:schemeClr>
+                </a:solidFill>
+                <a:effectLst/>
+                <a:latin typeface="Open Sans" panose="020B0606030504020204" pitchFamily="34" charset="0"/>
+              </a:endParaRPr>
+            </a:p>
+          </p:txBody>
+        </p:sp>
+      </p:grpSp>
     </p:spTree>
     <p:extLst>
       <p:ext uri="{BB962C8B-B14F-4D97-AF65-F5344CB8AC3E}">
@@ -44317,15 +44324,6 @@
 </file>
 
 <file path=customXml/item2.xml><?xml version="1.0" encoding="utf-8"?>
-<?mso-contentType ?>
-<FormTemplates xmlns="http://schemas.microsoft.com/sharepoint/v3/contenttype/forms">
-  <Display>DocumentLibraryForm</Display>
-  <Edit>DocumentLibraryForm</Edit>
-  <New>DocumentLibraryForm</New>
-</FormTemplates>
-</file>
-
-<file path=customXml/item3.xml><?xml version="1.0" encoding="utf-8"?>
 <ct:contentTypeSchema xmlns:ct="http://schemas.microsoft.com/office/2006/metadata/contentType" xmlns:ma="http://schemas.microsoft.com/office/2006/metadata/properties/metaAttributes" ct:_="" ma:_="" ma:contentTypeName="Document" ma:contentTypeID="0x010100FC2ADAF580B8A648AEA7FF4A5F3D65E6" ma:contentTypeVersion="11" ma:contentTypeDescription="Create a new document." ma:contentTypeScope="" ma:versionID="f2db5c34f6348a370055c14b94ddc919">
   <xsd:schema xmlns:xsd="http://www.w3.org/2001/XMLSchema" xmlns:xs="http://www.w3.org/2001/XMLSchema" xmlns:p="http://schemas.microsoft.com/office/2006/metadata/properties" xmlns:ns2="8a969d1d-647f-4e4c-97f9-a5143e71e435" xmlns:ns3="eb37a4e0-bf89-419d-8b31-963a97458fb1" targetNamespace="http://schemas.microsoft.com/office/2006/metadata/properties" ma:root="true" ma:fieldsID="42bedbc2e246c6b2e71d78ed3d4618fc" ns2:_="" ns3:_="">
     <xsd:import namespace="8a969d1d-647f-4e4c-97f9-a5143e71e435"/>
@@ -44520,6 +44518,15 @@
 </ct:contentTypeSchema>
 </file>
 
+<file path=customXml/item3.xml><?xml version="1.0" encoding="utf-8"?>
+<?mso-contentType ?>
+<FormTemplates xmlns="http://schemas.microsoft.com/sharepoint/v3/contenttype/forms">
+  <Display>DocumentLibraryForm</Display>
+  <Edit>DocumentLibraryForm</Edit>
+  <New>DocumentLibraryForm</New>
+</FormTemplates>
+</file>
+
 <file path=customXml/itemProps1.xml><?xml version="1.0" encoding="utf-8"?>
 <ds:datastoreItem xmlns:ds="http://schemas.openxmlformats.org/officeDocument/2006/customXml" ds:itemID="{8140E5F8-1399-4596-AA73-4BD79D26AFFD}">
   <ds:schemaRefs>
@@ -44539,14 +44546,6 @@
 </file>
 
 <file path=customXml/itemProps2.xml><?xml version="1.0" encoding="utf-8"?>
-<ds:datastoreItem xmlns:ds="http://schemas.openxmlformats.org/officeDocument/2006/customXml" ds:itemID="{953B4D23-82FF-4812-9F4E-BB600331C634}">
-  <ds:schemaRefs>
-    <ds:schemaRef ds:uri="http://schemas.microsoft.com/sharepoint/v3/contenttype/forms"/>
-  </ds:schemaRefs>
-</ds:datastoreItem>
-</file>
-
-<file path=customXml/itemProps3.xml><?xml version="1.0" encoding="utf-8"?>
 <ds:datastoreItem xmlns:ds="http://schemas.openxmlformats.org/officeDocument/2006/customXml" ds:itemID="{7DE18AF2-C1F0-4DCB-B624-E24984FCEF8F}">
   <ds:schemaRefs>
     <ds:schemaRef ds:uri="http://schemas.microsoft.com/office/2006/metadata/contentType"/>
@@ -44565,6 +44564,14 @@
 </ds:datastoreItem>
 </file>
 
+<file path=customXml/itemProps3.xml><?xml version="1.0" encoding="utf-8"?>
+<ds:datastoreItem xmlns:ds="http://schemas.openxmlformats.org/officeDocument/2006/customXml" ds:itemID="{953B4D23-82FF-4812-9F4E-BB600331C634}">
+  <ds:schemaRefs>
+    <ds:schemaRef ds:uri="http://schemas.microsoft.com/sharepoint/v3/contenttype/forms"/>
+  </ds:schemaRefs>
+</ds:datastoreItem>
+</file>
+
 <file path=docMetadata/LabelInfo.xml><?xml version="1.0" encoding="utf-8"?>
 <clbl:labelList xmlns:clbl="http://schemas.microsoft.com/office/2020/mipLabelMetadata">
   <clbl:label id="{2b5a89e7-01bf-42ed-9da1-669d82eec17a}" enabled="0" method="" siteId="{2b5a89e7-01bf-42ed-9da1-669d82eec17a}" removed="1"/>

--- a/questionare.pptx
+++ b/questionare.pptx
@@ -42285,14 +42285,14 @@
           <p:nvPr>
             <p:extLst>
               <p:ext uri="{D42A27DB-BD31-4B8C-83A1-F6EECF244321}">
-                <p14:modId xmlns:p14="http://schemas.microsoft.com/office/powerpoint/2010/main" val="4051934336"/>
+                <p14:modId xmlns:p14="http://schemas.microsoft.com/office/powerpoint/2010/main" val="2774805566"/>
               </p:ext>
             </p:extLst>
           </p:nvPr>
         </p:nvGraphicFramePr>
         <p:xfrm>
           <a:off x="695326" y="1546398"/>
-          <a:ext cx="8387560" cy="2958130"/>
+          <a:ext cx="8387560" cy="3975352"/>
         </p:xfrm>
         <a:graphic>
           <a:graphicData uri="http://schemas.openxmlformats.org/drawingml/2006/table">
@@ -42419,7 +42419,7 @@
                     <a:p>
                       <a:pPr algn="l" fontAlgn="ctr"/>
                       <a:r>
-                        <a:rPr lang="en-GB" sz="900" b="0" i="0" u="none" strike="noStrike" dirty="0">
+                        <a:rPr lang="en-US" sz="900" b="0" i="0" u="none" strike="noStrike" dirty="0">
                           <a:solidFill>
                             <a:schemeClr val="tx1">
                               <a:lumMod val="50000"/>
@@ -42429,8 +42429,18 @@
                           <a:effectLst/>
                           <a:latin typeface="Open Sans" panose="020B0606030504020204" pitchFamily="34" charset="0"/>
                         </a:rPr>
-                        <a:t>Contract Information Management</a:t>
+                        <a:t>Current Annual IT Finance System Costs</a:t>
                       </a:r>
+                      <a:endParaRPr lang="en-GB" sz="900" b="0" i="0" u="none" strike="noStrike" dirty="0">
+                        <a:solidFill>
+                          <a:schemeClr val="tx1">
+                            <a:lumMod val="50000"/>
+                            <a:lumOff val="50000"/>
+                          </a:schemeClr>
+                        </a:solidFill>
+                        <a:effectLst/>
+                        <a:latin typeface="Open Sans" panose="020B0606030504020204" pitchFamily="34" charset="0"/>
+                      </a:endParaRPr>
                     </a:p>
                   </a:txBody>
                   <a:tcPr marL="9525" marR="9525" marT="9525" marB="0" anchor="ctr">
@@ -42464,7 +42474,7 @@
                     <a:p>
                       <a:pPr algn="l" fontAlgn="b"/>
                       <a:r>
-                        <a:rPr lang="en-GB" sz="1100" b="1" i="0" u="none" strike="noStrike">
+                        <a:rPr lang="en-GB" sz="1100" b="1" i="0" u="none" strike="noStrike" dirty="0" err="1">
                           <a:solidFill>
                             <a:schemeClr val="tx1">
                               <a:lumMod val="50000"/>
@@ -42474,7 +42484,20 @@
                           <a:effectLst/>
                           <a:latin typeface="Calibri" panose="020F0502020204030204" pitchFamily="34" charset="0"/>
                         </a:rPr>
-                        <a:t>40%</a:t>
+                        <a:t>pitfinanceval</a:t>
+                      </a:r>
+                      <a:r>
+                        <a:rPr lang="en-GB" sz="1100" b="1" i="0" u="none" strike="noStrike" dirty="0">
+                          <a:solidFill>
+                            <a:schemeClr val="tx1">
+                              <a:lumMod val="50000"/>
+                              <a:lumOff val="50000"/>
+                            </a:schemeClr>
+                          </a:solidFill>
+                          <a:effectLst/>
+                          <a:latin typeface="Calibri" panose="020F0502020204030204" pitchFamily="34" charset="0"/>
+                        </a:rPr>
+                        <a:t>%</a:t>
                       </a:r>
                     </a:p>
                   </a:txBody>
@@ -42520,7 +42543,7 @@
                     <a:p>
                       <a:pPr algn="l" fontAlgn="ctr"/>
                       <a:r>
-                        <a:rPr lang="en-GB" sz="900" b="0" i="0" u="none" strike="noStrike" dirty="0">
+                        <a:rPr lang="en-US" sz="900" b="0" i="0" u="none" strike="noStrike" dirty="0">
                           <a:solidFill>
                             <a:schemeClr val="tx1">
                               <a:lumMod val="50000"/>
@@ -42530,8 +42553,18 @@
                           <a:effectLst/>
                           <a:latin typeface="Open Sans" panose="020B0606030504020204" pitchFamily="34" charset="0"/>
                         </a:rPr>
-                        <a:t>Contract Financial Management</a:t>
+                        <a:t>Raising Purchase Orders (mins per order)</a:t>
                       </a:r>
+                      <a:endParaRPr lang="en-GB" sz="900" b="0" i="0" u="none" strike="noStrike" dirty="0">
+                        <a:solidFill>
+                          <a:schemeClr val="tx1">
+                            <a:lumMod val="50000"/>
+                            <a:lumOff val="50000"/>
+                          </a:schemeClr>
+                        </a:solidFill>
+                        <a:effectLst/>
+                        <a:latin typeface="Open Sans" panose="020B0606030504020204" pitchFamily="34" charset="0"/>
+                      </a:endParaRPr>
                     </a:p>
                   </a:txBody>
                   <a:tcPr marL="9525" marR="9525" marT="9525" marB="0" anchor="ctr">
@@ -42559,6 +42592,19 @@
                     <a:p>
                       <a:pPr algn="l" fontAlgn="b"/>
                       <a:r>
+                        <a:rPr lang="tr-TR" sz="1100" b="1" i="0" u="none" strike="noStrike" dirty="0" err="1">
+                          <a:solidFill>
+                            <a:schemeClr val="tx1">
+                              <a:lumMod val="50000"/>
+                              <a:lumOff val="50000"/>
+                            </a:schemeClr>
+                          </a:solidFill>
+                          <a:effectLst/>
+                          <a:latin typeface="Calibri" panose="020F0502020204030204" pitchFamily="34" charset="0"/>
+                        </a:rPr>
+                        <a:t>prpoval</a:t>
+                      </a:r>
+                      <a:r>
                         <a:rPr lang="en-GB" sz="1100" b="1" i="0" u="none" strike="noStrike" dirty="0">
                           <a:solidFill>
                             <a:schemeClr val="tx1">
@@ -42569,7 +42615,7 @@
                           <a:effectLst/>
                           <a:latin typeface="Calibri" panose="020F0502020204030204" pitchFamily="34" charset="0"/>
                         </a:rPr>
-                        <a:t>94%</a:t>
+                        <a:t>%</a:t>
                       </a:r>
                     </a:p>
                   </a:txBody>
@@ -42609,7 +42655,7 @@
                     <a:p>
                       <a:pPr algn="l" fontAlgn="ctr"/>
                       <a:r>
-                        <a:rPr lang="en-GB" sz="900" b="0" i="0" u="none" strike="noStrike" dirty="0">
+                        <a:rPr lang="en-US" sz="900" b="0" i="0" u="none" strike="noStrike" dirty="0">
                           <a:solidFill>
                             <a:schemeClr val="tx1">
                               <a:lumMod val="50000"/>
@@ -42619,8 +42665,18 @@
                           <a:effectLst/>
                           <a:latin typeface="Open Sans" panose="020B0606030504020204" pitchFamily="34" charset="0"/>
                         </a:rPr>
-                        <a:t>Contract Renewal Management </a:t>
+                        <a:t>Purchase Order approvals (mins per approval)</a:t>
                       </a:r>
+                      <a:endParaRPr lang="en-GB" sz="900" b="0" i="0" u="none" strike="noStrike" dirty="0">
+                        <a:solidFill>
+                          <a:schemeClr val="tx1">
+                            <a:lumMod val="50000"/>
+                            <a:lumOff val="50000"/>
+                          </a:schemeClr>
+                        </a:solidFill>
+                        <a:effectLst/>
+                        <a:latin typeface="Open Sans" panose="020B0606030504020204" pitchFamily="34" charset="0"/>
+                      </a:endParaRPr>
                     </a:p>
                   </a:txBody>
                   <a:tcPr marL="9525" marR="9525" marT="9525" marB="0" anchor="ctr">
@@ -42648,7 +42704,7 @@
                     <a:p>
                       <a:pPr algn="l" fontAlgn="b"/>
                       <a:r>
-                        <a:rPr lang="en-GB" sz="1100" b="1" i="0" u="none" strike="noStrike">
+                        <a:rPr lang="tr-TR" sz="1100" b="1" i="0" u="none" strike="noStrike" dirty="0" err="1">
                           <a:solidFill>
                             <a:schemeClr val="tx1">
                               <a:lumMod val="50000"/>
@@ -42658,7 +42714,20 @@
                           <a:effectLst/>
                           <a:latin typeface="Calibri" panose="020F0502020204030204" pitchFamily="34" charset="0"/>
                         </a:rPr>
-                        <a:t>70%</a:t>
+                        <a:t>ppoaval</a:t>
+                      </a:r>
+                      <a:r>
+                        <a:rPr lang="en-GB" sz="1100" b="1" i="0" u="none" strike="noStrike" dirty="0">
+                          <a:solidFill>
+                            <a:schemeClr val="tx1">
+                              <a:lumMod val="50000"/>
+                              <a:lumOff val="50000"/>
+                            </a:schemeClr>
+                          </a:solidFill>
+                          <a:effectLst/>
+                          <a:latin typeface="Calibri" panose="020F0502020204030204" pitchFamily="34" charset="0"/>
+                        </a:rPr>
+                        <a:t>%</a:t>
                       </a:r>
                     </a:p>
                   </a:txBody>
@@ -42708,7 +42777,7 @@
                           <a:effectLst/>
                           <a:latin typeface="Open Sans" panose="020B0606030504020204" pitchFamily="34" charset="0"/>
                         </a:rPr>
-                        <a:t>Contract Milestone &amp; Key Date Management</a:t>
+                        <a:t>Coding invoice processes</a:t>
                       </a:r>
                     </a:p>
                   </a:txBody>
@@ -42737,6 +42806,19 @@
                     <a:p>
                       <a:pPr algn="l" fontAlgn="b"/>
                       <a:r>
+                        <a:rPr lang="tr-TR" sz="1100" b="1" i="0" u="none" strike="noStrike" dirty="0" err="1">
+                          <a:solidFill>
+                            <a:schemeClr val="tx1">
+                              <a:lumMod val="50000"/>
+                              <a:lumOff val="50000"/>
+                            </a:schemeClr>
+                          </a:solidFill>
+                          <a:effectLst/>
+                          <a:latin typeface="Calibri" panose="020F0502020204030204" pitchFamily="34" charset="0"/>
+                        </a:rPr>
+                        <a:t>pcipval</a:t>
+                      </a:r>
+                      <a:r>
                         <a:rPr lang="en-GB" sz="1100" b="1" i="0" u="none" strike="noStrike" dirty="0">
                           <a:solidFill>
                             <a:schemeClr val="tx1">
@@ -42747,7 +42829,7 @@
                           <a:effectLst/>
                           <a:latin typeface="Calibri" panose="020F0502020204030204" pitchFamily="34" charset="0"/>
                         </a:rPr>
-                        <a:t>63%</a:t>
+                        <a:t>%</a:t>
                       </a:r>
                     </a:p>
                   </a:txBody>
@@ -42787,7 +42869,7 @@
                     <a:p>
                       <a:pPr algn="l" fontAlgn="ctr"/>
                       <a:r>
-                        <a:rPr lang="en-GB" sz="900" b="0" i="0" u="none" strike="noStrike" dirty="0">
+                        <a:rPr lang="en-US" sz="900" b="0" i="0" u="none" strike="noStrike" dirty="0">
                           <a:solidFill>
                             <a:schemeClr val="tx1">
                               <a:lumMod val="50000"/>
@@ -42797,8 +42879,18 @@
                           <a:effectLst/>
                           <a:latin typeface="Open Sans" panose="020B0606030504020204" pitchFamily="34" charset="0"/>
                         </a:rPr>
-                        <a:t>Supplier Information Management</a:t>
+                        <a:t>Management of supplier and purchase invoices</a:t>
                       </a:r>
+                      <a:endParaRPr lang="en-GB" sz="900" b="0" i="0" u="none" strike="noStrike" dirty="0">
+                        <a:solidFill>
+                          <a:schemeClr val="tx1">
+                            <a:lumMod val="50000"/>
+                            <a:lumOff val="50000"/>
+                          </a:schemeClr>
+                        </a:solidFill>
+                        <a:effectLst/>
+                        <a:latin typeface="Open Sans" panose="020B0606030504020204" pitchFamily="34" charset="0"/>
+                      </a:endParaRPr>
                     </a:p>
                   </a:txBody>
                   <a:tcPr marL="9525" marR="9525" marT="9525" marB="0" anchor="ctr">
@@ -42826,6 +42918,19 @@
                     <a:p>
                       <a:pPr algn="l" fontAlgn="b"/>
                       <a:r>
+                        <a:rPr lang="tr-TR" sz="1100" b="1" i="0" u="none" strike="noStrike" dirty="0" err="1">
+                          <a:solidFill>
+                            <a:schemeClr val="tx1">
+                              <a:lumMod val="50000"/>
+                              <a:lumOff val="50000"/>
+                            </a:schemeClr>
+                          </a:solidFill>
+                          <a:effectLst/>
+                          <a:latin typeface="Calibri" panose="020F0502020204030204" pitchFamily="34" charset="0"/>
+                        </a:rPr>
+                        <a:t>pmspival</a:t>
+                      </a:r>
+                      <a:r>
                         <a:rPr lang="en-GB" sz="1100" b="1" i="0" u="none" strike="noStrike" dirty="0">
                           <a:solidFill>
                             <a:schemeClr val="tx1">
@@ -42836,7 +42941,7 @@
                           <a:effectLst/>
                           <a:latin typeface="Calibri" panose="020F0502020204030204" pitchFamily="34" charset="0"/>
                         </a:rPr>
-                        <a:t>59%</a:t>
+                        <a:t>%</a:t>
                       </a:r>
                     </a:p>
                   </a:txBody>
@@ -42876,7 +42981,7 @@
                     <a:p>
                       <a:pPr algn="l" fontAlgn="ctr"/>
                       <a:r>
-                        <a:rPr lang="en-GB" sz="900" b="0" i="0" u="none" strike="noStrike" dirty="0">
+                        <a:rPr lang="en-US" sz="900" b="0" i="0" u="none" strike="noStrike" dirty="0">
                           <a:solidFill>
                             <a:schemeClr val="tx1">
                               <a:lumMod val="50000"/>
@@ -42886,8 +42991,18 @@
                           <a:effectLst/>
                           <a:latin typeface="Open Sans" panose="020B0606030504020204" pitchFamily="34" charset="0"/>
                         </a:rPr>
-                        <a:t>Supplier Risk Management</a:t>
+                        <a:t>Managing Maverick spend &amp; Spend leakage</a:t>
                       </a:r>
+                      <a:endParaRPr lang="en-GB" sz="900" b="0" i="0" u="none" strike="noStrike" dirty="0">
+                        <a:solidFill>
+                          <a:schemeClr val="tx1">
+                            <a:lumMod val="50000"/>
+                            <a:lumOff val="50000"/>
+                          </a:schemeClr>
+                        </a:solidFill>
+                        <a:effectLst/>
+                        <a:latin typeface="Open Sans" panose="020B0606030504020204" pitchFamily="34" charset="0"/>
+                      </a:endParaRPr>
                     </a:p>
                   </a:txBody>
                   <a:tcPr marL="9525" marR="9525" marT="9525" marB="0" anchor="ctr">
@@ -42915,6 +43030,19 @@
                     <a:p>
                       <a:pPr algn="l" fontAlgn="b"/>
                       <a:r>
+                        <a:rPr lang="tr-TR" sz="1100" b="1" i="0" u="none" strike="noStrike" dirty="0" err="1">
+                          <a:solidFill>
+                            <a:schemeClr val="tx1">
+                              <a:lumMod val="50000"/>
+                              <a:lumOff val="50000"/>
+                            </a:schemeClr>
+                          </a:solidFill>
+                          <a:effectLst/>
+                          <a:latin typeface="Calibri" panose="020F0502020204030204" pitchFamily="34" charset="0"/>
+                        </a:rPr>
+                        <a:t>pmslval</a:t>
+                      </a:r>
+                      <a:r>
                         <a:rPr lang="en-GB" sz="1100" b="1" i="0" u="none" strike="noStrike" dirty="0">
                           <a:solidFill>
                             <a:schemeClr val="tx1">
@@ -42925,7 +43053,7 @@
                           <a:effectLst/>
                           <a:latin typeface="Calibri" panose="020F0502020204030204" pitchFamily="34" charset="0"/>
                         </a:rPr>
-                        <a:t>60%</a:t>
+                        <a:t>%</a:t>
                       </a:r>
                     </a:p>
                   </a:txBody>
@@ -42965,7 +43093,7 @@
                     <a:p>
                       <a:pPr algn="l" fontAlgn="ctr"/>
                       <a:r>
-                        <a:rPr lang="en-GB" sz="900" b="0" i="0" u="none" strike="noStrike" dirty="0">
+                        <a:rPr lang="en-US" sz="900" b="0" i="0" u="none" strike="noStrike" dirty="0">
                           <a:solidFill>
                             <a:schemeClr val="tx1">
                               <a:lumMod val="50000"/>
@@ -42975,8 +43103,18 @@
                           <a:effectLst/>
                           <a:latin typeface="Open Sans" panose="020B0606030504020204" pitchFamily="34" charset="0"/>
                         </a:rPr>
-                        <a:t>Supplier Performance Management </a:t>
+                        <a:t>Finance query management and dashboard reporting</a:t>
                       </a:r>
+                      <a:endParaRPr lang="en-GB" sz="900" b="0" i="0" u="none" strike="noStrike" dirty="0">
+                        <a:solidFill>
+                          <a:schemeClr val="tx1">
+                            <a:lumMod val="50000"/>
+                            <a:lumOff val="50000"/>
+                          </a:schemeClr>
+                        </a:solidFill>
+                        <a:effectLst/>
+                        <a:latin typeface="Open Sans" panose="020B0606030504020204" pitchFamily="34" charset="0"/>
+                      </a:endParaRPr>
                     </a:p>
                   </a:txBody>
                   <a:tcPr marL="9525" marR="9525" marT="9525" marB="0" anchor="ctr">
@@ -43004,6 +43142,19 @@
                     <a:p>
                       <a:pPr algn="l" fontAlgn="b"/>
                       <a:r>
+                        <a:rPr lang="tr-TR" sz="1100" b="1" i="0" u="none" strike="noStrike" dirty="0" err="1">
+                          <a:solidFill>
+                            <a:schemeClr val="tx1">
+                              <a:lumMod val="50000"/>
+                              <a:lumOff val="50000"/>
+                            </a:schemeClr>
+                          </a:solidFill>
+                          <a:effectLst/>
+                          <a:latin typeface="Calibri" panose="020F0502020204030204" pitchFamily="34" charset="0"/>
+                        </a:rPr>
+                        <a:t>pfqmrval</a:t>
+                      </a:r>
+                      <a:r>
                         <a:rPr lang="en-GB" sz="1100" b="1" i="0" u="none" strike="noStrike" dirty="0">
                           <a:solidFill>
                             <a:schemeClr val="tx1">
@@ -43014,7 +43165,7 @@
                           <a:effectLst/>
                           <a:latin typeface="Calibri" panose="020F0502020204030204" pitchFamily="34" charset="0"/>
                         </a:rPr>
-                        <a:t>33%</a:t>
+                        <a:t>%</a:t>
                       </a:r>
                     </a:p>
                   </a:txBody>
@@ -43046,6 +43197,352 @@
                   </a:ext>
                 </a:extLst>
               </a:tr>
+              <a:tr h="339074">
+                <a:tc>
+                  <a:txBody>
+                    <a:bodyPr/>
+                    <a:lstStyle/>
+                    <a:p>
+                      <a:pPr algn="l" fontAlgn="ctr"/>
+                      <a:r>
+                        <a:rPr lang="en-GB" sz="900" b="0" i="0" u="none" strike="noStrike" dirty="0">
+                          <a:solidFill>
+                            <a:schemeClr val="tx1">
+                              <a:lumMod val="50000"/>
+                              <a:lumOff val="50000"/>
+                            </a:schemeClr>
+                          </a:solidFill>
+                          <a:effectLst/>
+                          <a:latin typeface="Open Sans" panose="020B0606030504020204" pitchFamily="34" charset="0"/>
+                        </a:rPr>
+                        <a:t>Debt collection administration processes</a:t>
+                      </a:r>
+                    </a:p>
+                  </a:txBody>
+                  <a:tcPr marL="9525" marR="9525" marT="9525" marB="0" anchor="ctr">
+                    <a:lnL>
+                      <a:noFill/>
+                    </a:lnL>
+                    <a:lnR>
+                      <a:noFill/>
+                    </a:lnR>
+                    <a:lnT>
+                      <a:noFill/>
+                    </a:lnT>
+                    <a:lnB>
+                      <a:noFill/>
+                    </a:lnB>
+                    <a:solidFill>
+                      <a:schemeClr val="bg1"/>
+                    </a:solidFill>
+                  </a:tcPr>
+                </a:tc>
+                <a:tc>
+                  <a:txBody>
+                    <a:bodyPr/>
+                    <a:lstStyle/>
+                    <a:p>
+                      <a:pPr algn="l" fontAlgn="b"/>
+                      <a:r>
+                        <a:rPr lang="tr-TR" sz="1100" b="1" i="0" u="none" strike="noStrike" dirty="0" err="1">
+                          <a:solidFill>
+                            <a:schemeClr val="tx1">
+                              <a:lumMod val="50000"/>
+                              <a:lumOff val="50000"/>
+                            </a:schemeClr>
+                          </a:solidFill>
+                          <a:effectLst/>
+                          <a:latin typeface="Calibri" panose="020F0502020204030204" pitchFamily="34" charset="0"/>
+                        </a:rPr>
+                        <a:t>pdcapval</a:t>
+                      </a:r>
+                      <a:r>
+                        <a:rPr lang="tr-TR" sz="1100" b="1" i="0" u="none" strike="noStrike" dirty="0">
+                          <a:solidFill>
+                            <a:schemeClr val="tx1">
+                              <a:lumMod val="50000"/>
+                              <a:lumOff val="50000"/>
+                            </a:schemeClr>
+                          </a:solidFill>
+                          <a:effectLst/>
+                          <a:latin typeface="Calibri" panose="020F0502020204030204" pitchFamily="34" charset="0"/>
+                        </a:rPr>
+                        <a:t>%</a:t>
+                      </a:r>
+                      <a:endParaRPr lang="en-GB" sz="1100" b="1" i="0" u="none" strike="noStrike" dirty="0">
+                        <a:solidFill>
+                          <a:schemeClr val="tx1">
+                            <a:lumMod val="50000"/>
+                            <a:lumOff val="50000"/>
+                          </a:schemeClr>
+                        </a:solidFill>
+                        <a:effectLst/>
+                        <a:latin typeface="Calibri" panose="020F0502020204030204" pitchFamily="34" charset="0"/>
+                      </a:endParaRPr>
+                    </a:p>
+                  </a:txBody>
+                  <a:tcPr marL="9525" marR="9525" marT="9525" marB="0" anchor="b">
+                    <a:lnL w="6350" cap="flat" cmpd="sng" algn="ctr">
+                      <a:noFill/>
+                      <a:prstDash val="solid"/>
+                      <a:round/>
+                      <a:headEnd type="none" w="med" len="med"/>
+                      <a:tailEnd type="none" w="med" len="med"/>
+                    </a:lnL>
+                    <a:lnR>
+                      <a:noFill/>
+                    </a:lnR>
+                    <a:lnT>
+                      <a:noFill/>
+                    </a:lnT>
+                    <a:lnB>
+                      <a:noFill/>
+                    </a:lnB>
+                    <a:solidFill>
+                      <a:schemeClr val="bg1"/>
+                    </a:solidFill>
+                  </a:tcPr>
+                </a:tc>
+                <a:extLst>
+                  <a:ext uri="{0D108BD9-81ED-4DB2-BD59-A6C34878D82A}">
+                    <a16:rowId xmlns:a16="http://schemas.microsoft.com/office/drawing/2014/main" val="3708978886"/>
+                  </a:ext>
+                </a:extLst>
+              </a:tr>
+              <a:tr h="339074">
+                <a:tc>
+                  <a:txBody>
+                    <a:bodyPr/>
+                    <a:lstStyle/>
+                    <a:p>
+                      <a:pPr algn="l" fontAlgn="ctr"/>
+                      <a:r>
+                        <a:rPr lang="en-US" sz="900" b="0" i="0" u="none" strike="noStrike" dirty="0">
+                          <a:solidFill>
+                            <a:schemeClr val="tx1">
+                              <a:lumMod val="50000"/>
+                              <a:lumOff val="50000"/>
+                            </a:schemeClr>
+                          </a:solidFill>
+                          <a:effectLst/>
+                          <a:latin typeface="Open Sans" panose="020B0606030504020204" pitchFamily="34" charset="0"/>
+                        </a:rPr>
+                        <a:t>Customer Invoicing &amp; Finance Workflow Management</a:t>
+                      </a:r>
+                      <a:endParaRPr lang="en-GB" sz="900" b="0" i="0" u="none" strike="noStrike" dirty="0">
+                        <a:solidFill>
+                          <a:schemeClr val="tx1">
+                            <a:lumMod val="50000"/>
+                            <a:lumOff val="50000"/>
+                          </a:schemeClr>
+                        </a:solidFill>
+                        <a:effectLst/>
+                        <a:latin typeface="Open Sans" panose="020B0606030504020204" pitchFamily="34" charset="0"/>
+                      </a:endParaRPr>
+                    </a:p>
+                  </a:txBody>
+                  <a:tcPr marL="9525" marR="9525" marT="9525" marB="0" anchor="ctr">
+                    <a:lnL>
+                      <a:noFill/>
+                    </a:lnL>
+                    <a:lnR>
+                      <a:noFill/>
+                    </a:lnR>
+                    <a:lnT>
+                      <a:noFill/>
+                    </a:lnT>
+                    <a:lnB>
+                      <a:noFill/>
+                    </a:lnB>
+                    <a:solidFill>
+                      <a:schemeClr val="bg1"/>
+                    </a:solidFill>
+                  </a:tcPr>
+                </a:tc>
+                <a:tc>
+                  <a:txBody>
+                    <a:bodyPr/>
+                    <a:lstStyle/>
+                    <a:p>
+                      <a:pPr algn="l" fontAlgn="b"/>
+                      <a:r>
+                        <a:rPr lang="tr-TR" sz="1100" b="1" i="0" u="none" strike="noStrike" dirty="0" err="1">
+                          <a:solidFill>
+                            <a:schemeClr val="tx1">
+                              <a:lumMod val="50000"/>
+                              <a:lumOff val="50000"/>
+                            </a:schemeClr>
+                          </a:solidFill>
+                          <a:effectLst/>
+                          <a:latin typeface="Calibri" panose="020F0502020204030204" pitchFamily="34" charset="0"/>
+                        </a:rPr>
+                        <a:t>pcifwval</a:t>
+                      </a:r>
+                      <a:r>
+                        <a:rPr lang="tr-TR" sz="1100" b="1" i="0" u="none" strike="noStrike" dirty="0">
+                          <a:solidFill>
+                            <a:schemeClr val="tx1">
+                              <a:lumMod val="50000"/>
+                              <a:lumOff val="50000"/>
+                            </a:schemeClr>
+                          </a:solidFill>
+                          <a:effectLst/>
+                          <a:latin typeface="Calibri" panose="020F0502020204030204" pitchFamily="34" charset="0"/>
+                        </a:rPr>
+                        <a:t>%</a:t>
+                      </a:r>
+                      <a:endParaRPr lang="en-GB" sz="1100" b="1" i="0" u="none" strike="noStrike" dirty="0">
+                        <a:solidFill>
+                          <a:schemeClr val="tx1">
+                            <a:lumMod val="50000"/>
+                            <a:lumOff val="50000"/>
+                          </a:schemeClr>
+                        </a:solidFill>
+                        <a:effectLst/>
+                        <a:latin typeface="Calibri" panose="020F0502020204030204" pitchFamily="34" charset="0"/>
+                      </a:endParaRPr>
+                    </a:p>
+                  </a:txBody>
+                  <a:tcPr marL="9525" marR="9525" marT="9525" marB="0" anchor="b">
+                    <a:lnL w="6350" cap="flat" cmpd="sng" algn="ctr">
+                      <a:noFill/>
+                      <a:prstDash val="solid"/>
+                      <a:round/>
+                      <a:headEnd type="none" w="med" len="med"/>
+                      <a:tailEnd type="none" w="med" len="med"/>
+                    </a:lnL>
+                    <a:lnR>
+                      <a:noFill/>
+                    </a:lnR>
+                    <a:lnT>
+                      <a:noFill/>
+                    </a:lnT>
+                    <a:lnB>
+                      <a:noFill/>
+                    </a:lnB>
+                    <a:solidFill>
+                      <a:schemeClr val="bg1"/>
+                    </a:solidFill>
+                  </a:tcPr>
+                </a:tc>
+                <a:extLst>
+                  <a:ext uri="{0D108BD9-81ED-4DB2-BD59-A6C34878D82A}">
+                    <a16:rowId xmlns:a16="http://schemas.microsoft.com/office/drawing/2014/main" val="1145059667"/>
+                  </a:ext>
+                </a:extLst>
+              </a:tr>
+              <a:tr h="339074">
+                <a:tc>
+                  <a:txBody>
+                    <a:bodyPr/>
+                    <a:lstStyle/>
+                    <a:p>
+                      <a:pPr algn="l" fontAlgn="ctr"/>
+                      <a:r>
+                        <a:rPr lang="en-GB" sz="900" b="0" i="0" u="none" strike="noStrike" dirty="0">
+                          <a:solidFill>
+                            <a:schemeClr val="tx1">
+                              <a:lumMod val="50000"/>
+                              <a:lumOff val="50000"/>
+                            </a:schemeClr>
+                          </a:solidFill>
+                          <a:effectLst/>
+                          <a:latin typeface="Open Sans" panose="020B0606030504020204" pitchFamily="34" charset="0"/>
+                        </a:rPr>
+                        <a:t>Online expense management</a:t>
+                      </a:r>
+                    </a:p>
+                  </a:txBody>
+                  <a:tcPr marL="9525" marR="9525" marT="9525" marB="0" anchor="ctr">
+                    <a:lnL>
+                      <a:noFill/>
+                    </a:lnL>
+                    <a:lnR>
+                      <a:noFill/>
+                    </a:lnR>
+                    <a:lnT>
+                      <a:noFill/>
+                    </a:lnT>
+                    <a:lnB>
+                      <a:noFill/>
+                    </a:lnB>
+                    <a:solidFill>
+                      <a:schemeClr val="bg1"/>
+                    </a:solidFill>
+                  </a:tcPr>
+                </a:tc>
+                <a:tc>
+                  <a:txBody>
+                    <a:bodyPr/>
+                    <a:lstStyle/>
+                    <a:p>
+                      <a:pPr algn="l" fontAlgn="b"/>
+                      <a:r>
+                        <a:rPr lang="tr-TR" sz="1100" b="1" i="0" u="none" strike="noStrike" dirty="0" err="1">
+                          <a:solidFill>
+                            <a:schemeClr val="tx1">
+                              <a:lumMod val="50000"/>
+                              <a:lumOff val="50000"/>
+                            </a:schemeClr>
+                          </a:solidFill>
+                          <a:effectLst/>
+                          <a:latin typeface="Calibri" panose="020F0502020204030204" pitchFamily="34" charset="0"/>
+                        </a:rPr>
+                        <a:t>poemval</a:t>
+                      </a:r>
+                      <a:r>
+                        <a:rPr lang="tr-TR" sz="1100" b="1" i="0" u="none" strike="noStrike" dirty="0">
+                          <a:solidFill>
+                            <a:schemeClr val="tx1">
+                              <a:lumMod val="50000"/>
+                              <a:lumOff val="50000"/>
+                            </a:schemeClr>
+                          </a:solidFill>
+                          <a:effectLst/>
+                          <a:latin typeface="Calibri" panose="020F0502020204030204" pitchFamily="34" charset="0"/>
+                        </a:rPr>
+                        <a:t>%</a:t>
+                      </a:r>
+                      <a:endParaRPr lang="en-GB" sz="1100" b="1" i="0" u="none" strike="noStrike" dirty="0">
+                        <a:solidFill>
+                          <a:schemeClr val="tx1">
+                            <a:lumMod val="50000"/>
+                            <a:lumOff val="50000"/>
+                          </a:schemeClr>
+                        </a:solidFill>
+                        <a:effectLst/>
+                        <a:latin typeface="Calibri" panose="020F0502020204030204" pitchFamily="34" charset="0"/>
+                      </a:endParaRPr>
+                    </a:p>
+                  </a:txBody>
+                  <a:tcPr marL="9525" marR="9525" marT="9525" marB="0" anchor="b">
+                    <a:lnL w="6350" cap="flat" cmpd="sng" algn="ctr">
+                      <a:noFill/>
+                      <a:prstDash val="solid"/>
+                      <a:round/>
+                      <a:headEnd type="none" w="med" len="med"/>
+                      <a:tailEnd type="none" w="med" len="med"/>
+                    </a:lnL>
+                    <a:lnR>
+                      <a:noFill/>
+                    </a:lnR>
+                    <a:lnT>
+                      <a:noFill/>
+                    </a:lnT>
+                    <a:lnB>
+                      <a:noFill/>
+                    </a:lnB>
+                    <a:solidFill>
+                      <a:schemeClr val="bg1"/>
+                    </a:solidFill>
+                  </a:tcPr>
+                </a:tc>
+                <a:extLst>
+                  <a:ext uri="{0D108BD9-81ED-4DB2-BD59-A6C34878D82A}">
+                    <a16:rowId xmlns:a16="http://schemas.microsoft.com/office/drawing/2014/main" val="2766371421"/>
+                  </a:ext>
+                </a:extLst>
+              </a:tr>
             </a:tbl>
           </a:graphicData>
         </a:graphic>
@@ -43066,7 +43563,7 @@
         </p:nvSpPr>
         <p:spPr>
           <a:xfrm>
-            <a:off x="596717" y="5214376"/>
+            <a:off x="631422" y="5704080"/>
             <a:ext cx="9876634" cy="652270"/>
           </a:xfrm>
           <a:prstGeom prst="rect">
@@ -44324,6 +44821,15 @@
 </file>
 
 <file path=customXml/item2.xml><?xml version="1.0" encoding="utf-8"?>
+<?mso-contentType ?>
+<FormTemplates xmlns="http://schemas.microsoft.com/sharepoint/v3/contenttype/forms">
+  <Display>DocumentLibraryForm</Display>
+  <Edit>DocumentLibraryForm</Edit>
+  <New>DocumentLibraryForm</New>
+</FormTemplates>
+</file>
+
+<file path=customXml/item3.xml><?xml version="1.0" encoding="utf-8"?>
 <ct:contentTypeSchema xmlns:ct="http://schemas.microsoft.com/office/2006/metadata/contentType" xmlns:ma="http://schemas.microsoft.com/office/2006/metadata/properties/metaAttributes" ct:_="" ma:_="" ma:contentTypeName="Document" ma:contentTypeID="0x010100FC2ADAF580B8A648AEA7FF4A5F3D65E6" ma:contentTypeVersion="11" ma:contentTypeDescription="Create a new document." ma:contentTypeScope="" ma:versionID="f2db5c34f6348a370055c14b94ddc919">
   <xsd:schema xmlns:xsd="http://www.w3.org/2001/XMLSchema" xmlns:xs="http://www.w3.org/2001/XMLSchema" xmlns:p="http://schemas.microsoft.com/office/2006/metadata/properties" xmlns:ns2="8a969d1d-647f-4e4c-97f9-a5143e71e435" xmlns:ns3="eb37a4e0-bf89-419d-8b31-963a97458fb1" targetNamespace="http://schemas.microsoft.com/office/2006/metadata/properties" ma:root="true" ma:fieldsID="42bedbc2e246c6b2e71d78ed3d4618fc" ns2:_="" ns3:_="">
     <xsd:import namespace="8a969d1d-647f-4e4c-97f9-a5143e71e435"/>
@@ -44518,15 +45024,6 @@
 </ct:contentTypeSchema>
 </file>
 
-<file path=customXml/item3.xml><?xml version="1.0" encoding="utf-8"?>
-<?mso-contentType ?>
-<FormTemplates xmlns="http://schemas.microsoft.com/sharepoint/v3/contenttype/forms">
-  <Display>DocumentLibraryForm</Display>
-  <Edit>DocumentLibraryForm</Edit>
-  <New>DocumentLibraryForm</New>
-</FormTemplates>
-</file>
-
 <file path=customXml/itemProps1.xml><?xml version="1.0" encoding="utf-8"?>
 <ds:datastoreItem xmlns:ds="http://schemas.openxmlformats.org/officeDocument/2006/customXml" ds:itemID="{8140E5F8-1399-4596-AA73-4BD79D26AFFD}">
   <ds:schemaRefs>
@@ -44546,6 +45043,14 @@
 </file>
 
 <file path=customXml/itemProps2.xml><?xml version="1.0" encoding="utf-8"?>
+<ds:datastoreItem xmlns:ds="http://schemas.openxmlformats.org/officeDocument/2006/customXml" ds:itemID="{953B4D23-82FF-4812-9F4E-BB600331C634}">
+  <ds:schemaRefs>
+    <ds:schemaRef ds:uri="http://schemas.microsoft.com/sharepoint/v3/contenttype/forms"/>
+  </ds:schemaRefs>
+</ds:datastoreItem>
+</file>
+
+<file path=customXml/itemProps3.xml><?xml version="1.0" encoding="utf-8"?>
 <ds:datastoreItem xmlns:ds="http://schemas.openxmlformats.org/officeDocument/2006/customXml" ds:itemID="{7DE18AF2-C1F0-4DCB-B624-E24984FCEF8F}">
   <ds:schemaRefs>
     <ds:schemaRef ds:uri="http://schemas.microsoft.com/office/2006/metadata/contentType"/>
@@ -44564,14 +45069,6 @@
 </ds:datastoreItem>
 </file>
 
-<file path=customXml/itemProps3.xml><?xml version="1.0" encoding="utf-8"?>
-<ds:datastoreItem xmlns:ds="http://schemas.openxmlformats.org/officeDocument/2006/customXml" ds:itemID="{953B4D23-82FF-4812-9F4E-BB600331C634}">
-  <ds:schemaRefs>
-    <ds:schemaRef ds:uri="http://schemas.microsoft.com/sharepoint/v3/contenttype/forms"/>
-  </ds:schemaRefs>
-</ds:datastoreItem>
-</file>
-
 <file path=docMetadata/LabelInfo.xml><?xml version="1.0" encoding="utf-8"?>
 <clbl:labelList xmlns:clbl="http://schemas.microsoft.com/office/2020/mipLabelMetadata">
   <clbl:label id="{2b5a89e7-01bf-42ed-9da1-669d82eec17a}" enabled="0" method="" siteId="{2b5a89e7-01bf-42ed-9da1-669d82eec17a}" removed="1"/>

--- a/questionare.pptx
+++ b/questionare.pptx
@@ -39764,7 +39764,7 @@
           <p:nvPr>
             <p:extLst>
               <p:ext uri="{D42A27DB-BD31-4B8C-83A1-F6EECF244321}">
-                <p14:modId xmlns:p14="http://schemas.microsoft.com/office/powerpoint/2010/main" val="1911974469"/>
+                <p14:modId xmlns:p14="http://schemas.microsoft.com/office/powerpoint/2010/main" val="2574753092"/>
               </p:ext>
             </p:extLst>
           </p:nvPr>
@@ -44821,15 +44821,6 @@
 </file>
 
 <file path=customXml/item2.xml><?xml version="1.0" encoding="utf-8"?>
-<?mso-contentType ?>
-<FormTemplates xmlns="http://schemas.microsoft.com/sharepoint/v3/contenttype/forms">
-  <Display>DocumentLibraryForm</Display>
-  <Edit>DocumentLibraryForm</Edit>
-  <New>DocumentLibraryForm</New>
-</FormTemplates>
-</file>
-
-<file path=customXml/item3.xml><?xml version="1.0" encoding="utf-8"?>
 <ct:contentTypeSchema xmlns:ct="http://schemas.microsoft.com/office/2006/metadata/contentType" xmlns:ma="http://schemas.microsoft.com/office/2006/metadata/properties/metaAttributes" ct:_="" ma:_="" ma:contentTypeName="Document" ma:contentTypeID="0x010100FC2ADAF580B8A648AEA7FF4A5F3D65E6" ma:contentTypeVersion="11" ma:contentTypeDescription="Create a new document." ma:contentTypeScope="" ma:versionID="f2db5c34f6348a370055c14b94ddc919">
   <xsd:schema xmlns:xsd="http://www.w3.org/2001/XMLSchema" xmlns:xs="http://www.w3.org/2001/XMLSchema" xmlns:p="http://schemas.microsoft.com/office/2006/metadata/properties" xmlns:ns2="8a969d1d-647f-4e4c-97f9-a5143e71e435" xmlns:ns3="eb37a4e0-bf89-419d-8b31-963a97458fb1" targetNamespace="http://schemas.microsoft.com/office/2006/metadata/properties" ma:root="true" ma:fieldsID="42bedbc2e246c6b2e71d78ed3d4618fc" ns2:_="" ns3:_="">
     <xsd:import namespace="8a969d1d-647f-4e4c-97f9-a5143e71e435"/>
@@ -45024,6 +45015,15 @@
 </ct:contentTypeSchema>
 </file>
 
+<file path=customXml/item3.xml><?xml version="1.0" encoding="utf-8"?>
+<?mso-contentType ?>
+<FormTemplates xmlns="http://schemas.microsoft.com/sharepoint/v3/contenttype/forms">
+  <Display>DocumentLibraryForm</Display>
+  <Edit>DocumentLibraryForm</Edit>
+  <New>DocumentLibraryForm</New>
+</FormTemplates>
+</file>
+
 <file path=customXml/itemProps1.xml><?xml version="1.0" encoding="utf-8"?>
 <ds:datastoreItem xmlns:ds="http://schemas.openxmlformats.org/officeDocument/2006/customXml" ds:itemID="{8140E5F8-1399-4596-AA73-4BD79D26AFFD}">
   <ds:schemaRefs>
@@ -45043,14 +45043,6 @@
 </file>
 
 <file path=customXml/itemProps2.xml><?xml version="1.0" encoding="utf-8"?>
-<ds:datastoreItem xmlns:ds="http://schemas.openxmlformats.org/officeDocument/2006/customXml" ds:itemID="{953B4D23-82FF-4812-9F4E-BB600331C634}">
-  <ds:schemaRefs>
-    <ds:schemaRef ds:uri="http://schemas.microsoft.com/sharepoint/v3/contenttype/forms"/>
-  </ds:schemaRefs>
-</ds:datastoreItem>
-</file>
-
-<file path=customXml/itemProps3.xml><?xml version="1.0" encoding="utf-8"?>
 <ds:datastoreItem xmlns:ds="http://schemas.openxmlformats.org/officeDocument/2006/customXml" ds:itemID="{7DE18AF2-C1F0-4DCB-B624-E24984FCEF8F}">
   <ds:schemaRefs>
     <ds:schemaRef ds:uri="http://schemas.microsoft.com/office/2006/metadata/contentType"/>
@@ -45069,6 +45061,14 @@
 </ds:datastoreItem>
 </file>
 
+<file path=customXml/itemProps3.xml><?xml version="1.0" encoding="utf-8"?>
+<ds:datastoreItem xmlns:ds="http://schemas.openxmlformats.org/officeDocument/2006/customXml" ds:itemID="{953B4D23-82FF-4812-9F4E-BB600331C634}">
+  <ds:schemaRefs>
+    <ds:schemaRef ds:uri="http://schemas.microsoft.com/sharepoint/v3/contenttype/forms"/>
+  </ds:schemaRefs>
+</ds:datastoreItem>
+</file>
+
 <file path=docMetadata/LabelInfo.xml><?xml version="1.0" encoding="utf-8"?>
 <clbl:labelList xmlns:clbl="http://schemas.microsoft.com/office/2020/mipLabelMetadata">
   <clbl:label id="{2b5a89e7-01bf-42ed-9da1-669d82eec17a}" enabled="0" method="" siteId="{2b5a89e7-01bf-42ed-9da1-669d82eec17a}" removed="1"/>

--- a/questionare.pptx
+++ b/questionare.pptx
@@ -124,14 +124,6 @@
 </p:presentation>
 </file>
 
-<file path=ppt/revisionInfo.xml><?xml version="1.0" encoding="utf-8"?>
-<p1510:revInfo xmlns:a="http://schemas.openxmlformats.org/drawingml/2006/main" xmlns:r="http://schemas.openxmlformats.org/officeDocument/2006/relationships" xmlns:p1510="http://schemas.microsoft.com/office/powerpoint/2015/10/main">
-  <p1510:revLst>
-    <p1510:client id="{37D38526-E835-402C-8478-D3585D2EC139}" v="7" dt="2024-09-23T14:17:30.636"/>
-  </p1510:revLst>
-</p1510:revInfo>
-</file>
-
 <file path=ppt/charts/chart1.xml><?xml version="1.0" encoding="utf-8"?>
 <c:chartSpace xmlns:c="http://schemas.openxmlformats.org/drawingml/2006/chart" xmlns:a="http://schemas.openxmlformats.org/drawingml/2006/main" xmlns:r="http://schemas.openxmlformats.org/officeDocument/2006/relationships" xmlns:c16r2="http://schemas.microsoft.com/office/drawing/2015/06/chart">
   <c:date1904 val="0"/>
@@ -441,7 +433,7 @@
                   <c:v>Management of supplier and purchase invoices</c:v>
                 </c:pt>
                 <c:pt idx="4">
-                  <c:v>Managing Spend leakage </c:v>
+                  <c:v>Managing Spend leakage</c:v>
                 </c:pt>
                 <c:pt idx="5">
                   <c:v>Finance query management &amp; reporting</c:v>
@@ -459,43 +451,40 @@
             </c:strRef>
           </c:cat>
           <c:val>
-            <c:numRef>
-              <c:f>'[Value Calculator_Financials LIVE v9.xlsm]Value Analysis'!$L$45:$L$54</c:f>
-              <c:numCache>
-                <c:formatCode>"£"#,##0</c:formatCode>
-                <c:ptCount val="10"/>
-                <c:pt idx="0">
-                  <c:v>58750</c:v>
-                </c:pt>
-                <c:pt idx="1">
-                  <c:v>1023555.5555555555</c:v>
-                </c:pt>
-                <c:pt idx="2">
-                  <c:v>767666.66666666663</c:v>
-                </c:pt>
-                <c:pt idx="3">
-                  <c:v>266550.92592592596</c:v>
-                </c:pt>
-                <c:pt idx="4">
-                  <c:v>246293.05555555553</c:v>
-                </c:pt>
-                <c:pt idx="5">
-                  <c:v>16156.25</c:v>
-                </c:pt>
-                <c:pt idx="6">
-                  <c:v>226205.77777777778</c:v>
-                </c:pt>
-                <c:pt idx="7">
-                  <c:v>189153.06666666668</c:v>
-                </c:pt>
-                <c:pt idx="8">
-                  <c:v>13306.222222222221</c:v>
-                </c:pt>
-                <c:pt idx="9">
-                  <c:v>388219.99999999988</c:v>
-                </c:pt>
-              </c:numCache>
-            </c:numRef>
+            <c:numLit>
+              <c:formatCode>"£"#,##0</c:formatCode>
+              <c:ptCount val="10"/>
+              <c:pt idx="0">
+                <c:v>154461</c:v>
+              </c:pt>
+              <c:pt idx="1">
+                <c:v>15453</c:v>
+              </c:pt>
+              <c:pt idx="2">
+                <c:v>26400</c:v>
+              </c:pt>
+              <c:pt idx="3">
+                <c:v>3853</c:v>
+              </c:pt>
+              <c:pt idx="4">
+                <c:v>3017</c:v>
+              </c:pt>
+              <c:pt idx="5">
+                <c:v>925349</c:v>
+              </c:pt>
+              <c:pt idx="6">
+                <c:v>14344</c:v>
+              </c:pt>
+              <c:pt idx="7">
+                <c:v>454393</c:v>
+              </c:pt>
+              <c:pt idx="8">
+                <c:v>1210</c:v>
+              </c:pt>
+              <c:pt idx="9">
+                <c:v>1223748</c:v>
+              </c:pt>
+            </c:numLit>
           </c:val>
           <c:extLst>
             <c:ext xmlns:c16="http://schemas.microsoft.com/office/drawing/2014/chart" uri="{C3380CC4-5D6E-409C-BE32-E72D297353CC}">
@@ -1210,7 +1199,7 @@
           <a:p>
             <a:fld id="{22EE6207-6821-4DAB-B818-E4F4F6AB12F5}" type="datetimeFigureOut">
               <a:rPr lang="en-GB" smtClean="0"/>
-              <a:t>02/10/2024</a:t>
+              <a:t>03/10/2024</a:t>
             </a:fld>
             <a:endParaRPr lang="en-GB"/>
           </a:p>
@@ -1403,7 +1392,7 @@
           <a:p>
             <a:fld id="{5B936EE0-4F6D-274D-8902-95CDFEF84C8C}" type="datetimeFigureOut">
               <a:rPr lang="en-US" smtClean="0"/>
-              <a:t>10/2/2024</a:t>
+              <a:t>10/3/2024</a:t>
             </a:fld>
             <a:endParaRPr lang="en-US"/>
           </a:p>
@@ -2043,7 +2032,7 @@
           <a:p>
             <a:fld id="{98FAEBFC-AF3F-6E47-9766-48C2D7B36252}" type="datetime1">
               <a:rPr lang="en-GB" smtClean="0"/>
-              <a:t>02/10/2024</a:t>
+              <a:t>03/10/2024</a:t>
             </a:fld>
             <a:endParaRPr lang="en-GB"/>
           </a:p>
@@ -2358,7 +2347,7 @@
           <a:p>
             <a:fld id="{C7EFF3D0-6BED-D444-BEB4-872DDA21BA8D}" type="datetime1">
               <a:rPr lang="en-GB" smtClean="0"/>
-              <a:t>02/10/2024</a:t>
+              <a:t>03/10/2024</a:t>
             </a:fld>
             <a:endParaRPr lang="en-US"/>
           </a:p>
@@ -3476,7 +3465,7 @@
           <a:p>
             <a:fld id="{C7EFF3D0-6BED-D444-BEB4-872DDA21BA8D}" type="datetime1">
               <a:rPr lang="en-GB" smtClean="0"/>
-              <a:t>02/10/2024</a:t>
+              <a:t>03/10/2024</a:t>
             </a:fld>
             <a:endParaRPr lang="en-US"/>
           </a:p>
@@ -3943,7 +3932,7 @@
           <a:p>
             <a:fld id="{C7EFF3D0-6BED-D444-BEB4-872DDA21BA8D}" type="datetime1">
               <a:rPr lang="en-GB" smtClean="0"/>
-              <a:t>02/10/2024</a:t>
+              <a:t>03/10/2024</a:t>
             </a:fld>
             <a:endParaRPr lang="en-US"/>
           </a:p>
@@ -4594,7 +4583,7 @@
           <a:p>
             <a:fld id="{C7EFF3D0-6BED-D444-BEB4-872DDA21BA8D}" type="datetime1">
               <a:rPr lang="en-GB" smtClean="0"/>
-              <a:t>02/10/2024</a:t>
+              <a:t>03/10/2024</a:t>
             </a:fld>
             <a:endParaRPr lang="en-US"/>
           </a:p>
@@ -5005,7 +4994,7 @@
           <a:p>
             <a:fld id="{C7EFF3D0-6BED-D444-BEB4-872DDA21BA8D}" type="datetime1">
               <a:rPr lang="en-GB" smtClean="0"/>
-              <a:t>02/10/2024</a:t>
+              <a:t>03/10/2024</a:t>
             </a:fld>
             <a:endParaRPr lang="en-US"/>
           </a:p>
@@ -5506,7 +5495,7 @@
           <a:p>
             <a:fld id="{C7EFF3D0-6BED-D444-BEB4-872DDA21BA8D}" type="datetime1">
               <a:rPr lang="en-GB" smtClean="0"/>
-              <a:t>02/10/2024</a:t>
+              <a:t>03/10/2024</a:t>
             </a:fld>
             <a:endParaRPr lang="en-US"/>
           </a:p>
@@ -6236,7 +6225,7 @@
           <a:p>
             <a:fld id="{C7EFF3D0-6BED-D444-BEB4-872DDA21BA8D}" type="datetime1">
               <a:rPr lang="en-GB" smtClean="0"/>
-              <a:t>02/10/2024</a:t>
+              <a:t>03/10/2024</a:t>
             </a:fld>
             <a:endParaRPr lang="en-US"/>
           </a:p>
@@ -7062,7 +7051,7 @@
           <a:p>
             <a:fld id="{C7EFF3D0-6BED-D444-BEB4-872DDA21BA8D}" type="datetime1">
               <a:rPr lang="en-GB" smtClean="0"/>
-              <a:t>02/10/2024</a:t>
+              <a:t>03/10/2024</a:t>
             </a:fld>
             <a:endParaRPr lang="en-US"/>
           </a:p>
@@ -9085,7 +9074,7 @@
           <a:p>
             <a:fld id="{C7EFF3D0-6BED-D444-BEB4-872DDA21BA8D}" type="datetime1">
               <a:rPr lang="en-GB" smtClean="0"/>
-              <a:t>02/10/2024</a:t>
+              <a:t>03/10/2024</a:t>
             </a:fld>
             <a:endParaRPr lang="en-US"/>
           </a:p>
@@ -9711,7 +9700,7 @@
           <a:p>
             <a:fld id="{C7EFF3D0-6BED-D444-BEB4-872DDA21BA8D}" type="datetime1">
               <a:rPr lang="en-GB" smtClean="0"/>
-              <a:t>02/10/2024</a:t>
+              <a:t>03/10/2024</a:t>
             </a:fld>
             <a:endParaRPr lang="en-US"/>
           </a:p>
@@ -10684,7 +10673,7 @@
           <a:p>
             <a:fld id="{98FAEBFC-AF3F-6E47-9766-48C2D7B36252}" type="datetime1">
               <a:rPr lang="en-GB" smtClean="0"/>
-              <a:t>02/10/2024</a:t>
+              <a:t>03/10/2024</a:t>
             </a:fld>
             <a:endParaRPr lang="en-GB"/>
           </a:p>
@@ -11089,7 +11078,7 @@
       </p:sp>
       <p:sp>
         <p:nvSpPr>
-          <p:cNvPr id="28" name="Freeform 27">
+          <p:cNvPr id="28" name="Picture Placeholder 27">
             <a:extLst>
               <a:ext uri="{FF2B5EF4-FFF2-40B4-BE49-F238E27FC236}">
                 <a16:creationId xmlns:a16="http://schemas.microsoft.com/office/drawing/2014/main" id="{36E4DEAF-BC4A-5DD9-036E-624FD7C4D0BA}"/>
@@ -11403,7 +11392,7 @@
           <a:p>
             <a:fld id="{C7EFF3D0-6BED-D444-BEB4-872DDA21BA8D}" type="datetime1">
               <a:rPr lang="en-GB" smtClean="0"/>
-              <a:t>02/10/2024</a:t>
+              <a:t>03/10/2024</a:t>
             </a:fld>
             <a:endParaRPr lang="en-US"/>
           </a:p>
@@ -12223,7 +12212,7 @@
           <a:p>
             <a:fld id="{C7EFF3D0-6BED-D444-BEB4-872DDA21BA8D}" type="datetime1">
               <a:rPr lang="en-GB" smtClean="0"/>
-              <a:t>02/10/2024</a:t>
+              <a:t>03/10/2024</a:t>
             </a:fld>
             <a:endParaRPr lang="en-US"/>
           </a:p>
@@ -13022,7 +13011,7 @@
           <a:p>
             <a:fld id="{C7EFF3D0-6BED-D444-BEB4-872DDA21BA8D}" type="datetime1">
               <a:rPr lang="en-GB" smtClean="0"/>
-              <a:t>02/10/2024</a:t>
+              <a:t>03/10/2024</a:t>
             </a:fld>
             <a:endParaRPr lang="en-US"/>
           </a:p>
@@ -13789,7 +13778,7 @@
           <a:p>
             <a:fld id="{C7EFF3D0-6BED-D444-BEB4-872DDA21BA8D}" type="datetime1">
               <a:rPr lang="en-GB" smtClean="0"/>
-              <a:t>02/10/2024</a:t>
+              <a:t>03/10/2024</a:t>
             </a:fld>
             <a:endParaRPr lang="en-US"/>
           </a:p>
@@ -14356,7 +14345,7 @@
           <a:p>
             <a:fld id="{C7EFF3D0-6BED-D444-BEB4-872DDA21BA8D}" type="datetime1">
               <a:rPr lang="en-GB" smtClean="0"/>
-              <a:t>02/10/2024</a:t>
+              <a:t>03/10/2024</a:t>
             </a:fld>
             <a:endParaRPr lang="en-US"/>
           </a:p>
@@ -14920,7 +14909,7 @@
           <a:p>
             <a:fld id="{C7EFF3D0-6BED-D444-BEB4-872DDA21BA8D}" type="datetime1">
               <a:rPr lang="en-GB" smtClean="0"/>
-              <a:t>02/10/2024</a:t>
+              <a:t>03/10/2024</a:t>
             </a:fld>
             <a:endParaRPr lang="en-US"/>
           </a:p>
@@ -15531,7 +15520,7 @@
           <a:p>
             <a:fld id="{C7EFF3D0-6BED-D444-BEB4-872DDA21BA8D}" type="datetime1">
               <a:rPr lang="en-GB" smtClean="0"/>
-              <a:t>02/10/2024</a:t>
+              <a:t>03/10/2024</a:t>
             </a:fld>
             <a:endParaRPr lang="en-US"/>
           </a:p>
@@ -16086,7 +16075,7 @@
       </p:sp>
       <p:sp>
         <p:nvSpPr>
-          <p:cNvPr id="34" name="Freeform 33">
+          <p:cNvPr id="34" name="Picture Placeholder 33">
             <a:extLst>
               <a:ext uri="{FF2B5EF4-FFF2-40B4-BE49-F238E27FC236}">
                 <a16:creationId xmlns:a16="http://schemas.microsoft.com/office/drawing/2014/main" id="{71B9B645-A9EB-1AA3-6ACA-3315C5441FE5}"/>
@@ -16267,7 +16256,7 @@
           <a:p>
             <a:fld id="{C7EFF3D0-6BED-D444-BEB4-872DDA21BA8D}" type="datetime1">
               <a:rPr lang="en-GB" smtClean="0"/>
-              <a:t>02/10/2024</a:t>
+              <a:t>03/10/2024</a:t>
             </a:fld>
             <a:endParaRPr lang="en-US"/>
           </a:p>
@@ -16638,7 +16627,7 @@
           <a:p>
             <a:fld id="{C7EFF3D0-6BED-D444-BEB4-872DDA21BA8D}" type="datetime1">
               <a:rPr lang="en-GB" smtClean="0"/>
-              <a:t>02/10/2024</a:t>
+              <a:t>03/10/2024</a:t>
             </a:fld>
             <a:endParaRPr lang="en-US"/>
           </a:p>
@@ -17038,7 +17027,7 @@
           <a:p>
             <a:fld id="{C7EFF3D0-6BED-D444-BEB4-872DDA21BA8D}" type="datetime1">
               <a:rPr lang="en-GB" smtClean="0"/>
-              <a:t>02/10/2024</a:t>
+              <a:t>03/10/2024</a:t>
             </a:fld>
             <a:endParaRPr lang="en-US"/>
           </a:p>
@@ -18036,7 +18025,7 @@
           <a:p>
             <a:fld id="{98FAEBFC-AF3F-6E47-9766-48C2D7B36252}" type="datetime1">
               <a:rPr lang="en-GB" smtClean="0"/>
-              <a:t>02/10/2024</a:t>
+              <a:t>03/10/2024</a:t>
             </a:fld>
             <a:endParaRPr lang="en-GB"/>
           </a:p>
@@ -18590,7 +18579,7 @@
           <a:p>
             <a:fld id="{C7EFF3D0-6BED-D444-BEB4-872DDA21BA8D}" type="datetime1">
               <a:rPr lang="en-GB" smtClean="0"/>
-              <a:t>02/10/2024</a:t>
+              <a:t>03/10/2024</a:t>
             </a:fld>
             <a:endParaRPr lang="en-US"/>
           </a:p>
@@ -19332,7 +19321,7 @@
           <a:p>
             <a:fld id="{C7EFF3D0-6BED-D444-BEB4-872DDA21BA8D}" type="datetime1">
               <a:rPr lang="en-GB" smtClean="0"/>
-              <a:t>02/10/2024</a:t>
+              <a:t>03/10/2024</a:t>
             </a:fld>
             <a:endParaRPr lang="en-US"/>
           </a:p>
@@ -20275,7 +20264,7 @@
           <a:p>
             <a:fld id="{C7EFF3D0-6BED-D444-BEB4-872DDA21BA8D}" type="datetime1">
               <a:rPr lang="en-GB" smtClean="0"/>
-              <a:t>02/10/2024</a:t>
+              <a:t>03/10/2024</a:t>
             </a:fld>
             <a:endParaRPr lang="en-US"/>
           </a:p>
@@ -20831,7 +20820,7 @@
           <a:p>
             <a:fld id="{C7EFF3D0-6BED-D444-BEB4-872DDA21BA8D}" type="datetime1">
               <a:rPr lang="en-GB" smtClean="0"/>
-              <a:t>02/10/2024</a:t>
+              <a:t>03/10/2024</a:t>
             </a:fld>
             <a:endParaRPr lang="en-US"/>
           </a:p>
@@ -21381,7 +21370,7 @@
           <a:p>
             <a:fld id="{C7EFF3D0-6BED-D444-BEB4-872DDA21BA8D}" type="datetime1">
               <a:rPr lang="en-GB" smtClean="0"/>
-              <a:t>02/10/2024</a:t>
+              <a:t>03/10/2024</a:t>
             </a:fld>
             <a:endParaRPr lang="en-US"/>
           </a:p>
@@ -22166,7 +22155,7 @@
           <a:p>
             <a:fld id="{C7EFF3D0-6BED-D444-BEB4-872DDA21BA8D}" type="datetime1">
               <a:rPr lang="en-GB" smtClean="0"/>
-              <a:t>02/10/2024</a:t>
+              <a:t>03/10/2024</a:t>
             </a:fld>
             <a:endParaRPr lang="en-US"/>
           </a:p>
@@ -22930,7 +22919,7 @@
           <a:p>
             <a:fld id="{C7EFF3D0-6BED-D444-BEB4-872DDA21BA8D}" type="datetime1">
               <a:rPr lang="en-GB" smtClean="0"/>
-              <a:t>02/10/2024</a:t>
+              <a:t>03/10/2024</a:t>
             </a:fld>
             <a:endParaRPr lang="en-US"/>
           </a:p>
@@ -23646,7 +23635,7 @@
           <a:p>
             <a:fld id="{C7EFF3D0-6BED-D444-BEB4-872DDA21BA8D}" type="datetime1">
               <a:rPr lang="en-GB" smtClean="0"/>
-              <a:t>02/10/2024</a:t>
+              <a:t>03/10/2024</a:t>
             </a:fld>
             <a:endParaRPr lang="en-US"/>
           </a:p>
@@ -24045,7 +24034,7 @@
           <a:p>
             <a:fld id="{C7EFF3D0-6BED-D444-BEB4-872DDA21BA8D}" type="datetime1">
               <a:rPr lang="en-GB" smtClean="0"/>
-              <a:t>02/10/2024</a:t>
+              <a:t>03/10/2024</a:t>
             </a:fld>
             <a:endParaRPr lang="en-US"/>
           </a:p>
@@ -24357,7 +24346,7 @@
           <a:p>
             <a:fld id="{C7EFF3D0-6BED-D444-BEB4-872DDA21BA8D}" type="datetime1">
               <a:rPr lang="en-GB" smtClean="0"/>
-              <a:t>02/10/2024</a:t>
+              <a:t>03/10/2024</a:t>
             </a:fld>
             <a:endParaRPr lang="en-US"/>
           </a:p>
@@ -24827,7 +24816,7 @@
           <a:p>
             <a:fld id="{D3ECCBB8-735C-914B-8E67-7852CBBDF7EA}" type="datetime1">
               <a:rPr lang="en-GB" smtClean="0"/>
-              <a:t>02/10/2024</a:t>
+              <a:t>03/10/2024</a:t>
             </a:fld>
             <a:endParaRPr lang="en-GB"/>
           </a:p>
@@ -25513,7 +25502,7 @@
           <a:p>
             <a:fld id="{C7EFF3D0-6BED-D444-BEB4-872DDA21BA8D}" type="datetime1">
               <a:rPr lang="en-GB" smtClean="0"/>
-              <a:t>02/10/2024</a:t>
+              <a:t>03/10/2024</a:t>
             </a:fld>
             <a:endParaRPr lang="en-US"/>
           </a:p>
@@ -25786,7 +25775,7 @@
           <a:p>
             <a:fld id="{C7EFF3D0-6BED-D444-BEB4-872DDA21BA8D}" type="datetime1">
               <a:rPr lang="en-GB" smtClean="0"/>
-              <a:t>02/10/2024</a:t>
+              <a:t>03/10/2024</a:t>
             </a:fld>
             <a:endParaRPr lang="en-US"/>
           </a:p>
@@ -26051,7 +26040,7 @@
           <a:p>
             <a:fld id="{C7EFF3D0-6BED-D444-BEB4-872DDA21BA8D}" type="datetime1">
               <a:rPr lang="en-GB" smtClean="0"/>
-              <a:t>02/10/2024</a:t>
+              <a:t>03/10/2024</a:t>
             </a:fld>
             <a:endParaRPr lang="en-US"/>
           </a:p>
@@ -26443,7 +26432,7 @@
           <a:p>
             <a:fld id="{C7EFF3D0-6BED-D444-BEB4-872DDA21BA8D}" type="datetime1">
               <a:rPr lang="en-GB" smtClean="0"/>
-              <a:t>02/10/2024</a:t>
+              <a:t>03/10/2024</a:t>
             </a:fld>
             <a:endParaRPr lang="en-US"/>
           </a:p>
@@ -26835,7 +26824,7 @@
           <a:p>
             <a:fld id="{C7EFF3D0-6BED-D444-BEB4-872DDA21BA8D}" type="datetime1">
               <a:rPr lang="en-GB" smtClean="0"/>
-              <a:t>02/10/2024</a:t>
+              <a:t>03/10/2024</a:t>
             </a:fld>
             <a:endParaRPr lang="en-US"/>
           </a:p>
@@ -27716,7 +27705,7 @@
           <a:p>
             <a:fld id="{C7EFF3D0-6BED-D444-BEB4-872DDA21BA8D}" type="datetime1">
               <a:rPr lang="en-GB" smtClean="0"/>
-              <a:t>02/10/2024</a:t>
+              <a:t>03/10/2024</a:t>
             </a:fld>
             <a:endParaRPr lang="en-US"/>
           </a:p>
@@ -27877,7 +27866,7 @@
           <a:p>
             <a:fld id="{C7EFF3D0-6BED-D444-BEB4-872DDA21BA8D}" type="datetime1">
               <a:rPr lang="en-GB" smtClean="0"/>
-              <a:t>02/10/2024</a:t>
+              <a:t>03/10/2024</a:t>
             </a:fld>
             <a:endParaRPr lang="en-US"/>
           </a:p>
@@ -28634,7 +28623,7 @@
           <a:p>
             <a:fld id="{C7EFF3D0-6BED-D444-BEB4-872DDA21BA8D}" type="datetime1">
               <a:rPr lang="en-GB" smtClean="0"/>
-              <a:t>02/10/2024</a:t>
+              <a:t>03/10/2024</a:t>
             </a:fld>
             <a:endParaRPr lang="en-US"/>
           </a:p>
@@ -28920,7 +28909,7 @@
           <a:p>
             <a:fld id="{C7EFF3D0-6BED-D444-BEB4-872DDA21BA8D}" type="datetime1">
               <a:rPr lang="en-GB" smtClean="0"/>
-              <a:t>02/10/2024</a:t>
+              <a:t>03/10/2024</a:t>
             </a:fld>
             <a:endParaRPr lang="en-US"/>
           </a:p>
@@ -29686,7 +29675,7 @@
           <a:p>
             <a:fld id="{C7EFF3D0-6BED-D444-BEB4-872DDA21BA8D}" type="datetime1">
               <a:rPr lang="en-GB" smtClean="0"/>
-              <a:t>02/10/2024</a:t>
+              <a:t>03/10/2024</a:t>
             </a:fld>
             <a:endParaRPr lang="en-US"/>
           </a:p>
@@ -30609,7 +30598,7 @@
           <a:p>
             <a:fld id="{D3ECCBB8-735C-914B-8E67-7852CBBDF7EA}" type="datetime1">
               <a:rPr lang="en-GB" smtClean="0"/>
-              <a:t>02/10/2024</a:t>
+              <a:t>03/10/2024</a:t>
             </a:fld>
             <a:endParaRPr lang="en-GB"/>
           </a:p>
@@ -31547,7 +31536,7 @@
           <a:p>
             <a:fld id="{D3ECCBB8-735C-914B-8E67-7852CBBDF7EA}" type="datetime1">
               <a:rPr lang="en-GB" smtClean="0"/>
-              <a:t>02/10/2024</a:t>
+              <a:t>03/10/2024</a:t>
             </a:fld>
             <a:endParaRPr lang="en-GB"/>
           </a:p>
@@ -32493,7 +32482,7 @@
           <a:p>
             <a:fld id="{D3ECCBB8-735C-914B-8E67-7852CBBDF7EA}" type="datetime1">
               <a:rPr lang="en-GB" smtClean="0"/>
-              <a:t>02/10/2024</a:t>
+              <a:t>03/10/2024</a:t>
             </a:fld>
             <a:endParaRPr lang="en-GB"/>
           </a:p>
@@ -33204,7 +33193,7 @@
           <a:p>
             <a:fld id="{C7EFF3D0-6BED-D444-BEB4-872DDA21BA8D}" type="datetime1">
               <a:rPr lang="en-GB" smtClean="0"/>
-              <a:t>02/10/2024</a:t>
+              <a:t>03/10/2024</a:t>
             </a:fld>
             <a:endParaRPr lang="en-US"/>
           </a:p>
@@ -35208,7 +35197,7 @@
           <a:p>
             <a:fld id="{C7EFF3D0-6BED-D444-BEB4-872DDA21BA8D}" type="datetime1">
               <a:rPr lang="en-GB" smtClean="0"/>
-              <a:t>02/10/2024</a:t>
+              <a:t>03/10/2024</a:t>
             </a:fld>
             <a:endParaRPr lang="en-US"/>
           </a:p>
@@ -38313,7 +38302,7 @@
           <a:p>
             <a:fld id="{D63005AE-A14B-7B48-9AF5-01E333747121}" type="datetime1">
               <a:rPr lang="en-GB" smtClean="0"/>
-              <a:t>02/10/2024</a:t>
+              <a:t>03/10/2024</a:t>
             </a:fld>
             <a:endParaRPr lang="en-GB"/>
           </a:p>
@@ -39490,7 +39479,7 @@
         </p:nvSpPr>
         <p:spPr>
           <a:xfrm>
-            <a:off x="5644144" y="5269489"/>
+            <a:off x="5857356" y="5658551"/>
             <a:ext cx="5306349" cy="388773"/>
           </a:xfrm>
           <a:prstGeom prst="rect">
@@ -39726,7 +39715,7 @@
               <a:buNone/>
             </a:pPr>
             <a:r>
-              <a:rPr lang="en-GB" sz="800" b="0" i="0" dirty="0">
+              <a:rPr lang="en-GB" sz="900" b="0" i="0" dirty="0">
                 <a:solidFill>
                   <a:srgbClr val="555555"/>
                 </a:solidFill>
@@ -39735,7 +39724,7 @@
               </a:rPr>
               <a:t>These are projected Value Savings for a full year, calculated based on the figures you have provided. We will be reviewing the data with you on an ongoing basis.</a:t>
             </a:r>
-            <a:endParaRPr lang="en-GB" sz="900" dirty="0">
+            <a:endParaRPr lang="en-GB" sz="1000" dirty="0">
               <a:solidFill>
                 <a:schemeClr val="tx1">
                   <a:lumMod val="50000"/>
@@ -39764,13 +39753,13 @@
           <p:nvPr>
             <p:extLst>
               <p:ext uri="{D42A27DB-BD31-4B8C-83A1-F6EECF244321}">
-                <p14:modId xmlns:p14="http://schemas.microsoft.com/office/powerpoint/2010/main" val="2574753092"/>
+                <p14:modId xmlns:p14="http://schemas.microsoft.com/office/powerpoint/2010/main" val="181631679"/>
               </p:ext>
             </p:extLst>
           </p:nvPr>
         </p:nvGraphicFramePr>
         <p:xfrm>
-          <a:off x="695325" y="865136"/>
+          <a:off x="695325" y="964526"/>
           <a:ext cx="5015009" cy="5540203"/>
         </p:xfrm>
         <a:graphic>
@@ -39793,8 +39782,8 @@
         </p:nvSpPr>
         <p:spPr>
           <a:xfrm>
-            <a:off x="5688393" y="1494325"/>
-            <a:ext cx="1682427" cy="230832"/>
+            <a:off x="5857356" y="1693105"/>
+            <a:ext cx="1682427" cy="261610"/>
           </a:xfrm>
           <a:prstGeom prst="rect">
             <a:avLst/>
@@ -39809,7 +39798,7 @@
           <a:p>
             <a:pPr algn="l" fontAlgn="ctr"/>
             <a:r>
-              <a:rPr lang="en-GB" sz="900" b="1" i="0" u="none" strike="noStrike" dirty="0">
+              <a:rPr lang="en-GB" sz="1050" b="1" i="0" u="none" strike="noStrike" dirty="0">
                 <a:solidFill>
                   <a:schemeClr val="tx1">
                     <a:lumMod val="50000"/>
@@ -39838,8 +39827,8 @@
         </p:nvSpPr>
         <p:spPr>
           <a:xfrm>
-            <a:off x="9484507" y="1498744"/>
-            <a:ext cx="726293" cy="230832"/>
+            <a:off x="9653470" y="1697524"/>
+            <a:ext cx="1080790" cy="261610"/>
           </a:xfrm>
           <a:prstGeom prst="rect">
             <a:avLst/>
@@ -39854,7 +39843,7 @@
           <a:p>
             <a:pPr algn="l" fontAlgn="ctr"/>
             <a:r>
-              <a:rPr lang="en-GB" sz="900" b="1" i="0" u="none" strike="noStrike" dirty="0">
+              <a:rPr lang="en-GB" sz="1050" b="1" i="0" u="none" strike="noStrike" dirty="0">
                 <a:solidFill>
                   <a:schemeClr val="tx1">
                     <a:lumMod val="50000"/>
@@ -39883,10 +39872,10 @@
         </p:nvGrpSpPr>
         <p:grpSpPr>
           <a:xfrm>
-            <a:off x="5680323" y="1889663"/>
-            <a:ext cx="5271366" cy="156508"/>
+            <a:off x="5849286" y="2088443"/>
+            <a:ext cx="5271366" cy="260780"/>
             <a:chOff x="5701173" y="1914766"/>
-            <a:chExt cx="5271366" cy="254507"/>
+            <a:chExt cx="5271366" cy="424070"/>
           </a:xfrm>
         </p:grpSpPr>
         <p:sp>
@@ -39904,7 +39893,7 @@
           <p:spPr>
             <a:xfrm>
               <a:off x="5701173" y="1938441"/>
-              <a:ext cx="2640393" cy="230832"/>
+              <a:ext cx="2640393" cy="400395"/>
             </a:xfrm>
             <a:prstGeom prst="rect">
               <a:avLst/>
@@ -39919,7 +39908,7 @@
             <a:p>
               <a:pPr algn="l" fontAlgn="ctr"/>
               <a:r>
-                <a:rPr lang="en-US" sz="900" b="0" i="0" u="none" strike="noStrike" dirty="0">
+                <a:rPr lang="en-US" sz="1000" b="0" i="0" u="none" strike="noStrike" dirty="0">
                   <a:solidFill>
                     <a:schemeClr val="tx1">
                       <a:lumMod val="50000"/>
@@ -39931,7 +39920,7 @@
                 </a:rPr>
                 <a:t>Current Annual IT Finance System Costs</a:t>
               </a:r>
-              <a:endParaRPr lang="en-GB" sz="900" b="0" i="0" u="none" strike="noStrike" dirty="0">
+              <a:endParaRPr lang="en-GB" sz="1000" b="0" i="0" u="none" strike="noStrike" dirty="0">
                 <a:solidFill>
                   <a:schemeClr val="tx1">
                     <a:lumMod val="50000"/>
@@ -39959,7 +39948,7 @@
           <p:spPr>
             <a:xfrm>
               <a:off x="9484507" y="1914766"/>
-              <a:ext cx="303387" cy="230832"/>
+              <a:ext cx="303387" cy="400395"/>
             </a:xfrm>
             <a:prstGeom prst="rect">
               <a:avLst/>
@@ -39974,7 +39963,7 @@
             <a:p>
               <a:pPr algn="l" fontAlgn="ctr"/>
               <a:r>
-                <a:rPr lang="tr-TR" sz="900" dirty="0">
+                <a:rPr lang="tr-TR" sz="1000" dirty="0">
                   <a:solidFill>
                     <a:schemeClr val="tx1">
                       <a:lumMod val="50000"/>
@@ -39985,7 +39974,7 @@
                 </a:rPr>
                 <a:t>£</a:t>
               </a:r>
-              <a:endParaRPr lang="en-GB" sz="900" b="0" i="0" u="none" strike="noStrike" dirty="0">
+              <a:endParaRPr lang="en-GB" sz="1000" b="0" i="0" u="none" strike="noStrike" dirty="0">
                 <a:solidFill>
                   <a:schemeClr val="tx1">
                     <a:lumMod val="50000"/>
@@ -40013,7 +40002,7 @@
           <p:spPr>
             <a:xfrm>
               <a:off x="10108153" y="1914766"/>
-              <a:ext cx="864386" cy="230832"/>
+              <a:ext cx="864386" cy="400395"/>
             </a:xfrm>
             <a:prstGeom prst="rect">
               <a:avLst/>
@@ -40028,7 +40017,7 @@
             <a:p>
               <a:pPr algn="r" fontAlgn="ctr"/>
               <a:r>
-                <a:rPr lang="tr-TR" sz="900" b="0" i="0" u="none" strike="noStrike" dirty="0" err="1">
+                <a:rPr lang="tr-TR" sz="1000" b="1" i="0" u="none" strike="noStrike" dirty="0" err="1">
                   <a:solidFill>
                     <a:schemeClr val="tx1">
                       <a:lumMod val="50000"/>
@@ -40040,7 +40029,7 @@
                 </a:rPr>
                 <a:t>baitval</a:t>
               </a:r>
-              <a:endParaRPr lang="en-GB" sz="900" b="0" i="0" u="none" strike="noStrike" dirty="0">
+              <a:endParaRPr lang="en-GB" sz="1000" b="1" i="0" u="none" strike="noStrike" dirty="0">
                 <a:solidFill>
                   <a:schemeClr val="tx1">
                     <a:lumMod val="50000"/>
@@ -40068,7 +40057,7 @@
         </p:nvCxnSpPr>
         <p:spPr>
           <a:xfrm>
-            <a:off x="5774237" y="1804416"/>
+            <a:off x="5943200" y="2003196"/>
             <a:ext cx="5117817" cy="0"/>
           </a:xfrm>
           <a:prstGeom prst="line">
@@ -40104,10 +40093,10 @@
         </p:nvGrpSpPr>
         <p:grpSpPr>
           <a:xfrm>
-            <a:off x="5679127" y="2165737"/>
-            <a:ext cx="5271366" cy="251144"/>
+            <a:off x="5848090" y="2364518"/>
+            <a:ext cx="5271366" cy="266533"/>
             <a:chOff x="5701173" y="1914766"/>
-            <a:chExt cx="5271366" cy="292730"/>
+            <a:chExt cx="5271366" cy="310667"/>
           </a:xfrm>
         </p:grpSpPr>
         <p:sp>
@@ -40125,7 +40114,7 @@
           <p:spPr>
             <a:xfrm>
               <a:off x="5701173" y="1938441"/>
-              <a:ext cx="2640393" cy="269055"/>
+              <a:ext cx="2640393" cy="286992"/>
             </a:xfrm>
             <a:prstGeom prst="rect">
               <a:avLst/>
@@ -40140,7 +40129,7 @@
             <a:p>
               <a:pPr algn="l" fontAlgn="ctr"/>
               <a:r>
-                <a:rPr lang="en-US" sz="900" b="0" i="0" u="none" strike="noStrike" dirty="0">
+                <a:rPr lang="en-US" sz="1000" b="0" i="0" u="none" strike="noStrike" dirty="0">
                   <a:solidFill>
                     <a:schemeClr val="tx1">
                       <a:lumMod val="50000"/>
@@ -40152,7 +40141,7 @@
                 </a:rPr>
                 <a:t>Raising Purchase Orders (mins per order)</a:t>
               </a:r>
-              <a:endParaRPr lang="en-GB" sz="900" b="0" i="0" u="none" strike="noStrike" dirty="0">
+              <a:endParaRPr lang="en-GB" sz="1000" b="0" i="0" u="none" strike="noStrike" dirty="0">
                 <a:solidFill>
                   <a:schemeClr val="tx1">
                     <a:lumMod val="50000"/>
@@ -40180,7 +40169,7 @@
           <p:spPr>
             <a:xfrm>
               <a:off x="9484507" y="1914766"/>
-              <a:ext cx="303387" cy="230832"/>
+              <a:ext cx="303387" cy="286992"/>
             </a:xfrm>
             <a:prstGeom prst="rect">
               <a:avLst/>
@@ -40195,7 +40184,7 @@
             <a:p>
               <a:pPr algn="l" fontAlgn="ctr"/>
               <a:r>
-                <a:rPr lang="tr-TR" sz="900" dirty="0">
+                <a:rPr lang="tr-TR" sz="1000" dirty="0">
                   <a:solidFill>
                     <a:schemeClr val="tx1">
                       <a:lumMod val="50000"/>
@@ -40206,7 +40195,7 @@
                 </a:rPr>
                 <a:t>£</a:t>
               </a:r>
-              <a:endParaRPr lang="en-GB" sz="900" b="0" i="0" u="none" strike="noStrike" dirty="0">
+              <a:endParaRPr lang="en-GB" sz="1000" b="0" i="0" u="none" strike="noStrike" dirty="0">
                 <a:solidFill>
                   <a:schemeClr val="tx1">
                     <a:lumMod val="50000"/>
@@ -40234,7 +40223,7 @@
           <p:spPr>
             <a:xfrm>
               <a:off x="10108153" y="1914766"/>
-              <a:ext cx="864386" cy="269055"/>
+              <a:ext cx="864386" cy="286992"/>
             </a:xfrm>
             <a:prstGeom prst="rect">
               <a:avLst/>
@@ -40249,7 +40238,7 @@
             <a:p>
               <a:pPr algn="r" fontAlgn="ctr"/>
               <a:r>
-                <a:rPr lang="tr-TR" sz="900" b="0" i="0" u="none" strike="noStrike" dirty="0" err="1">
+                <a:rPr lang="tr-TR" sz="1000" b="1" i="0" u="none" strike="noStrike" dirty="0" err="1">
                   <a:solidFill>
                     <a:schemeClr val="tx1">
                       <a:lumMod val="50000"/>
@@ -40261,7 +40250,7 @@
                 </a:rPr>
                 <a:t>barpoval</a:t>
               </a:r>
-              <a:endParaRPr lang="en-GB" sz="900" b="0" i="0" u="none" strike="noStrike" dirty="0">
+              <a:endParaRPr lang="en-GB" sz="1000" b="1" i="0" u="none" strike="noStrike" dirty="0">
                 <a:solidFill>
                   <a:schemeClr val="tx1">
                     <a:lumMod val="50000"/>
@@ -40289,10 +40278,10 @@
         </p:nvGrpSpPr>
         <p:grpSpPr>
           <a:xfrm>
-            <a:off x="5679127" y="2416802"/>
-            <a:ext cx="5271366" cy="250029"/>
+            <a:off x="5848090" y="2615582"/>
+            <a:ext cx="5271366" cy="419307"/>
             <a:chOff x="5701173" y="1914766"/>
-            <a:chExt cx="5271366" cy="308357"/>
+            <a:chExt cx="5271366" cy="517125"/>
           </a:xfrm>
         </p:grpSpPr>
         <p:sp>
@@ -40310,7 +40299,7 @@
           <p:spPr>
             <a:xfrm>
               <a:off x="5701173" y="1938441"/>
-              <a:ext cx="2640393" cy="284682"/>
+              <a:ext cx="2640393" cy="493450"/>
             </a:xfrm>
             <a:prstGeom prst="rect">
               <a:avLst/>
@@ -40325,7 +40314,7 @@
             <a:p>
               <a:pPr algn="l" fontAlgn="ctr"/>
               <a:r>
-                <a:rPr lang="en-US" sz="900" b="0" i="0" u="none" strike="noStrike" dirty="0">
+                <a:rPr lang="en-US" sz="1000" b="0" i="0" u="none" strike="noStrike" dirty="0">
                   <a:solidFill>
                     <a:schemeClr val="tx1">
                       <a:lumMod val="50000"/>
@@ -40337,7 +40326,7 @@
                 </a:rPr>
                 <a:t>Purchase Order approvals (mins per approval)</a:t>
               </a:r>
-              <a:endParaRPr lang="en-GB" sz="900" b="0" i="0" u="none" strike="noStrike" dirty="0">
+              <a:endParaRPr lang="en-GB" sz="1000" b="0" i="0" u="none" strike="noStrike" dirty="0">
                 <a:solidFill>
                   <a:schemeClr val="tx1">
                     <a:lumMod val="50000"/>
@@ -40365,7 +40354,7 @@
           <p:spPr>
             <a:xfrm>
               <a:off x="9484507" y="1914766"/>
-              <a:ext cx="303387" cy="230832"/>
+              <a:ext cx="303387" cy="303661"/>
             </a:xfrm>
             <a:prstGeom prst="rect">
               <a:avLst/>
@@ -40380,7 +40369,7 @@
             <a:p>
               <a:pPr algn="l" fontAlgn="ctr"/>
               <a:r>
-                <a:rPr lang="tr-TR" sz="900" dirty="0">
+                <a:rPr lang="tr-TR" sz="1000" dirty="0">
                   <a:solidFill>
                     <a:schemeClr val="tx1">
                       <a:lumMod val="50000"/>
@@ -40391,7 +40380,7 @@
                 </a:rPr>
                 <a:t>£</a:t>
               </a:r>
-              <a:endParaRPr lang="en-GB" sz="900" b="0" i="0" u="none" strike="noStrike" dirty="0">
+              <a:endParaRPr lang="en-GB" sz="1000" b="0" i="0" u="none" strike="noStrike" dirty="0">
                 <a:solidFill>
                   <a:schemeClr val="tx1">
                     <a:lumMod val="50000"/>
@@ -40419,7 +40408,7 @@
           <p:spPr>
             <a:xfrm>
               <a:off x="10108153" y="1914766"/>
-              <a:ext cx="864386" cy="269055"/>
+              <a:ext cx="864386" cy="303661"/>
             </a:xfrm>
             <a:prstGeom prst="rect">
               <a:avLst/>
@@ -40434,7 +40423,7 @@
             <a:p>
               <a:pPr algn="r" fontAlgn="ctr"/>
               <a:r>
-                <a:rPr lang="tr-TR" sz="900" b="0" i="0" u="none" strike="noStrike" dirty="0" err="1">
+                <a:rPr lang="tr-TR" sz="1000" b="1" i="0" u="none" strike="noStrike" dirty="0" err="1">
                   <a:solidFill>
                     <a:schemeClr val="tx1">
                       <a:lumMod val="50000"/>
@@ -40444,9 +40433,9 @@
                   <a:effectLst/>
                   <a:latin typeface="Open Sans" panose="020B0606030504020204" pitchFamily="34" charset="0"/>
                 </a:rPr>
-                <a:t>barpoval</a:t>
+                <a:t>bapoaval</a:t>
               </a:r>
-              <a:endParaRPr lang="en-GB" sz="900" b="0" i="0" u="none" strike="noStrike" dirty="0">
+              <a:endParaRPr lang="en-GB" sz="1000" b="1" i="0" u="none" strike="noStrike" dirty="0">
                 <a:solidFill>
                   <a:schemeClr val="tx1">
                     <a:lumMod val="50000"/>
@@ -40474,10 +40463,10 @@
         </p:nvGrpSpPr>
         <p:grpSpPr>
           <a:xfrm>
-            <a:off x="5679127" y="2683183"/>
-            <a:ext cx="5271366" cy="250029"/>
+            <a:off x="5848090" y="2991292"/>
+            <a:ext cx="5271366" cy="265418"/>
             <a:chOff x="5701173" y="1914766"/>
-            <a:chExt cx="5271366" cy="308357"/>
+            <a:chExt cx="5271366" cy="327336"/>
           </a:xfrm>
         </p:grpSpPr>
         <p:sp>
@@ -40495,7 +40484,7 @@
           <p:spPr>
             <a:xfrm>
               <a:off x="5701173" y="1938441"/>
-              <a:ext cx="2640393" cy="284682"/>
+              <a:ext cx="2640393" cy="303661"/>
             </a:xfrm>
             <a:prstGeom prst="rect">
               <a:avLst/>
@@ -40510,7 +40499,7 @@
             <a:p>
               <a:pPr algn="l" fontAlgn="ctr"/>
               <a:r>
-                <a:rPr lang="en-US" sz="900" b="0" i="0" u="none" strike="noStrike" dirty="0">
+                <a:rPr lang="en-US" sz="1000" b="0" i="0" u="none" strike="noStrike" dirty="0">
                   <a:solidFill>
                     <a:schemeClr val="tx1">
                       <a:lumMod val="50000"/>
@@ -40522,7 +40511,7 @@
                 </a:rPr>
                 <a:t>Debt collection administration processes</a:t>
               </a:r>
-              <a:endParaRPr lang="en-GB" sz="900" b="0" i="0" u="none" strike="noStrike" dirty="0">
+              <a:endParaRPr lang="en-GB" sz="1000" b="0" i="0" u="none" strike="noStrike" dirty="0">
                 <a:solidFill>
                   <a:schemeClr val="tx1">
                     <a:lumMod val="50000"/>
@@ -40550,7 +40539,7 @@
           <p:spPr>
             <a:xfrm>
               <a:off x="9484507" y="1914766"/>
-              <a:ext cx="303387" cy="230832"/>
+              <a:ext cx="303387" cy="303661"/>
             </a:xfrm>
             <a:prstGeom prst="rect">
               <a:avLst/>
@@ -40565,7 +40554,7 @@
             <a:p>
               <a:pPr algn="l" fontAlgn="ctr"/>
               <a:r>
-                <a:rPr lang="tr-TR" sz="900" dirty="0">
+                <a:rPr lang="tr-TR" sz="1000" dirty="0">
                   <a:solidFill>
                     <a:schemeClr val="tx1">
                       <a:lumMod val="50000"/>
@@ -40576,7 +40565,7 @@
                 </a:rPr>
                 <a:t>£</a:t>
               </a:r>
-              <a:endParaRPr lang="en-GB" sz="900" b="0" i="0" u="none" strike="noStrike" dirty="0">
+              <a:endParaRPr lang="en-GB" sz="1000" b="0" i="0" u="none" strike="noStrike" dirty="0">
                 <a:solidFill>
                   <a:schemeClr val="tx1">
                     <a:lumMod val="50000"/>
@@ -40604,7 +40593,7 @@
           <p:spPr>
             <a:xfrm>
               <a:off x="10108153" y="1914766"/>
-              <a:ext cx="864386" cy="284682"/>
+              <a:ext cx="864386" cy="303661"/>
             </a:xfrm>
             <a:prstGeom prst="rect">
               <a:avLst/>
@@ -40619,19 +40608,18 @@
             <a:p>
               <a:pPr algn="r" fontAlgn="ctr"/>
               <a:r>
-                <a:rPr lang="tr-TR" sz="900" b="0" i="0" u="none" strike="noStrike" dirty="0" err="1">
+                <a:rPr lang="tr-TR" sz="1000" b="1" dirty="0" err="1">
                   <a:solidFill>
                     <a:schemeClr val="tx1">
                       <a:lumMod val="50000"/>
                       <a:lumOff val="50000"/>
                     </a:schemeClr>
                   </a:solidFill>
-                  <a:effectLst/>
                   <a:latin typeface="Open Sans" panose="020B0606030504020204" pitchFamily="34" charset="0"/>
                 </a:rPr>
                 <a:t>badcapval</a:t>
               </a:r>
-              <a:endParaRPr lang="en-GB" sz="900" b="0" i="0" u="none" strike="noStrike" dirty="0">
+              <a:endParaRPr lang="en-GB" sz="1000" b="1" i="0" u="none" strike="noStrike" dirty="0">
                 <a:solidFill>
                   <a:schemeClr val="tx1">
                     <a:lumMod val="50000"/>
@@ -40659,10 +40647,10 @@
         </p:nvGrpSpPr>
         <p:grpSpPr>
           <a:xfrm>
-            <a:off x="5679127" y="2969695"/>
-            <a:ext cx="5271366" cy="250029"/>
+            <a:off x="5848090" y="3228109"/>
+            <a:ext cx="5271366" cy="265418"/>
             <a:chOff x="5701173" y="1914766"/>
-            <a:chExt cx="5271366" cy="308357"/>
+            <a:chExt cx="5271366" cy="327336"/>
           </a:xfrm>
         </p:grpSpPr>
         <p:sp>
@@ -40680,7 +40668,7 @@
           <p:spPr>
             <a:xfrm>
               <a:off x="5701173" y="1938441"/>
-              <a:ext cx="2640393" cy="284682"/>
+              <a:ext cx="2640393" cy="303661"/>
             </a:xfrm>
             <a:prstGeom prst="rect">
               <a:avLst/>
@@ -40695,7 +40683,7 @@
             <a:p>
               <a:pPr algn="l" fontAlgn="ctr"/>
               <a:r>
-                <a:rPr lang="en-GB" sz="900" b="0" i="0" u="none" strike="noStrike" dirty="0">
+                <a:rPr lang="en-GB" sz="1000" b="0" i="0" u="none" strike="noStrike" dirty="0">
                   <a:solidFill>
                     <a:schemeClr val="tx1">
                       <a:lumMod val="50000"/>
@@ -40725,7 +40713,7 @@
           <p:spPr>
             <a:xfrm>
               <a:off x="9484507" y="1914766"/>
-              <a:ext cx="303387" cy="230832"/>
+              <a:ext cx="303387" cy="303661"/>
             </a:xfrm>
             <a:prstGeom prst="rect">
               <a:avLst/>
@@ -40740,7 +40728,7 @@
             <a:p>
               <a:pPr algn="l" fontAlgn="ctr"/>
               <a:r>
-                <a:rPr lang="tr-TR" sz="900" dirty="0">
+                <a:rPr lang="tr-TR" sz="1000" dirty="0">
                   <a:solidFill>
                     <a:schemeClr val="tx1">
                       <a:lumMod val="50000"/>
@@ -40751,7 +40739,7 @@
                 </a:rPr>
                 <a:t>£</a:t>
               </a:r>
-              <a:endParaRPr lang="en-GB" sz="900" b="0" i="0" u="none" strike="noStrike" dirty="0">
+              <a:endParaRPr lang="en-GB" sz="1000" b="0" i="0" u="none" strike="noStrike" dirty="0">
                 <a:solidFill>
                   <a:schemeClr val="tx1">
                     <a:lumMod val="50000"/>
@@ -40779,7 +40767,7 @@
           <p:spPr>
             <a:xfrm>
               <a:off x="10108153" y="1914766"/>
-              <a:ext cx="864386" cy="284682"/>
+              <a:ext cx="864386" cy="303661"/>
             </a:xfrm>
             <a:prstGeom prst="rect">
               <a:avLst/>
@@ -40794,7 +40782,7 @@
             <a:p>
               <a:pPr algn="r" fontAlgn="ctr"/>
               <a:r>
-                <a:rPr lang="tr-TR" sz="900" b="0" i="0" u="none" strike="noStrike" dirty="0" err="1">
+                <a:rPr lang="tr-TR" sz="1000" b="1" i="0" u="none" strike="noStrike" dirty="0" err="1">
                   <a:solidFill>
                     <a:schemeClr val="tx1">
                       <a:lumMod val="50000"/>
@@ -40806,7 +40794,7 @@
                 </a:rPr>
                 <a:t>bacipval</a:t>
               </a:r>
-              <a:endParaRPr lang="en-GB" sz="900" b="0" i="0" u="none" strike="noStrike" dirty="0">
+              <a:endParaRPr lang="en-GB" sz="1000" b="1" i="0" u="none" strike="noStrike" dirty="0">
                 <a:solidFill>
                   <a:schemeClr val="tx1">
                     <a:lumMod val="50000"/>
@@ -40834,10 +40822,10 @@
         </p:nvGrpSpPr>
         <p:grpSpPr>
           <a:xfrm>
-            <a:off x="5688393" y="3200931"/>
-            <a:ext cx="5271366" cy="250029"/>
+            <a:off x="5857356" y="3469284"/>
+            <a:ext cx="5271366" cy="271544"/>
             <a:chOff x="5701173" y="1914766"/>
-            <a:chExt cx="5271366" cy="308357"/>
+            <a:chExt cx="5271366" cy="334891"/>
           </a:xfrm>
         </p:grpSpPr>
         <p:sp>
@@ -40855,7 +40843,7 @@
           <p:spPr>
             <a:xfrm>
               <a:off x="5701173" y="1938441"/>
-              <a:ext cx="3286937" cy="284682"/>
+              <a:ext cx="3286937" cy="303661"/>
             </a:xfrm>
             <a:prstGeom prst="rect">
               <a:avLst/>
@@ -40870,7 +40858,7 @@
             <a:p>
               <a:pPr algn="l" fontAlgn="ctr"/>
               <a:r>
-                <a:rPr lang="en-US" sz="900" b="0" i="0" u="none" strike="noStrike" dirty="0">
+                <a:rPr lang="en-US" sz="1000" b="0" i="0" u="none" strike="noStrike" dirty="0">
                   <a:solidFill>
                     <a:schemeClr val="tx1">
                       <a:lumMod val="50000"/>
@@ -40882,7 +40870,7 @@
                 </a:rPr>
                 <a:t>Management of supplier and purchase invoices</a:t>
               </a:r>
-              <a:endParaRPr lang="en-GB" sz="900" b="0" i="0" u="none" strike="noStrike" dirty="0">
+              <a:endParaRPr lang="en-GB" sz="1000" b="0" i="0" u="none" strike="noStrike" dirty="0">
                 <a:solidFill>
                   <a:schemeClr val="tx1">
                     <a:lumMod val="50000"/>
@@ -40910,7 +40898,7 @@
           <p:spPr>
             <a:xfrm>
               <a:off x="9475240" y="1945996"/>
-              <a:ext cx="303387" cy="230831"/>
+              <a:ext cx="303387" cy="303661"/>
             </a:xfrm>
             <a:prstGeom prst="rect">
               <a:avLst/>
@@ -40925,7 +40913,7 @@
             <a:p>
               <a:pPr algn="l" fontAlgn="ctr"/>
               <a:r>
-                <a:rPr lang="tr-TR" sz="900" dirty="0">
+                <a:rPr lang="tr-TR" sz="1000" dirty="0">
                   <a:solidFill>
                     <a:schemeClr val="tx1">
                       <a:lumMod val="50000"/>
@@ -40936,7 +40924,7 @@
                 </a:rPr>
                 <a:t>£</a:t>
               </a:r>
-              <a:endParaRPr lang="en-GB" sz="900" b="0" i="0" u="none" strike="noStrike" dirty="0">
+              <a:endParaRPr lang="en-GB" sz="1000" b="0" i="0" u="none" strike="noStrike" dirty="0">
                 <a:solidFill>
                   <a:schemeClr val="tx1">
                     <a:lumMod val="50000"/>
@@ -40964,7 +40952,7 @@
           <p:spPr>
             <a:xfrm>
               <a:off x="10108153" y="1914766"/>
-              <a:ext cx="864386" cy="284682"/>
+              <a:ext cx="864386" cy="303661"/>
             </a:xfrm>
             <a:prstGeom prst="rect">
               <a:avLst/>
@@ -40979,7 +40967,7 @@
             <a:p>
               <a:pPr algn="r" fontAlgn="ctr"/>
               <a:r>
-                <a:rPr lang="tr-TR" sz="900" b="0" i="0" u="none" strike="noStrike" dirty="0" err="1">
+                <a:rPr lang="tr-TR" sz="1000" b="1" i="0" u="none" strike="noStrike" dirty="0" err="1">
                   <a:solidFill>
                     <a:schemeClr val="tx1">
                       <a:lumMod val="50000"/>
@@ -40991,7 +40979,7 @@
                 </a:rPr>
                 <a:t>bamspival</a:t>
               </a:r>
-              <a:endParaRPr lang="en-GB" sz="900" b="0" i="0" u="none" strike="noStrike" dirty="0">
+              <a:endParaRPr lang="en-GB" sz="1000" b="1" i="0" u="none" strike="noStrike" dirty="0">
                 <a:solidFill>
                   <a:schemeClr val="tx1">
                     <a:lumMod val="50000"/>
@@ -41019,10 +41007,10 @@
         </p:nvGrpSpPr>
         <p:grpSpPr>
           <a:xfrm>
-            <a:off x="5679127" y="3500298"/>
-            <a:ext cx="5271366" cy="250029"/>
+            <a:off x="5848090" y="3709017"/>
+            <a:ext cx="5271366" cy="419307"/>
             <a:chOff x="5701173" y="1914766"/>
-            <a:chExt cx="5271366" cy="308357"/>
+            <a:chExt cx="5271366" cy="517125"/>
           </a:xfrm>
         </p:grpSpPr>
         <p:sp>
@@ -41040,7 +41028,7 @@
           <p:spPr>
             <a:xfrm>
               <a:off x="5701173" y="1938441"/>
-              <a:ext cx="2640393" cy="284682"/>
+              <a:ext cx="2640393" cy="493450"/>
             </a:xfrm>
             <a:prstGeom prst="rect">
               <a:avLst/>
@@ -41055,7 +41043,7 @@
             <a:p>
               <a:pPr algn="l" fontAlgn="ctr"/>
               <a:r>
-                <a:rPr lang="en-US" sz="900" b="0" i="0" u="none" strike="noStrike" dirty="0">
+                <a:rPr lang="en-US" sz="1000" b="0" i="0" u="none" strike="noStrike" dirty="0">
                   <a:solidFill>
                     <a:schemeClr val="tx1">
                       <a:lumMod val="50000"/>
@@ -41067,7 +41055,7 @@
                 </a:rPr>
                 <a:t>Managing Maverick spend &amp; Spend leakage</a:t>
               </a:r>
-              <a:endParaRPr lang="en-GB" sz="900" b="0" i="0" u="none" strike="noStrike" dirty="0">
+              <a:endParaRPr lang="en-GB" sz="1000" b="0" i="0" u="none" strike="noStrike" dirty="0">
                 <a:solidFill>
                   <a:schemeClr val="tx1">
                     <a:lumMod val="50000"/>
@@ -41095,7 +41083,7 @@
           <p:spPr>
             <a:xfrm>
               <a:off x="9484507" y="1914766"/>
-              <a:ext cx="303387" cy="230832"/>
+              <a:ext cx="303387" cy="303661"/>
             </a:xfrm>
             <a:prstGeom prst="rect">
               <a:avLst/>
@@ -41110,7 +41098,7 @@
             <a:p>
               <a:pPr algn="l" fontAlgn="ctr"/>
               <a:r>
-                <a:rPr lang="tr-TR" sz="900" dirty="0">
+                <a:rPr lang="tr-TR" sz="1000" dirty="0">
                   <a:solidFill>
                     <a:schemeClr val="tx1">
                       <a:lumMod val="50000"/>
@@ -41121,7 +41109,7 @@
                 </a:rPr>
                 <a:t>£</a:t>
               </a:r>
-              <a:endParaRPr lang="en-GB" sz="900" b="0" i="0" u="none" strike="noStrike" dirty="0">
+              <a:endParaRPr lang="en-GB" sz="1000" b="0" i="0" u="none" strike="noStrike" dirty="0">
                 <a:solidFill>
                   <a:schemeClr val="tx1">
                     <a:lumMod val="50000"/>
@@ -41149,7 +41137,7 @@
           <p:spPr>
             <a:xfrm>
               <a:off x="10108153" y="1914766"/>
-              <a:ext cx="864386" cy="284682"/>
+              <a:ext cx="864386" cy="303661"/>
             </a:xfrm>
             <a:prstGeom prst="rect">
               <a:avLst/>
@@ -41164,7 +41152,7 @@
             <a:p>
               <a:pPr algn="r" fontAlgn="ctr"/>
               <a:r>
-                <a:rPr lang="tr-TR" sz="900" b="0" i="0" u="none" strike="noStrike" dirty="0" err="1">
+                <a:rPr lang="tr-TR" sz="1000" b="1" i="0" u="none" strike="noStrike" dirty="0" err="1">
                   <a:solidFill>
                     <a:schemeClr val="tx1">
                       <a:lumMod val="50000"/>
@@ -41176,7 +41164,7 @@
                 </a:rPr>
                 <a:t>bamslval</a:t>
               </a:r>
-              <a:endParaRPr lang="en-GB" sz="900" b="0" i="0" u="none" strike="noStrike" dirty="0">
+              <a:endParaRPr lang="en-GB" sz="1000" b="1" i="0" u="none" strike="noStrike" dirty="0">
                 <a:solidFill>
                   <a:schemeClr val="tx1">
                     <a:lumMod val="50000"/>
@@ -41204,10 +41192,10 @@
         </p:nvGrpSpPr>
         <p:grpSpPr>
           <a:xfrm>
-            <a:off x="5683837" y="3792452"/>
-            <a:ext cx="5271366" cy="250029"/>
+            <a:off x="5852800" y="4080683"/>
+            <a:ext cx="5271366" cy="419307"/>
             <a:chOff x="5701173" y="1914766"/>
-            <a:chExt cx="5271366" cy="308357"/>
+            <a:chExt cx="5271366" cy="517125"/>
           </a:xfrm>
         </p:grpSpPr>
         <p:sp>
@@ -41225,7 +41213,7 @@
           <p:spPr>
             <a:xfrm>
               <a:off x="5701173" y="1938441"/>
-              <a:ext cx="3247244" cy="284682"/>
+              <a:ext cx="3247244" cy="493450"/>
             </a:xfrm>
             <a:prstGeom prst="rect">
               <a:avLst/>
@@ -41240,7 +41228,7 @@
             <a:p>
               <a:pPr algn="l" fontAlgn="ctr"/>
               <a:r>
-                <a:rPr lang="en-US" sz="900" b="0" i="0" u="none" strike="noStrike" dirty="0">
+                <a:rPr lang="en-US" sz="1000" b="0" i="0" u="none" strike="noStrike" dirty="0">
                   <a:solidFill>
                     <a:schemeClr val="tx1">
                       <a:lumMod val="50000"/>
@@ -41252,7 +41240,7 @@
                 </a:rPr>
                 <a:t>Finance query management and dashboard reporting</a:t>
               </a:r>
-              <a:endParaRPr lang="en-GB" sz="900" b="0" i="0" u="none" strike="noStrike" dirty="0">
+              <a:endParaRPr lang="en-GB" sz="1000" b="0" i="0" u="none" strike="noStrike" dirty="0">
                 <a:solidFill>
                   <a:schemeClr val="tx1">
                     <a:lumMod val="50000"/>
@@ -41280,7 +41268,7 @@
           <p:spPr>
             <a:xfrm>
               <a:off x="9484507" y="1914766"/>
-              <a:ext cx="303387" cy="230832"/>
+              <a:ext cx="303387" cy="303661"/>
             </a:xfrm>
             <a:prstGeom prst="rect">
               <a:avLst/>
@@ -41295,7 +41283,7 @@
             <a:p>
               <a:pPr algn="l" fontAlgn="ctr"/>
               <a:r>
-                <a:rPr lang="tr-TR" sz="900" dirty="0">
+                <a:rPr lang="tr-TR" sz="1000" dirty="0">
                   <a:solidFill>
                     <a:schemeClr val="tx1">
                       <a:lumMod val="50000"/>
@@ -41306,7 +41294,7 @@
                 </a:rPr>
                 <a:t>£</a:t>
               </a:r>
-              <a:endParaRPr lang="en-GB" sz="900" b="0" i="0" u="none" strike="noStrike" dirty="0">
+              <a:endParaRPr lang="en-GB" sz="1000" b="0" i="0" u="none" strike="noStrike" dirty="0">
                 <a:solidFill>
                   <a:schemeClr val="tx1">
                     <a:lumMod val="50000"/>
@@ -41334,7 +41322,7 @@
           <p:spPr>
             <a:xfrm>
               <a:off x="10108153" y="1914766"/>
-              <a:ext cx="864386" cy="284682"/>
+              <a:ext cx="864386" cy="303661"/>
             </a:xfrm>
             <a:prstGeom prst="rect">
               <a:avLst/>
@@ -41349,7 +41337,7 @@
             <a:p>
               <a:pPr algn="r" fontAlgn="ctr"/>
               <a:r>
-                <a:rPr lang="tr-TR" sz="900" b="0" i="0" u="none" strike="noStrike" dirty="0" err="1">
+                <a:rPr lang="tr-TR" sz="1000" b="1" i="0" u="none" strike="noStrike" dirty="0" err="1">
                   <a:solidFill>
                     <a:schemeClr val="tx1">
                       <a:lumMod val="50000"/>
@@ -41361,7 +41349,7 @@
                 </a:rPr>
                 <a:t>bafqmrval</a:t>
               </a:r>
-              <a:endParaRPr lang="en-GB" sz="900" b="0" i="0" u="none" strike="noStrike" dirty="0">
+              <a:endParaRPr lang="en-GB" sz="1000" b="1" i="0" u="none" strike="noStrike" dirty="0">
                 <a:solidFill>
                   <a:schemeClr val="tx1">
                     <a:lumMod val="50000"/>
@@ -41389,10 +41377,10 @@
         </p:nvGrpSpPr>
         <p:grpSpPr>
           <a:xfrm>
-            <a:off x="5688393" y="4085526"/>
-            <a:ext cx="5271366" cy="250029"/>
+            <a:off x="5857356" y="4443330"/>
+            <a:ext cx="5271366" cy="419307"/>
             <a:chOff x="5701173" y="1914766"/>
-            <a:chExt cx="5271366" cy="308357"/>
+            <a:chExt cx="5271366" cy="517125"/>
           </a:xfrm>
         </p:grpSpPr>
         <p:sp>
@@ -41410,7 +41398,7 @@
           <p:spPr>
             <a:xfrm>
               <a:off x="5701173" y="1938441"/>
-              <a:ext cx="3286937" cy="284682"/>
+              <a:ext cx="3286937" cy="493450"/>
             </a:xfrm>
             <a:prstGeom prst="rect">
               <a:avLst/>
@@ -41425,7 +41413,7 @@
             <a:p>
               <a:pPr algn="l" fontAlgn="ctr"/>
               <a:r>
-                <a:rPr lang="en-US" sz="900" b="0" i="0" u="none" strike="noStrike" dirty="0">
+                <a:rPr lang="en-US" sz="1000" b="0" i="0" u="none" strike="noStrike" dirty="0">
                   <a:solidFill>
                     <a:schemeClr val="tx1">
                       <a:lumMod val="50000"/>
@@ -41437,7 +41425,7 @@
                 </a:rPr>
                 <a:t>Customer Invoicing &amp; Finance Workflow Management</a:t>
               </a:r>
-              <a:endParaRPr lang="en-GB" sz="900" b="0" i="0" u="none" strike="noStrike" dirty="0">
+              <a:endParaRPr lang="en-GB" sz="1000" b="0" i="0" u="none" strike="noStrike" dirty="0">
                 <a:solidFill>
                   <a:schemeClr val="tx1">
                     <a:lumMod val="50000"/>
@@ -41465,7 +41453,7 @@
           <p:spPr>
             <a:xfrm>
               <a:off x="9484507" y="1914766"/>
-              <a:ext cx="303387" cy="230832"/>
+              <a:ext cx="303387" cy="303661"/>
             </a:xfrm>
             <a:prstGeom prst="rect">
               <a:avLst/>
@@ -41480,7 +41468,7 @@
             <a:p>
               <a:pPr algn="l" fontAlgn="ctr"/>
               <a:r>
-                <a:rPr lang="tr-TR" sz="900" dirty="0">
+                <a:rPr lang="tr-TR" sz="1000" dirty="0">
                   <a:solidFill>
                     <a:schemeClr val="tx1">
                       <a:lumMod val="50000"/>
@@ -41491,7 +41479,7 @@
                 </a:rPr>
                 <a:t>£</a:t>
               </a:r>
-              <a:endParaRPr lang="en-GB" sz="900" b="0" i="0" u="none" strike="noStrike" dirty="0">
+              <a:endParaRPr lang="en-GB" sz="1000" b="0" i="0" u="none" strike="noStrike" dirty="0">
                 <a:solidFill>
                   <a:schemeClr val="tx1">
                     <a:lumMod val="50000"/>
@@ -41519,7 +41507,7 @@
           <p:spPr>
             <a:xfrm>
               <a:off x="10108153" y="1914766"/>
-              <a:ext cx="864386" cy="284682"/>
+              <a:ext cx="864386" cy="303661"/>
             </a:xfrm>
             <a:prstGeom prst="rect">
               <a:avLst/>
@@ -41534,7 +41522,7 @@
             <a:p>
               <a:pPr algn="r" fontAlgn="ctr"/>
               <a:r>
-                <a:rPr lang="tr-TR" sz="900" b="0" i="0" u="none" strike="noStrike" dirty="0" err="1">
+                <a:rPr lang="tr-TR" sz="1000" b="1" i="0" u="none" strike="noStrike" dirty="0" err="1">
                   <a:solidFill>
                     <a:schemeClr val="tx1">
                       <a:lumMod val="50000"/>
@@ -41546,7 +41534,7 @@
                 </a:rPr>
                 <a:t>bacifwval</a:t>
               </a:r>
-              <a:endParaRPr lang="en-GB" sz="900" b="0" i="0" u="none" strike="noStrike" dirty="0">
+              <a:endParaRPr lang="en-GB" sz="1000" b="1" i="0" u="none" strike="noStrike" dirty="0">
                 <a:solidFill>
                   <a:schemeClr val="tx1">
                     <a:lumMod val="50000"/>
@@ -41574,10 +41562,10 @@
         </p:nvGrpSpPr>
         <p:grpSpPr>
           <a:xfrm>
-            <a:off x="5688393" y="4408742"/>
-            <a:ext cx="5271366" cy="250029"/>
+            <a:off x="5857356" y="4826180"/>
+            <a:ext cx="5271366" cy="265418"/>
             <a:chOff x="5701173" y="1914766"/>
-            <a:chExt cx="5271366" cy="308357"/>
+            <a:chExt cx="5271366" cy="327336"/>
           </a:xfrm>
         </p:grpSpPr>
         <p:sp>
@@ -41595,7 +41583,7 @@
           <p:spPr>
             <a:xfrm>
               <a:off x="5701173" y="1938441"/>
-              <a:ext cx="2640393" cy="284682"/>
+              <a:ext cx="2640393" cy="303661"/>
             </a:xfrm>
             <a:prstGeom prst="rect">
               <a:avLst/>
@@ -41610,7 +41598,7 @@
             <a:p>
               <a:pPr algn="l" fontAlgn="ctr"/>
               <a:r>
-                <a:rPr lang="en-US" sz="900" b="0" i="0" u="none" strike="noStrike" dirty="0">
+                <a:rPr lang="en-US" sz="1000" b="0" i="0" u="none" strike="noStrike" dirty="0">
                   <a:solidFill>
                     <a:schemeClr val="tx1">
                       <a:lumMod val="50000"/>
@@ -41622,7 +41610,7 @@
                 </a:rPr>
                 <a:t>Online expense management</a:t>
               </a:r>
-              <a:endParaRPr lang="en-GB" sz="900" b="0" i="0" u="none" strike="noStrike" dirty="0">
+              <a:endParaRPr lang="en-GB" sz="1000" b="0" i="0" u="none" strike="noStrike" dirty="0">
                 <a:solidFill>
                   <a:schemeClr val="tx1">
                     <a:lumMod val="50000"/>
@@ -41650,7 +41638,7 @@
           <p:spPr>
             <a:xfrm>
               <a:off x="9484507" y="1914766"/>
-              <a:ext cx="303387" cy="230832"/>
+              <a:ext cx="303387" cy="303661"/>
             </a:xfrm>
             <a:prstGeom prst="rect">
               <a:avLst/>
@@ -41665,7 +41653,7 @@
             <a:p>
               <a:pPr algn="l" fontAlgn="ctr"/>
               <a:r>
-                <a:rPr lang="tr-TR" sz="900" dirty="0">
+                <a:rPr lang="tr-TR" sz="1000" dirty="0">
                   <a:solidFill>
                     <a:schemeClr val="tx1">
                       <a:lumMod val="50000"/>
@@ -41676,7 +41664,7 @@
                 </a:rPr>
                 <a:t>£</a:t>
               </a:r>
-              <a:endParaRPr lang="en-GB" sz="900" b="0" i="0" u="none" strike="noStrike" dirty="0">
+              <a:endParaRPr lang="en-GB" sz="1000" b="0" i="0" u="none" strike="noStrike" dirty="0">
                 <a:solidFill>
                   <a:schemeClr val="tx1">
                     <a:lumMod val="50000"/>
@@ -41704,7 +41692,7 @@
           <p:spPr>
             <a:xfrm>
               <a:off x="10108153" y="1914766"/>
-              <a:ext cx="864386" cy="284682"/>
+              <a:ext cx="864386" cy="303661"/>
             </a:xfrm>
             <a:prstGeom prst="rect">
               <a:avLst/>
@@ -41719,7 +41707,7 @@
             <a:p>
               <a:pPr algn="r" fontAlgn="ctr"/>
               <a:r>
-                <a:rPr lang="tr-TR" sz="900" b="0" i="0" u="none" strike="noStrike" dirty="0" err="1">
+                <a:rPr lang="tr-TR" sz="1000" b="1" i="0" u="none" strike="noStrike" dirty="0" err="1">
                   <a:solidFill>
                     <a:schemeClr val="tx1">
                       <a:lumMod val="50000"/>
@@ -41731,7 +41719,7 @@
                 </a:rPr>
                 <a:t>baoemval</a:t>
               </a:r>
-              <a:endParaRPr lang="en-GB" sz="900" b="0" i="0" u="none" strike="noStrike" dirty="0">
+              <a:endParaRPr lang="en-GB" sz="1000" b="1" i="0" u="none" strike="noStrike" dirty="0">
                 <a:solidFill>
                   <a:schemeClr val="tx1">
                     <a:lumMod val="50000"/>
@@ -41759,10 +41747,10 @@
         </p:nvGrpSpPr>
         <p:grpSpPr>
           <a:xfrm>
-            <a:off x="5680323" y="4789766"/>
-            <a:ext cx="5270170" cy="234813"/>
-            <a:chOff x="5701173" y="1964474"/>
-            <a:chExt cx="5270170" cy="190740"/>
+            <a:off x="5943200" y="5206279"/>
+            <a:ext cx="5176256" cy="252000"/>
+            <a:chOff x="5795087" y="1979872"/>
+            <a:chExt cx="5176256" cy="209541"/>
           </a:xfrm>
           <a:solidFill>
             <a:srgbClr val="848182"/>
@@ -41782,8 +41770,8 @@
           </p:nvSpPr>
           <p:spPr>
             <a:xfrm>
-              <a:off x="5701173" y="1964474"/>
-              <a:ext cx="3826387" cy="187507"/>
+              <a:off x="5795087" y="1984712"/>
+              <a:ext cx="3732473" cy="204701"/>
             </a:xfrm>
             <a:prstGeom prst="rect">
               <a:avLst/>
@@ -41798,7 +41786,7 @@
             <a:p>
               <a:pPr algn="l" fontAlgn="b"/>
               <a:r>
-                <a:rPr lang="en-GB" sz="900" b="1" i="0" u="none" strike="noStrike" dirty="0">
+                <a:rPr lang="en-GB" sz="1000" b="1" i="0" u="none" strike="noStrike" dirty="0">
                   <a:solidFill>
                     <a:srgbClr val="FFFFFF"/>
                   </a:solidFill>
@@ -41824,8 +41812,8 @@
           </p:nvSpPr>
           <p:spPr>
             <a:xfrm>
-              <a:off x="9516901" y="1964643"/>
-              <a:ext cx="303387" cy="187507"/>
+              <a:off x="9516901" y="1979872"/>
+              <a:ext cx="303387" cy="204702"/>
             </a:xfrm>
             <a:prstGeom prst="rect">
               <a:avLst/>
@@ -41840,7 +41828,7 @@
             <a:p>
               <a:pPr algn="l" fontAlgn="ctr"/>
               <a:r>
-                <a:rPr lang="tr-TR" sz="900" b="1" dirty="0">
+                <a:rPr lang="tr-TR" sz="1000" b="1" dirty="0">
                   <a:solidFill>
                     <a:srgbClr val="FFFFFF"/>
                   </a:solidFill>
@@ -41848,7 +41836,7 @@
                 </a:rPr>
                 <a:t>£</a:t>
               </a:r>
-              <a:endParaRPr lang="en-GB" sz="900" b="1" dirty="0">
+              <a:endParaRPr lang="en-GB" sz="1000" b="1" dirty="0">
                 <a:solidFill>
                   <a:srgbClr val="FFFFFF"/>
                 </a:solidFill>
@@ -41871,8 +41859,8 @@
           </p:nvSpPr>
           <p:spPr>
             <a:xfrm>
-              <a:off x="9802122" y="1967708"/>
-              <a:ext cx="1169221" cy="187506"/>
+              <a:off x="9802122" y="1979872"/>
+              <a:ext cx="1169221" cy="204701"/>
             </a:xfrm>
             <a:prstGeom prst="rect">
               <a:avLst/>
@@ -41887,7 +41875,7 @@
             <a:p>
               <a:pPr algn="r" fontAlgn="ctr"/>
               <a:r>
-                <a:rPr lang="tr-TR" sz="900" b="1" i="0" u="none" strike="noStrike" dirty="0" err="1">
+                <a:rPr lang="tr-TR" sz="1000" b="1" i="0" u="none" strike="noStrike" dirty="0" err="1">
                   <a:solidFill>
                     <a:srgbClr val="FFFFFF"/>
                   </a:solidFill>
@@ -41896,7 +41884,7 @@
                 </a:rPr>
                 <a:t>batotalval</a:t>
               </a:r>
-              <a:endParaRPr lang="en-GB" sz="900" b="0" i="0" u="none" strike="noStrike" dirty="0">
+              <a:endParaRPr lang="en-GB" sz="1000" b="0" i="0" u="none" strike="noStrike" dirty="0">
                 <a:solidFill>
                   <a:schemeClr val="tx1">
                     <a:lumMod val="50000"/>
@@ -42285,13 +42273,13 @@
           <p:nvPr>
             <p:extLst>
               <p:ext uri="{D42A27DB-BD31-4B8C-83A1-F6EECF244321}">
-                <p14:modId xmlns:p14="http://schemas.microsoft.com/office/powerpoint/2010/main" val="2774805566"/>
+                <p14:modId xmlns:p14="http://schemas.microsoft.com/office/powerpoint/2010/main" val="18458189"/>
               </p:ext>
             </p:extLst>
           </p:nvPr>
         </p:nvGraphicFramePr>
         <p:xfrm>
-          <a:off x="695326" y="1546398"/>
+          <a:off x="695326" y="1421296"/>
           <a:ext cx="8387560" cy="3975352"/>
         </p:xfrm>
         <a:graphic>
@@ -42322,7 +42310,7 @@
                     <a:p>
                       <a:pPr algn="l" fontAlgn="ctr"/>
                       <a:r>
-                        <a:rPr lang="en-GB" sz="900" b="1" i="0" u="none" strike="noStrike" dirty="0">
+                        <a:rPr lang="en-GB" sz="1200" b="1" i="0" u="none" strike="noStrike" dirty="0">
                           <a:solidFill>
                             <a:schemeClr val="tx1">
                               <a:lumMod val="50000"/>
@@ -42367,7 +42355,7 @@
                     <a:p>
                       <a:pPr algn="l" fontAlgn="ctr"/>
                       <a:r>
-                        <a:rPr lang="en-GB" sz="900" b="1" i="0" u="none" strike="noStrike" dirty="0">
+                        <a:rPr lang="en-GB" sz="1200" b="1" i="0" u="none" strike="noStrike" dirty="0">
                           <a:solidFill>
                             <a:schemeClr val="tx1">
                               <a:lumMod val="50000"/>
@@ -42419,7 +42407,7 @@
                     <a:p>
                       <a:pPr algn="l" fontAlgn="ctr"/>
                       <a:r>
-                        <a:rPr lang="en-US" sz="900" b="0" i="0" u="none" strike="noStrike" dirty="0">
+                        <a:rPr lang="en-US" sz="1050" b="0" i="0" u="none" strike="noStrike" dirty="0">
                           <a:solidFill>
                             <a:schemeClr val="tx1">
                               <a:lumMod val="50000"/>
@@ -42431,7 +42419,7 @@
                         </a:rPr>
                         <a:t>Current Annual IT Finance System Costs</a:t>
                       </a:r>
-                      <a:endParaRPr lang="en-GB" sz="900" b="0" i="0" u="none" strike="noStrike" dirty="0">
+                      <a:endParaRPr lang="en-GB" sz="1050" b="0" i="0" u="none" strike="noStrike" dirty="0">
                         <a:solidFill>
                           <a:schemeClr val="tx1">
                             <a:lumMod val="50000"/>
@@ -42474,7 +42462,7 @@
                     <a:p>
                       <a:pPr algn="l" fontAlgn="b"/>
                       <a:r>
-                        <a:rPr lang="en-GB" sz="1100" b="1" i="0" u="none" strike="noStrike" dirty="0" err="1">
+                        <a:rPr lang="tr-TR" sz="1400" b="1" i="0" u="none" strike="noStrike" dirty="0" err="1">
                           <a:solidFill>
                             <a:schemeClr val="tx1">
                               <a:lumMod val="50000"/>
@@ -42487,7 +42475,7 @@
                         <a:t>pitfinanceval</a:t>
                       </a:r>
                       <a:r>
-                        <a:rPr lang="en-GB" sz="1100" b="1" i="0" u="none" strike="noStrike" dirty="0">
+                        <a:rPr lang="en-GB" sz="1400" b="1" i="0" u="none" strike="noStrike" dirty="0">
                           <a:solidFill>
                             <a:schemeClr val="tx1">
                               <a:lumMod val="50000"/>
@@ -42501,7 +42489,7 @@
                       </a:r>
                     </a:p>
                   </a:txBody>
-                  <a:tcPr marL="9525" marR="9525" marT="9525" marB="0" anchor="b">
+                  <a:tcPr marL="9525" marR="9525" marT="9525" marB="0" anchor="ctr">
                     <a:lnL w="6350" cap="flat" cmpd="sng" algn="ctr">
                       <a:noFill/>
                       <a:prstDash val="solid"/>
@@ -42543,7 +42531,7 @@
                     <a:p>
                       <a:pPr algn="l" fontAlgn="ctr"/>
                       <a:r>
-                        <a:rPr lang="en-US" sz="900" b="0" i="0" u="none" strike="noStrike" dirty="0">
+                        <a:rPr lang="en-US" sz="1050" b="0" i="0" u="none" strike="noStrike" dirty="0">
                           <a:solidFill>
                             <a:schemeClr val="tx1">
                               <a:lumMod val="50000"/>
@@ -42555,7 +42543,7 @@
                         </a:rPr>
                         <a:t>Raising Purchase Orders (mins per order)</a:t>
                       </a:r>
-                      <a:endParaRPr lang="en-GB" sz="900" b="0" i="0" u="none" strike="noStrike" dirty="0">
+                      <a:endParaRPr lang="en-GB" sz="1050" b="0" i="0" u="none" strike="noStrike" dirty="0">
                         <a:solidFill>
                           <a:schemeClr val="tx1">
                             <a:lumMod val="50000"/>
@@ -42592,7 +42580,7 @@
                     <a:p>
                       <a:pPr algn="l" fontAlgn="b"/>
                       <a:r>
-                        <a:rPr lang="tr-TR" sz="1100" b="1" i="0" u="none" strike="noStrike" dirty="0" err="1">
+                        <a:rPr lang="tr-TR" sz="1400" b="1" i="0" u="none" strike="noStrike" dirty="0" err="1">
                           <a:solidFill>
                             <a:schemeClr val="tx1">
                               <a:lumMod val="50000"/>
@@ -42605,7 +42593,7 @@
                         <a:t>prpoval</a:t>
                       </a:r>
                       <a:r>
-                        <a:rPr lang="en-GB" sz="1100" b="1" i="0" u="none" strike="noStrike" dirty="0">
+                        <a:rPr lang="en-GB" sz="1400" b="1" i="0" u="none" strike="noStrike" dirty="0">
                           <a:solidFill>
                             <a:schemeClr val="tx1">
                               <a:lumMod val="50000"/>
@@ -42619,7 +42607,7 @@
                       </a:r>
                     </a:p>
                   </a:txBody>
-                  <a:tcPr marL="9525" marR="9525" marT="9525" marB="0" anchor="b">
+                  <a:tcPr marL="9525" marR="9525" marT="9525" marB="0" anchor="ctr">
                     <a:lnL w="6350" cap="flat" cmpd="sng" algn="ctr">
                       <a:noFill/>
                       <a:prstDash val="solid"/>
@@ -42655,7 +42643,7 @@
                     <a:p>
                       <a:pPr algn="l" fontAlgn="ctr"/>
                       <a:r>
-                        <a:rPr lang="en-US" sz="900" b="0" i="0" u="none" strike="noStrike" dirty="0">
+                        <a:rPr lang="en-US" sz="1050" b="0" i="0" u="none" strike="noStrike" dirty="0">
                           <a:solidFill>
                             <a:schemeClr val="tx1">
                               <a:lumMod val="50000"/>
@@ -42667,7 +42655,7 @@
                         </a:rPr>
                         <a:t>Purchase Order approvals (mins per approval)</a:t>
                       </a:r>
-                      <a:endParaRPr lang="en-GB" sz="900" b="0" i="0" u="none" strike="noStrike" dirty="0">
+                      <a:endParaRPr lang="en-GB" sz="1050" b="0" i="0" u="none" strike="noStrike" dirty="0">
                         <a:solidFill>
                           <a:schemeClr val="tx1">
                             <a:lumMod val="50000"/>
@@ -42704,7 +42692,7 @@
                     <a:p>
                       <a:pPr algn="l" fontAlgn="b"/>
                       <a:r>
-                        <a:rPr lang="tr-TR" sz="1100" b="1" i="0" u="none" strike="noStrike" dirty="0" err="1">
+                        <a:rPr lang="tr-TR" sz="1400" b="1" i="0" u="none" strike="noStrike" dirty="0" err="1">
                           <a:solidFill>
                             <a:schemeClr val="tx1">
                               <a:lumMod val="50000"/>
@@ -42717,7 +42705,7 @@
                         <a:t>ppoaval</a:t>
                       </a:r>
                       <a:r>
-                        <a:rPr lang="en-GB" sz="1100" b="1" i="0" u="none" strike="noStrike" dirty="0">
+                        <a:rPr lang="en-GB" sz="1400" b="1" i="0" u="none" strike="noStrike" dirty="0">
                           <a:solidFill>
                             <a:schemeClr val="tx1">
                               <a:lumMod val="50000"/>
@@ -42731,7 +42719,7 @@
                       </a:r>
                     </a:p>
                   </a:txBody>
-                  <a:tcPr marL="9525" marR="9525" marT="9525" marB="0" anchor="b">
+                  <a:tcPr marL="9525" marR="9525" marT="9525" marB="0" anchor="ctr">
                     <a:lnL w="6350" cap="flat" cmpd="sng" algn="ctr">
                       <a:noFill/>
                       <a:prstDash val="solid"/>
@@ -42767,7 +42755,7 @@
                     <a:p>
                       <a:pPr algn="l" fontAlgn="ctr"/>
                       <a:r>
-                        <a:rPr lang="en-GB" sz="900" b="0" i="0" u="none" strike="noStrike" dirty="0">
+                        <a:rPr lang="en-GB" sz="1050" b="0" i="0" u="none" strike="noStrike" dirty="0">
                           <a:solidFill>
                             <a:schemeClr val="tx1">
                               <a:lumMod val="50000"/>
@@ -42806,7 +42794,7 @@
                     <a:p>
                       <a:pPr algn="l" fontAlgn="b"/>
                       <a:r>
-                        <a:rPr lang="tr-TR" sz="1100" b="1" i="0" u="none" strike="noStrike" dirty="0" err="1">
+                        <a:rPr lang="tr-TR" sz="1400" b="1" i="0" u="none" strike="noStrike" dirty="0" err="1">
                           <a:solidFill>
                             <a:schemeClr val="tx1">
                               <a:lumMod val="50000"/>
@@ -42819,7 +42807,7 @@
                         <a:t>pcipval</a:t>
                       </a:r>
                       <a:r>
-                        <a:rPr lang="en-GB" sz="1100" b="1" i="0" u="none" strike="noStrike" dirty="0">
+                        <a:rPr lang="en-GB" sz="1400" b="1" i="0" u="none" strike="noStrike" dirty="0">
                           <a:solidFill>
                             <a:schemeClr val="tx1">
                               <a:lumMod val="50000"/>
@@ -42833,7 +42821,7 @@
                       </a:r>
                     </a:p>
                   </a:txBody>
-                  <a:tcPr marL="9525" marR="9525" marT="9525" marB="0" anchor="b">
+                  <a:tcPr marL="9525" marR="9525" marT="9525" marB="0" anchor="ctr">
                     <a:lnL w="6350" cap="flat" cmpd="sng" algn="ctr">
                       <a:noFill/>
                       <a:prstDash val="solid"/>
@@ -42869,7 +42857,7 @@
                     <a:p>
                       <a:pPr algn="l" fontAlgn="ctr"/>
                       <a:r>
-                        <a:rPr lang="en-US" sz="900" b="0" i="0" u="none" strike="noStrike" dirty="0">
+                        <a:rPr lang="en-US" sz="1050" b="0" i="0" u="none" strike="noStrike" dirty="0">
                           <a:solidFill>
                             <a:schemeClr val="tx1">
                               <a:lumMod val="50000"/>
@@ -42881,7 +42869,7 @@
                         </a:rPr>
                         <a:t>Management of supplier and purchase invoices</a:t>
                       </a:r>
-                      <a:endParaRPr lang="en-GB" sz="900" b="0" i="0" u="none" strike="noStrike" dirty="0">
+                      <a:endParaRPr lang="en-GB" sz="1050" b="0" i="0" u="none" strike="noStrike" dirty="0">
                         <a:solidFill>
                           <a:schemeClr val="tx1">
                             <a:lumMod val="50000"/>
@@ -42918,7 +42906,7 @@
                     <a:p>
                       <a:pPr algn="l" fontAlgn="b"/>
                       <a:r>
-                        <a:rPr lang="tr-TR" sz="1100" b="1" i="0" u="none" strike="noStrike" dirty="0" err="1">
+                        <a:rPr lang="tr-TR" sz="1400" b="1" i="0" u="none" strike="noStrike" dirty="0" err="1">
                           <a:solidFill>
                             <a:schemeClr val="tx1">
                               <a:lumMod val="50000"/>
@@ -42931,7 +42919,7 @@
                         <a:t>pmspival</a:t>
                       </a:r>
                       <a:r>
-                        <a:rPr lang="en-GB" sz="1100" b="1" i="0" u="none" strike="noStrike" dirty="0">
+                        <a:rPr lang="en-GB" sz="1400" b="1" i="0" u="none" strike="noStrike" dirty="0">
                           <a:solidFill>
                             <a:schemeClr val="tx1">
                               <a:lumMod val="50000"/>
@@ -42945,7 +42933,7 @@
                       </a:r>
                     </a:p>
                   </a:txBody>
-                  <a:tcPr marL="9525" marR="9525" marT="9525" marB="0" anchor="b">
+                  <a:tcPr marL="9525" marR="9525" marT="9525" marB="0" anchor="ctr">
                     <a:lnL w="6350" cap="flat" cmpd="sng" algn="ctr">
                       <a:noFill/>
                       <a:prstDash val="solid"/>
@@ -42981,7 +42969,7 @@
                     <a:p>
                       <a:pPr algn="l" fontAlgn="ctr"/>
                       <a:r>
-                        <a:rPr lang="en-US" sz="900" b="0" i="0" u="none" strike="noStrike" dirty="0">
+                        <a:rPr lang="en-US" sz="1050" b="0" i="0" u="none" strike="noStrike" dirty="0">
                           <a:solidFill>
                             <a:schemeClr val="tx1">
                               <a:lumMod val="50000"/>
@@ -42993,7 +42981,7 @@
                         </a:rPr>
                         <a:t>Managing Maverick spend &amp; Spend leakage</a:t>
                       </a:r>
-                      <a:endParaRPr lang="en-GB" sz="900" b="0" i="0" u="none" strike="noStrike" dirty="0">
+                      <a:endParaRPr lang="en-GB" sz="1050" b="0" i="0" u="none" strike="noStrike" dirty="0">
                         <a:solidFill>
                           <a:schemeClr val="tx1">
                             <a:lumMod val="50000"/>
@@ -43030,7 +43018,7 @@
                     <a:p>
                       <a:pPr algn="l" fontAlgn="b"/>
                       <a:r>
-                        <a:rPr lang="tr-TR" sz="1100" b="1" i="0" u="none" strike="noStrike" dirty="0" err="1">
+                        <a:rPr lang="tr-TR" sz="1400" b="1" i="0" u="none" strike="noStrike" dirty="0" err="1">
                           <a:solidFill>
                             <a:schemeClr val="tx1">
                               <a:lumMod val="50000"/>
@@ -43043,7 +43031,7 @@
                         <a:t>pmslval</a:t>
                       </a:r>
                       <a:r>
-                        <a:rPr lang="en-GB" sz="1100" b="1" i="0" u="none" strike="noStrike" dirty="0">
+                        <a:rPr lang="en-GB" sz="1400" b="1" i="0" u="none" strike="noStrike" dirty="0">
                           <a:solidFill>
                             <a:schemeClr val="tx1">
                               <a:lumMod val="50000"/>
@@ -43057,7 +43045,7 @@
                       </a:r>
                     </a:p>
                   </a:txBody>
-                  <a:tcPr marL="9525" marR="9525" marT="9525" marB="0" anchor="b">
+                  <a:tcPr marL="9525" marR="9525" marT="9525" marB="0" anchor="ctr">
                     <a:lnL w="6350" cap="flat" cmpd="sng" algn="ctr">
                       <a:noFill/>
                       <a:prstDash val="solid"/>
@@ -43093,7 +43081,7 @@
                     <a:p>
                       <a:pPr algn="l" fontAlgn="ctr"/>
                       <a:r>
-                        <a:rPr lang="en-US" sz="900" b="0" i="0" u="none" strike="noStrike" dirty="0">
+                        <a:rPr lang="en-US" sz="1050" b="0" i="0" u="none" strike="noStrike" dirty="0">
                           <a:solidFill>
                             <a:schemeClr val="tx1">
                               <a:lumMod val="50000"/>
@@ -43105,7 +43093,7 @@
                         </a:rPr>
                         <a:t>Finance query management and dashboard reporting</a:t>
                       </a:r>
-                      <a:endParaRPr lang="en-GB" sz="900" b="0" i="0" u="none" strike="noStrike" dirty="0">
+                      <a:endParaRPr lang="en-GB" sz="1050" b="0" i="0" u="none" strike="noStrike" dirty="0">
                         <a:solidFill>
                           <a:schemeClr val="tx1">
                             <a:lumMod val="50000"/>
@@ -43142,7 +43130,7 @@
                     <a:p>
                       <a:pPr algn="l" fontAlgn="b"/>
                       <a:r>
-                        <a:rPr lang="tr-TR" sz="1100" b="1" i="0" u="none" strike="noStrike" dirty="0" err="1">
+                        <a:rPr lang="tr-TR" sz="1400" b="1" i="0" u="none" strike="noStrike" dirty="0" err="1">
                           <a:solidFill>
                             <a:schemeClr val="tx1">
                               <a:lumMod val="50000"/>
@@ -43155,7 +43143,7 @@
                         <a:t>pfqmrval</a:t>
                       </a:r>
                       <a:r>
-                        <a:rPr lang="en-GB" sz="1100" b="1" i="0" u="none" strike="noStrike" dirty="0">
+                        <a:rPr lang="en-GB" sz="1400" b="1" i="0" u="none" strike="noStrike" dirty="0">
                           <a:solidFill>
                             <a:schemeClr val="tx1">
                               <a:lumMod val="50000"/>
@@ -43169,7 +43157,7 @@
                       </a:r>
                     </a:p>
                   </a:txBody>
-                  <a:tcPr marL="9525" marR="9525" marT="9525" marB="0" anchor="b">
+                  <a:tcPr marL="9525" marR="9525" marT="9525" marB="0" anchor="ctr">
                     <a:lnL w="6350" cap="flat" cmpd="sng" algn="ctr">
                       <a:noFill/>
                       <a:prstDash val="solid"/>
@@ -43205,7 +43193,7 @@
                     <a:p>
                       <a:pPr algn="l" fontAlgn="ctr"/>
                       <a:r>
-                        <a:rPr lang="en-GB" sz="900" b="0" i="0" u="none" strike="noStrike" dirty="0">
+                        <a:rPr lang="en-GB" sz="1050" b="0" i="0" u="none" strike="noStrike" dirty="0">
                           <a:solidFill>
                             <a:schemeClr val="tx1">
                               <a:lumMod val="50000"/>
@@ -43244,7 +43232,7 @@
                     <a:p>
                       <a:pPr algn="l" fontAlgn="b"/>
                       <a:r>
-                        <a:rPr lang="tr-TR" sz="1100" b="1" i="0" u="none" strike="noStrike" dirty="0" err="1">
+                        <a:rPr lang="tr-TR" sz="1400" b="1" i="0" u="none" strike="noStrike" dirty="0" err="1">
                           <a:solidFill>
                             <a:schemeClr val="tx1">
                               <a:lumMod val="50000"/>
@@ -43257,7 +43245,7 @@
                         <a:t>pdcapval</a:t>
                       </a:r>
                       <a:r>
-                        <a:rPr lang="tr-TR" sz="1100" b="1" i="0" u="none" strike="noStrike" dirty="0">
+                        <a:rPr lang="tr-TR" sz="1400" b="1" i="0" u="none" strike="noStrike" dirty="0">
                           <a:solidFill>
                             <a:schemeClr val="tx1">
                               <a:lumMod val="50000"/>
@@ -43269,7 +43257,7 @@
                         </a:rPr>
                         <a:t>%</a:t>
                       </a:r>
-                      <a:endParaRPr lang="en-GB" sz="1100" b="1" i="0" u="none" strike="noStrike" dirty="0">
+                      <a:endParaRPr lang="en-GB" sz="1400" b="1" i="0" u="none" strike="noStrike" dirty="0">
                         <a:solidFill>
                           <a:schemeClr val="tx1">
                             <a:lumMod val="50000"/>
@@ -43281,7 +43269,7 @@
                       </a:endParaRPr>
                     </a:p>
                   </a:txBody>
-                  <a:tcPr marL="9525" marR="9525" marT="9525" marB="0" anchor="b">
+                  <a:tcPr marL="9525" marR="9525" marT="9525" marB="0" anchor="ctr">
                     <a:lnL w="6350" cap="flat" cmpd="sng" algn="ctr">
                       <a:noFill/>
                       <a:prstDash val="solid"/>
@@ -43317,7 +43305,7 @@
                     <a:p>
                       <a:pPr algn="l" fontAlgn="ctr"/>
                       <a:r>
-                        <a:rPr lang="en-US" sz="900" b="0" i="0" u="none" strike="noStrike" dirty="0">
+                        <a:rPr lang="en-US" sz="1050" b="0" i="0" u="none" strike="noStrike" dirty="0">
                           <a:solidFill>
                             <a:schemeClr val="tx1">
                               <a:lumMod val="50000"/>
@@ -43329,7 +43317,7 @@
                         </a:rPr>
                         <a:t>Customer Invoicing &amp; Finance Workflow Management</a:t>
                       </a:r>
-                      <a:endParaRPr lang="en-GB" sz="900" b="0" i="0" u="none" strike="noStrike" dirty="0">
+                      <a:endParaRPr lang="en-GB" sz="1050" b="0" i="0" u="none" strike="noStrike" dirty="0">
                         <a:solidFill>
                           <a:schemeClr val="tx1">
                             <a:lumMod val="50000"/>
@@ -43366,7 +43354,7 @@
                     <a:p>
                       <a:pPr algn="l" fontAlgn="b"/>
                       <a:r>
-                        <a:rPr lang="tr-TR" sz="1100" b="1" i="0" u="none" strike="noStrike" dirty="0" err="1">
+                        <a:rPr lang="tr-TR" sz="1400" b="1" i="0" u="none" strike="noStrike" dirty="0" err="1">
                           <a:solidFill>
                             <a:schemeClr val="tx1">
                               <a:lumMod val="50000"/>
@@ -43379,7 +43367,7 @@
                         <a:t>pcifwval</a:t>
                       </a:r>
                       <a:r>
-                        <a:rPr lang="tr-TR" sz="1100" b="1" i="0" u="none" strike="noStrike" dirty="0">
+                        <a:rPr lang="tr-TR" sz="1400" b="1" i="0" u="none" strike="noStrike" dirty="0">
                           <a:solidFill>
                             <a:schemeClr val="tx1">
                               <a:lumMod val="50000"/>
@@ -43391,7 +43379,7 @@
                         </a:rPr>
                         <a:t>%</a:t>
                       </a:r>
-                      <a:endParaRPr lang="en-GB" sz="1100" b="1" i="0" u="none" strike="noStrike" dirty="0">
+                      <a:endParaRPr lang="en-GB" sz="1400" b="1" i="0" u="none" strike="noStrike" dirty="0">
                         <a:solidFill>
                           <a:schemeClr val="tx1">
                             <a:lumMod val="50000"/>
@@ -43403,7 +43391,7 @@
                       </a:endParaRPr>
                     </a:p>
                   </a:txBody>
-                  <a:tcPr marL="9525" marR="9525" marT="9525" marB="0" anchor="b">
+                  <a:tcPr marL="9525" marR="9525" marT="9525" marB="0" anchor="ctr">
                     <a:lnL w="6350" cap="flat" cmpd="sng" algn="ctr">
                       <a:noFill/>
                       <a:prstDash val="solid"/>
@@ -43439,7 +43427,7 @@
                     <a:p>
                       <a:pPr algn="l" fontAlgn="ctr"/>
                       <a:r>
-                        <a:rPr lang="en-GB" sz="900" b="0" i="0" u="none" strike="noStrike" dirty="0">
+                        <a:rPr lang="en-GB" sz="1050" b="0" i="0" u="none" strike="noStrike" dirty="0">
                           <a:solidFill>
                             <a:schemeClr val="tx1">
                               <a:lumMod val="50000"/>
@@ -43478,7 +43466,7 @@
                     <a:p>
                       <a:pPr algn="l" fontAlgn="b"/>
                       <a:r>
-                        <a:rPr lang="tr-TR" sz="1100" b="1" i="0" u="none" strike="noStrike" dirty="0" err="1">
+                        <a:rPr lang="tr-TR" sz="1400" b="1" i="0" u="none" strike="noStrike" dirty="0" err="1">
                           <a:solidFill>
                             <a:schemeClr val="tx1">
                               <a:lumMod val="50000"/>
@@ -43491,7 +43479,7 @@
                         <a:t>poemval</a:t>
                       </a:r>
                       <a:r>
-                        <a:rPr lang="tr-TR" sz="1100" b="1" i="0" u="none" strike="noStrike" dirty="0">
+                        <a:rPr lang="tr-TR" sz="1400" b="1" i="0" u="none" strike="noStrike" dirty="0">
                           <a:solidFill>
                             <a:schemeClr val="tx1">
                               <a:lumMod val="50000"/>
@@ -43503,7 +43491,7 @@
                         </a:rPr>
                         <a:t>%</a:t>
                       </a:r>
-                      <a:endParaRPr lang="en-GB" sz="1100" b="1" i="0" u="none" strike="noStrike" dirty="0">
+                      <a:endParaRPr lang="en-GB" sz="1400" b="1" i="0" u="none" strike="noStrike" dirty="0">
                         <a:solidFill>
                           <a:schemeClr val="tx1">
                             <a:lumMod val="50000"/>
@@ -43515,7 +43503,7 @@
                       </a:endParaRPr>
                     </a:p>
                   </a:txBody>
-                  <a:tcPr marL="9525" marR="9525" marT="9525" marB="0" anchor="b">
+                  <a:tcPr marL="9525" marR="9525" marT="9525" marB="0" anchor="ctr">
                     <a:lnL w="6350" cap="flat" cmpd="sng" algn="ctr">
                       <a:noFill/>
                       <a:prstDash val="solid"/>
@@ -43563,8 +43551,8 @@
         </p:nvSpPr>
         <p:spPr>
           <a:xfrm>
-            <a:off x="631422" y="5704080"/>
-            <a:ext cx="9876634" cy="652270"/>
+            <a:off x="631422" y="5843226"/>
+            <a:ext cx="9876634" cy="388773"/>
           </a:xfrm>
           <a:prstGeom prst="rect">
             <a:avLst/>
@@ -43799,7 +43787,7 @@
               <a:buNone/>
             </a:pPr>
             <a:r>
-              <a:rPr lang="en-GB" sz="800" b="0" i="0" dirty="0">
+              <a:rPr lang="en-GB" sz="1000" b="0" i="0" dirty="0">
                 <a:solidFill>
                   <a:schemeClr val="tx2"/>
                 </a:solidFill>
@@ -43808,17 +43796,17 @@
               </a:rPr>
               <a:t>Period of review: </a:t>
             </a:r>
-          </a:p>
-          <a:p>
-            <a:pPr marL="90170" indent="0">
-              <a:spcAft>
-                <a:spcPts val="800"/>
-              </a:spcAft>
-              <a:buFont typeface="Arial" panose="020B0604020202020204" pitchFamily="34" charset="0"/>
-              <a:buNone/>
-            </a:pPr>
-            <a:r>
-              <a:rPr lang="en-GB" sz="800" dirty="0">
+            <a:br>
+              <a:rPr lang="en-GB" sz="1000" b="0" i="0" dirty="0">
+                <a:solidFill>
+                  <a:schemeClr val="tx2"/>
+                </a:solidFill>
+                <a:effectLst/>
+                <a:latin typeface="Open Sans" panose="020B0606030504020204" pitchFamily="34" charset="0"/>
+              </a:rPr>
+            </a:br>
+            <a:r>
+              <a:rPr lang="en-GB" sz="1000" dirty="0">
                 <a:solidFill>
                   <a:srgbClr val="555555"/>
                 </a:solidFill>
@@ -43826,7 +43814,7 @@
               <a:t>You selected two periods between which to run a value review, these were: </a:t>
             </a:r>
             <a:r>
-              <a:rPr lang="en-GB" sz="800" b="0" i="0" dirty="0">
+              <a:rPr lang="en-GB" sz="1000" b="0" i="0" dirty="0">
                 <a:solidFill>
                   <a:srgbClr val="555555"/>
                 </a:solidFill>
@@ -43836,7 +43824,7 @@
               <a:t>[</a:t>
             </a:r>
             <a:r>
-              <a:rPr lang="en-GB" sz="800" dirty="0">
+              <a:rPr lang="en-GB" sz="1000" dirty="0">
                 <a:solidFill>
                   <a:srgbClr val="555555"/>
                 </a:solidFill>
@@ -43844,7 +43832,7 @@
               <a:t>pls </a:t>
             </a:r>
             <a:r>
-              <a:rPr lang="en-GB" sz="800" b="0" i="0" dirty="0">
+              <a:rPr lang="en-GB" sz="1000" b="0" i="0" dirty="0">
                 <a:solidFill>
                   <a:srgbClr val="555555"/>
                 </a:solidFill>
@@ -43854,14 +43842,14 @@
               <a:t>insert details of period one selected, and period two selected</a:t>
             </a:r>
             <a:r>
-              <a:rPr lang="en-GB" sz="800" dirty="0">
+              <a:rPr lang="en-GB" sz="1000" dirty="0">
                 <a:solidFill>
                   <a:srgbClr val="555555"/>
                 </a:solidFill>
               </a:rPr>
               <a:t>]</a:t>
             </a:r>
-            <a:endParaRPr lang="en-GB" sz="900" dirty="0">
+            <a:endParaRPr lang="en-GB" sz="1050" dirty="0">
               <a:solidFill>
                 <a:schemeClr val="tx1">
                   <a:lumMod val="50000"/>
@@ -43939,59 +43927,6 @@
               <a:t>4</a:t>
             </a:fld>
             <a:endParaRPr lang="en-US"/>
-          </a:p>
-        </p:txBody>
-      </p:sp>
-      <p:sp>
-        <p:nvSpPr>
-          <p:cNvPr id="22" name="Title 1">
-            <a:extLst>
-              <a:ext uri="{FF2B5EF4-FFF2-40B4-BE49-F238E27FC236}">
-                <a16:creationId xmlns:a16="http://schemas.microsoft.com/office/drawing/2014/main" id="{58357287-C1DF-758E-C692-66B6339E43F1}"/>
-              </a:ext>
-            </a:extLst>
-          </p:cNvPr>
-          <p:cNvSpPr txBox="1">
-            <a:spLocks/>
-          </p:cNvSpPr>
-          <p:nvPr/>
-        </p:nvSpPr>
-        <p:spPr>
-          <a:xfrm>
-            <a:off x="2532063" y="2328182"/>
-            <a:ext cx="7127875" cy="494318"/>
-          </a:xfrm>
-          <a:prstGeom prst="rect">
-            <a:avLst/>
-          </a:prstGeom>
-        </p:spPr>
-        <p:txBody>
-          <a:bodyPr lIns="0" tIns="0" rIns="0" bIns="0"/>
-          <a:lstStyle>
-            <a:lvl1pPr algn="l" defTabSz="914400" rtl="0" eaLnBrk="1" latinLnBrk="0" hangingPunct="1">
-              <a:lnSpc>
-                <a:spcPct val="90000"/>
-              </a:lnSpc>
-              <a:spcBef>
-                <a:spcPct val="0"/>
-              </a:spcBef>
-              <a:buNone/>
-              <a:defRPr sz="2800" b="1" i="0" kern="1200">
-                <a:solidFill>
-                  <a:schemeClr val="tx1"/>
-                </a:solidFill>
-                <a:latin typeface="Montserrat SemiBold" pitchFamily="2" charset="77"/>
-                <a:ea typeface="+mj-ea"/>
-                <a:cs typeface="+mj-cs"/>
-              </a:defRPr>
-            </a:lvl1pPr>
-          </a:lstStyle>
-          <a:p>
-            <a:pPr algn="ctr"/>
-            <a:r>
-              <a:rPr lang="en-US" sz="4000"/>
-              <a:t>Connect with us</a:t>
-            </a:r>
           </a:p>
         </p:txBody>
       </p:sp>
@@ -44810,17 +44745,6 @@
 </file>
 
 <file path=customXml/item1.xml><?xml version="1.0" encoding="utf-8"?>
-<p:properties xmlns:p="http://schemas.microsoft.com/office/2006/metadata/properties" xmlns:xsi="http://www.w3.org/2001/XMLSchema-instance" xmlns:pc="http://schemas.microsoft.com/office/infopath/2007/PartnerControls">
-  <documentManagement>
-    <lcf76f155ced4ddcb4097134ff3c332f xmlns="8a969d1d-647f-4e4c-97f9-a5143e71e435">
-      <Terms xmlns="http://schemas.microsoft.com/office/infopath/2007/PartnerControls"/>
-    </lcf76f155ced4ddcb4097134ff3c332f>
-    <TaxCatchAll xmlns="eb37a4e0-bf89-419d-8b31-963a97458fb1" xsi:nil="true"/>
-  </documentManagement>
-</p:properties>
-</file>
-
-<file path=customXml/item2.xml><?xml version="1.0" encoding="utf-8"?>
 <ct:contentTypeSchema xmlns:ct="http://schemas.microsoft.com/office/2006/metadata/contentType" xmlns:ma="http://schemas.microsoft.com/office/2006/metadata/properties/metaAttributes" ct:_="" ma:_="" ma:contentTypeName="Document" ma:contentTypeID="0x010100FC2ADAF580B8A648AEA7FF4A5F3D65E6" ma:contentTypeVersion="11" ma:contentTypeDescription="Create a new document." ma:contentTypeScope="" ma:versionID="f2db5c34f6348a370055c14b94ddc919">
   <xsd:schema xmlns:xsd="http://www.w3.org/2001/XMLSchema" xmlns:xs="http://www.w3.org/2001/XMLSchema" xmlns:p="http://schemas.microsoft.com/office/2006/metadata/properties" xmlns:ns2="8a969d1d-647f-4e4c-97f9-a5143e71e435" xmlns:ns3="eb37a4e0-bf89-419d-8b31-963a97458fb1" targetNamespace="http://schemas.microsoft.com/office/2006/metadata/properties" ma:root="true" ma:fieldsID="42bedbc2e246c6b2e71d78ed3d4618fc" ns2:_="" ns3:_="">
     <xsd:import namespace="8a969d1d-647f-4e4c-97f9-a5143e71e435"/>
@@ -45015,6 +44939,17 @@
 </ct:contentTypeSchema>
 </file>
 
+<file path=customXml/item2.xml><?xml version="1.0" encoding="utf-8"?>
+<p:properties xmlns:p="http://schemas.microsoft.com/office/2006/metadata/properties" xmlns:xsi="http://www.w3.org/2001/XMLSchema-instance" xmlns:pc="http://schemas.microsoft.com/office/infopath/2007/PartnerControls">
+  <documentManagement>
+    <lcf76f155ced4ddcb4097134ff3c332f xmlns="8a969d1d-647f-4e4c-97f9-a5143e71e435">
+      <Terms xmlns="http://schemas.microsoft.com/office/infopath/2007/PartnerControls"/>
+    </lcf76f155ced4ddcb4097134ff3c332f>
+    <TaxCatchAll xmlns="eb37a4e0-bf89-419d-8b31-963a97458fb1" xsi:nil="true"/>
+  </documentManagement>
+</p:properties>
+</file>
+
 <file path=customXml/item3.xml><?xml version="1.0" encoding="utf-8"?>
 <?mso-contentType ?>
 <FormTemplates xmlns="http://schemas.microsoft.com/sharepoint/v3/contenttype/forms">
@@ -45025,24 +44960,6 @@
 </file>
 
 <file path=customXml/itemProps1.xml><?xml version="1.0" encoding="utf-8"?>
-<ds:datastoreItem xmlns:ds="http://schemas.openxmlformats.org/officeDocument/2006/customXml" ds:itemID="{8140E5F8-1399-4596-AA73-4BD79D26AFFD}">
-  <ds:schemaRefs>
-    <ds:schemaRef ds:uri="http://schemas.microsoft.com/office/2006/metadata/properties"/>
-    <ds:schemaRef ds:uri="http://schemas.microsoft.com/office/2006/documentManagement/types"/>
-    <ds:schemaRef ds:uri="http://purl.org/dc/dcmitype/"/>
-    <ds:schemaRef ds:uri="http://schemas.openxmlformats.org/package/2006/metadata/core-properties"/>
-    <ds:schemaRef ds:uri="8e78c812-0be8-4f61-8186-a9387d596735"/>
-    <ds:schemaRef ds:uri="http://schemas.microsoft.com/office/infopath/2007/PartnerControls"/>
-    <ds:schemaRef ds:uri="http://purl.org/dc/terms/"/>
-    <ds:schemaRef ds:uri="http://purl.org/dc/elements/1.1/"/>
-    <ds:schemaRef ds:uri="http://www.w3.org/XML/1998/namespace"/>
-    <ds:schemaRef ds:uri="8a969d1d-647f-4e4c-97f9-a5143e71e435"/>
-    <ds:schemaRef ds:uri="eb37a4e0-bf89-419d-8b31-963a97458fb1"/>
-  </ds:schemaRefs>
-</ds:datastoreItem>
-</file>
-
-<file path=customXml/itemProps2.xml><?xml version="1.0" encoding="utf-8"?>
 <ds:datastoreItem xmlns:ds="http://schemas.openxmlformats.org/officeDocument/2006/customXml" ds:itemID="{7DE18AF2-C1F0-4DCB-B624-E24984FCEF8F}">
   <ds:schemaRefs>
     <ds:schemaRef ds:uri="http://schemas.microsoft.com/office/2006/metadata/contentType"/>
@@ -45061,6 +44978,23 @@
 </ds:datastoreItem>
 </file>
 
+<file path=customXml/itemProps2.xml><?xml version="1.0" encoding="utf-8"?>
+<ds:datastoreItem xmlns:ds="http://schemas.openxmlformats.org/officeDocument/2006/customXml" ds:itemID="{8140E5F8-1399-4596-AA73-4BD79D26AFFD}">
+  <ds:schemaRefs>
+    <ds:schemaRef ds:uri="http://purl.org/dc/dcmitype/"/>
+    <ds:schemaRef ds:uri="http://schemas.microsoft.com/office/infopath/2007/PartnerControls"/>
+    <ds:schemaRef ds:uri="http://schemas.microsoft.com/office/2006/metadata/properties"/>
+    <ds:schemaRef ds:uri="http://schemas.openxmlformats.org/package/2006/metadata/core-properties"/>
+    <ds:schemaRef ds:uri="eb37a4e0-bf89-419d-8b31-963a97458fb1"/>
+    <ds:schemaRef ds:uri="http://purl.org/dc/elements/1.1/"/>
+    <ds:schemaRef ds:uri="http://schemas.microsoft.com/office/2006/documentManagement/types"/>
+    <ds:schemaRef ds:uri="8a969d1d-647f-4e4c-97f9-a5143e71e435"/>
+    <ds:schemaRef ds:uri="http://www.w3.org/XML/1998/namespace"/>
+    <ds:schemaRef ds:uri="http://purl.org/dc/terms/"/>
+  </ds:schemaRefs>
+</ds:datastoreItem>
+</file>
+
 <file path=customXml/itemProps3.xml><?xml version="1.0" encoding="utf-8"?>
 <ds:datastoreItem xmlns:ds="http://schemas.openxmlformats.org/officeDocument/2006/customXml" ds:itemID="{953B4D23-82FF-4812-9F4E-BB600331C634}">
   <ds:schemaRefs>

--- a/questionare.pptx
+++ b/questionare.pptx
@@ -39715,14 +39715,24 @@
               <a:buNone/>
             </a:pPr>
             <a:r>
-              <a:rPr lang="en-GB" sz="900" b="0" i="0" dirty="0">
+              <a:rPr lang="en-US" sz="900" b="0" i="0" dirty="0">
                 <a:solidFill>
                   <a:srgbClr val="555555"/>
                 </a:solidFill>
                 <a:effectLst/>
                 <a:latin typeface="Open Sans" panose="020B0606030504020204" pitchFamily="34" charset="0"/>
               </a:rPr>
-              <a:t>These are projected Value Savings for a full year, calculated based on the figures you have provided. We will be reviewing the data with you on an ongoing basis.</a:t>
+              <a:t>You selected two periods between which to run a value review. these were : </a:t>
+            </a:r>
+            <a:r>
+              <a:rPr lang="tr-TR" sz="900" b="0" i="0" dirty="0">
+                <a:solidFill>
+                  <a:srgbClr val="555555"/>
+                </a:solidFill>
+                <a:effectLst/>
+                <a:latin typeface="Open Sans" panose="020B0606030504020204" pitchFamily="34" charset="0"/>
+              </a:rPr>
+              <a:t>period1val, period2val</a:t>
             </a:r>
             <a:endParaRPr lang="en-GB" sz="1000" dirty="0">
               <a:solidFill>
@@ -44940,6 +44950,15 @@
 </file>
 
 <file path=customXml/item2.xml><?xml version="1.0" encoding="utf-8"?>
+<?mso-contentType ?>
+<FormTemplates xmlns="http://schemas.microsoft.com/sharepoint/v3/contenttype/forms">
+  <Display>DocumentLibraryForm</Display>
+  <Edit>DocumentLibraryForm</Edit>
+  <New>DocumentLibraryForm</New>
+</FormTemplates>
+</file>
+
+<file path=customXml/item3.xml><?xml version="1.0" encoding="utf-8"?>
 <p:properties xmlns:p="http://schemas.microsoft.com/office/2006/metadata/properties" xmlns:xsi="http://www.w3.org/2001/XMLSchema-instance" xmlns:pc="http://schemas.microsoft.com/office/infopath/2007/PartnerControls">
   <documentManagement>
     <lcf76f155ced4ddcb4097134ff3c332f xmlns="8a969d1d-647f-4e4c-97f9-a5143e71e435">
@@ -44948,15 +44967,6 @@
     <TaxCatchAll xmlns="eb37a4e0-bf89-419d-8b31-963a97458fb1" xsi:nil="true"/>
   </documentManagement>
 </p:properties>
-</file>
-
-<file path=customXml/item3.xml><?xml version="1.0" encoding="utf-8"?>
-<?mso-contentType ?>
-<FormTemplates xmlns="http://schemas.microsoft.com/sharepoint/v3/contenttype/forms">
-  <Display>DocumentLibraryForm</Display>
-  <Edit>DocumentLibraryForm</Edit>
-  <New>DocumentLibraryForm</New>
-</FormTemplates>
 </file>
 
 <file path=customXml/itemProps1.xml><?xml version="1.0" encoding="utf-8"?>
@@ -44979,6 +44989,14 @@
 </file>
 
 <file path=customXml/itemProps2.xml><?xml version="1.0" encoding="utf-8"?>
+<ds:datastoreItem xmlns:ds="http://schemas.openxmlformats.org/officeDocument/2006/customXml" ds:itemID="{953B4D23-82FF-4812-9F4E-BB600331C634}">
+  <ds:schemaRefs>
+    <ds:schemaRef ds:uri="http://schemas.microsoft.com/sharepoint/v3/contenttype/forms"/>
+  </ds:schemaRefs>
+</ds:datastoreItem>
+</file>
+
+<file path=customXml/itemProps3.xml><?xml version="1.0" encoding="utf-8"?>
 <ds:datastoreItem xmlns:ds="http://schemas.openxmlformats.org/officeDocument/2006/customXml" ds:itemID="{8140E5F8-1399-4596-AA73-4BD79D26AFFD}">
   <ds:schemaRefs>
     <ds:schemaRef ds:uri="http://purl.org/dc/dcmitype/"/>
@@ -44995,14 +45013,6 @@
 </ds:datastoreItem>
 </file>
 
-<file path=customXml/itemProps3.xml><?xml version="1.0" encoding="utf-8"?>
-<ds:datastoreItem xmlns:ds="http://schemas.openxmlformats.org/officeDocument/2006/customXml" ds:itemID="{953B4D23-82FF-4812-9F4E-BB600331C634}">
-  <ds:schemaRefs>
-    <ds:schemaRef ds:uri="http://schemas.microsoft.com/sharepoint/v3/contenttype/forms"/>
-  </ds:schemaRefs>
-</ds:datastoreItem>
-</file>
-
 <file path=docMetadata/LabelInfo.xml><?xml version="1.0" encoding="utf-8"?>
 <clbl:labelList xmlns:clbl="http://schemas.microsoft.com/office/2020/mipLabelMetadata">
   <clbl:label id="{2b5a89e7-01bf-42ed-9da1-669d82eec17a}" enabled="0" method="" siteId="{2b5a89e7-01bf-42ed-9da1-669d82eec17a}" removed="1"/>

--- a/questionare.pptx
+++ b/questionare.pptx
@@ -1199,7 +1199,7 @@
           <a:p>
             <a:fld id="{22EE6207-6821-4DAB-B818-E4F4F6AB12F5}" type="datetimeFigureOut">
               <a:rPr lang="en-GB" smtClean="0"/>
-              <a:t>03/10/2024</a:t>
+              <a:t>04/10/2024</a:t>
             </a:fld>
             <a:endParaRPr lang="en-GB"/>
           </a:p>
@@ -1392,7 +1392,7 @@
           <a:p>
             <a:fld id="{5B936EE0-4F6D-274D-8902-95CDFEF84C8C}" type="datetimeFigureOut">
               <a:rPr lang="en-US" smtClean="0"/>
-              <a:t>10/3/2024</a:t>
+              <a:t>10/4/2024</a:t>
             </a:fld>
             <a:endParaRPr lang="en-US"/>
           </a:p>
@@ -2032,7 +2032,7 @@
           <a:p>
             <a:fld id="{98FAEBFC-AF3F-6E47-9766-48C2D7B36252}" type="datetime1">
               <a:rPr lang="en-GB" smtClean="0"/>
-              <a:t>03/10/2024</a:t>
+              <a:t>04/10/2024</a:t>
             </a:fld>
             <a:endParaRPr lang="en-GB"/>
           </a:p>
@@ -2347,7 +2347,7 @@
           <a:p>
             <a:fld id="{C7EFF3D0-6BED-D444-BEB4-872DDA21BA8D}" type="datetime1">
               <a:rPr lang="en-GB" smtClean="0"/>
-              <a:t>03/10/2024</a:t>
+              <a:t>04/10/2024</a:t>
             </a:fld>
             <a:endParaRPr lang="en-US"/>
           </a:p>
@@ -3465,7 +3465,7 @@
           <a:p>
             <a:fld id="{C7EFF3D0-6BED-D444-BEB4-872DDA21BA8D}" type="datetime1">
               <a:rPr lang="en-GB" smtClean="0"/>
-              <a:t>03/10/2024</a:t>
+              <a:t>04/10/2024</a:t>
             </a:fld>
             <a:endParaRPr lang="en-US"/>
           </a:p>
@@ -3932,7 +3932,7 @@
           <a:p>
             <a:fld id="{C7EFF3D0-6BED-D444-BEB4-872DDA21BA8D}" type="datetime1">
               <a:rPr lang="en-GB" smtClean="0"/>
-              <a:t>03/10/2024</a:t>
+              <a:t>04/10/2024</a:t>
             </a:fld>
             <a:endParaRPr lang="en-US"/>
           </a:p>
@@ -4583,7 +4583,7 @@
           <a:p>
             <a:fld id="{C7EFF3D0-6BED-D444-BEB4-872DDA21BA8D}" type="datetime1">
               <a:rPr lang="en-GB" smtClean="0"/>
-              <a:t>03/10/2024</a:t>
+              <a:t>04/10/2024</a:t>
             </a:fld>
             <a:endParaRPr lang="en-US"/>
           </a:p>
@@ -4994,7 +4994,7 @@
           <a:p>
             <a:fld id="{C7EFF3D0-6BED-D444-BEB4-872DDA21BA8D}" type="datetime1">
               <a:rPr lang="en-GB" smtClean="0"/>
-              <a:t>03/10/2024</a:t>
+              <a:t>04/10/2024</a:t>
             </a:fld>
             <a:endParaRPr lang="en-US"/>
           </a:p>
@@ -5495,7 +5495,7 @@
           <a:p>
             <a:fld id="{C7EFF3D0-6BED-D444-BEB4-872DDA21BA8D}" type="datetime1">
               <a:rPr lang="en-GB" smtClean="0"/>
-              <a:t>03/10/2024</a:t>
+              <a:t>04/10/2024</a:t>
             </a:fld>
             <a:endParaRPr lang="en-US"/>
           </a:p>
@@ -6225,7 +6225,7 @@
           <a:p>
             <a:fld id="{C7EFF3D0-6BED-D444-BEB4-872DDA21BA8D}" type="datetime1">
               <a:rPr lang="en-GB" smtClean="0"/>
-              <a:t>03/10/2024</a:t>
+              <a:t>04/10/2024</a:t>
             </a:fld>
             <a:endParaRPr lang="en-US"/>
           </a:p>
@@ -7051,7 +7051,7 @@
           <a:p>
             <a:fld id="{C7EFF3D0-6BED-D444-BEB4-872DDA21BA8D}" type="datetime1">
               <a:rPr lang="en-GB" smtClean="0"/>
-              <a:t>03/10/2024</a:t>
+              <a:t>04/10/2024</a:t>
             </a:fld>
             <a:endParaRPr lang="en-US"/>
           </a:p>
@@ -9074,7 +9074,7 @@
           <a:p>
             <a:fld id="{C7EFF3D0-6BED-D444-BEB4-872DDA21BA8D}" type="datetime1">
               <a:rPr lang="en-GB" smtClean="0"/>
-              <a:t>03/10/2024</a:t>
+              <a:t>04/10/2024</a:t>
             </a:fld>
             <a:endParaRPr lang="en-US"/>
           </a:p>
@@ -9700,7 +9700,7 @@
           <a:p>
             <a:fld id="{C7EFF3D0-6BED-D444-BEB4-872DDA21BA8D}" type="datetime1">
               <a:rPr lang="en-GB" smtClean="0"/>
-              <a:t>03/10/2024</a:t>
+              <a:t>04/10/2024</a:t>
             </a:fld>
             <a:endParaRPr lang="en-US"/>
           </a:p>
@@ -10673,7 +10673,7 @@
           <a:p>
             <a:fld id="{98FAEBFC-AF3F-6E47-9766-48C2D7B36252}" type="datetime1">
               <a:rPr lang="en-GB" smtClean="0"/>
-              <a:t>03/10/2024</a:t>
+              <a:t>04/10/2024</a:t>
             </a:fld>
             <a:endParaRPr lang="en-GB"/>
           </a:p>
@@ -11392,7 +11392,7 @@
           <a:p>
             <a:fld id="{C7EFF3D0-6BED-D444-BEB4-872DDA21BA8D}" type="datetime1">
               <a:rPr lang="en-GB" smtClean="0"/>
-              <a:t>03/10/2024</a:t>
+              <a:t>04/10/2024</a:t>
             </a:fld>
             <a:endParaRPr lang="en-US"/>
           </a:p>
@@ -12212,7 +12212,7 @@
           <a:p>
             <a:fld id="{C7EFF3D0-6BED-D444-BEB4-872DDA21BA8D}" type="datetime1">
               <a:rPr lang="en-GB" smtClean="0"/>
-              <a:t>03/10/2024</a:t>
+              <a:t>04/10/2024</a:t>
             </a:fld>
             <a:endParaRPr lang="en-US"/>
           </a:p>
@@ -13011,7 +13011,7 @@
           <a:p>
             <a:fld id="{C7EFF3D0-6BED-D444-BEB4-872DDA21BA8D}" type="datetime1">
               <a:rPr lang="en-GB" smtClean="0"/>
-              <a:t>03/10/2024</a:t>
+              <a:t>04/10/2024</a:t>
             </a:fld>
             <a:endParaRPr lang="en-US"/>
           </a:p>
@@ -13778,7 +13778,7 @@
           <a:p>
             <a:fld id="{C7EFF3D0-6BED-D444-BEB4-872DDA21BA8D}" type="datetime1">
               <a:rPr lang="en-GB" smtClean="0"/>
-              <a:t>03/10/2024</a:t>
+              <a:t>04/10/2024</a:t>
             </a:fld>
             <a:endParaRPr lang="en-US"/>
           </a:p>
@@ -14345,7 +14345,7 @@
           <a:p>
             <a:fld id="{C7EFF3D0-6BED-D444-BEB4-872DDA21BA8D}" type="datetime1">
               <a:rPr lang="en-GB" smtClean="0"/>
-              <a:t>03/10/2024</a:t>
+              <a:t>04/10/2024</a:t>
             </a:fld>
             <a:endParaRPr lang="en-US"/>
           </a:p>
@@ -14909,7 +14909,7 @@
           <a:p>
             <a:fld id="{C7EFF3D0-6BED-D444-BEB4-872DDA21BA8D}" type="datetime1">
               <a:rPr lang="en-GB" smtClean="0"/>
-              <a:t>03/10/2024</a:t>
+              <a:t>04/10/2024</a:t>
             </a:fld>
             <a:endParaRPr lang="en-US"/>
           </a:p>
@@ -15520,7 +15520,7 @@
           <a:p>
             <a:fld id="{C7EFF3D0-6BED-D444-BEB4-872DDA21BA8D}" type="datetime1">
               <a:rPr lang="en-GB" smtClean="0"/>
-              <a:t>03/10/2024</a:t>
+              <a:t>04/10/2024</a:t>
             </a:fld>
             <a:endParaRPr lang="en-US"/>
           </a:p>
@@ -16256,7 +16256,7 @@
           <a:p>
             <a:fld id="{C7EFF3D0-6BED-D444-BEB4-872DDA21BA8D}" type="datetime1">
               <a:rPr lang="en-GB" smtClean="0"/>
-              <a:t>03/10/2024</a:t>
+              <a:t>04/10/2024</a:t>
             </a:fld>
             <a:endParaRPr lang="en-US"/>
           </a:p>
@@ -16627,7 +16627,7 @@
           <a:p>
             <a:fld id="{C7EFF3D0-6BED-D444-BEB4-872DDA21BA8D}" type="datetime1">
               <a:rPr lang="en-GB" smtClean="0"/>
-              <a:t>03/10/2024</a:t>
+              <a:t>04/10/2024</a:t>
             </a:fld>
             <a:endParaRPr lang="en-US"/>
           </a:p>
@@ -17027,7 +17027,7 @@
           <a:p>
             <a:fld id="{C7EFF3D0-6BED-D444-BEB4-872DDA21BA8D}" type="datetime1">
               <a:rPr lang="en-GB" smtClean="0"/>
-              <a:t>03/10/2024</a:t>
+              <a:t>04/10/2024</a:t>
             </a:fld>
             <a:endParaRPr lang="en-US"/>
           </a:p>
@@ -18025,7 +18025,7 @@
           <a:p>
             <a:fld id="{98FAEBFC-AF3F-6E47-9766-48C2D7B36252}" type="datetime1">
               <a:rPr lang="en-GB" smtClean="0"/>
-              <a:t>03/10/2024</a:t>
+              <a:t>04/10/2024</a:t>
             </a:fld>
             <a:endParaRPr lang="en-GB"/>
           </a:p>
@@ -18579,7 +18579,7 @@
           <a:p>
             <a:fld id="{C7EFF3D0-6BED-D444-BEB4-872DDA21BA8D}" type="datetime1">
               <a:rPr lang="en-GB" smtClean="0"/>
-              <a:t>03/10/2024</a:t>
+              <a:t>04/10/2024</a:t>
             </a:fld>
             <a:endParaRPr lang="en-US"/>
           </a:p>
@@ -19321,7 +19321,7 @@
           <a:p>
             <a:fld id="{C7EFF3D0-6BED-D444-BEB4-872DDA21BA8D}" type="datetime1">
               <a:rPr lang="en-GB" smtClean="0"/>
-              <a:t>03/10/2024</a:t>
+              <a:t>04/10/2024</a:t>
             </a:fld>
             <a:endParaRPr lang="en-US"/>
           </a:p>
@@ -20264,7 +20264,7 @@
           <a:p>
             <a:fld id="{C7EFF3D0-6BED-D444-BEB4-872DDA21BA8D}" type="datetime1">
               <a:rPr lang="en-GB" smtClean="0"/>
-              <a:t>03/10/2024</a:t>
+              <a:t>04/10/2024</a:t>
             </a:fld>
             <a:endParaRPr lang="en-US"/>
           </a:p>
@@ -20820,7 +20820,7 @@
           <a:p>
             <a:fld id="{C7EFF3D0-6BED-D444-BEB4-872DDA21BA8D}" type="datetime1">
               <a:rPr lang="en-GB" smtClean="0"/>
-              <a:t>03/10/2024</a:t>
+              <a:t>04/10/2024</a:t>
             </a:fld>
             <a:endParaRPr lang="en-US"/>
           </a:p>
@@ -21370,7 +21370,7 @@
           <a:p>
             <a:fld id="{C7EFF3D0-6BED-D444-BEB4-872DDA21BA8D}" type="datetime1">
               <a:rPr lang="en-GB" smtClean="0"/>
-              <a:t>03/10/2024</a:t>
+              <a:t>04/10/2024</a:t>
             </a:fld>
             <a:endParaRPr lang="en-US"/>
           </a:p>
@@ -22155,7 +22155,7 @@
           <a:p>
             <a:fld id="{C7EFF3D0-6BED-D444-BEB4-872DDA21BA8D}" type="datetime1">
               <a:rPr lang="en-GB" smtClean="0"/>
-              <a:t>03/10/2024</a:t>
+              <a:t>04/10/2024</a:t>
             </a:fld>
             <a:endParaRPr lang="en-US"/>
           </a:p>
@@ -22919,7 +22919,7 @@
           <a:p>
             <a:fld id="{C7EFF3D0-6BED-D444-BEB4-872DDA21BA8D}" type="datetime1">
               <a:rPr lang="en-GB" smtClean="0"/>
-              <a:t>03/10/2024</a:t>
+              <a:t>04/10/2024</a:t>
             </a:fld>
             <a:endParaRPr lang="en-US"/>
           </a:p>
@@ -23635,7 +23635,7 @@
           <a:p>
             <a:fld id="{C7EFF3D0-6BED-D444-BEB4-872DDA21BA8D}" type="datetime1">
               <a:rPr lang="en-GB" smtClean="0"/>
-              <a:t>03/10/2024</a:t>
+              <a:t>04/10/2024</a:t>
             </a:fld>
             <a:endParaRPr lang="en-US"/>
           </a:p>
@@ -24034,7 +24034,7 @@
           <a:p>
             <a:fld id="{C7EFF3D0-6BED-D444-BEB4-872DDA21BA8D}" type="datetime1">
               <a:rPr lang="en-GB" smtClean="0"/>
-              <a:t>03/10/2024</a:t>
+              <a:t>04/10/2024</a:t>
             </a:fld>
             <a:endParaRPr lang="en-US"/>
           </a:p>
@@ -24346,7 +24346,7 @@
           <a:p>
             <a:fld id="{C7EFF3D0-6BED-D444-BEB4-872DDA21BA8D}" type="datetime1">
               <a:rPr lang="en-GB" smtClean="0"/>
-              <a:t>03/10/2024</a:t>
+              <a:t>04/10/2024</a:t>
             </a:fld>
             <a:endParaRPr lang="en-US"/>
           </a:p>
@@ -24816,7 +24816,7 @@
           <a:p>
             <a:fld id="{D3ECCBB8-735C-914B-8E67-7852CBBDF7EA}" type="datetime1">
               <a:rPr lang="en-GB" smtClean="0"/>
-              <a:t>03/10/2024</a:t>
+              <a:t>04/10/2024</a:t>
             </a:fld>
             <a:endParaRPr lang="en-GB"/>
           </a:p>
@@ -25502,7 +25502,7 @@
           <a:p>
             <a:fld id="{C7EFF3D0-6BED-D444-BEB4-872DDA21BA8D}" type="datetime1">
               <a:rPr lang="en-GB" smtClean="0"/>
-              <a:t>03/10/2024</a:t>
+              <a:t>04/10/2024</a:t>
             </a:fld>
             <a:endParaRPr lang="en-US"/>
           </a:p>
@@ -25775,7 +25775,7 @@
           <a:p>
             <a:fld id="{C7EFF3D0-6BED-D444-BEB4-872DDA21BA8D}" type="datetime1">
               <a:rPr lang="en-GB" smtClean="0"/>
-              <a:t>03/10/2024</a:t>
+              <a:t>04/10/2024</a:t>
             </a:fld>
             <a:endParaRPr lang="en-US"/>
           </a:p>
@@ -26040,7 +26040,7 @@
           <a:p>
             <a:fld id="{C7EFF3D0-6BED-D444-BEB4-872DDA21BA8D}" type="datetime1">
               <a:rPr lang="en-GB" smtClean="0"/>
-              <a:t>03/10/2024</a:t>
+              <a:t>04/10/2024</a:t>
             </a:fld>
             <a:endParaRPr lang="en-US"/>
           </a:p>
@@ -26432,7 +26432,7 @@
           <a:p>
             <a:fld id="{C7EFF3D0-6BED-D444-BEB4-872DDA21BA8D}" type="datetime1">
               <a:rPr lang="en-GB" smtClean="0"/>
-              <a:t>03/10/2024</a:t>
+              <a:t>04/10/2024</a:t>
             </a:fld>
             <a:endParaRPr lang="en-US"/>
           </a:p>
@@ -26824,7 +26824,7 @@
           <a:p>
             <a:fld id="{C7EFF3D0-6BED-D444-BEB4-872DDA21BA8D}" type="datetime1">
               <a:rPr lang="en-GB" smtClean="0"/>
-              <a:t>03/10/2024</a:t>
+              <a:t>04/10/2024</a:t>
             </a:fld>
             <a:endParaRPr lang="en-US"/>
           </a:p>
@@ -27705,7 +27705,7 @@
           <a:p>
             <a:fld id="{C7EFF3D0-6BED-D444-BEB4-872DDA21BA8D}" type="datetime1">
               <a:rPr lang="en-GB" smtClean="0"/>
-              <a:t>03/10/2024</a:t>
+              <a:t>04/10/2024</a:t>
             </a:fld>
             <a:endParaRPr lang="en-US"/>
           </a:p>
@@ -27866,7 +27866,7 @@
           <a:p>
             <a:fld id="{C7EFF3D0-6BED-D444-BEB4-872DDA21BA8D}" type="datetime1">
               <a:rPr lang="en-GB" smtClean="0"/>
-              <a:t>03/10/2024</a:t>
+              <a:t>04/10/2024</a:t>
             </a:fld>
             <a:endParaRPr lang="en-US"/>
           </a:p>
@@ -28623,7 +28623,7 @@
           <a:p>
             <a:fld id="{C7EFF3D0-6BED-D444-BEB4-872DDA21BA8D}" type="datetime1">
               <a:rPr lang="en-GB" smtClean="0"/>
-              <a:t>03/10/2024</a:t>
+              <a:t>04/10/2024</a:t>
             </a:fld>
             <a:endParaRPr lang="en-US"/>
           </a:p>
@@ -28909,7 +28909,7 @@
           <a:p>
             <a:fld id="{C7EFF3D0-6BED-D444-BEB4-872DDA21BA8D}" type="datetime1">
               <a:rPr lang="en-GB" smtClean="0"/>
-              <a:t>03/10/2024</a:t>
+              <a:t>04/10/2024</a:t>
             </a:fld>
             <a:endParaRPr lang="en-US"/>
           </a:p>
@@ -29675,7 +29675,7 @@
           <a:p>
             <a:fld id="{C7EFF3D0-6BED-D444-BEB4-872DDA21BA8D}" type="datetime1">
               <a:rPr lang="en-GB" smtClean="0"/>
-              <a:t>03/10/2024</a:t>
+              <a:t>04/10/2024</a:t>
             </a:fld>
             <a:endParaRPr lang="en-US"/>
           </a:p>
@@ -30598,7 +30598,7 @@
           <a:p>
             <a:fld id="{D3ECCBB8-735C-914B-8E67-7852CBBDF7EA}" type="datetime1">
               <a:rPr lang="en-GB" smtClean="0"/>
-              <a:t>03/10/2024</a:t>
+              <a:t>04/10/2024</a:t>
             </a:fld>
             <a:endParaRPr lang="en-GB"/>
           </a:p>
@@ -31536,7 +31536,7 @@
           <a:p>
             <a:fld id="{D3ECCBB8-735C-914B-8E67-7852CBBDF7EA}" type="datetime1">
               <a:rPr lang="en-GB" smtClean="0"/>
-              <a:t>03/10/2024</a:t>
+              <a:t>04/10/2024</a:t>
             </a:fld>
             <a:endParaRPr lang="en-GB"/>
           </a:p>
@@ -32482,7 +32482,7 @@
           <a:p>
             <a:fld id="{D3ECCBB8-735C-914B-8E67-7852CBBDF7EA}" type="datetime1">
               <a:rPr lang="en-GB" smtClean="0"/>
-              <a:t>03/10/2024</a:t>
+              <a:t>04/10/2024</a:t>
             </a:fld>
             <a:endParaRPr lang="en-GB"/>
           </a:p>
@@ -33193,7 +33193,7 @@
           <a:p>
             <a:fld id="{C7EFF3D0-6BED-D444-BEB4-872DDA21BA8D}" type="datetime1">
               <a:rPr lang="en-GB" smtClean="0"/>
-              <a:t>03/10/2024</a:t>
+              <a:t>04/10/2024</a:t>
             </a:fld>
             <a:endParaRPr lang="en-US"/>
           </a:p>
@@ -35197,7 +35197,7 @@
           <a:p>
             <a:fld id="{C7EFF3D0-6BED-D444-BEB4-872DDA21BA8D}" type="datetime1">
               <a:rPr lang="en-GB" smtClean="0"/>
-              <a:t>03/10/2024</a:t>
+              <a:t>04/10/2024</a:t>
             </a:fld>
             <a:endParaRPr lang="en-US"/>
           </a:p>
@@ -38302,7 +38302,7 @@
           <a:p>
             <a:fld id="{D63005AE-A14B-7B48-9AF5-01E333747121}" type="datetime1">
               <a:rPr lang="en-GB" smtClean="0"/>
-              <a:t>03/10/2024</a:t>
+              <a:t>04/10/2024</a:t>
             </a:fld>
             <a:endParaRPr lang="en-GB"/>
           </a:p>
@@ -39479,7 +39479,7 @@
         </p:nvSpPr>
         <p:spPr>
           <a:xfrm>
-            <a:off x="5857356" y="5658551"/>
+            <a:off x="5857356" y="5804302"/>
             <a:ext cx="5306349" cy="388773"/>
           </a:xfrm>
           <a:prstGeom prst="rect">
@@ -41908,6 +41908,48 @@
           </p:txBody>
         </p:sp>
       </p:grpSp>
+      <p:sp>
+        <p:nvSpPr>
+          <p:cNvPr id="8" name="Metin kutusu 7">
+            <a:extLst>
+              <a:ext uri="{FF2B5EF4-FFF2-40B4-BE49-F238E27FC236}">
+                <a16:creationId xmlns:a16="http://schemas.microsoft.com/office/drawing/2014/main" id="{AA3E2AA0-38CB-BD03-0A54-6F1FC3FA7A2F}"/>
+              </a:ext>
+            </a:extLst>
+          </p:cNvPr>
+          <p:cNvSpPr txBox="1"/>
+          <p:nvPr/>
+        </p:nvSpPr>
+        <p:spPr>
+          <a:xfrm>
+            <a:off x="5848090" y="5587482"/>
+            <a:ext cx="6096000" cy="230832"/>
+          </a:xfrm>
+          <a:prstGeom prst="rect">
+            <a:avLst/>
+          </a:prstGeom>
+          <a:noFill/>
+        </p:spPr>
+        <p:txBody>
+          <a:bodyPr wrap="square">
+            <a:spAutoFit/>
+          </a:bodyPr>
+          <a:lstStyle/>
+          <a:p>
+            <a:r>
+              <a:rPr lang="en-GB" sz="900" b="0" i="0" dirty="0">
+                <a:solidFill>
+                  <a:schemeClr val="tx2"/>
+                </a:solidFill>
+                <a:effectLst/>
+                <a:latin typeface="Open Sans" panose="020B0606030504020204" pitchFamily="34" charset="0"/>
+              </a:rPr>
+              <a:t>Period of review: </a:t>
+            </a:r>
+            <a:endParaRPr lang="tr-TR" sz="900" dirty="0"/>
+          </a:p>
+        </p:txBody>
+      </p:sp>
     </p:spTree>
     <p:extLst>
       <p:ext uri="{BB962C8B-B14F-4D97-AF65-F5344CB8AC3E}">
@@ -43824,40 +43866,14 @@
               <a:t>You selected two periods between which to run a value review, these were: </a:t>
             </a:r>
             <a:r>
-              <a:rPr lang="en-GB" sz="1000" b="0" i="0" dirty="0">
+              <a:rPr lang="tr-TR" sz="1000" b="0" i="0" dirty="0">
                 <a:solidFill>
                   <a:srgbClr val="555555"/>
                 </a:solidFill>
                 <a:effectLst/>
                 <a:latin typeface="Open Sans" panose="020B0606030504020204" pitchFamily="34" charset="0"/>
               </a:rPr>
-              <a:t>[</a:t>
-            </a:r>
-            <a:r>
-              <a:rPr lang="en-GB" sz="1000" dirty="0">
-                <a:solidFill>
-                  <a:srgbClr val="555555"/>
-                </a:solidFill>
-              </a:rPr>
-              <a:t>pls </a:t>
-            </a:r>
-            <a:r>
-              <a:rPr lang="en-GB" sz="1000" b="0" i="0" dirty="0">
-                <a:solidFill>
-                  <a:srgbClr val="555555"/>
-                </a:solidFill>
-                <a:effectLst/>
-                <a:latin typeface="Open Sans" panose="020B0606030504020204" pitchFamily="34" charset="0"/>
-              </a:rPr>
-              <a:t>insert details of period one selected, and period two selected</a:t>
-            </a:r>
-            <a:r>
-              <a:rPr lang="en-GB" sz="1000" dirty="0">
-                <a:solidFill>
-                  <a:srgbClr val="555555"/>
-                </a:solidFill>
-              </a:rPr>
-              <a:t>]</a:t>
+              <a:t>period1val, period2val</a:t>
             </a:r>
             <a:endParaRPr lang="en-GB" sz="1050" dirty="0">
               <a:solidFill>
@@ -44950,15 +44966,6 @@
 </file>
 
 <file path=customXml/item2.xml><?xml version="1.0" encoding="utf-8"?>
-<?mso-contentType ?>
-<FormTemplates xmlns="http://schemas.microsoft.com/sharepoint/v3/contenttype/forms">
-  <Display>DocumentLibraryForm</Display>
-  <Edit>DocumentLibraryForm</Edit>
-  <New>DocumentLibraryForm</New>
-</FormTemplates>
-</file>
-
-<file path=customXml/item3.xml><?xml version="1.0" encoding="utf-8"?>
 <p:properties xmlns:p="http://schemas.microsoft.com/office/2006/metadata/properties" xmlns:xsi="http://www.w3.org/2001/XMLSchema-instance" xmlns:pc="http://schemas.microsoft.com/office/infopath/2007/PartnerControls">
   <documentManagement>
     <lcf76f155ced4ddcb4097134ff3c332f xmlns="8a969d1d-647f-4e4c-97f9-a5143e71e435">
@@ -44967,6 +44974,15 @@
     <TaxCatchAll xmlns="eb37a4e0-bf89-419d-8b31-963a97458fb1" xsi:nil="true"/>
   </documentManagement>
 </p:properties>
+</file>
+
+<file path=customXml/item3.xml><?xml version="1.0" encoding="utf-8"?>
+<?mso-contentType ?>
+<FormTemplates xmlns="http://schemas.microsoft.com/sharepoint/v3/contenttype/forms">
+  <Display>DocumentLibraryForm</Display>
+  <Edit>DocumentLibraryForm</Edit>
+  <New>DocumentLibraryForm</New>
+</FormTemplates>
 </file>
 
 <file path=customXml/itemProps1.xml><?xml version="1.0" encoding="utf-8"?>
@@ -44989,14 +45005,6 @@
 </file>
 
 <file path=customXml/itemProps2.xml><?xml version="1.0" encoding="utf-8"?>
-<ds:datastoreItem xmlns:ds="http://schemas.openxmlformats.org/officeDocument/2006/customXml" ds:itemID="{953B4D23-82FF-4812-9F4E-BB600331C634}">
-  <ds:schemaRefs>
-    <ds:schemaRef ds:uri="http://schemas.microsoft.com/sharepoint/v3/contenttype/forms"/>
-  </ds:schemaRefs>
-</ds:datastoreItem>
-</file>
-
-<file path=customXml/itemProps3.xml><?xml version="1.0" encoding="utf-8"?>
 <ds:datastoreItem xmlns:ds="http://schemas.openxmlformats.org/officeDocument/2006/customXml" ds:itemID="{8140E5F8-1399-4596-AA73-4BD79D26AFFD}">
   <ds:schemaRefs>
     <ds:schemaRef ds:uri="http://purl.org/dc/dcmitype/"/>
@@ -45013,6 +45021,14 @@
 </ds:datastoreItem>
 </file>
 
+<file path=customXml/itemProps3.xml><?xml version="1.0" encoding="utf-8"?>
+<ds:datastoreItem xmlns:ds="http://schemas.openxmlformats.org/officeDocument/2006/customXml" ds:itemID="{953B4D23-82FF-4812-9F4E-BB600331C634}">
+  <ds:schemaRefs>
+    <ds:schemaRef ds:uri="http://schemas.microsoft.com/sharepoint/v3/contenttype/forms"/>
+  </ds:schemaRefs>
+</ds:datastoreItem>
+</file>
+
 <file path=docMetadata/LabelInfo.xml><?xml version="1.0" encoding="utf-8"?>
 <clbl:labelList xmlns:clbl="http://schemas.microsoft.com/office/2020/mipLabelMetadata">
   <clbl:label id="{2b5a89e7-01bf-42ed-9da1-669d82eec17a}" enabled="0" method="" siteId="{2b5a89e7-01bf-42ed-9da1-669d82eec17a}" removed="1"/>

--- a/questionare.pptx
+++ b/questionare.pptx
@@ -378,7 +378,7 @@
               <a:lstStyle/>
               <a:p>
                 <a:pPr>
-                  <a:defRPr sz="900" b="0" i="0" u="none" strike="noStrike" kern="1200" baseline="0">
+                  <a:defRPr sz="1200" b="0" i="0" u="none" strike="noStrike" kern="1200" baseline="0">
                     <a:solidFill>
                       <a:schemeClr val="bg2"/>
                     </a:solidFill>
@@ -39763,7 +39763,7 @@
           <p:nvPr>
             <p:extLst>
               <p:ext uri="{D42A27DB-BD31-4B8C-83A1-F6EECF244321}">
-                <p14:modId xmlns:p14="http://schemas.microsoft.com/office/powerpoint/2010/main" val="181631679"/>
+                <p14:modId xmlns:p14="http://schemas.microsoft.com/office/powerpoint/2010/main" val="2795410839"/>
               </p:ext>
             </p:extLst>
           </p:nvPr>
@@ -39883,9 +39883,9 @@
         <p:grpSpPr>
           <a:xfrm>
             <a:off x="5849286" y="2088443"/>
-            <a:ext cx="5271366" cy="260780"/>
+            <a:ext cx="5271367" cy="260780"/>
             <a:chOff x="5701173" y="1914766"/>
-            <a:chExt cx="5271366" cy="424070"/>
+            <a:chExt cx="5271367" cy="424070"/>
           </a:xfrm>
         </p:grpSpPr>
         <p:sp>
@@ -39972,18 +39972,6 @@
             <a:lstStyle/>
             <a:p>
               <a:pPr algn="l" fontAlgn="ctr"/>
-              <a:r>
-                <a:rPr lang="tr-TR" sz="1000" dirty="0">
-                  <a:solidFill>
-                    <a:schemeClr val="tx1">
-                      <a:lumMod val="50000"/>
-                      <a:lumOff val="50000"/>
-                    </a:schemeClr>
-                  </a:solidFill>
-                  <a:latin typeface="Open Sans" panose="020B0606030504020204" pitchFamily="34" charset="0"/>
-                </a:rPr>
-                <a:t>£</a:t>
-              </a:r>
               <a:endParaRPr lang="en-GB" sz="1000" b="0" i="0" u="none" strike="noStrike" dirty="0">
                 <a:solidFill>
                   <a:schemeClr val="tx1">
@@ -40011,8 +39999,8 @@
           </p:nvSpPr>
           <p:spPr>
             <a:xfrm>
-              <a:off x="10108153" y="1914766"/>
-              <a:ext cx="864386" cy="400395"/>
+              <a:off x="9492577" y="1914766"/>
+              <a:ext cx="1479963" cy="400395"/>
             </a:xfrm>
             <a:prstGeom prst="rect">
               <a:avLst/>
@@ -40025,7 +40013,19 @@
             </a:bodyPr>
             <a:lstStyle/>
             <a:p>
-              <a:pPr algn="r" fontAlgn="ctr"/>
+              <a:pPr fontAlgn="ctr"/>
+              <a:r>
+                <a:rPr lang="tr-TR" sz="1000" b="1" dirty="0">
+                  <a:solidFill>
+                    <a:schemeClr val="tx1">
+                      <a:lumMod val="50000"/>
+                      <a:lumOff val="50000"/>
+                    </a:schemeClr>
+                  </a:solidFill>
+                  <a:latin typeface="Open Sans" panose="020B0606030504020204" pitchFamily="34" charset="0"/>
+                </a:rPr>
+                <a:t>£</a:t>
+              </a:r>
               <a:r>
                 <a:rPr lang="tr-TR" sz="1000" b="1" i="0" u="none" strike="noStrike" dirty="0" err="1">
                   <a:solidFill>
@@ -40193,18 +40193,6 @@
             <a:lstStyle/>
             <a:p>
               <a:pPr algn="l" fontAlgn="ctr"/>
-              <a:r>
-                <a:rPr lang="tr-TR" sz="1000" dirty="0">
-                  <a:solidFill>
-                    <a:schemeClr val="tx1">
-                      <a:lumMod val="50000"/>
-                      <a:lumOff val="50000"/>
-                    </a:schemeClr>
-                  </a:solidFill>
-                  <a:latin typeface="Open Sans" panose="020B0606030504020204" pitchFamily="34" charset="0"/>
-                </a:rPr>
-                <a:t>£</a:t>
-              </a:r>
               <a:endParaRPr lang="en-GB" sz="1000" b="0" i="0" u="none" strike="noStrike" dirty="0">
                 <a:solidFill>
                   <a:schemeClr val="tx1">
@@ -40232,8 +40220,8 @@
           </p:nvSpPr>
           <p:spPr>
             <a:xfrm>
-              <a:off x="10108153" y="1914766"/>
-              <a:ext cx="864386" cy="286992"/>
+              <a:off x="9484506" y="1914766"/>
+              <a:ext cx="1488033" cy="286992"/>
             </a:xfrm>
             <a:prstGeom prst="rect">
               <a:avLst/>
@@ -40246,7 +40234,19 @@
             </a:bodyPr>
             <a:lstStyle/>
             <a:p>
-              <a:pPr algn="r" fontAlgn="ctr"/>
+              <a:pPr fontAlgn="ctr"/>
+              <a:r>
+                <a:rPr lang="tr-TR" sz="1000" b="1" dirty="0">
+                  <a:solidFill>
+                    <a:schemeClr val="tx1">
+                      <a:lumMod val="50000"/>
+                      <a:lumOff val="50000"/>
+                    </a:schemeClr>
+                  </a:solidFill>
+                  <a:latin typeface="Open Sans" panose="020B0606030504020204" pitchFamily="34" charset="0"/>
+                </a:rPr>
+                <a:t>£</a:t>
+              </a:r>
               <a:r>
                 <a:rPr lang="tr-TR" sz="1000" b="1" i="0" u="none" strike="noStrike" dirty="0" err="1">
                   <a:solidFill>
@@ -40289,9 +40289,9 @@
         <p:grpSpPr>
           <a:xfrm>
             <a:off x="5848090" y="2615582"/>
-            <a:ext cx="5271366" cy="419307"/>
+            <a:ext cx="5271367" cy="419307"/>
             <a:chOff x="5701173" y="1914766"/>
-            <a:chExt cx="5271366" cy="517125"/>
+            <a:chExt cx="5271367" cy="517125"/>
           </a:xfrm>
         </p:grpSpPr>
         <p:sp>
@@ -40378,18 +40378,6 @@
             <a:lstStyle/>
             <a:p>
               <a:pPr algn="l" fontAlgn="ctr"/>
-              <a:r>
-                <a:rPr lang="tr-TR" sz="1000" dirty="0">
-                  <a:solidFill>
-                    <a:schemeClr val="tx1">
-                      <a:lumMod val="50000"/>
-                      <a:lumOff val="50000"/>
-                    </a:schemeClr>
-                  </a:solidFill>
-                  <a:latin typeface="Open Sans" panose="020B0606030504020204" pitchFamily="34" charset="0"/>
-                </a:rPr>
-                <a:t>£</a:t>
-              </a:r>
               <a:endParaRPr lang="en-GB" sz="1000" b="0" i="0" u="none" strike="noStrike" dirty="0">
                 <a:solidFill>
                   <a:schemeClr val="tx1">
@@ -40417,8 +40405,8 @@
           </p:nvSpPr>
           <p:spPr>
             <a:xfrm>
-              <a:off x="10108153" y="1914766"/>
-              <a:ext cx="864386" cy="303661"/>
+              <a:off x="9484506" y="1914766"/>
+              <a:ext cx="1488034" cy="303661"/>
             </a:xfrm>
             <a:prstGeom prst="rect">
               <a:avLst/>
@@ -40431,7 +40419,19 @@
             </a:bodyPr>
             <a:lstStyle/>
             <a:p>
-              <a:pPr algn="r" fontAlgn="ctr"/>
+              <a:pPr fontAlgn="ctr"/>
+              <a:r>
+                <a:rPr lang="tr-TR" sz="1000" b="1" dirty="0">
+                  <a:solidFill>
+                    <a:schemeClr val="tx1">
+                      <a:lumMod val="50000"/>
+                      <a:lumOff val="50000"/>
+                    </a:schemeClr>
+                  </a:solidFill>
+                  <a:latin typeface="Open Sans" panose="020B0606030504020204" pitchFamily="34" charset="0"/>
+                </a:rPr>
+                <a:t>£</a:t>
+              </a:r>
               <a:r>
                 <a:rPr lang="tr-TR" sz="1000" b="1" i="0" u="none" strike="noStrike" dirty="0" err="1">
                   <a:solidFill>
@@ -40474,9 +40474,9 @@
         <p:grpSpPr>
           <a:xfrm>
             <a:off x="5848090" y="2991292"/>
-            <a:ext cx="5271366" cy="265418"/>
+            <a:ext cx="5271367" cy="265418"/>
             <a:chOff x="5701173" y="1914766"/>
-            <a:chExt cx="5271366" cy="327336"/>
+            <a:chExt cx="5271367" cy="327336"/>
           </a:xfrm>
         </p:grpSpPr>
         <p:sp>
@@ -40563,18 +40563,6 @@
             <a:lstStyle/>
             <a:p>
               <a:pPr algn="l" fontAlgn="ctr"/>
-              <a:r>
-                <a:rPr lang="tr-TR" sz="1000" dirty="0">
-                  <a:solidFill>
-                    <a:schemeClr val="tx1">
-                      <a:lumMod val="50000"/>
-                      <a:lumOff val="50000"/>
-                    </a:schemeClr>
-                  </a:solidFill>
-                  <a:latin typeface="Open Sans" panose="020B0606030504020204" pitchFamily="34" charset="0"/>
-                </a:rPr>
-                <a:t>£</a:t>
-              </a:r>
               <a:endParaRPr lang="en-GB" sz="1000" b="0" i="0" u="none" strike="noStrike" dirty="0">
                 <a:solidFill>
                   <a:schemeClr val="tx1">
@@ -40602,8 +40590,8 @@
           </p:nvSpPr>
           <p:spPr>
             <a:xfrm>
-              <a:off x="10108153" y="1914766"/>
-              <a:ext cx="864386" cy="303661"/>
+              <a:off x="9484506" y="1914766"/>
+              <a:ext cx="1488034" cy="303661"/>
             </a:xfrm>
             <a:prstGeom prst="rect">
               <a:avLst/>
@@ -40616,7 +40604,19 @@
             </a:bodyPr>
             <a:lstStyle/>
             <a:p>
-              <a:pPr algn="r" fontAlgn="ctr"/>
+              <a:pPr fontAlgn="ctr"/>
+              <a:r>
+                <a:rPr lang="tr-TR" sz="1000" b="1" dirty="0">
+                  <a:solidFill>
+                    <a:schemeClr val="tx1">
+                      <a:lumMod val="50000"/>
+                      <a:lumOff val="50000"/>
+                    </a:schemeClr>
+                  </a:solidFill>
+                  <a:latin typeface="Open Sans" panose="020B0606030504020204" pitchFamily="34" charset="0"/>
+                </a:rPr>
+                <a:t>£</a:t>
+              </a:r>
               <a:r>
                 <a:rPr lang="tr-TR" sz="1000" b="1" dirty="0" err="1">
                   <a:solidFill>
@@ -40658,9 +40658,9 @@
         <p:grpSpPr>
           <a:xfrm>
             <a:off x="5848090" y="3228109"/>
-            <a:ext cx="5271366" cy="265418"/>
+            <a:ext cx="5271367" cy="265418"/>
             <a:chOff x="5701173" y="1914766"/>
-            <a:chExt cx="5271366" cy="327336"/>
+            <a:chExt cx="5271367" cy="327336"/>
           </a:xfrm>
         </p:grpSpPr>
         <p:sp>
@@ -40737,18 +40737,6 @@
             <a:lstStyle/>
             <a:p>
               <a:pPr algn="l" fontAlgn="ctr"/>
-              <a:r>
-                <a:rPr lang="tr-TR" sz="1000" dirty="0">
-                  <a:solidFill>
-                    <a:schemeClr val="tx1">
-                      <a:lumMod val="50000"/>
-                      <a:lumOff val="50000"/>
-                    </a:schemeClr>
-                  </a:solidFill>
-                  <a:latin typeface="Open Sans" panose="020B0606030504020204" pitchFamily="34" charset="0"/>
-                </a:rPr>
-                <a:t>£</a:t>
-              </a:r>
               <a:endParaRPr lang="en-GB" sz="1000" b="0" i="0" u="none" strike="noStrike" dirty="0">
                 <a:solidFill>
                   <a:schemeClr val="tx1">
@@ -40776,8 +40764,8 @@
           </p:nvSpPr>
           <p:spPr>
             <a:xfrm>
-              <a:off x="10108153" y="1914766"/>
-              <a:ext cx="864386" cy="303661"/>
+              <a:off x="9484505" y="1914766"/>
+              <a:ext cx="1488035" cy="303661"/>
             </a:xfrm>
             <a:prstGeom prst="rect">
               <a:avLst/>
@@ -40790,7 +40778,19 @@
             </a:bodyPr>
             <a:lstStyle/>
             <a:p>
-              <a:pPr algn="r" fontAlgn="ctr"/>
+              <a:pPr fontAlgn="ctr"/>
+              <a:r>
+                <a:rPr lang="tr-TR" sz="1000" b="1" dirty="0">
+                  <a:solidFill>
+                    <a:schemeClr val="tx1">
+                      <a:lumMod val="50000"/>
+                      <a:lumOff val="50000"/>
+                    </a:schemeClr>
+                  </a:solidFill>
+                  <a:latin typeface="Open Sans" panose="020B0606030504020204" pitchFamily="34" charset="0"/>
+                </a:rPr>
+                <a:t>£</a:t>
+              </a:r>
               <a:r>
                 <a:rPr lang="tr-TR" sz="1000" b="1" i="0" u="none" strike="noStrike" dirty="0" err="1">
                   <a:solidFill>
@@ -40833,9 +40833,9 @@
         <p:grpSpPr>
           <a:xfrm>
             <a:off x="5857356" y="3469284"/>
-            <a:ext cx="5271366" cy="271544"/>
+            <a:ext cx="5271367" cy="271544"/>
             <a:chOff x="5701173" y="1914766"/>
-            <a:chExt cx="5271366" cy="334891"/>
+            <a:chExt cx="5271367" cy="334891"/>
           </a:xfrm>
         </p:grpSpPr>
         <p:sp>
@@ -40922,18 +40922,6 @@
             <a:lstStyle/>
             <a:p>
               <a:pPr algn="l" fontAlgn="ctr"/>
-              <a:r>
-                <a:rPr lang="tr-TR" sz="1000" dirty="0">
-                  <a:solidFill>
-                    <a:schemeClr val="tx1">
-                      <a:lumMod val="50000"/>
-                      <a:lumOff val="50000"/>
-                    </a:schemeClr>
-                  </a:solidFill>
-                  <a:latin typeface="Open Sans" panose="020B0606030504020204" pitchFamily="34" charset="0"/>
-                </a:rPr>
-                <a:t>£</a:t>
-              </a:r>
               <a:endParaRPr lang="en-GB" sz="1000" b="0" i="0" u="none" strike="noStrike" dirty="0">
                 <a:solidFill>
                   <a:schemeClr val="tx1">
@@ -40961,8 +40949,8 @@
           </p:nvSpPr>
           <p:spPr>
             <a:xfrm>
-              <a:off x="10108153" y="1914766"/>
-              <a:ext cx="864386" cy="303661"/>
+              <a:off x="9484506" y="1914766"/>
+              <a:ext cx="1488034" cy="303661"/>
             </a:xfrm>
             <a:prstGeom prst="rect">
               <a:avLst/>
@@ -40975,7 +40963,19 @@
             </a:bodyPr>
             <a:lstStyle/>
             <a:p>
-              <a:pPr algn="r" fontAlgn="ctr"/>
+              <a:pPr fontAlgn="ctr"/>
+              <a:r>
+                <a:rPr lang="tr-TR" sz="1000" b="1" dirty="0">
+                  <a:solidFill>
+                    <a:schemeClr val="tx1">
+                      <a:lumMod val="50000"/>
+                      <a:lumOff val="50000"/>
+                    </a:schemeClr>
+                  </a:solidFill>
+                  <a:latin typeface="Open Sans" panose="020B0606030504020204" pitchFamily="34" charset="0"/>
+                </a:rPr>
+                <a:t>£</a:t>
+              </a:r>
               <a:r>
                 <a:rPr lang="tr-TR" sz="1000" b="1" i="0" u="none" strike="noStrike" dirty="0" err="1">
                   <a:solidFill>
@@ -41080,10 +41080,10 @@
         </p:sp>
         <p:sp>
           <p:nvSpPr>
-            <p:cNvPr id="45" name="Metin kutusu 44">
+            <p:cNvPr id="46" name="Metin kutusu 45">
               <a:extLst>
                 <a:ext uri="{FF2B5EF4-FFF2-40B4-BE49-F238E27FC236}">
-                  <a16:creationId xmlns:a16="http://schemas.microsoft.com/office/drawing/2014/main" id="{59C7A798-6C53-8147-A6CE-08FCB9119E7D}"/>
+                  <a16:creationId xmlns:a16="http://schemas.microsoft.com/office/drawing/2014/main" id="{474A5092-8869-93EC-DD24-4BFCC3A0C00F}"/>
                 </a:ext>
               </a:extLst>
             </p:cNvPr>
@@ -41092,8 +41092,8 @@
           </p:nvSpPr>
           <p:spPr>
             <a:xfrm>
-              <a:off x="9484507" y="1914766"/>
-              <a:ext cx="303387" cy="303661"/>
+              <a:off x="9493772" y="1914766"/>
+              <a:ext cx="1478767" cy="303661"/>
             </a:xfrm>
             <a:prstGeom prst="rect">
               <a:avLst/>
@@ -41106,9 +41106,9 @@
             </a:bodyPr>
             <a:lstStyle/>
             <a:p>
-              <a:pPr algn="l" fontAlgn="ctr"/>
+              <a:pPr fontAlgn="ctr"/>
               <a:r>
-                <a:rPr lang="tr-TR" sz="1000" dirty="0">
+                <a:rPr lang="tr-TR" sz="1000" b="1" dirty="0">
                   <a:solidFill>
                     <a:schemeClr val="tx1">
                       <a:lumMod val="50000"/>
@@ -41119,48 +41119,6 @@
                 </a:rPr>
                 <a:t>£</a:t>
               </a:r>
-              <a:endParaRPr lang="en-GB" sz="1000" b="0" i="0" u="none" strike="noStrike" dirty="0">
-                <a:solidFill>
-                  <a:schemeClr val="tx1">
-                    <a:lumMod val="50000"/>
-                    <a:lumOff val="50000"/>
-                  </a:schemeClr>
-                </a:solidFill>
-                <a:effectLst/>
-                <a:latin typeface="Open Sans" panose="020B0606030504020204" pitchFamily="34" charset="0"/>
-              </a:endParaRPr>
-            </a:p>
-          </p:txBody>
-        </p:sp>
-        <p:sp>
-          <p:nvSpPr>
-            <p:cNvPr id="46" name="Metin kutusu 45">
-              <a:extLst>
-                <a:ext uri="{FF2B5EF4-FFF2-40B4-BE49-F238E27FC236}">
-                  <a16:creationId xmlns:a16="http://schemas.microsoft.com/office/drawing/2014/main" id="{474A5092-8869-93EC-DD24-4BFCC3A0C00F}"/>
-                </a:ext>
-              </a:extLst>
-            </p:cNvPr>
-            <p:cNvSpPr txBox="1"/>
-            <p:nvPr/>
-          </p:nvSpPr>
-          <p:spPr>
-            <a:xfrm>
-              <a:off x="10108153" y="1914766"/>
-              <a:ext cx="864386" cy="303661"/>
-            </a:xfrm>
-            <a:prstGeom prst="rect">
-              <a:avLst/>
-            </a:prstGeom>
-            <a:noFill/>
-          </p:spPr>
-          <p:txBody>
-            <a:bodyPr wrap="square">
-              <a:spAutoFit/>
-            </a:bodyPr>
-            <a:lstStyle/>
-            <a:p>
-              <a:pPr algn="r" fontAlgn="ctr"/>
               <a:r>
                 <a:rPr lang="tr-TR" sz="1000" b="1" i="0" u="none" strike="noStrike" dirty="0" err="1">
                   <a:solidFill>
@@ -41292,18 +41250,6 @@
             <a:lstStyle/>
             <a:p>
               <a:pPr algn="l" fontAlgn="ctr"/>
-              <a:r>
-                <a:rPr lang="tr-TR" sz="1000" dirty="0">
-                  <a:solidFill>
-                    <a:schemeClr val="tx1">
-                      <a:lumMod val="50000"/>
-                      <a:lumOff val="50000"/>
-                    </a:schemeClr>
-                  </a:solidFill>
-                  <a:latin typeface="Open Sans" panose="020B0606030504020204" pitchFamily="34" charset="0"/>
-                </a:rPr>
-                <a:t>£</a:t>
-              </a:r>
               <a:endParaRPr lang="en-GB" sz="1000" b="0" i="0" u="none" strike="noStrike" dirty="0">
                 <a:solidFill>
                   <a:schemeClr val="tx1">
@@ -41331,8 +41277,8 @@
           </p:nvSpPr>
           <p:spPr>
             <a:xfrm>
-              <a:off x="10108153" y="1914766"/>
-              <a:ext cx="864386" cy="303661"/>
+              <a:off x="9498328" y="1914766"/>
+              <a:ext cx="1474211" cy="303661"/>
             </a:xfrm>
             <a:prstGeom prst="rect">
               <a:avLst/>
@@ -41345,7 +41291,19 @@
             </a:bodyPr>
             <a:lstStyle/>
             <a:p>
-              <a:pPr algn="r" fontAlgn="ctr"/>
+              <a:pPr fontAlgn="ctr"/>
+              <a:r>
+                <a:rPr lang="tr-TR" sz="1000" b="1" dirty="0">
+                  <a:solidFill>
+                    <a:schemeClr val="tx1">
+                      <a:lumMod val="50000"/>
+                      <a:lumOff val="50000"/>
+                    </a:schemeClr>
+                  </a:solidFill>
+                  <a:latin typeface="Open Sans" panose="020B0606030504020204" pitchFamily="34" charset="0"/>
+                </a:rPr>
+                <a:t>£</a:t>
+              </a:r>
               <a:r>
                 <a:rPr lang="tr-TR" sz="1000" b="1" i="0" u="none" strike="noStrike" dirty="0" err="1">
                   <a:solidFill>
@@ -41477,18 +41435,6 @@
             <a:lstStyle/>
             <a:p>
               <a:pPr algn="l" fontAlgn="ctr"/>
-              <a:r>
-                <a:rPr lang="tr-TR" sz="1000" dirty="0">
-                  <a:solidFill>
-                    <a:schemeClr val="tx1">
-                      <a:lumMod val="50000"/>
-                      <a:lumOff val="50000"/>
-                    </a:schemeClr>
-                  </a:solidFill>
-                  <a:latin typeface="Open Sans" panose="020B0606030504020204" pitchFamily="34" charset="0"/>
-                </a:rPr>
-                <a:t>£</a:t>
-              </a:r>
               <a:endParaRPr lang="en-GB" sz="1000" b="0" i="0" u="none" strike="noStrike" dirty="0">
                 <a:solidFill>
                   <a:schemeClr val="tx1">
@@ -41516,8 +41462,8 @@
           </p:nvSpPr>
           <p:spPr>
             <a:xfrm>
-              <a:off x="10108153" y="1914766"/>
-              <a:ext cx="864386" cy="303661"/>
+              <a:off x="9493772" y="1914766"/>
+              <a:ext cx="1478767" cy="303661"/>
             </a:xfrm>
             <a:prstGeom prst="rect">
               <a:avLst/>
@@ -41530,7 +41476,19 @@
             </a:bodyPr>
             <a:lstStyle/>
             <a:p>
-              <a:pPr algn="r" fontAlgn="ctr"/>
+              <a:pPr fontAlgn="ctr"/>
+              <a:r>
+                <a:rPr lang="tr-TR" sz="1000" b="1" dirty="0">
+                  <a:solidFill>
+                    <a:schemeClr val="tx1">
+                      <a:lumMod val="50000"/>
+                      <a:lumOff val="50000"/>
+                    </a:schemeClr>
+                  </a:solidFill>
+                  <a:latin typeface="Open Sans" panose="020B0606030504020204" pitchFamily="34" charset="0"/>
+                </a:rPr>
+                <a:t>£</a:t>
+              </a:r>
               <a:r>
                 <a:rPr lang="tr-TR" sz="1000" b="1" i="0" u="none" strike="noStrike" dirty="0" err="1">
                   <a:solidFill>
@@ -41662,18 +41620,6 @@
             <a:lstStyle/>
             <a:p>
               <a:pPr algn="l" fontAlgn="ctr"/>
-              <a:r>
-                <a:rPr lang="tr-TR" sz="1000" dirty="0">
-                  <a:solidFill>
-                    <a:schemeClr val="tx1">
-                      <a:lumMod val="50000"/>
-                      <a:lumOff val="50000"/>
-                    </a:schemeClr>
-                  </a:solidFill>
-                  <a:latin typeface="Open Sans" panose="020B0606030504020204" pitchFamily="34" charset="0"/>
-                </a:rPr>
-                <a:t>£</a:t>
-              </a:r>
               <a:endParaRPr lang="en-GB" sz="1000" b="0" i="0" u="none" strike="noStrike" dirty="0">
                 <a:solidFill>
                   <a:schemeClr val="tx1">
@@ -41701,8 +41647,8 @@
           </p:nvSpPr>
           <p:spPr>
             <a:xfrm>
-              <a:off x="10108153" y="1914766"/>
-              <a:ext cx="864386" cy="303661"/>
+              <a:off x="9508831" y="1914766"/>
+              <a:ext cx="1463708" cy="303661"/>
             </a:xfrm>
             <a:prstGeom prst="rect">
               <a:avLst/>
@@ -41715,7 +41661,19 @@
             </a:bodyPr>
             <a:lstStyle/>
             <a:p>
-              <a:pPr algn="r" fontAlgn="ctr"/>
+              <a:pPr fontAlgn="ctr"/>
+              <a:r>
+                <a:rPr lang="tr-TR" sz="1000" b="1" dirty="0">
+                  <a:solidFill>
+                    <a:schemeClr val="tx1">
+                      <a:lumMod val="50000"/>
+                      <a:lumOff val="50000"/>
+                    </a:schemeClr>
+                  </a:solidFill>
+                  <a:latin typeface="Open Sans" panose="020B0606030504020204" pitchFamily="34" charset="0"/>
+                </a:rPr>
+                <a:t>£</a:t>
+              </a:r>
               <a:r>
                 <a:rPr lang="tr-TR" sz="1000" b="1" i="0" u="none" strike="noStrike" dirty="0" err="1">
                   <a:solidFill>
@@ -41758,9 +41716,9 @@
         <p:grpSpPr>
           <a:xfrm>
             <a:off x="5943200" y="5206279"/>
-            <a:ext cx="5176256" cy="252000"/>
+            <a:ext cx="5176257" cy="252000"/>
             <a:chOff x="5795087" y="1979872"/>
-            <a:chExt cx="5176256" cy="209541"/>
+            <a:chExt cx="5176257" cy="209541"/>
           </a:xfrm>
           <a:solidFill>
             <a:srgbClr val="848182"/>
@@ -41837,15 +41795,6 @@
             <a:lstStyle/>
             <a:p>
               <a:pPr algn="l" fontAlgn="ctr"/>
-              <a:r>
-                <a:rPr lang="tr-TR" sz="1000" b="1" dirty="0">
-                  <a:solidFill>
-                    <a:srgbClr val="FFFFFF"/>
-                  </a:solidFill>
-                  <a:latin typeface="Open Sans" panose="020B0606030504020204" pitchFamily="34" charset="0"/>
-                </a:rPr>
-                <a:t>£</a:t>
-              </a:r>
               <a:endParaRPr lang="en-GB" sz="1000" b="1" dirty="0">
                 <a:solidFill>
                   <a:srgbClr val="FFFFFF"/>
@@ -41869,8 +41818,8 @@
           </p:nvSpPr>
           <p:spPr>
             <a:xfrm>
-              <a:off x="9802122" y="1979872"/>
-              <a:ext cx="1169221" cy="204701"/>
+              <a:off x="9501842" y="1979872"/>
+              <a:ext cx="1469502" cy="204701"/>
             </a:xfrm>
             <a:prstGeom prst="rect">
               <a:avLst/>
@@ -41883,7 +41832,16 @@
             </a:bodyPr>
             <a:lstStyle/>
             <a:p>
-              <a:pPr algn="r" fontAlgn="ctr"/>
+              <a:pPr fontAlgn="ctr"/>
+              <a:r>
+                <a:rPr lang="tr-TR" sz="1000" b="1" dirty="0">
+                  <a:solidFill>
+                    <a:srgbClr val="FFFFFF"/>
+                  </a:solidFill>
+                  <a:latin typeface="Open Sans" panose="020B0606030504020204" pitchFamily="34" charset="0"/>
+                </a:rPr>
+                <a:t>£</a:t>
+              </a:r>
               <a:r>
                 <a:rPr lang="tr-TR" sz="1000" b="1" i="0" u="none" strike="noStrike" dirty="0" err="1">
                   <a:solidFill>
@@ -44966,6 +44924,15 @@
 </file>
 
 <file path=customXml/item2.xml><?xml version="1.0" encoding="utf-8"?>
+<?mso-contentType ?>
+<FormTemplates xmlns="http://schemas.microsoft.com/sharepoint/v3/contenttype/forms">
+  <Display>DocumentLibraryForm</Display>
+  <Edit>DocumentLibraryForm</Edit>
+  <New>DocumentLibraryForm</New>
+</FormTemplates>
+</file>
+
+<file path=customXml/item3.xml><?xml version="1.0" encoding="utf-8"?>
 <p:properties xmlns:p="http://schemas.microsoft.com/office/2006/metadata/properties" xmlns:xsi="http://www.w3.org/2001/XMLSchema-instance" xmlns:pc="http://schemas.microsoft.com/office/infopath/2007/PartnerControls">
   <documentManagement>
     <lcf76f155ced4ddcb4097134ff3c332f xmlns="8a969d1d-647f-4e4c-97f9-a5143e71e435">
@@ -44974,15 +44941,6 @@
     <TaxCatchAll xmlns="eb37a4e0-bf89-419d-8b31-963a97458fb1" xsi:nil="true"/>
   </documentManagement>
 </p:properties>
-</file>
-
-<file path=customXml/item3.xml><?xml version="1.0" encoding="utf-8"?>
-<?mso-contentType ?>
-<FormTemplates xmlns="http://schemas.microsoft.com/sharepoint/v3/contenttype/forms">
-  <Display>DocumentLibraryForm</Display>
-  <Edit>DocumentLibraryForm</Edit>
-  <New>DocumentLibraryForm</New>
-</FormTemplates>
 </file>
 
 <file path=customXml/itemProps1.xml><?xml version="1.0" encoding="utf-8"?>
@@ -45005,6 +44963,14 @@
 </file>
 
 <file path=customXml/itemProps2.xml><?xml version="1.0" encoding="utf-8"?>
+<ds:datastoreItem xmlns:ds="http://schemas.openxmlformats.org/officeDocument/2006/customXml" ds:itemID="{953B4D23-82FF-4812-9F4E-BB600331C634}">
+  <ds:schemaRefs>
+    <ds:schemaRef ds:uri="http://schemas.microsoft.com/sharepoint/v3/contenttype/forms"/>
+  </ds:schemaRefs>
+</ds:datastoreItem>
+</file>
+
+<file path=customXml/itemProps3.xml><?xml version="1.0" encoding="utf-8"?>
 <ds:datastoreItem xmlns:ds="http://schemas.openxmlformats.org/officeDocument/2006/customXml" ds:itemID="{8140E5F8-1399-4596-AA73-4BD79D26AFFD}">
   <ds:schemaRefs>
     <ds:schemaRef ds:uri="http://purl.org/dc/dcmitype/"/>
@@ -45021,14 +44987,6 @@
 </ds:datastoreItem>
 </file>
 
-<file path=customXml/itemProps3.xml><?xml version="1.0" encoding="utf-8"?>
-<ds:datastoreItem xmlns:ds="http://schemas.openxmlformats.org/officeDocument/2006/customXml" ds:itemID="{953B4D23-82FF-4812-9F4E-BB600331C634}">
-  <ds:schemaRefs>
-    <ds:schemaRef ds:uri="http://schemas.microsoft.com/sharepoint/v3/contenttype/forms"/>
-  </ds:schemaRefs>
-</ds:datastoreItem>
-</file>
-
 <file path=docMetadata/LabelInfo.xml><?xml version="1.0" encoding="utf-8"?>
 <clbl:labelList xmlns:clbl="http://schemas.microsoft.com/office/2020/mipLabelMetadata">
   <clbl:label id="{2b5a89e7-01bf-42ed-9da1-669d82eec17a}" enabled="0" method="" siteId="{2b5a89e7-01bf-42ed-9da1-669d82eec17a}" removed="1"/>

--- a/questionare.pptx
+++ b/questionare.pptx
@@ -39479,7 +39479,7 @@
         </p:nvSpPr>
         <p:spPr>
           <a:xfrm>
-            <a:off x="5857356" y="5804302"/>
+            <a:off x="5835308" y="5644487"/>
             <a:ext cx="5306349" cy="388773"/>
           </a:xfrm>
           <a:prstGeom prst="rect">
@@ -39722,17 +39722,7 @@
                 <a:effectLst/>
                 <a:latin typeface="Open Sans" panose="020B0606030504020204" pitchFamily="34" charset="0"/>
               </a:rPr>
-              <a:t>You selected two periods between which to run a value review. these were : </a:t>
-            </a:r>
-            <a:r>
-              <a:rPr lang="tr-TR" sz="900" b="0" i="0" dirty="0">
-                <a:solidFill>
-                  <a:srgbClr val="555555"/>
-                </a:solidFill>
-                <a:effectLst/>
-                <a:latin typeface="Open Sans" panose="020B0606030504020204" pitchFamily="34" charset="0"/>
-              </a:rPr>
-              <a:t>period1val, period2val</a:t>
+              <a:t>These are projected Value Savings for a full year, calculated based on the figures you have provided. We will be reviewing the data with you on an ongoing basis</a:t>
             </a:r>
             <a:endParaRPr lang="en-GB" sz="1000" dirty="0">
               <a:solidFill>
@@ -41866,48 +41856,6 @@
           </p:txBody>
         </p:sp>
       </p:grpSp>
-      <p:sp>
-        <p:nvSpPr>
-          <p:cNvPr id="8" name="Metin kutusu 7">
-            <a:extLst>
-              <a:ext uri="{FF2B5EF4-FFF2-40B4-BE49-F238E27FC236}">
-                <a16:creationId xmlns:a16="http://schemas.microsoft.com/office/drawing/2014/main" id="{AA3E2AA0-38CB-BD03-0A54-6F1FC3FA7A2F}"/>
-              </a:ext>
-            </a:extLst>
-          </p:cNvPr>
-          <p:cNvSpPr txBox="1"/>
-          <p:nvPr/>
-        </p:nvSpPr>
-        <p:spPr>
-          <a:xfrm>
-            <a:off x="5848090" y="5587482"/>
-            <a:ext cx="6096000" cy="230832"/>
-          </a:xfrm>
-          <a:prstGeom prst="rect">
-            <a:avLst/>
-          </a:prstGeom>
-          <a:noFill/>
-        </p:spPr>
-        <p:txBody>
-          <a:bodyPr wrap="square">
-            <a:spAutoFit/>
-          </a:bodyPr>
-          <a:lstStyle/>
-          <a:p>
-            <a:r>
-              <a:rPr lang="en-GB" sz="900" b="0" i="0" dirty="0">
-                <a:solidFill>
-                  <a:schemeClr val="tx2"/>
-                </a:solidFill>
-                <a:effectLst/>
-                <a:latin typeface="Open Sans" panose="020B0606030504020204" pitchFamily="34" charset="0"/>
-              </a:rPr>
-              <a:t>Period of review: </a:t>
-            </a:r>
-            <a:endParaRPr lang="tr-TR" sz="900" dirty="0"/>
-          </a:p>
-        </p:txBody>
-      </p:sp>
     </p:spTree>
     <p:extLst>
       <p:ext uri="{BB962C8B-B14F-4D97-AF65-F5344CB8AC3E}">
@@ -44924,15 +44872,6 @@
 </file>
 
 <file path=customXml/item2.xml><?xml version="1.0" encoding="utf-8"?>
-<?mso-contentType ?>
-<FormTemplates xmlns="http://schemas.microsoft.com/sharepoint/v3/contenttype/forms">
-  <Display>DocumentLibraryForm</Display>
-  <Edit>DocumentLibraryForm</Edit>
-  <New>DocumentLibraryForm</New>
-</FormTemplates>
-</file>
-
-<file path=customXml/item3.xml><?xml version="1.0" encoding="utf-8"?>
 <p:properties xmlns:p="http://schemas.microsoft.com/office/2006/metadata/properties" xmlns:xsi="http://www.w3.org/2001/XMLSchema-instance" xmlns:pc="http://schemas.microsoft.com/office/infopath/2007/PartnerControls">
   <documentManagement>
     <lcf76f155ced4ddcb4097134ff3c332f xmlns="8a969d1d-647f-4e4c-97f9-a5143e71e435">
@@ -44941,6 +44880,15 @@
     <TaxCatchAll xmlns="eb37a4e0-bf89-419d-8b31-963a97458fb1" xsi:nil="true"/>
   </documentManagement>
 </p:properties>
+</file>
+
+<file path=customXml/item3.xml><?xml version="1.0" encoding="utf-8"?>
+<?mso-contentType ?>
+<FormTemplates xmlns="http://schemas.microsoft.com/sharepoint/v3/contenttype/forms">
+  <Display>DocumentLibraryForm</Display>
+  <Edit>DocumentLibraryForm</Edit>
+  <New>DocumentLibraryForm</New>
+</FormTemplates>
 </file>
 
 <file path=customXml/itemProps1.xml><?xml version="1.0" encoding="utf-8"?>
@@ -44963,14 +44911,6 @@
 </file>
 
 <file path=customXml/itemProps2.xml><?xml version="1.0" encoding="utf-8"?>
-<ds:datastoreItem xmlns:ds="http://schemas.openxmlformats.org/officeDocument/2006/customXml" ds:itemID="{953B4D23-82FF-4812-9F4E-BB600331C634}">
-  <ds:schemaRefs>
-    <ds:schemaRef ds:uri="http://schemas.microsoft.com/sharepoint/v3/contenttype/forms"/>
-  </ds:schemaRefs>
-</ds:datastoreItem>
-</file>
-
-<file path=customXml/itemProps3.xml><?xml version="1.0" encoding="utf-8"?>
 <ds:datastoreItem xmlns:ds="http://schemas.openxmlformats.org/officeDocument/2006/customXml" ds:itemID="{8140E5F8-1399-4596-AA73-4BD79D26AFFD}">
   <ds:schemaRefs>
     <ds:schemaRef ds:uri="http://purl.org/dc/dcmitype/"/>
@@ -44987,6 +44927,14 @@
 </ds:datastoreItem>
 </file>
 
+<file path=customXml/itemProps3.xml><?xml version="1.0" encoding="utf-8"?>
+<ds:datastoreItem xmlns:ds="http://schemas.openxmlformats.org/officeDocument/2006/customXml" ds:itemID="{953B4D23-82FF-4812-9F4E-BB600331C634}">
+  <ds:schemaRefs>
+    <ds:schemaRef ds:uri="http://schemas.microsoft.com/sharepoint/v3/contenttype/forms"/>
+  </ds:schemaRefs>
+</ds:datastoreItem>
+</file>
+
 <file path=docMetadata/LabelInfo.xml><?xml version="1.0" encoding="utf-8"?>
 <clbl:labelList xmlns:clbl="http://schemas.microsoft.com/office/2020/mipLabelMetadata">
   <clbl:label id="{2b5a89e7-01bf-42ed-9da1-669d82eec17a}" enabled="0" method="" siteId="{2b5a89e7-01bf-42ed-9da1-669d82eec17a}" removed="1"/>

--- a/questionare.pptx
+++ b/questionare.pptx
@@ -1199,7 +1199,7 @@
           <a:p>
             <a:fld id="{22EE6207-6821-4DAB-B818-E4F4F6AB12F5}" type="datetimeFigureOut">
               <a:rPr lang="en-GB" smtClean="0"/>
-              <a:t>04/10/2024</a:t>
+              <a:t>07/10/2024</a:t>
             </a:fld>
             <a:endParaRPr lang="en-GB"/>
           </a:p>
@@ -1392,7 +1392,7 @@
           <a:p>
             <a:fld id="{5B936EE0-4F6D-274D-8902-95CDFEF84C8C}" type="datetimeFigureOut">
               <a:rPr lang="en-US" smtClean="0"/>
-              <a:t>10/4/2024</a:t>
+              <a:t>10/7/2024</a:t>
             </a:fld>
             <a:endParaRPr lang="en-US"/>
           </a:p>
@@ -2032,7 +2032,7 @@
           <a:p>
             <a:fld id="{98FAEBFC-AF3F-6E47-9766-48C2D7B36252}" type="datetime1">
               <a:rPr lang="en-GB" smtClean="0"/>
-              <a:t>04/10/2024</a:t>
+              <a:t>07/10/2024</a:t>
             </a:fld>
             <a:endParaRPr lang="en-GB"/>
           </a:p>
@@ -2347,7 +2347,7 @@
           <a:p>
             <a:fld id="{C7EFF3D0-6BED-D444-BEB4-872DDA21BA8D}" type="datetime1">
               <a:rPr lang="en-GB" smtClean="0"/>
-              <a:t>04/10/2024</a:t>
+              <a:t>07/10/2024</a:t>
             </a:fld>
             <a:endParaRPr lang="en-US"/>
           </a:p>
@@ -3465,7 +3465,7 @@
           <a:p>
             <a:fld id="{C7EFF3D0-6BED-D444-BEB4-872DDA21BA8D}" type="datetime1">
               <a:rPr lang="en-GB" smtClean="0"/>
-              <a:t>04/10/2024</a:t>
+              <a:t>07/10/2024</a:t>
             </a:fld>
             <a:endParaRPr lang="en-US"/>
           </a:p>
@@ -3932,7 +3932,7 @@
           <a:p>
             <a:fld id="{C7EFF3D0-6BED-D444-BEB4-872DDA21BA8D}" type="datetime1">
               <a:rPr lang="en-GB" smtClean="0"/>
-              <a:t>04/10/2024</a:t>
+              <a:t>07/10/2024</a:t>
             </a:fld>
             <a:endParaRPr lang="en-US"/>
           </a:p>
@@ -4583,7 +4583,7 @@
           <a:p>
             <a:fld id="{C7EFF3D0-6BED-D444-BEB4-872DDA21BA8D}" type="datetime1">
               <a:rPr lang="en-GB" smtClean="0"/>
-              <a:t>04/10/2024</a:t>
+              <a:t>07/10/2024</a:t>
             </a:fld>
             <a:endParaRPr lang="en-US"/>
           </a:p>
@@ -4994,7 +4994,7 @@
           <a:p>
             <a:fld id="{C7EFF3D0-6BED-D444-BEB4-872DDA21BA8D}" type="datetime1">
               <a:rPr lang="en-GB" smtClean="0"/>
-              <a:t>04/10/2024</a:t>
+              <a:t>07/10/2024</a:t>
             </a:fld>
             <a:endParaRPr lang="en-US"/>
           </a:p>
@@ -5495,7 +5495,7 @@
           <a:p>
             <a:fld id="{C7EFF3D0-6BED-D444-BEB4-872DDA21BA8D}" type="datetime1">
               <a:rPr lang="en-GB" smtClean="0"/>
-              <a:t>04/10/2024</a:t>
+              <a:t>07/10/2024</a:t>
             </a:fld>
             <a:endParaRPr lang="en-US"/>
           </a:p>
@@ -6225,7 +6225,7 @@
           <a:p>
             <a:fld id="{C7EFF3D0-6BED-D444-BEB4-872DDA21BA8D}" type="datetime1">
               <a:rPr lang="en-GB" smtClean="0"/>
-              <a:t>04/10/2024</a:t>
+              <a:t>07/10/2024</a:t>
             </a:fld>
             <a:endParaRPr lang="en-US"/>
           </a:p>
@@ -7051,7 +7051,7 @@
           <a:p>
             <a:fld id="{C7EFF3D0-6BED-D444-BEB4-872DDA21BA8D}" type="datetime1">
               <a:rPr lang="en-GB" smtClean="0"/>
-              <a:t>04/10/2024</a:t>
+              <a:t>07/10/2024</a:t>
             </a:fld>
             <a:endParaRPr lang="en-US"/>
           </a:p>
@@ -9074,7 +9074,7 @@
           <a:p>
             <a:fld id="{C7EFF3D0-6BED-D444-BEB4-872DDA21BA8D}" type="datetime1">
               <a:rPr lang="en-GB" smtClean="0"/>
-              <a:t>04/10/2024</a:t>
+              <a:t>07/10/2024</a:t>
             </a:fld>
             <a:endParaRPr lang="en-US"/>
           </a:p>
@@ -9700,7 +9700,7 @@
           <a:p>
             <a:fld id="{C7EFF3D0-6BED-D444-BEB4-872DDA21BA8D}" type="datetime1">
               <a:rPr lang="en-GB" smtClean="0"/>
-              <a:t>04/10/2024</a:t>
+              <a:t>07/10/2024</a:t>
             </a:fld>
             <a:endParaRPr lang="en-US"/>
           </a:p>
@@ -10673,7 +10673,7 @@
           <a:p>
             <a:fld id="{98FAEBFC-AF3F-6E47-9766-48C2D7B36252}" type="datetime1">
               <a:rPr lang="en-GB" smtClean="0"/>
-              <a:t>04/10/2024</a:t>
+              <a:t>07/10/2024</a:t>
             </a:fld>
             <a:endParaRPr lang="en-GB"/>
           </a:p>
@@ -11392,7 +11392,7 @@
           <a:p>
             <a:fld id="{C7EFF3D0-6BED-D444-BEB4-872DDA21BA8D}" type="datetime1">
               <a:rPr lang="en-GB" smtClean="0"/>
-              <a:t>04/10/2024</a:t>
+              <a:t>07/10/2024</a:t>
             </a:fld>
             <a:endParaRPr lang="en-US"/>
           </a:p>
@@ -12212,7 +12212,7 @@
           <a:p>
             <a:fld id="{C7EFF3D0-6BED-D444-BEB4-872DDA21BA8D}" type="datetime1">
               <a:rPr lang="en-GB" smtClean="0"/>
-              <a:t>04/10/2024</a:t>
+              <a:t>07/10/2024</a:t>
             </a:fld>
             <a:endParaRPr lang="en-US"/>
           </a:p>
@@ -13011,7 +13011,7 @@
           <a:p>
             <a:fld id="{C7EFF3D0-6BED-D444-BEB4-872DDA21BA8D}" type="datetime1">
               <a:rPr lang="en-GB" smtClean="0"/>
-              <a:t>04/10/2024</a:t>
+              <a:t>07/10/2024</a:t>
             </a:fld>
             <a:endParaRPr lang="en-US"/>
           </a:p>
@@ -13778,7 +13778,7 @@
           <a:p>
             <a:fld id="{C7EFF3D0-6BED-D444-BEB4-872DDA21BA8D}" type="datetime1">
               <a:rPr lang="en-GB" smtClean="0"/>
-              <a:t>04/10/2024</a:t>
+              <a:t>07/10/2024</a:t>
             </a:fld>
             <a:endParaRPr lang="en-US"/>
           </a:p>
@@ -14345,7 +14345,7 @@
           <a:p>
             <a:fld id="{C7EFF3D0-6BED-D444-BEB4-872DDA21BA8D}" type="datetime1">
               <a:rPr lang="en-GB" smtClean="0"/>
-              <a:t>04/10/2024</a:t>
+              <a:t>07/10/2024</a:t>
             </a:fld>
             <a:endParaRPr lang="en-US"/>
           </a:p>
@@ -14909,7 +14909,7 @@
           <a:p>
             <a:fld id="{C7EFF3D0-6BED-D444-BEB4-872DDA21BA8D}" type="datetime1">
               <a:rPr lang="en-GB" smtClean="0"/>
-              <a:t>04/10/2024</a:t>
+              <a:t>07/10/2024</a:t>
             </a:fld>
             <a:endParaRPr lang="en-US"/>
           </a:p>
@@ -15520,7 +15520,7 @@
           <a:p>
             <a:fld id="{C7EFF3D0-6BED-D444-BEB4-872DDA21BA8D}" type="datetime1">
               <a:rPr lang="en-GB" smtClean="0"/>
-              <a:t>04/10/2024</a:t>
+              <a:t>07/10/2024</a:t>
             </a:fld>
             <a:endParaRPr lang="en-US"/>
           </a:p>
@@ -16256,7 +16256,7 @@
           <a:p>
             <a:fld id="{C7EFF3D0-6BED-D444-BEB4-872DDA21BA8D}" type="datetime1">
               <a:rPr lang="en-GB" smtClean="0"/>
-              <a:t>04/10/2024</a:t>
+              <a:t>07/10/2024</a:t>
             </a:fld>
             <a:endParaRPr lang="en-US"/>
           </a:p>
@@ -16627,7 +16627,7 @@
           <a:p>
             <a:fld id="{C7EFF3D0-6BED-D444-BEB4-872DDA21BA8D}" type="datetime1">
               <a:rPr lang="en-GB" smtClean="0"/>
-              <a:t>04/10/2024</a:t>
+              <a:t>07/10/2024</a:t>
             </a:fld>
             <a:endParaRPr lang="en-US"/>
           </a:p>
@@ -17027,7 +17027,7 @@
           <a:p>
             <a:fld id="{C7EFF3D0-6BED-D444-BEB4-872DDA21BA8D}" type="datetime1">
               <a:rPr lang="en-GB" smtClean="0"/>
-              <a:t>04/10/2024</a:t>
+              <a:t>07/10/2024</a:t>
             </a:fld>
             <a:endParaRPr lang="en-US"/>
           </a:p>
@@ -18025,7 +18025,7 @@
           <a:p>
             <a:fld id="{98FAEBFC-AF3F-6E47-9766-48C2D7B36252}" type="datetime1">
               <a:rPr lang="en-GB" smtClean="0"/>
-              <a:t>04/10/2024</a:t>
+              <a:t>07/10/2024</a:t>
             </a:fld>
             <a:endParaRPr lang="en-GB"/>
           </a:p>
@@ -18579,7 +18579,7 @@
           <a:p>
             <a:fld id="{C7EFF3D0-6BED-D444-BEB4-872DDA21BA8D}" type="datetime1">
               <a:rPr lang="en-GB" smtClean="0"/>
-              <a:t>04/10/2024</a:t>
+              <a:t>07/10/2024</a:t>
             </a:fld>
             <a:endParaRPr lang="en-US"/>
           </a:p>
@@ -19321,7 +19321,7 @@
           <a:p>
             <a:fld id="{C7EFF3D0-6BED-D444-BEB4-872DDA21BA8D}" type="datetime1">
               <a:rPr lang="en-GB" smtClean="0"/>
-              <a:t>04/10/2024</a:t>
+              <a:t>07/10/2024</a:t>
             </a:fld>
             <a:endParaRPr lang="en-US"/>
           </a:p>
@@ -20264,7 +20264,7 @@
           <a:p>
             <a:fld id="{C7EFF3D0-6BED-D444-BEB4-872DDA21BA8D}" type="datetime1">
               <a:rPr lang="en-GB" smtClean="0"/>
-              <a:t>04/10/2024</a:t>
+              <a:t>07/10/2024</a:t>
             </a:fld>
             <a:endParaRPr lang="en-US"/>
           </a:p>
@@ -20820,7 +20820,7 @@
           <a:p>
             <a:fld id="{C7EFF3D0-6BED-D444-BEB4-872DDA21BA8D}" type="datetime1">
               <a:rPr lang="en-GB" smtClean="0"/>
-              <a:t>04/10/2024</a:t>
+              <a:t>07/10/2024</a:t>
             </a:fld>
             <a:endParaRPr lang="en-US"/>
           </a:p>
@@ -21370,7 +21370,7 @@
           <a:p>
             <a:fld id="{C7EFF3D0-6BED-D444-BEB4-872DDA21BA8D}" type="datetime1">
               <a:rPr lang="en-GB" smtClean="0"/>
-              <a:t>04/10/2024</a:t>
+              <a:t>07/10/2024</a:t>
             </a:fld>
             <a:endParaRPr lang="en-US"/>
           </a:p>
@@ -22155,7 +22155,7 @@
           <a:p>
             <a:fld id="{C7EFF3D0-6BED-D444-BEB4-872DDA21BA8D}" type="datetime1">
               <a:rPr lang="en-GB" smtClean="0"/>
-              <a:t>04/10/2024</a:t>
+              <a:t>07/10/2024</a:t>
             </a:fld>
             <a:endParaRPr lang="en-US"/>
           </a:p>
@@ -22919,7 +22919,7 @@
           <a:p>
             <a:fld id="{C7EFF3D0-6BED-D444-BEB4-872DDA21BA8D}" type="datetime1">
               <a:rPr lang="en-GB" smtClean="0"/>
-              <a:t>04/10/2024</a:t>
+              <a:t>07/10/2024</a:t>
             </a:fld>
             <a:endParaRPr lang="en-US"/>
           </a:p>
@@ -23635,7 +23635,7 @@
           <a:p>
             <a:fld id="{C7EFF3D0-6BED-D444-BEB4-872DDA21BA8D}" type="datetime1">
               <a:rPr lang="en-GB" smtClean="0"/>
-              <a:t>04/10/2024</a:t>
+              <a:t>07/10/2024</a:t>
             </a:fld>
             <a:endParaRPr lang="en-US"/>
           </a:p>
@@ -24034,7 +24034,7 @@
           <a:p>
             <a:fld id="{C7EFF3D0-6BED-D444-BEB4-872DDA21BA8D}" type="datetime1">
               <a:rPr lang="en-GB" smtClean="0"/>
-              <a:t>04/10/2024</a:t>
+              <a:t>07/10/2024</a:t>
             </a:fld>
             <a:endParaRPr lang="en-US"/>
           </a:p>
@@ -24346,7 +24346,7 @@
           <a:p>
             <a:fld id="{C7EFF3D0-6BED-D444-BEB4-872DDA21BA8D}" type="datetime1">
               <a:rPr lang="en-GB" smtClean="0"/>
-              <a:t>04/10/2024</a:t>
+              <a:t>07/10/2024</a:t>
             </a:fld>
             <a:endParaRPr lang="en-US"/>
           </a:p>
@@ -24816,7 +24816,7 @@
           <a:p>
             <a:fld id="{D3ECCBB8-735C-914B-8E67-7852CBBDF7EA}" type="datetime1">
               <a:rPr lang="en-GB" smtClean="0"/>
-              <a:t>04/10/2024</a:t>
+              <a:t>07/10/2024</a:t>
             </a:fld>
             <a:endParaRPr lang="en-GB"/>
           </a:p>
@@ -25502,7 +25502,7 @@
           <a:p>
             <a:fld id="{C7EFF3D0-6BED-D444-BEB4-872DDA21BA8D}" type="datetime1">
               <a:rPr lang="en-GB" smtClean="0"/>
-              <a:t>04/10/2024</a:t>
+              <a:t>07/10/2024</a:t>
             </a:fld>
             <a:endParaRPr lang="en-US"/>
           </a:p>
@@ -25775,7 +25775,7 @@
           <a:p>
             <a:fld id="{C7EFF3D0-6BED-D444-BEB4-872DDA21BA8D}" type="datetime1">
               <a:rPr lang="en-GB" smtClean="0"/>
-              <a:t>04/10/2024</a:t>
+              <a:t>07/10/2024</a:t>
             </a:fld>
             <a:endParaRPr lang="en-US"/>
           </a:p>
@@ -26040,7 +26040,7 @@
           <a:p>
             <a:fld id="{C7EFF3D0-6BED-D444-BEB4-872DDA21BA8D}" type="datetime1">
               <a:rPr lang="en-GB" smtClean="0"/>
-              <a:t>04/10/2024</a:t>
+              <a:t>07/10/2024</a:t>
             </a:fld>
             <a:endParaRPr lang="en-US"/>
           </a:p>
@@ -26432,7 +26432,7 @@
           <a:p>
             <a:fld id="{C7EFF3D0-6BED-D444-BEB4-872DDA21BA8D}" type="datetime1">
               <a:rPr lang="en-GB" smtClean="0"/>
-              <a:t>04/10/2024</a:t>
+              <a:t>07/10/2024</a:t>
             </a:fld>
             <a:endParaRPr lang="en-US"/>
           </a:p>
@@ -26824,7 +26824,7 @@
           <a:p>
             <a:fld id="{C7EFF3D0-6BED-D444-BEB4-872DDA21BA8D}" type="datetime1">
               <a:rPr lang="en-GB" smtClean="0"/>
-              <a:t>04/10/2024</a:t>
+              <a:t>07/10/2024</a:t>
             </a:fld>
             <a:endParaRPr lang="en-US"/>
           </a:p>
@@ -27705,7 +27705,7 @@
           <a:p>
             <a:fld id="{C7EFF3D0-6BED-D444-BEB4-872DDA21BA8D}" type="datetime1">
               <a:rPr lang="en-GB" smtClean="0"/>
-              <a:t>04/10/2024</a:t>
+              <a:t>07/10/2024</a:t>
             </a:fld>
             <a:endParaRPr lang="en-US"/>
           </a:p>
@@ -27866,7 +27866,7 @@
           <a:p>
             <a:fld id="{C7EFF3D0-6BED-D444-BEB4-872DDA21BA8D}" type="datetime1">
               <a:rPr lang="en-GB" smtClean="0"/>
-              <a:t>04/10/2024</a:t>
+              <a:t>07/10/2024</a:t>
             </a:fld>
             <a:endParaRPr lang="en-US"/>
           </a:p>
@@ -28623,7 +28623,7 @@
           <a:p>
             <a:fld id="{C7EFF3D0-6BED-D444-BEB4-872DDA21BA8D}" type="datetime1">
               <a:rPr lang="en-GB" smtClean="0"/>
-              <a:t>04/10/2024</a:t>
+              <a:t>07/10/2024</a:t>
             </a:fld>
             <a:endParaRPr lang="en-US"/>
           </a:p>
@@ -28909,7 +28909,7 @@
           <a:p>
             <a:fld id="{C7EFF3D0-6BED-D444-BEB4-872DDA21BA8D}" type="datetime1">
               <a:rPr lang="en-GB" smtClean="0"/>
-              <a:t>04/10/2024</a:t>
+              <a:t>07/10/2024</a:t>
             </a:fld>
             <a:endParaRPr lang="en-US"/>
           </a:p>
@@ -29675,7 +29675,7 @@
           <a:p>
             <a:fld id="{C7EFF3D0-6BED-D444-BEB4-872DDA21BA8D}" type="datetime1">
               <a:rPr lang="en-GB" smtClean="0"/>
-              <a:t>04/10/2024</a:t>
+              <a:t>07/10/2024</a:t>
             </a:fld>
             <a:endParaRPr lang="en-US"/>
           </a:p>
@@ -30598,7 +30598,7 @@
           <a:p>
             <a:fld id="{D3ECCBB8-735C-914B-8E67-7852CBBDF7EA}" type="datetime1">
               <a:rPr lang="en-GB" smtClean="0"/>
-              <a:t>04/10/2024</a:t>
+              <a:t>07/10/2024</a:t>
             </a:fld>
             <a:endParaRPr lang="en-GB"/>
           </a:p>
@@ -31536,7 +31536,7 @@
           <a:p>
             <a:fld id="{D3ECCBB8-735C-914B-8E67-7852CBBDF7EA}" type="datetime1">
               <a:rPr lang="en-GB" smtClean="0"/>
-              <a:t>04/10/2024</a:t>
+              <a:t>07/10/2024</a:t>
             </a:fld>
             <a:endParaRPr lang="en-GB"/>
           </a:p>
@@ -32482,7 +32482,7 @@
           <a:p>
             <a:fld id="{D3ECCBB8-735C-914B-8E67-7852CBBDF7EA}" type="datetime1">
               <a:rPr lang="en-GB" smtClean="0"/>
-              <a:t>04/10/2024</a:t>
+              <a:t>07/10/2024</a:t>
             </a:fld>
             <a:endParaRPr lang="en-GB"/>
           </a:p>
@@ -33193,7 +33193,7 @@
           <a:p>
             <a:fld id="{C7EFF3D0-6BED-D444-BEB4-872DDA21BA8D}" type="datetime1">
               <a:rPr lang="en-GB" smtClean="0"/>
-              <a:t>04/10/2024</a:t>
+              <a:t>07/10/2024</a:t>
             </a:fld>
             <a:endParaRPr lang="en-US"/>
           </a:p>
@@ -35197,7 +35197,7 @@
           <a:p>
             <a:fld id="{C7EFF3D0-6BED-D444-BEB4-872DDA21BA8D}" type="datetime1">
               <a:rPr lang="en-GB" smtClean="0"/>
-              <a:t>04/10/2024</a:t>
+              <a:t>07/10/2024</a:t>
             </a:fld>
             <a:endParaRPr lang="en-US"/>
           </a:p>
@@ -38302,7 +38302,7 @@
           <a:p>
             <a:fld id="{D63005AE-A14B-7B48-9AF5-01E333747121}" type="datetime1">
               <a:rPr lang="en-GB" smtClean="0"/>
-              <a:t>04/10/2024</a:t>
+              <a:t>07/10/2024</a:t>
             </a:fld>
             <a:endParaRPr lang="en-GB"/>
           </a:p>
@@ -42231,14 +42231,14 @@
           <p:nvPr>
             <p:extLst>
               <p:ext uri="{D42A27DB-BD31-4B8C-83A1-F6EECF244321}">
-                <p14:modId xmlns:p14="http://schemas.microsoft.com/office/powerpoint/2010/main" val="18458189"/>
+                <p14:modId xmlns:p14="http://schemas.microsoft.com/office/powerpoint/2010/main" val="2916734357"/>
               </p:ext>
             </p:extLst>
           </p:nvPr>
         </p:nvGraphicFramePr>
         <p:xfrm>
           <a:off x="695326" y="1421296"/>
-          <a:ext cx="8387560" cy="3975352"/>
+          <a:ext cx="8387560" cy="3636278"/>
         </p:xfrm>
         <a:graphic>
           <a:graphicData uri="http://schemas.openxmlformats.org/drawingml/2006/table">
@@ -42916,118 +42916,6 @@
                 <a:extLst>
                   <a:ext uri="{0D108BD9-81ED-4DB2-BD59-A6C34878D82A}">
                     <a16:rowId xmlns:a16="http://schemas.microsoft.com/office/drawing/2014/main" val="1338959055"/>
-                  </a:ext>
-                </a:extLst>
-              </a:tr>
-              <a:tr h="339074">
-                <a:tc>
-                  <a:txBody>
-                    <a:bodyPr/>
-                    <a:lstStyle/>
-                    <a:p>
-                      <a:pPr algn="l" fontAlgn="ctr"/>
-                      <a:r>
-                        <a:rPr lang="en-US" sz="1050" b="0" i="0" u="none" strike="noStrike" dirty="0">
-                          <a:solidFill>
-                            <a:schemeClr val="tx1">
-                              <a:lumMod val="50000"/>
-                              <a:lumOff val="50000"/>
-                            </a:schemeClr>
-                          </a:solidFill>
-                          <a:effectLst/>
-                          <a:latin typeface="Open Sans" panose="020B0606030504020204" pitchFamily="34" charset="0"/>
-                        </a:rPr>
-                        <a:t>Managing Maverick spend &amp; Spend leakage</a:t>
-                      </a:r>
-                      <a:endParaRPr lang="en-GB" sz="1050" b="0" i="0" u="none" strike="noStrike" dirty="0">
-                        <a:solidFill>
-                          <a:schemeClr val="tx1">
-                            <a:lumMod val="50000"/>
-                            <a:lumOff val="50000"/>
-                          </a:schemeClr>
-                        </a:solidFill>
-                        <a:effectLst/>
-                        <a:latin typeface="Open Sans" panose="020B0606030504020204" pitchFamily="34" charset="0"/>
-                      </a:endParaRPr>
-                    </a:p>
-                  </a:txBody>
-                  <a:tcPr marL="9525" marR="9525" marT="9525" marB="0" anchor="ctr">
-                    <a:lnL>
-                      <a:noFill/>
-                    </a:lnL>
-                    <a:lnR>
-                      <a:noFill/>
-                    </a:lnR>
-                    <a:lnT>
-                      <a:noFill/>
-                    </a:lnT>
-                    <a:lnB>
-                      <a:noFill/>
-                    </a:lnB>
-                    <a:solidFill>
-                      <a:schemeClr val="bg1"/>
-                    </a:solidFill>
-                  </a:tcPr>
-                </a:tc>
-                <a:tc>
-                  <a:txBody>
-                    <a:bodyPr/>
-                    <a:lstStyle/>
-                    <a:p>
-                      <a:pPr algn="l" fontAlgn="b"/>
-                      <a:r>
-                        <a:rPr lang="tr-TR" sz="1400" b="1" i="0" u="none" strike="noStrike" dirty="0" err="1">
-                          <a:solidFill>
-                            <a:schemeClr val="tx1">
-                              <a:lumMod val="50000"/>
-                              <a:lumOff val="50000"/>
-                            </a:schemeClr>
-                          </a:solidFill>
-                          <a:effectLst/>
-                          <a:latin typeface="Calibri" panose="020F0502020204030204" pitchFamily="34" charset="0"/>
-                        </a:rPr>
-                        <a:t>pmslval</a:t>
-                      </a:r>
-                      <a:r>
-                        <a:rPr lang="en-GB" sz="1400" b="1" i="0" u="none" strike="noStrike" dirty="0">
-                          <a:solidFill>
-                            <a:schemeClr val="tx1">
-                              <a:lumMod val="50000"/>
-                              <a:lumOff val="50000"/>
-                            </a:schemeClr>
-                          </a:solidFill>
-                          <a:effectLst/>
-                          <a:latin typeface="Calibri" panose="020F0502020204030204" pitchFamily="34" charset="0"/>
-                        </a:rPr>
-                        <a:t>%</a:t>
-                      </a:r>
-                    </a:p>
-                  </a:txBody>
-                  <a:tcPr marL="9525" marR="9525" marT="9525" marB="0" anchor="ctr">
-                    <a:lnL w="6350" cap="flat" cmpd="sng" algn="ctr">
-                      <a:noFill/>
-                      <a:prstDash val="solid"/>
-                      <a:round/>
-                      <a:headEnd type="none" w="med" len="med"/>
-                      <a:tailEnd type="none" w="med" len="med"/>
-                    </a:lnL>
-                    <a:lnR>
-                      <a:noFill/>
-                    </a:lnR>
-                    <a:lnT>
-                      <a:noFill/>
-                    </a:lnT>
-                    <a:lnB>
-                      <a:noFill/>
-                    </a:lnB>
-                    <a:solidFill>
-                      <a:schemeClr val="bg1"/>
-                    </a:solidFill>
-                  </a:tcPr>
-                </a:tc>
-                <a:extLst>
-                  <a:ext uri="{0D108BD9-81ED-4DB2-BD59-A6C34878D82A}">
-                    <a16:rowId xmlns:a16="http://schemas.microsoft.com/office/drawing/2014/main" val="1487500770"/>
                   </a:ext>
                 </a:extLst>
               </a:tr>
@@ -44872,6 +44760,15 @@
 </file>
 
 <file path=customXml/item2.xml><?xml version="1.0" encoding="utf-8"?>
+<?mso-contentType ?>
+<FormTemplates xmlns="http://schemas.microsoft.com/sharepoint/v3/contenttype/forms">
+  <Display>DocumentLibraryForm</Display>
+  <Edit>DocumentLibraryForm</Edit>
+  <New>DocumentLibraryForm</New>
+</FormTemplates>
+</file>
+
+<file path=customXml/item3.xml><?xml version="1.0" encoding="utf-8"?>
 <p:properties xmlns:p="http://schemas.microsoft.com/office/2006/metadata/properties" xmlns:xsi="http://www.w3.org/2001/XMLSchema-instance" xmlns:pc="http://schemas.microsoft.com/office/infopath/2007/PartnerControls">
   <documentManagement>
     <lcf76f155ced4ddcb4097134ff3c332f xmlns="8a969d1d-647f-4e4c-97f9-a5143e71e435">
@@ -44880,15 +44777,6 @@
     <TaxCatchAll xmlns="eb37a4e0-bf89-419d-8b31-963a97458fb1" xsi:nil="true"/>
   </documentManagement>
 </p:properties>
-</file>
-
-<file path=customXml/item3.xml><?xml version="1.0" encoding="utf-8"?>
-<?mso-contentType ?>
-<FormTemplates xmlns="http://schemas.microsoft.com/sharepoint/v3/contenttype/forms">
-  <Display>DocumentLibraryForm</Display>
-  <Edit>DocumentLibraryForm</Edit>
-  <New>DocumentLibraryForm</New>
-</FormTemplates>
 </file>
 
 <file path=customXml/itemProps1.xml><?xml version="1.0" encoding="utf-8"?>
@@ -44911,6 +44799,14 @@
 </file>
 
 <file path=customXml/itemProps2.xml><?xml version="1.0" encoding="utf-8"?>
+<ds:datastoreItem xmlns:ds="http://schemas.openxmlformats.org/officeDocument/2006/customXml" ds:itemID="{953B4D23-82FF-4812-9F4E-BB600331C634}">
+  <ds:schemaRefs>
+    <ds:schemaRef ds:uri="http://schemas.microsoft.com/sharepoint/v3/contenttype/forms"/>
+  </ds:schemaRefs>
+</ds:datastoreItem>
+</file>
+
+<file path=customXml/itemProps3.xml><?xml version="1.0" encoding="utf-8"?>
 <ds:datastoreItem xmlns:ds="http://schemas.openxmlformats.org/officeDocument/2006/customXml" ds:itemID="{8140E5F8-1399-4596-AA73-4BD79D26AFFD}">
   <ds:schemaRefs>
     <ds:schemaRef ds:uri="http://purl.org/dc/dcmitype/"/>
@@ -44927,14 +44823,6 @@
 </ds:datastoreItem>
 </file>
 
-<file path=customXml/itemProps3.xml><?xml version="1.0" encoding="utf-8"?>
-<ds:datastoreItem xmlns:ds="http://schemas.openxmlformats.org/officeDocument/2006/customXml" ds:itemID="{953B4D23-82FF-4812-9F4E-BB600331C634}">
-  <ds:schemaRefs>
-    <ds:schemaRef ds:uri="http://schemas.microsoft.com/sharepoint/v3/contenttype/forms"/>
-  </ds:schemaRefs>
-</ds:datastoreItem>
-</file>
-
 <file path=docMetadata/LabelInfo.xml><?xml version="1.0" encoding="utf-8"?>
 <clbl:labelList xmlns:clbl="http://schemas.microsoft.com/office/2020/mipLabelMetadata">
   <clbl:label id="{2b5a89e7-01bf-42ed-9da1-669d82eec17a}" enabled="0" method="" siteId="{2b5a89e7-01bf-42ed-9da1-669d82eec17a}" removed="1"/>

--- a/questionare.pptx
+++ b/questionare.pptx
@@ -378,9 +378,9 @@
               <a:lstStyle/>
               <a:p>
                 <a:pPr>
-                  <a:defRPr sz="1200" b="0" i="0" u="none" strike="noStrike" kern="1200" baseline="0">
+                  <a:defRPr sz="900" b="1" i="0" u="none" strike="noStrike" kern="1200" baseline="0">
                     <a:solidFill>
-                      <a:schemeClr val="bg2"/>
+                      <a:schemeClr val="tx1"/>
                     </a:solidFill>
                     <a:latin typeface="+mn-lt"/>
                     <a:ea typeface="+mn-ea"/>
@@ -39753,7 +39753,7 @@
           <p:nvPr>
             <p:extLst>
               <p:ext uri="{D42A27DB-BD31-4B8C-83A1-F6EECF244321}">
-                <p14:modId xmlns:p14="http://schemas.microsoft.com/office/powerpoint/2010/main" val="2795410839"/>
+                <p14:modId xmlns:p14="http://schemas.microsoft.com/office/powerpoint/2010/main" val="3515825187"/>
               </p:ext>
             </p:extLst>
           </p:nvPr>
@@ -44565,6 +44565,15 @@
 </file>
 
 <file path=customXml/item1.xml><?xml version="1.0" encoding="utf-8"?>
+<?mso-contentType ?>
+<FormTemplates xmlns="http://schemas.microsoft.com/sharepoint/v3/contenttype/forms">
+  <Display>DocumentLibraryForm</Display>
+  <Edit>DocumentLibraryForm</Edit>
+  <New>DocumentLibraryForm</New>
+</FormTemplates>
+</file>
+
+<file path=customXml/item2.xml><?xml version="1.0" encoding="utf-8"?>
 <ct:contentTypeSchema xmlns:ct="http://schemas.microsoft.com/office/2006/metadata/contentType" xmlns:ma="http://schemas.microsoft.com/office/2006/metadata/properties/metaAttributes" ct:_="" ma:_="" ma:contentTypeName="Document" ma:contentTypeID="0x010100FC2ADAF580B8A648AEA7FF4A5F3D65E6" ma:contentTypeVersion="11" ma:contentTypeDescription="Create a new document." ma:contentTypeScope="" ma:versionID="f2db5c34f6348a370055c14b94ddc919">
   <xsd:schema xmlns:xsd="http://www.w3.org/2001/XMLSchema" xmlns:xs="http://www.w3.org/2001/XMLSchema" xmlns:p="http://schemas.microsoft.com/office/2006/metadata/properties" xmlns:ns2="8a969d1d-647f-4e4c-97f9-a5143e71e435" xmlns:ns3="eb37a4e0-bf89-419d-8b31-963a97458fb1" targetNamespace="http://schemas.microsoft.com/office/2006/metadata/properties" ma:root="true" ma:fieldsID="42bedbc2e246c6b2e71d78ed3d4618fc" ns2:_="" ns3:_="">
     <xsd:import namespace="8a969d1d-647f-4e4c-97f9-a5143e71e435"/>
@@ -44759,15 +44768,6 @@
 </ct:contentTypeSchema>
 </file>
 
-<file path=customXml/item2.xml><?xml version="1.0" encoding="utf-8"?>
-<?mso-contentType ?>
-<FormTemplates xmlns="http://schemas.microsoft.com/sharepoint/v3/contenttype/forms">
-  <Display>DocumentLibraryForm</Display>
-  <Edit>DocumentLibraryForm</Edit>
-  <New>DocumentLibraryForm</New>
-</FormTemplates>
-</file>
-
 <file path=customXml/item3.xml><?xml version="1.0" encoding="utf-8"?>
 <p:properties xmlns:p="http://schemas.microsoft.com/office/2006/metadata/properties" xmlns:xsi="http://www.w3.org/2001/XMLSchema-instance" xmlns:pc="http://schemas.microsoft.com/office/infopath/2007/PartnerControls">
   <documentManagement>
@@ -44780,6 +44780,14 @@
 </file>
 
 <file path=customXml/itemProps1.xml><?xml version="1.0" encoding="utf-8"?>
+<ds:datastoreItem xmlns:ds="http://schemas.openxmlformats.org/officeDocument/2006/customXml" ds:itemID="{953B4D23-82FF-4812-9F4E-BB600331C634}">
+  <ds:schemaRefs>
+    <ds:schemaRef ds:uri="http://schemas.microsoft.com/sharepoint/v3/contenttype/forms"/>
+  </ds:schemaRefs>
+</ds:datastoreItem>
+</file>
+
+<file path=customXml/itemProps2.xml><?xml version="1.0" encoding="utf-8"?>
 <ds:datastoreItem xmlns:ds="http://schemas.openxmlformats.org/officeDocument/2006/customXml" ds:itemID="{7DE18AF2-C1F0-4DCB-B624-E24984FCEF8F}">
   <ds:schemaRefs>
     <ds:schemaRef ds:uri="http://schemas.microsoft.com/office/2006/metadata/contentType"/>
@@ -44794,14 +44802,6 @@
     <ds:schemaRef ds:uri="http://purl.org/dc/elements/1.1/"/>
     <ds:schemaRef ds:uri="http://purl.org/dc/terms/"/>
     <ds:schemaRef ds:uri="http://schemas.microsoft.com/internal/obd"/>
-  </ds:schemaRefs>
-</ds:datastoreItem>
-</file>
-
-<file path=customXml/itemProps2.xml><?xml version="1.0" encoding="utf-8"?>
-<ds:datastoreItem xmlns:ds="http://schemas.openxmlformats.org/officeDocument/2006/customXml" ds:itemID="{953B4D23-82FF-4812-9F4E-BB600331C634}">
-  <ds:schemaRefs>
-    <ds:schemaRef ds:uri="http://schemas.microsoft.com/sharepoint/v3/contenttype/forms"/>
   </ds:schemaRefs>
 </ds:datastoreItem>
 </file>

--- a/questionare.pptx
+++ b/questionare.pptx
@@ -378,7 +378,7 @@
               <a:lstStyle/>
               <a:p>
                 <a:pPr>
-                  <a:defRPr sz="900" b="1" i="0" u="none" strike="noStrike" kern="1200" baseline="0">
+                  <a:defRPr sz="1400" b="1" i="0" u="none" strike="noStrike" kern="1200" baseline="0">
                     <a:solidFill>
                       <a:schemeClr val="tx1"/>
                     </a:solidFill>
@@ -1199,7 +1199,7 @@
           <a:p>
             <a:fld id="{22EE6207-6821-4DAB-B818-E4F4F6AB12F5}" type="datetimeFigureOut">
               <a:rPr lang="en-GB" smtClean="0"/>
-              <a:t>07/10/2024</a:t>
+              <a:t>09/10/2024</a:t>
             </a:fld>
             <a:endParaRPr lang="en-GB"/>
           </a:p>
@@ -1392,7 +1392,7 @@
           <a:p>
             <a:fld id="{5B936EE0-4F6D-274D-8902-95CDFEF84C8C}" type="datetimeFigureOut">
               <a:rPr lang="en-US" smtClean="0"/>
-              <a:t>10/7/2024</a:t>
+              <a:t>10/9/2024</a:t>
             </a:fld>
             <a:endParaRPr lang="en-US"/>
           </a:p>
@@ -2032,7 +2032,7 @@
           <a:p>
             <a:fld id="{98FAEBFC-AF3F-6E47-9766-48C2D7B36252}" type="datetime1">
               <a:rPr lang="en-GB" smtClean="0"/>
-              <a:t>07/10/2024</a:t>
+              <a:t>09/10/2024</a:t>
             </a:fld>
             <a:endParaRPr lang="en-GB"/>
           </a:p>
@@ -2347,7 +2347,7 @@
           <a:p>
             <a:fld id="{C7EFF3D0-6BED-D444-BEB4-872DDA21BA8D}" type="datetime1">
               <a:rPr lang="en-GB" smtClean="0"/>
-              <a:t>07/10/2024</a:t>
+              <a:t>09/10/2024</a:t>
             </a:fld>
             <a:endParaRPr lang="en-US"/>
           </a:p>
@@ -3465,7 +3465,7 @@
           <a:p>
             <a:fld id="{C7EFF3D0-6BED-D444-BEB4-872DDA21BA8D}" type="datetime1">
               <a:rPr lang="en-GB" smtClean="0"/>
-              <a:t>07/10/2024</a:t>
+              <a:t>09/10/2024</a:t>
             </a:fld>
             <a:endParaRPr lang="en-US"/>
           </a:p>
@@ -3932,7 +3932,7 @@
           <a:p>
             <a:fld id="{C7EFF3D0-6BED-D444-BEB4-872DDA21BA8D}" type="datetime1">
               <a:rPr lang="en-GB" smtClean="0"/>
-              <a:t>07/10/2024</a:t>
+              <a:t>09/10/2024</a:t>
             </a:fld>
             <a:endParaRPr lang="en-US"/>
           </a:p>
@@ -4583,7 +4583,7 @@
           <a:p>
             <a:fld id="{C7EFF3D0-6BED-D444-BEB4-872DDA21BA8D}" type="datetime1">
               <a:rPr lang="en-GB" smtClean="0"/>
-              <a:t>07/10/2024</a:t>
+              <a:t>09/10/2024</a:t>
             </a:fld>
             <a:endParaRPr lang="en-US"/>
           </a:p>
@@ -4994,7 +4994,7 @@
           <a:p>
             <a:fld id="{C7EFF3D0-6BED-D444-BEB4-872DDA21BA8D}" type="datetime1">
               <a:rPr lang="en-GB" smtClean="0"/>
-              <a:t>07/10/2024</a:t>
+              <a:t>09/10/2024</a:t>
             </a:fld>
             <a:endParaRPr lang="en-US"/>
           </a:p>
@@ -5495,7 +5495,7 @@
           <a:p>
             <a:fld id="{C7EFF3D0-6BED-D444-BEB4-872DDA21BA8D}" type="datetime1">
               <a:rPr lang="en-GB" smtClean="0"/>
-              <a:t>07/10/2024</a:t>
+              <a:t>09/10/2024</a:t>
             </a:fld>
             <a:endParaRPr lang="en-US"/>
           </a:p>
@@ -6225,7 +6225,7 @@
           <a:p>
             <a:fld id="{C7EFF3D0-6BED-D444-BEB4-872DDA21BA8D}" type="datetime1">
               <a:rPr lang="en-GB" smtClean="0"/>
-              <a:t>07/10/2024</a:t>
+              <a:t>09/10/2024</a:t>
             </a:fld>
             <a:endParaRPr lang="en-US"/>
           </a:p>
@@ -7051,7 +7051,7 @@
           <a:p>
             <a:fld id="{C7EFF3D0-6BED-D444-BEB4-872DDA21BA8D}" type="datetime1">
               <a:rPr lang="en-GB" smtClean="0"/>
-              <a:t>07/10/2024</a:t>
+              <a:t>09/10/2024</a:t>
             </a:fld>
             <a:endParaRPr lang="en-US"/>
           </a:p>
@@ -9074,7 +9074,7 @@
           <a:p>
             <a:fld id="{C7EFF3D0-6BED-D444-BEB4-872DDA21BA8D}" type="datetime1">
               <a:rPr lang="en-GB" smtClean="0"/>
-              <a:t>07/10/2024</a:t>
+              <a:t>09/10/2024</a:t>
             </a:fld>
             <a:endParaRPr lang="en-US"/>
           </a:p>
@@ -9700,7 +9700,7 @@
           <a:p>
             <a:fld id="{C7EFF3D0-6BED-D444-BEB4-872DDA21BA8D}" type="datetime1">
               <a:rPr lang="en-GB" smtClean="0"/>
-              <a:t>07/10/2024</a:t>
+              <a:t>09/10/2024</a:t>
             </a:fld>
             <a:endParaRPr lang="en-US"/>
           </a:p>
@@ -10673,7 +10673,7 @@
           <a:p>
             <a:fld id="{98FAEBFC-AF3F-6E47-9766-48C2D7B36252}" type="datetime1">
               <a:rPr lang="en-GB" smtClean="0"/>
-              <a:t>07/10/2024</a:t>
+              <a:t>09/10/2024</a:t>
             </a:fld>
             <a:endParaRPr lang="en-GB"/>
           </a:p>
@@ -11392,7 +11392,7 @@
           <a:p>
             <a:fld id="{C7EFF3D0-6BED-D444-BEB4-872DDA21BA8D}" type="datetime1">
               <a:rPr lang="en-GB" smtClean="0"/>
-              <a:t>07/10/2024</a:t>
+              <a:t>09/10/2024</a:t>
             </a:fld>
             <a:endParaRPr lang="en-US"/>
           </a:p>
@@ -12212,7 +12212,7 @@
           <a:p>
             <a:fld id="{C7EFF3D0-6BED-D444-BEB4-872DDA21BA8D}" type="datetime1">
               <a:rPr lang="en-GB" smtClean="0"/>
-              <a:t>07/10/2024</a:t>
+              <a:t>09/10/2024</a:t>
             </a:fld>
             <a:endParaRPr lang="en-US"/>
           </a:p>
@@ -13011,7 +13011,7 @@
           <a:p>
             <a:fld id="{C7EFF3D0-6BED-D444-BEB4-872DDA21BA8D}" type="datetime1">
               <a:rPr lang="en-GB" smtClean="0"/>
-              <a:t>07/10/2024</a:t>
+              <a:t>09/10/2024</a:t>
             </a:fld>
             <a:endParaRPr lang="en-US"/>
           </a:p>
@@ -13778,7 +13778,7 @@
           <a:p>
             <a:fld id="{C7EFF3D0-6BED-D444-BEB4-872DDA21BA8D}" type="datetime1">
               <a:rPr lang="en-GB" smtClean="0"/>
-              <a:t>07/10/2024</a:t>
+              <a:t>09/10/2024</a:t>
             </a:fld>
             <a:endParaRPr lang="en-US"/>
           </a:p>
@@ -14345,7 +14345,7 @@
           <a:p>
             <a:fld id="{C7EFF3D0-6BED-D444-BEB4-872DDA21BA8D}" type="datetime1">
               <a:rPr lang="en-GB" smtClean="0"/>
-              <a:t>07/10/2024</a:t>
+              <a:t>09/10/2024</a:t>
             </a:fld>
             <a:endParaRPr lang="en-US"/>
           </a:p>
@@ -14909,7 +14909,7 @@
           <a:p>
             <a:fld id="{C7EFF3D0-6BED-D444-BEB4-872DDA21BA8D}" type="datetime1">
               <a:rPr lang="en-GB" smtClean="0"/>
-              <a:t>07/10/2024</a:t>
+              <a:t>09/10/2024</a:t>
             </a:fld>
             <a:endParaRPr lang="en-US"/>
           </a:p>
@@ -15520,7 +15520,7 @@
           <a:p>
             <a:fld id="{C7EFF3D0-6BED-D444-BEB4-872DDA21BA8D}" type="datetime1">
               <a:rPr lang="en-GB" smtClean="0"/>
-              <a:t>07/10/2024</a:t>
+              <a:t>09/10/2024</a:t>
             </a:fld>
             <a:endParaRPr lang="en-US"/>
           </a:p>
@@ -16256,7 +16256,7 @@
           <a:p>
             <a:fld id="{C7EFF3D0-6BED-D444-BEB4-872DDA21BA8D}" type="datetime1">
               <a:rPr lang="en-GB" smtClean="0"/>
-              <a:t>07/10/2024</a:t>
+              <a:t>09/10/2024</a:t>
             </a:fld>
             <a:endParaRPr lang="en-US"/>
           </a:p>
@@ -16627,7 +16627,7 @@
           <a:p>
             <a:fld id="{C7EFF3D0-6BED-D444-BEB4-872DDA21BA8D}" type="datetime1">
               <a:rPr lang="en-GB" smtClean="0"/>
-              <a:t>07/10/2024</a:t>
+              <a:t>09/10/2024</a:t>
             </a:fld>
             <a:endParaRPr lang="en-US"/>
           </a:p>
@@ -17027,7 +17027,7 @@
           <a:p>
             <a:fld id="{C7EFF3D0-6BED-D444-BEB4-872DDA21BA8D}" type="datetime1">
               <a:rPr lang="en-GB" smtClean="0"/>
-              <a:t>07/10/2024</a:t>
+              <a:t>09/10/2024</a:t>
             </a:fld>
             <a:endParaRPr lang="en-US"/>
           </a:p>
@@ -18025,7 +18025,7 @@
           <a:p>
             <a:fld id="{98FAEBFC-AF3F-6E47-9766-48C2D7B36252}" type="datetime1">
               <a:rPr lang="en-GB" smtClean="0"/>
-              <a:t>07/10/2024</a:t>
+              <a:t>09/10/2024</a:t>
             </a:fld>
             <a:endParaRPr lang="en-GB"/>
           </a:p>
@@ -18579,7 +18579,7 @@
           <a:p>
             <a:fld id="{C7EFF3D0-6BED-D444-BEB4-872DDA21BA8D}" type="datetime1">
               <a:rPr lang="en-GB" smtClean="0"/>
-              <a:t>07/10/2024</a:t>
+              <a:t>09/10/2024</a:t>
             </a:fld>
             <a:endParaRPr lang="en-US"/>
           </a:p>
@@ -19321,7 +19321,7 @@
           <a:p>
             <a:fld id="{C7EFF3D0-6BED-D444-BEB4-872DDA21BA8D}" type="datetime1">
               <a:rPr lang="en-GB" smtClean="0"/>
-              <a:t>07/10/2024</a:t>
+              <a:t>09/10/2024</a:t>
             </a:fld>
             <a:endParaRPr lang="en-US"/>
           </a:p>
@@ -20264,7 +20264,7 @@
           <a:p>
             <a:fld id="{C7EFF3D0-6BED-D444-BEB4-872DDA21BA8D}" type="datetime1">
               <a:rPr lang="en-GB" smtClean="0"/>
-              <a:t>07/10/2024</a:t>
+              <a:t>09/10/2024</a:t>
             </a:fld>
             <a:endParaRPr lang="en-US"/>
           </a:p>
@@ -20820,7 +20820,7 @@
           <a:p>
             <a:fld id="{C7EFF3D0-6BED-D444-BEB4-872DDA21BA8D}" type="datetime1">
               <a:rPr lang="en-GB" smtClean="0"/>
-              <a:t>07/10/2024</a:t>
+              <a:t>09/10/2024</a:t>
             </a:fld>
             <a:endParaRPr lang="en-US"/>
           </a:p>
@@ -21370,7 +21370,7 @@
           <a:p>
             <a:fld id="{C7EFF3D0-6BED-D444-BEB4-872DDA21BA8D}" type="datetime1">
               <a:rPr lang="en-GB" smtClean="0"/>
-              <a:t>07/10/2024</a:t>
+              <a:t>09/10/2024</a:t>
             </a:fld>
             <a:endParaRPr lang="en-US"/>
           </a:p>
@@ -22155,7 +22155,7 @@
           <a:p>
             <a:fld id="{C7EFF3D0-6BED-D444-BEB4-872DDA21BA8D}" type="datetime1">
               <a:rPr lang="en-GB" smtClean="0"/>
-              <a:t>07/10/2024</a:t>
+              <a:t>09/10/2024</a:t>
             </a:fld>
             <a:endParaRPr lang="en-US"/>
           </a:p>
@@ -22919,7 +22919,7 @@
           <a:p>
             <a:fld id="{C7EFF3D0-6BED-D444-BEB4-872DDA21BA8D}" type="datetime1">
               <a:rPr lang="en-GB" smtClean="0"/>
-              <a:t>07/10/2024</a:t>
+              <a:t>09/10/2024</a:t>
             </a:fld>
             <a:endParaRPr lang="en-US"/>
           </a:p>
@@ -23635,7 +23635,7 @@
           <a:p>
             <a:fld id="{C7EFF3D0-6BED-D444-BEB4-872DDA21BA8D}" type="datetime1">
               <a:rPr lang="en-GB" smtClean="0"/>
-              <a:t>07/10/2024</a:t>
+              <a:t>09/10/2024</a:t>
             </a:fld>
             <a:endParaRPr lang="en-US"/>
           </a:p>
@@ -24034,7 +24034,7 @@
           <a:p>
             <a:fld id="{C7EFF3D0-6BED-D444-BEB4-872DDA21BA8D}" type="datetime1">
               <a:rPr lang="en-GB" smtClean="0"/>
-              <a:t>07/10/2024</a:t>
+              <a:t>09/10/2024</a:t>
             </a:fld>
             <a:endParaRPr lang="en-US"/>
           </a:p>
@@ -24346,7 +24346,7 @@
           <a:p>
             <a:fld id="{C7EFF3D0-6BED-D444-BEB4-872DDA21BA8D}" type="datetime1">
               <a:rPr lang="en-GB" smtClean="0"/>
-              <a:t>07/10/2024</a:t>
+              <a:t>09/10/2024</a:t>
             </a:fld>
             <a:endParaRPr lang="en-US"/>
           </a:p>
@@ -24816,7 +24816,7 @@
           <a:p>
             <a:fld id="{D3ECCBB8-735C-914B-8E67-7852CBBDF7EA}" type="datetime1">
               <a:rPr lang="en-GB" smtClean="0"/>
-              <a:t>07/10/2024</a:t>
+              <a:t>09/10/2024</a:t>
             </a:fld>
             <a:endParaRPr lang="en-GB"/>
           </a:p>
@@ -25502,7 +25502,7 @@
           <a:p>
             <a:fld id="{C7EFF3D0-6BED-D444-BEB4-872DDA21BA8D}" type="datetime1">
               <a:rPr lang="en-GB" smtClean="0"/>
-              <a:t>07/10/2024</a:t>
+              <a:t>09/10/2024</a:t>
             </a:fld>
             <a:endParaRPr lang="en-US"/>
           </a:p>
@@ -25775,7 +25775,7 @@
           <a:p>
             <a:fld id="{C7EFF3D0-6BED-D444-BEB4-872DDA21BA8D}" type="datetime1">
               <a:rPr lang="en-GB" smtClean="0"/>
-              <a:t>07/10/2024</a:t>
+              <a:t>09/10/2024</a:t>
             </a:fld>
             <a:endParaRPr lang="en-US"/>
           </a:p>
@@ -26040,7 +26040,7 @@
           <a:p>
             <a:fld id="{C7EFF3D0-6BED-D444-BEB4-872DDA21BA8D}" type="datetime1">
               <a:rPr lang="en-GB" smtClean="0"/>
-              <a:t>07/10/2024</a:t>
+              <a:t>09/10/2024</a:t>
             </a:fld>
             <a:endParaRPr lang="en-US"/>
           </a:p>
@@ -26432,7 +26432,7 @@
           <a:p>
             <a:fld id="{C7EFF3D0-6BED-D444-BEB4-872DDA21BA8D}" type="datetime1">
               <a:rPr lang="en-GB" smtClean="0"/>
-              <a:t>07/10/2024</a:t>
+              <a:t>09/10/2024</a:t>
             </a:fld>
             <a:endParaRPr lang="en-US"/>
           </a:p>
@@ -26824,7 +26824,7 @@
           <a:p>
             <a:fld id="{C7EFF3D0-6BED-D444-BEB4-872DDA21BA8D}" type="datetime1">
               <a:rPr lang="en-GB" smtClean="0"/>
-              <a:t>07/10/2024</a:t>
+              <a:t>09/10/2024</a:t>
             </a:fld>
             <a:endParaRPr lang="en-US"/>
           </a:p>
@@ -27705,7 +27705,7 @@
           <a:p>
             <a:fld id="{C7EFF3D0-6BED-D444-BEB4-872DDA21BA8D}" type="datetime1">
               <a:rPr lang="en-GB" smtClean="0"/>
-              <a:t>07/10/2024</a:t>
+              <a:t>09/10/2024</a:t>
             </a:fld>
             <a:endParaRPr lang="en-US"/>
           </a:p>
@@ -27866,7 +27866,7 @@
           <a:p>
             <a:fld id="{C7EFF3D0-6BED-D444-BEB4-872DDA21BA8D}" type="datetime1">
               <a:rPr lang="en-GB" smtClean="0"/>
-              <a:t>07/10/2024</a:t>
+              <a:t>09/10/2024</a:t>
             </a:fld>
             <a:endParaRPr lang="en-US"/>
           </a:p>
@@ -28623,7 +28623,7 @@
           <a:p>
             <a:fld id="{C7EFF3D0-6BED-D444-BEB4-872DDA21BA8D}" type="datetime1">
               <a:rPr lang="en-GB" smtClean="0"/>
-              <a:t>07/10/2024</a:t>
+              <a:t>09/10/2024</a:t>
             </a:fld>
             <a:endParaRPr lang="en-US"/>
           </a:p>
@@ -28909,7 +28909,7 @@
           <a:p>
             <a:fld id="{C7EFF3D0-6BED-D444-BEB4-872DDA21BA8D}" type="datetime1">
               <a:rPr lang="en-GB" smtClean="0"/>
-              <a:t>07/10/2024</a:t>
+              <a:t>09/10/2024</a:t>
             </a:fld>
             <a:endParaRPr lang="en-US"/>
           </a:p>
@@ -29675,7 +29675,7 @@
           <a:p>
             <a:fld id="{C7EFF3D0-6BED-D444-BEB4-872DDA21BA8D}" type="datetime1">
               <a:rPr lang="en-GB" smtClean="0"/>
-              <a:t>07/10/2024</a:t>
+              <a:t>09/10/2024</a:t>
             </a:fld>
             <a:endParaRPr lang="en-US"/>
           </a:p>
@@ -30598,7 +30598,7 @@
           <a:p>
             <a:fld id="{D3ECCBB8-735C-914B-8E67-7852CBBDF7EA}" type="datetime1">
               <a:rPr lang="en-GB" smtClean="0"/>
-              <a:t>07/10/2024</a:t>
+              <a:t>09/10/2024</a:t>
             </a:fld>
             <a:endParaRPr lang="en-GB"/>
           </a:p>
@@ -31536,7 +31536,7 @@
           <a:p>
             <a:fld id="{D3ECCBB8-735C-914B-8E67-7852CBBDF7EA}" type="datetime1">
               <a:rPr lang="en-GB" smtClean="0"/>
-              <a:t>07/10/2024</a:t>
+              <a:t>09/10/2024</a:t>
             </a:fld>
             <a:endParaRPr lang="en-GB"/>
           </a:p>
@@ -32482,7 +32482,7 @@
           <a:p>
             <a:fld id="{D3ECCBB8-735C-914B-8E67-7852CBBDF7EA}" type="datetime1">
               <a:rPr lang="en-GB" smtClean="0"/>
-              <a:t>07/10/2024</a:t>
+              <a:t>09/10/2024</a:t>
             </a:fld>
             <a:endParaRPr lang="en-GB"/>
           </a:p>
@@ -33193,7 +33193,7 @@
           <a:p>
             <a:fld id="{C7EFF3D0-6BED-D444-BEB4-872DDA21BA8D}" type="datetime1">
               <a:rPr lang="en-GB" smtClean="0"/>
-              <a:t>07/10/2024</a:t>
+              <a:t>09/10/2024</a:t>
             </a:fld>
             <a:endParaRPr lang="en-US"/>
           </a:p>
@@ -35197,7 +35197,7 @@
           <a:p>
             <a:fld id="{C7EFF3D0-6BED-D444-BEB4-872DDA21BA8D}" type="datetime1">
               <a:rPr lang="en-GB" smtClean="0"/>
-              <a:t>07/10/2024</a:t>
+              <a:t>09/10/2024</a:t>
             </a:fld>
             <a:endParaRPr lang="en-US"/>
           </a:p>
@@ -38302,7 +38302,7 @@
           <a:p>
             <a:fld id="{D63005AE-A14B-7B48-9AF5-01E333747121}" type="datetime1">
               <a:rPr lang="en-GB" smtClean="0"/>
-              <a:t>07/10/2024</a:t>
+              <a:t>09/10/2024</a:t>
             </a:fld>
             <a:endParaRPr lang="en-GB"/>
           </a:p>
@@ -39753,7 +39753,7 @@
           <p:nvPr>
             <p:extLst>
               <p:ext uri="{D42A27DB-BD31-4B8C-83A1-F6EECF244321}">
-                <p14:modId xmlns:p14="http://schemas.microsoft.com/office/powerpoint/2010/main" val="3515825187"/>
+                <p14:modId xmlns:p14="http://schemas.microsoft.com/office/powerpoint/2010/main" val="2488023192"/>
               </p:ext>
             </p:extLst>
           </p:nvPr>
@@ -44574,6 +44574,17 @@
 </file>
 
 <file path=customXml/item2.xml><?xml version="1.0" encoding="utf-8"?>
+<p:properties xmlns:p="http://schemas.microsoft.com/office/2006/metadata/properties" xmlns:xsi="http://www.w3.org/2001/XMLSchema-instance" xmlns:pc="http://schemas.microsoft.com/office/infopath/2007/PartnerControls">
+  <documentManagement>
+    <lcf76f155ced4ddcb4097134ff3c332f xmlns="8a969d1d-647f-4e4c-97f9-a5143e71e435">
+      <Terms xmlns="http://schemas.microsoft.com/office/infopath/2007/PartnerControls"/>
+    </lcf76f155ced4ddcb4097134ff3c332f>
+    <TaxCatchAll xmlns="eb37a4e0-bf89-419d-8b31-963a97458fb1" xsi:nil="true"/>
+  </documentManagement>
+</p:properties>
+</file>
+
+<file path=customXml/item3.xml><?xml version="1.0" encoding="utf-8"?>
 <ct:contentTypeSchema xmlns:ct="http://schemas.microsoft.com/office/2006/metadata/contentType" xmlns:ma="http://schemas.microsoft.com/office/2006/metadata/properties/metaAttributes" ct:_="" ma:_="" ma:contentTypeName="Document" ma:contentTypeID="0x010100FC2ADAF580B8A648AEA7FF4A5F3D65E6" ma:contentTypeVersion="11" ma:contentTypeDescription="Create a new document." ma:contentTypeScope="" ma:versionID="f2db5c34f6348a370055c14b94ddc919">
   <xsd:schema xmlns:xsd="http://www.w3.org/2001/XMLSchema" xmlns:xs="http://www.w3.org/2001/XMLSchema" xmlns:p="http://schemas.microsoft.com/office/2006/metadata/properties" xmlns:ns2="8a969d1d-647f-4e4c-97f9-a5143e71e435" xmlns:ns3="eb37a4e0-bf89-419d-8b31-963a97458fb1" targetNamespace="http://schemas.microsoft.com/office/2006/metadata/properties" ma:root="true" ma:fieldsID="42bedbc2e246c6b2e71d78ed3d4618fc" ns2:_="" ns3:_="">
     <xsd:import namespace="8a969d1d-647f-4e4c-97f9-a5143e71e435"/>
@@ -44768,17 +44779,6 @@
 </ct:contentTypeSchema>
 </file>
 
-<file path=customXml/item3.xml><?xml version="1.0" encoding="utf-8"?>
-<p:properties xmlns:p="http://schemas.microsoft.com/office/2006/metadata/properties" xmlns:xsi="http://www.w3.org/2001/XMLSchema-instance" xmlns:pc="http://schemas.microsoft.com/office/infopath/2007/PartnerControls">
-  <documentManagement>
-    <lcf76f155ced4ddcb4097134ff3c332f xmlns="8a969d1d-647f-4e4c-97f9-a5143e71e435">
-      <Terms xmlns="http://schemas.microsoft.com/office/infopath/2007/PartnerControls"/>
-    </lcf76f155ced4ddcb4097134ff3c332f>
-    <TaxCatchAll xmlns="eb37a4e0-bf89-419d-8b31-963a97458fb1" xsi:nil="true"/>
-  </documentManagement>
-</p:properties>
-</file>
-
 <file path=customXml/itemProps1.xml><?xml version="1.0" encoding="utf-8"?>
 <ds:datastoreItem xmlns:ds="http://schemas.openxmlformats.org/officeDocument/2006/customXml" ds:itemID="{953B4D23-82FF-4812-9F4E-BB600331C634}">
   <ds:schemaRefs>
@@ -44788,6 +44788,23 @@
 </file>
 
 <file path=customXml/itemProps2.xml><?xml version="1.0" encoding="utf-8"?>
+<ds:datastoreItem xmlns:ds="http://schemas.openxmlformats.org/officeDocument/2006/customXml" ds:itemID="{8140E5F8-1399-4596-AA73-4BD79D26AFFD}">
+  <ds:schemaRefs>
+    <ds:schemaRef ds:uri="http://purl.org/dc/dcmitype/"/>
+    <ds:schemaRef ds:uri="http://schemas.microsoft.com/office/infopath/2007/PartnerControls"/>
+    <ds:schemaRef ds:uri="http://schemas.microsoft.com/office/2006/metadata/properties"/>
+    <ds:schemaRef ds:uri="http://schemas.openxmlformats.org/package/2006/metadata/core-properties"/>
+    <ds:schemaRef ds:uri="eb37a4e0-bf89-419d-8b31-963a97458fb1"/>
+    <ds:schemaRef ds:uri="http://purl.org/dc/elements/1.1/"/>
+    <ds:schemaRef ds:uri="http://schemas.microsoft.com/office/2006/documentManagement/types"/>
+    <ds:schemaRef ds:uri="8a969d1d-647f-4e4c-97f9-a5143e71e435"/>
+    <ds:schemaRef ds:uri="http://www.w3.org/XML/1998/namespace"/>
+    <ds:schemaRef ds:uri="http://purl.org/dc/terms/"/>
+  </ds:schemaRefs>
+</ds:datastoreItem>
+</file>
+
+<file path=customXml/itemProps3.xml><?xml version="1.0" encoding="utf-8"?>
 <ds:datastoreItem xmlns:ds="http://schemas.openxmlformats.org/officeDocument/2006/customXml" ds:itemID="{7DE18AF2-C1F0-4DCB-B624-E24984FCEF8F}">
   <ds:schemaRefs>
     <ds:schemaRef ds:uri="http://schemas.microsoft.com/office/2006/metadata/contentType"/>
@@ -44806,23 +44823,6 @@
 </ds:datastoreItem>
 </file>
 
-<file path=customXml/itemProps3.xml><?xml version="1.0" encoding="utf-8"?>
-<ds:datastoreItem xmlns:ds="http://schemas.openxmlformats.org/officeDocument/2006/customXml" ds:itemID="{8140E5F8-1399-4596-AA73-4BD79D26AFFD}">
-  <ds:schemaRefs>
-    <ds:schemaRef ds:uri="http://purl.org/dc/dcmitype/"/>
-    <ds:schemaRef ds:uri="http://schemas.microsoft.com/office/infopath/2007/PartnerControls"/>
-    <ds:schemaRef ds:uri="http://schemas.microsoft.com/office/2006/metadata/properties"/>
-    <ds:schemaRef ds:uri="http://schemas.openxmlformats.org/package/2006/metadata/core-properties"/>
-    <ds:schemaRef ds:uri="eb37a4e0-bf89-419d-8b31-963a97458fb1"/>
-    <ds:schemaRef ds:uri="http://purl.org/dc/elements/1.1/"/>
-    <ds:schemaRef ds:uri="http://schemas.microsoft.com/office/2006/documentManagement/types"/>
-    <ds:schemaRef ds:uri="8a969d1d-647f-4e4c-97f9-a5143e71e435"/>
-    <ds:schemaRef ds:uri="http://www.w3.org/XML/1998/namespace"/>
-    <ds:schemaRef ds:uri="http://purl.org/dc/terms/"/>
-  </ds:schemaRefs>
-</ds:datastoreItem>
-</file>
-
 <file path=docMetadata/LabelInfo.xml><?xml version="1.0" encoding="utf-8"?>
 <clbl:labelList xmlns:clbl="http://schemas.microsoft.com/office/2020/mipLabelMetadata">
   <clbl:label id="{2b5a89e7-01bf-42ed-9da1-669d82eec17a}" enabled="0" method="" siteId="{2b5a89e7-01bf-42ed-9da1-669d82eec17a}" removed="1"/>

--- a/questionare.pptx
+++ b/questionare.pptx
@@ -201,7 +201,7 @@
             <c:bubble3D val="0"/>
             <c:spPr>
               <a:solidFill>
-                <a:schemeClr val="accent3"/>
+                <a:srgbClr val="FCC54C"/>
               </a:solidFill>
               <a:ln w="19050">
                 <a:solidFill>
@@ -221,7 +221,7 @@
             <c:bubble3D val="0"/>
             <c:spPr>
               <a:solidFill>
-                <a:schemeClr val="accent4"/>
+                <a:srgbClr val="2D4FB2"/>
               </a:solidFill>
               <a:ln w="19050">
                 <a:solidFill>
@@ -261,7 +261,7 @@
             <c:bubble3D val="0"/>
             <c:spPr>
               <a:solidFill>
-                <a:schemeClr val="accent6"/>
+                <a:srgbClr val="FCB415"/>
               </a:solidFill>
               <a:ln w="19050">
                 <a:solidFill>
@@ -281,7 +281,7 @@
             <c:bubble3D val="0"/>
             <c:spPr>
               <a:solidFill>
-                <a:schemeClr val="tx2"/>
+                <a:srgbClr val="F15D22"/>
               </a:solidFill>
               <a:ln w="19050">
                 <a:solidFill>
@@ -301,10 +301,7 @@
             <c:bubble3D val="0"/>
             <c:spPr>
               <a:solidFill>
-                <a:schemeClr val="accent6">
-                  <a:lumMod val="25000"/>
-                  <a:lumOff val="75000"/>
-                </a:schemeClr>
+                <a:srgbClr val="C0C0CC"/>
               </a:solidFill>
               <a:ln w="19050">
                 <a:solidFill>
@@ -39753,7 +39750,7 @@
           <p:nvPr>
             <p:extLst>
               <p:ext uri="{D42A27DB-BD31-4B8C-83A1-F6EECF244321}">
-                <p14:modId xmlns:p14="http://schemas.microsoft.com/office/powerpoint/2010/main" val="2488023192"/>
+                <p14:modId xmlns:p14="http://schemas.microsoft.com/office/powerpoint/2010/main" val="3616403522"/>
               </p:ext>
             </p:extLst>
           </p:nvPr>
@@ -44565,26 +44562,6 @@
 </file>
 
 <file path=customXml/item1.xml><?xml version="1.0" encoding="utf-8"?>
-<?mso-contentType ?>
-<FormTemplates xmlns="http://schemas.microsoft.com/sharepoint/v3/contenttype/forms">
-  <Display>DocumentLibraryForm</Display>
-  <Edit>DocumentLibraryForm</Edit>
-  <New>DocumentLibraryForm</New>
-</FormTemplates>
-</file>
-
-<file path=customXml/item2.xml><?xml version="1.0" encoding="utf-8"?>
-<p:properties xmlns:p="http://schemas.microsoft.com/office/2006/metadata/properties" xmlns:xsi="http://www.w3.org/2001/XMLSchema-instance" xmlns:pc="http://schemas.microsoft.com/office/infopath/2007/PartnerControls">
-  <documentManagement>
-    <lcf76f155ced4ddcb4097134ff3c332f xmlns="8a969d1d-647f-4e4c-97f9-a5143e71e435">
-      <Terms xmlns="http://schemas.microsoft.com/office/infopath/2007/PartnerControls"/>
-    </lcf76f155ced4ddcb4097134ff3c332f>
-    <TaxCatchAll xmlns="eb37a4e0-bf89-419d-8b31-963a97458fb1" xsi:nil="true"/>
-  </documentManagement>
-</p:properties>
-</file>
-
-<file path=customXml/item3.xml><?xml version="1.0" encoding="utf-8"?>
 <ct:contentTypeSchema xmlns:ct="http://schemas.microsoft.com/office/2006/metadata/contentType" xmlns:ma="http://schemas.microsoft.com/office/2006/metadata/properties/metaAttributes" ct:_="" ma:_="" ma:contentTypeName="Document" ma:contentTypeID="0x010100FC2ADAF580B8A648AEA7FF4A5F3D65E6" ma:contentTypeVersion="11" ma:contentTypeDescription="Create a new document." ma:contentTypeScope="" ma:versionID="f2db5c34f6348a370055c14b94ddc919">
   <xsd:schema xmlns:xsd="http://www.w3.org/2001/XMLSchema" xmlns:xs="http://www.w3.org/2001/XMLSchema" xmlns:p="http://schemas.microsoft.com/office/2006/metadata/properties" xmlns:ns2="8a969d1d-647f-4e4c-97f9-a5143e71e435" xmlns:ns3="eb37a4e0-bf89-419d-8b31-963a97458fb1" targetNamespace="http://schemas.microsoft.com/office/2006/metadata/properties" ma:root="true" ma:fieldsID="42bedbc2e246c6b2e71d78ed3d4618fc" ns2:_="" ns3:_="">
     <xsd:import namespace="8a969d1d-647f-4e4c-97f9-a5143e71e435"/>
@@ -44779,10 +44756,41 @@
 </ct:contentTypeSchema>
 </file>
 
+<file path=customXml/item2.xml><?xml version="1.0" encoding="utf-8"?>
+<p:properties xmlns:p="http://schemas.microsoft.com/office/2006/metadata/properties" xmlns:xsi="http://www.w3.org/2001/XMLSchema-instance" xmlns:pc="http://schemas.microsoft.com/office/infopath/2007/PartnerControls">
+  <documentManagement>
+    <lcf76f155ced4ddcb4097134ff3c332f xmlns="8a969d1d-647f-4e4c-97f9-a5143e71e435">
+      <Terms xmlns="http://schemas.microsoft.com/office/infopath/2007/PartnerControls"/>
+    </lcf76f155ced4ddcb4097134ff3c332f>
+    <TaxCatchAll xmlns="eb37a4e0-bf89-419d-8b31-963a97458fb1" xsi:nil="true"/>
+  </documentManagement>
+</p:properties>
+</file>
+
+<file path=customXml/item3.xml><?xml version="1.0" encoding="utf-8"?>
+<?mso-contentType ?>
+<FormTemplates xmlns="http://schemas.microsoft.com/sharepoint/v3/contenttype/forms">
+  <Display>DocumentLibraryForm</Display>
+  <Edit>DocumentLibraryForm</Edit>
+  <New>DocumentLibraryForm</New>
+</FormTemplates>
+</file>
+
 <file path=customXml/itemProps1.xml><?xml version="1.0" encoding="utf-8"?>
-<ds:datastoreItem xmlns:ds="http://schemas.openxmlformats.org/officeDocument/2006/customXml" ds:itemID="{953B4D23-82FF-4812-9F4E-BB600331C634}">
+<ds:datastoreItem xmlns:ds="http://schemas.openxmlformats.org/officeDocument/2006/customXml" ds:itemID="{7DE18AF2-C1F0-4DCB-B624-E24984FCEF8F}">
   <ds:schemaRefs>
-    <ds:schemaRef ds:uri="http://schemas.microsoft.com/sharepoint/v3/contenttype/forms"/>
+    <ds:schemaRef ds:uri="http://schemas.microsoft.com/office/2006/metadata/contentType"/>
+    <ds:schemaRef ds:uri="http://schemas.microsoft.com/office/2006/metadata/properties/metaAttributes"/>
+    <ds:schemaRef ds:uri="http://www.w3.org/2001/XMLSchema"/>
+    <ds:schemaRef ds:uri="http://schemas.microsoft.com/office/2006/metadata/properties"/>
+    <ds:schemaRef ds:uri="8a969d1d-647f-4e4c-97f9-a5143e71e435"/>
+    <ds:schemaRef ds:uri="eb37a4e0-bf89-419d-8b31-963a97458fb1"/>
+    <ds:schemaRef ds:uri="http://schemas.microsoft.com/office/2006/documentManagement/types"/>
+    <ds:schemaRef ds:uri="http://schemas.microsoft.com/office/infopath/2007/PartnerControls"/>
+    <ds:schemaRef ds:uri="http://schemas.openxmlformats.org/package/2006/metadata/core-properties"/>
+    <ds:schemaRef ds:uri="http://purl.org/dc/elements/1.1/"/>
+    <ds:schemaRef ds:uri="http://purl.org/dc/terms/"/>
+    <ds:schemaRef ds:uri="http://schemas.microsoft.com/internal/obd"/>
   </ds:schemaRefs>
 </ds:datastoreItem>
 </file>
@@ -44805,20 +44813,9 @@
 </file>
 
 <file path=customXml/itemProps3.xml><?xml version="1.0" encoding="utf-8"?>
-<ds:datastoreItem xmlns:ds="http://schemas.openxmlformats.org/officeDocument/2006/customXml" ds:itemID="{7DE18AF2-C1F0-4DCB-B624-E24984FCEF8F}">
+<ds:datastoreItem xmlns:ds="http://schemas.openxmlformats.org/officeDocument/2006/customXml" ds:itemID="{953B4D23-82FF-4812-9F4E-BB600331C634}">
   <ds:schemaRefs>
-    <ds:schemaRef ds:uri="http://schemas.microsoft.com/office/2006/metadata/contentType"/>
-    <ds:schemaRef ds:uri="http://schemas.microsoft.com/office/2006/metadata/properties/metaAttributes"/>
-    <ds:schemaRef ds:uri="http://www.w3.org/2001/XMLSchema"/>
-    <ds:schemaRef ds:uri="http://schemas.microsoft.com/office/2006/metadata/properties"/>
-    <ds:schemaRef ds:uri="8a969d1d-647f-4e4c-97f9-a5143e71e435"/>
-    <ds:schemaRef ds:uri="eb37a4e0-bf89-419d-8b31-963a97458fb1"/>
-    <ds:schemaRef ds:uri="http://schemas.microsoft.com/office/2006/documentManagement/types"/>
-    <ds:schemaRef ds:uri="http://schemas.microsoft.com/office/infopath/2007/PartnerControls"/>
-    <ds:schemaRef ds:uri="http://schemas.openxmlformats.org/package/2006/metadata/core-properties"/>
-    <ds:schemaRef ds:uri="http://purl.org/dc/elements/1.1/"/>
-    <ds:schemaRef ds:uri="http://purl.org/dc/terms/"/>
-    <ds:schemaRef ds:uri="http://schemas.microsoft.com/internal/obd"/>
+    <ds:schemaRef ds:uri="http://schemas.microsoft.com/sharepoint/v3/contenttype/forms"/>
   </ds:schemaRefs>
 </ds:datastoreItem>
 </file>
